--- a/Documents/B1 ppt.pptx
+++ b/Documents/B1 ppt.pptx
@@ -30,8 +30,10 @@
     <p:sldId id="314" r:id="rId24"/>
     <p:sldId id="315" r:id="rId25"/>
     <p:sldId id="304" r:id="rId26"/>
-    <p:sldId id="308" r:id="rId27"/>
-    <p:sldId id="295" r:id="rId28"/>
+    <p:sldId id="318" r:id="rId27"/>
+    <p:sldId id="319" r:id="rId28"/>
+    <p:sldId id="308" r:id="rId29"/>
+    <p:sldId id="295" r:id="rId30"/>
   </p:sldIdLst>
   <p:sldSz cx="12192000" cy="6858000"/>
   <p:notesSz cx="6858000" cy="9144000"/>
@@ -132,7 +134,7 @@
   </p:defaultTextStyle>
   <p:extLst>
     <p:ext uri="{EFAFB233-063F-42B5-8137-9DF3F51BA10A}">
-      <p15:sldGuideLst xmlns:p15="http://schemas.microsoft.com/office/powerpoint/2012/main" xmlns="">
+      <p15:sldGuideLst xmlns:p15="http://schemas.microsoft.com/office/powerpoint/2012/main">
         <p15:guide id="1" orient="horz" pos="2160">
           <p15:clr>
             <a:srgbClr val="A4A3A4"/>
@@ -338,7 +340,7 @@
             <a:fld id="{48A87A34-81AB-432B-8DAE-1953F412C126}" type="datetimeFigureOut">
               <a:rPr lang="en-US" smtClean="0"/>
               <a:pPr/>
-              <a:t>6/13/2021</a:t>
+              <a:t>6/16/2021</a:t>
             </a:fld>
             <a:endParaRPr lang="en-US" dirty="0"/>
           </a:p>
@@ -477,7 +479,7 @@
     </p:spTree>
     <p:extLst>
       <p:ext uri="{BB962C8B-B14F-4D97-AF65-F5344CB8AC3E}">
-        <p14:creationId xmlns:p14="http://schemas.microsoft.com/office/powerpoint/2010/main" xmlns="" val="1737706553"/>
+        <p14:creationId xmlns:p14="http://schemas.microsoft.com/office/powerpoint/2010/main" val="1737706553"/>
       </p:ext>
     </p:extLst>
   </p:cSld>
@@ -678,7 +680,7 @@
             <a:fld id="{48A87A34-81AB-432B-8DAE-1953F412C126}" type="datetimeFigureOut">
               <a:rPr lang="en-US" smtClean="0"/>
               <a:pPr/>
-              <a:t>6/13/2021</a:t>
+              <a:t>6/16/2021</a:t>
             </a:fld>
             <a:endParaRPr lang="en-US" dirty="0"/>
           </a:p>
@@ -817,7 +819,7 @@
     </p:spTree>
     <p:extLst>
       <p:ext uri="{BB962C8B-B14F-4D97-AF65-F5344CB8AC3E}">
-        <p14:creationId xmlns:p14="http://schemas.microsoft.com/office/powerpoint/2010/main" xmlns="" val="1423250562"/>
+        <p14:creationId xmlns:p14="http://schemas.microsoft.com/office/powerpoint/2010/main" val="1423250562"/>
       </p:ext>
     </p:extLst>
   </p:cSld>
@@ -1081,7 +1083,7 @@
             <a:fld id="{48A87A34-81AB-432B-8DAE-1953F412C126}" type="datetimeFigureOut">
               <a:rPr lang="en-US" smtClean="0"/>
               <a:pPr/>
-              <a:t>6/13/2021</a:t>
+              <a:t>6/16/2021</a:t>
             </a:fld>
             <a:endParaRPr lang="en-US" dirty="0"/>
           </a:p>
@@ -1296,7 +1298,7 @@
     </p:spTree>
     <p:extLst>
       <p:ext uri="{BB962C8B-B14F-4D97-AF65-F5344CB8AC3E}">
-        <p14:creationId xmlns:p14="http://schemas.microsoft.com/office/powerpoint/2010/main" xmlns="" val="3104988351"/>
+        <p14:creationId xmlns:p14="http://schemas.microsoft.com/office/powerpoint/2010/main" val="3104988351"/>
       </p:ext>
     </p:extLst>
   </p:cSld>
@@ -1419,7 +1421,7 @@
             <a:fld id="{48A87A34-81AB-432B-8DAE-1953F412C126}" type="datetimeFigureOut">
               <a:rPr lang="en-US" smtClean="0"/>
               <a:pPr/>
-              <a:t>6/13/2021</a:t>
+              <a:t>6/16/2021</a:t>
             </a:fld>
             <a:endParaRPr lang="en-US" dirty="0"/>
           </a:p>
@@ -1558,7 +1560,7 @@
     </p:spTree>
     <p:extLst>
       <p:ext uri="{BB962C8B-B14F-4D97-AF65-F5344CB8AC3E}">
-        <p14:creationId xmlns:p14="http://schemas.microsoft.com/office/powerpoint/2010/main" xmlns="" val="2523932459"/>
+        <p14:creationId xmlns:p14="http://schemas.microsoft.com/office/powerpoint/2010/main" val="2523932459"/>
       </p:ext>
     </p:extLst>
   </p:cSld>
@@ -1741,7 +1743,7 @@
             <a:fld id="{48A87A34-81AB-432B-8DAE-1953F412C126}" type="datetimeFigureOut">
               <a:rPr lang="en-US" smtClean="0"/>
               <a:pPr/>
-              <a:t>6/13/2021</a:t>
+              <a:t>6/16/2021</a:t>
             </a:fld>
             <a:endParaRPr lang="en-US" dirty="0"/>
           </a:p>
@@ -1956,7 +1958,7 @@
     </p:spTree>
     <p:extLst>
       <p:ext uri="{BB962C8B-B14F-4D97-AF65-F5344CB8AC3E}">
-        <p14:creationId xmlns:p14="http://schemas.microsoft.com/office/powerpoint/2010/main" xmlns="" val="594266140"/>
+        <p14:creationId xmlns:p14="http://schemas.microsoft.com/office/powerpoint/2010/main" val="594266140"/>
       </p:ext>
     </p:extLst>
   </p:cSld>
@@ -2139,7 +2141,7 @@
             <a:fld id="{48A87A34-81AB-432B-8DAE-1953F412C126}" type="datetimeFigureOut">
               <a:rPr lang="en-US" smtClean="0"/>
               <a:pPr/>
-              <a:t>6/13/2021</a:t>
+              <a:t>6/16/2021</a:t>
             </a:fld>
             <a:endParaRPr lang="en-US" dirty="0"/>
           </a:p>
@@ -2278,7 +2280,7 @@
     </p:spTree>
     <p:extLst>
       <p:ext uri="{BB962C8B-B14F-4D97-AF65-F5344CB8AC3E}">
-        <p14:creationId xmlns:p14="http://schemas.microsoft.com/office/powerpoint/2010/main" xmlns="" val="2122544395"/>
+        <p14:creationId xmlns:p14="http://schemas.microsoft.com/office/powerpoint/2010/main" val="2122544395"/>
       </p:ext>
     </p:extLst>
   </p:cSld>
@@ -2398,7 +2400,7 @@
             <a:fld id="{48A87A34-81AB-432B-8DAE-1953F412C126}" type="datetimeFigureOut">
               <a:rPr lang="en-US" smtClean="0"/>
               <a:pPr/>
-              <a:t>6/13/2021</a:t>
+              <a:t>6/16/2021</a:t>
             </a:fld>
             <a:endParaRPr lang="en-US" dirty="0"/>
           </a:p>
@@ -2532,7 +2534,7 @@
     </p:spTree>
     <p:extLst>
       <p:ext uri="{BB962C8B-B14F-4D97-AF65-F5344CB8AC3E}">
-        <p14:creationId xmlns:p14="http://schemas.microsoft.com/office/powerpoint/2010/main" xmlns="" val="1632175032"/>
+        <p14:creationId xmlns:p14="http://schemas.microsoft.com/office/powerpoint/2010/main" val="1632175032"/>
       </p:ext>
     </p:extLst>
   </p:cSld>
@@ -2662,7 +2664,7 @@
             <a:fld id="{48A87A34-81AB-432B-8DAE-1953F412C126}" type="datetimeFigureOut">
               <a:rPr lang="en-US" smtClean="0"/>
               <a:pPr/>
-              <a:t>6/13/2021</a:t>
+              <a:t>6/16/2021</a:t>
             </a:fld>
             <a:endParaRPr lang="en-US" dirty="0"/>
           </a:p>
@@ -2796,7 +2798,7 @@
     </p:spTree>
     <p:extLst>
       <p:ext uri="{BB962C8B-B14F-4D97-AF65-F5344CB8AC3E}">
-        <p14:creationId xmlns:p14="http://schemas.microsoft.com/office/powerpoint/2010/main" xmlns="" val="3257271152"/>
+        <p14:creationId xmlns:p14="http://schemas.microsoft.com/office/powerpoint/2010/main" val="3257271152"/>
       </p:ext>
     </p:extLst>
   </p:cSld>
@@ -2926,7 +2928,7 @@
             <a:fld id="{48A87A34-81AB-432B-8DAE-1953F412C126}" type="datetimeFigureOut">
               <a:rPr lang="en-US" smtClean="0"/>
               <a:pPr/>
-              <a:t>6/13/2021</a:t>
+              <a:t>6/16/2021</a:t>
             </a:fld>
             <a:endParaRPr lang="en-US" dirty="0"/>
           </a:p>
@@ -3060,7 +3062,7 @@
     </p:spTree>
     <p:extLst>
       <p:ext uri="{BB962C8B-B14F-4D97-AF65-F5344CB8AC3E}">
-        <p14:creationId xmlns:p14="http://schemas.microsoft.com/office/powerpoint/2010/main" xmlns="" val="3427932449"/>
+        <p14:creationId xmlns:p14="http://schemas.microsoft.com/office/powerpoint/2010/main" val="3427932449"/>
       </p:ext>
     </p:extLst>
   </p:cSld>
@@ -3257,7 +3259,7 @@
             <a:fld id="{48A87A34-81AB-432B-8DAE-1953F412C126}" type="datetimeFigureOut">
               <a:rPr lang="en-US" smtClean="0"/>
               <a:pPr/>
-              <a:t>6/13/2021</a:t>
+              <a:t>6/16/2021</a:t>
             </a:fld>
             <a:endParaRPr lang="en-US" dirty="0"/>
           </a:p>
@@ -3396,7 +3398,7 @@
     </p:spTree>
     <p:extLst>
       <p:ext uri="{BB962C8B-B14F-4D97-AF65-F5344CB8AC3E}">
-        <p14:creationId xmlns:p14="http://schemas.microsoft.com/office/powerpoint/2010/main" xmlns="" val="2858507694"/>
+        <p14:creationId xmlns:p14="http://schemas.microsoft.com/office/powerpoint/2010/main" val="2858507694"/>
       </p:ext>
     </p:extLst>
   </p:cSld>
@@ -3582,7 +3584,7 @@
             <a:fld id="{48A87A34-81AB-432B-8DAE-1953F412C126}" type="datetimeFigureOut">
               <a:rPr lang="en-US" smtClean="0"/>
               <a:pPr/>
-              <a:t>6/13/2021</a:t>
+              <a:t>6/16/2021</a:t>
             </a:fld>
             <a:endParaRPr lang="en-US" dirty="0"/>
           </a:p>
@@ -3721,7 +3723,7 @@
     </p:spTree>
     <p:extLst>
       <p:ext uri="{BB962C8B-B14F-4D97-AF65-F5344CB8AC3E}">
-        <p14:creationId xmlns:p14="http://schemas.microsoft.com/office/powerpoint/2010/main" xmlns="" val="992334819"/>
+        <p14:creationId xmlns:p14="http://schemas.microsoft.com/office/powerpoint/2010/main" val="992334819"/>
       </p:ext>
     </p:extLst>
   </p:cSld>
@@ -4041,7 +4043,7 @@
             <a:fld id="{48A87A34-81AB-432B-8DAE-1953F412C126}" type="datetimeFigureOut">
               <a:rPr lang="en-US" smtClean="0"/>
               <a:pPr/>
-              <a:t>6/13/2021</a:t>
+              <a:t>6/16/2021</a:t>
             </a:fld>
             <a:endParaRPr lang="en-US" dirty="0"/>
           </a:p>
@@ -4180,7 +4182,7 @@
     </p:spTree>
     <p:extLst>
       <p:ext uri="{BB962C8B-B14F-4D97-AF65-F5344CB8AC3E}">
-        <p14:creationId xmlns:p14="http://schemas.microsoft.com/office/powerpoint/2010/main" xmlns="" val="2793130741"/>
+        <p14:creationId xmlns:p14="http://schemas.microsoft.com/office/powerpoint/2010/main" val="2793130741"/>
       </p:ext>
     </p:extLst>
   </p:cSld>
@@ -4248,7 +4250,7 @@
             <a:fld id="{48A87A34-81AB-432B-8DAE-1953F412C126}" type="datetimeFigureOut">
               <a:rPr lang="en-US" smtClean="0"/>
               <a:pPr/>
-              <a:t>6/13/2021</a:t>
+              <a:t>6/16/2021</a:t>
             </a:fld>
             <a:endParaRPr lang="en-US" dirty="0"/>
           </a:p>
@@ -4382,7 +4384,7 @@
     </p:spTree>
     <p:extLst>
       <p:ext uri="{BB962C8B-B14F-4D97-AF65-F5344CB8AC3E}">
-        <p14:creationId xmlns:p14="http://schemas.microsoft.com/office/powerpoint/2010/main" xmlns="" val="1756310508"/>
+        <p14:creationId xmlns:p14="http://schemas.microsoft.com/office/powerpoint/2010/main" val="1756310508"/>
       </p:ext>
     </p:extLst>
   </p:cSld>
@@ -4427,7 +4429,7 @@
             <a:fld id="{48A87A34-81AB-432B-8DAE-1953F412C126}" type="datetimeFigureOut">
               <a:rPr lang="en-US" smtClean="0"/>
               <a:pPr/>
-              <a:t>6/13/2021</a:t>
+              <a:t>6/16/2021</a:t>
             </a:fld>
             <a:endParaRPr lang="en-US" dirty="0"/>
           </a:p>
@@ -4561,7 +4563,7 @@
     </p:spTree>
     <p:extLst>
       <p:ext uri="{BB962C8B-B14F-4D97-AF65-F5344CB8AC3E}">
-        <p14:creationId xmlns:p14="http://schemas.microsoft.com/office/powerpoint/2010/main" xmlns="" val="351296802"/>
+        <p14:creationId xmlns:p14="http://schemas.microsoft.com/office/powerpoint/2010/main" val="351296802"/>
       </p:ext>
     </p:extLst>
   </p:cSld>
@@ -4762,7 +4764,7 @@
             <a:fld id="{48A87A34-81AB-432B-8DAE-1953F412C126}" type="datetimeFigureOut">
               <a:rPr lang="en-US" smtClean="0"/>
               <a:pPr/>
-              <a:t>6/13/2021</a:t>
+              <a:t>6/16/2021</a:t>
             </a:fld>
             <a:endParaRPr lang="en-US" dirty="0"/>
           </a:p>
@@ -4896,7 +4898,7 @@
     </p:spTree>
     <p:extLst>
       <p:ext uri="{BB962C8B-B14F-4D97-AF65-F5344CB8AC3E}">
-        <p14:creationId xmlns:p14="http://schemas.microsoft.com/office/powerpoint/2010/main" xmlns="" val="3280194020"/>
+        <p14:creationId xmlns:p14="http://schemas.microsoft.com/office/powerpoint/2010/main" val="3280194020"/>
       </p:ext>
     </p:extLst>
   </p:cSld>
@@ -5109,7 +5111,7 @@
             <a:fld id="{48A87A34-81AB-432B-8DAE-1953F412C126}" type="datetimeFigureOut">
               <a:rPr lang="en-US" smtClean="0"/>
               <a:pPr/>
-              <a:t>6/13/2021</a:t>
+              <a:t>6/16/2021</a:t>
             </a:fld>
             <a:endParaRPr lang="en-US" dirty="0"/>
           </a:p>
@@ -5248,7 +5250,7 @@
     </p:spTree>
     <p:extLst>
       <p:ext uri="{BB962C8B-B14F-4D97-AF65-F5344CB8AC3E}">
-        <p14:creationId xmlns:p14="http://schemas.microsoft.com/office/powerpoint/2010/main" xmlns="" val="2811087863"/>
+        <p14:creationId xmlns:p14="http://schemas.microsoft.com/office/powerpoint/2010/main" val="2811087863"/>
       </p:ext>
     </p:extLst>
   </p:cSld>
@@ -7228,7 +7230,7 @@
             <a:fld id="{48A87A34-81AB-432B-8DAE-1953F412C126}" type="datetimeFigureOut">
               <a:rPr lang="en-US" smtClean="0"/>
               <a:pPr/>
-              <a:t>6/13/2021</a:t>
+              <a:t>6/16/2021</a:t>
             </a:fld>
             <a:endParaRPr lang="en-US" dirty="0"/>
           </a:p>
@@ -7314,7 +7316,7 @@
     </p:spTree>
     <p:extLst>
       <p:ext uri="{BB962C8B-B14F-4D97-AF65-F5344CB8AC3E}">
-        <p14:creationId xmlns:p14="http://schemas.microsoft.com/office/powerpoint/2010/main" xmlns="" val="3415581627"/>
+        <p14:creationId xmlns:p14="http://schemas.microsoft.com/office/powerpoint/2010/main" val="3415581627"/>
       </p:ext>
     </p:extLst>
   </p:cSld>
@@ -7759,13 +7761,13 @@
         </p:nvSpPr>
         <p:spPr>
           <a:xfrm>
-            <a:off x="1706880" y="777436"/>
-            <a:ext cx="8610600" cy="752261"/>
+            <a:off x="1706879" y="777436"/>
+            <a:ext cx="9248165" cy="1257451"/>
           </a:xfrm>
         </p:spPr>
         <p:txBody>
           <a:bodyPr>
-            <a:normAutofit fontScale="90000"/>
+            <a:noAutofit/>
           </a:bodyPr>
           <a:lstStyle/>
           <a:p>
@@ -7810,7 +7812,7 @@
         </p:nvSpPr>
         <p:spPr>
           <a:xfrm>
-            <a:off x="3637416" y="2105900"/>
+            <a:off x="4698377" y="2465096"/>
             <a:ext cx="4123783" cy="2862322"/>
           </a:xfrm>
           <a:prstGeom prst="rect">
@@ -7859,41 +7861,41 @@
           </a:p>
           <a:p>
             <a:r>
+              <a:rPr lang="en-US" b="1" dirty="0" err="1">
+                <a:latin typeface="Times New Roman" pitchFamily="18" charset="0"/>
+                <a:cs typeface="Times New Roman" pitchFamily="18" charset="0"/>
+              </a:rPr>
+              <a:t>Sangavi</a:t>
+            </a:r>
+            <a:r>
               <a:rPr lang="en-US" b="1" dirty="0">
                 <a:latin typeface="Times New Roman" pitchFamily="18" charset="0"/>
                 <a:cs typeface="Times New Roman" pitchFamily="18" charset="0"/>
               </a:rPr>
-              <a:t>Shanmugam Mithra  -  211417104253</a:t>
-            </a:r>
-          </a:p>
-          <a:p>
+              <a:t> </a:t>
+            </a:r>
             <a:r>
               <a:rPr lang="en-US" b="1" dirty="0" err="1">
                 <a:latin typeface="Times New Roman" pitchFamily="18" charset="0"/>
                 <a:cs typeface="Times New Roman" pitchFamily="18" charset="0"/>
               </a:rPr>
-              <a:t>Sangavi</a:t>
+              <a:t>Priyaa</a:t>
             </a:r>
             <a:r>
               <a:rPr lang="en-US" b="1" dirty="0">
                 <a:latin typeface="Times New Roman" pitchFamily="18" charset="0"/>
                 <a:cs typeface="Times New Roman" pitchFamily="18" charset="0"/>
               </a:rPr>
-              <a:t> </a:t>
-            </a:r>
-            <a:r>
-              <a:rPr lang="en-US" b="1" dirty="0" err="1">
-                <a:latin typeface="Times New Roman" pitchFamily="18" charset="0"/>
-                <a:cs typeface="Times New Roman" pitchFamily="18" charset="0"/>
-              </a:rPr>
-              <a:t>Priyaa</a:t>
-            </a:r>
+              <a:t>. M  -  211417104237</a:t>
+            </a:r>
+          </a:p>
+          <a:p>
             <a:r>
               <a:rPr lang="en-US" b="1" dirty="0">
                 <a:latin typeface="Times New Roman" pitchFamily="18" charset="0"/>
                 <a:cs typeface="Times New Roman" pitchFamily="18" charset="0"/>
               </a:rPr>
-              <a:t>. M  -  211417104237</a:t>
+              <a:t>Shanmugam Mithra  -  211417104253</a:t>
             </a:r>
           </a:p>
           <a:p>
@@ -7966,7 +7968,7 @@
         <p:spPr>
           <a:xfrm>
             <a:off x="2828089" y="4392904"/>
-            <a:ext cx="5755194" cy="1754326"/>
+            <a:ext cx="5755194" cy="646331"/>
           </a:xfrm>
           <a:prstGeom prst="rect">
             <a:avLst/>
@@ -7980,26 +7982,6 @@
           <a:lstStyle/>
           <a:p>
             <a:pPr algn="ctr"/>
-            <a:r>
-              <a:rPr lang="en-US" b="1" dirty="0">
-                <a:latin typeface="Times New Roman" pitchFamily="18" charset="0"/>
-                <a:cs typeface="Times New Roman" pitchFamily="18" charset="0"/>
-              </a:rPr>
-              <a:t/>
-            </a:r>
-            <a:br>
-              <a:rPr lang="en-US" b="1" dirty="0">
-                <a:latin typeface="Times New Roman" pitchFamily="18" charset="0"/>
-                <a:cs typeface="Times New Roman" pitchFamily="18" charset="0"/>
-              </a:rPr>
-            </a:br>
-            <a:r>
-              <a:rPr lang="en-US" b="1" dirty="0">
-                <a:latin typeface="Times New Roman" pitchFamily="18" charset="0"/>
-                <a:cs typeface="Times New Roman" pitchFamily="18" charset="0"/>
-              </a:rPr>
-              <a:t>B.E – FINAL  YEAR</a:t>
-            </a:r>
             <a:br>
               <a:rPr lang="en-US" b="1" dirty="0">
                 <a:latin typeface="Times New Roman" pitchFamily="18" charset="0"/>
@@ -8010,33 +7992,6 @@
               <a:latin typeface="Times New Roman" pitchFamily="18" charset="0"/>
               <a:cs typeface="Times New Roman" pitchFamily="18" charset="0"/>
             </a:endParaRPr>
-          </a:p>
-          <a:p>
-            <a:pPr algn="ctr"/>
-            <a:r>
-              <a:rPr lang="en-US" b="1" dirty="0">
-                <a:latin typeface="Times New Roman" pitchFamily="18" charset="0"/>
-                <a:cs typeface="Times New Roman" pitchFamily="18" charset="0"/>
-              </a:rPr>
-              <a:t>COMPUTER SCIENCE &amp; ENGINEERING</a:t>
-            </a:r>
-          </a:p>
-          <a:p>
-            <a:pPr algn="ctr"/>
-            <a:endParaRPr lang="en-US" b="1" dirty="0">
-              <a:latin typeface="Times New Roman" pitchFamily="18" charset="0"/>
-              <a:cs typeface="Times New Roman" pitchFamily="18" charset="0"/>
-            </a:endParaRPr>
-          </a:p>
-          <a:p>
-            <a:pPr algn="ctr"/>
-            <a:r>
-              <a:rPr lang="en-US" b="1" dirty="0">
-                <a:latin typeface="Times New Roman" pitchFamily="18" charset="0"/>
-                <a:cs typeface="Times New Roman" pitchFamily="18" charset="0"/>
-              </a:rPr>
-              <a:t>PANIMALAR ENGINEERING COLLEGE , CHENNAI</a:t>
-            </a:r>
           </a:p>
         </p:txBody>
       </p:sp>
@@ -8048,13 +8003,6 @@
   <p:transition>
     <p:comb dir="vert"/>
   </p:transition>
-  <p:timing>
-    <p:tnLst>
-      <p:par>
-        <p:cTn id="1" dur="indefinite" restart="never" nodeType="tmRoot"/>
-      </p:par>
-    </p:tnLst>
-  </p:timing>
 </p:sld>
 </file>
 
@@ -8098,15 +8046,11 @@
           <a:lstStyle/>
           <a:p>
             <a:r>
-              <a:rPr lang="en-GB" sz="4000" b="1" dirty="0" smtClean="0"/>
+              <a:rPr lang="en-GB" sz="4000" b="1" dirty="0"/>
               <a:t>SEQUENCE DIAGRAM</a:t>
             </a:r>
-            <a:r>
-              <a:rPr lang="en-GB" b="1" dirty="0" smtClean="0"/>
-              <a:t/>
-            </a:r>
             <a:br>
-              <a:rPr lang="en-GB" b="1" dirty="0" smtClean="0"/>
+              <a:rPr lang="en-GB" b="1" dirty="0"/>
             </a:br>
             <a:endParaRPr lang="en-GB" b="1" dirty="0"/>
           </a:p>
@@ -8140,13 +8084,6 @@
   <p:clrMapOvr>
     <a:masterClrMapping/>
   </p:clrMapOvr>
-  <p:timing>
-    <p:tnLst>
-      <p:par>
-        <p:cTn id="1" dur="indefinite" restart="never" nodeType="tmRoot"/>
-      </p:par>
-    </p:tnLst>
-  </p:timing>
 </p:sld>
 </file>
 
@@ -8275,10 +8212,6 @@
                 <a:spcPct val="150000"/>
               </a:lnSpc>
             </a:pPr>
-            <a:r>
-              <a:rPr lang="en-US" dirty="0"/>
-              <a:t/>
-            </a:r>
             <a:br>
               <a:rPr lang="en-US" dirty="0"/>
             </a:br>
@@ -8289,20 +8222,13 @@
     </p:spTree>
     <p:extLst>
       <p:ext uri="{BB962C8B-B14F-4D97-AF65-F5344CB8AC3E}">
-        <p14:creationId xmlns:p14="http://schemas.microsoft.com/office/powerpoint/2010/main" xmlns="" val="1383085814"/>
+        <p14:creationId xmlns:p14="http://schemas.microsoft.com/office/powerpoint/2010/main" val="1383085814"/>
       </p:ext>
     </p:extLst>
   </p:cSld>
   <p:clrMapOvr>
     <a:masterClrMapping/>
   </p:clrMapOvr>
-  <p:timing>
-    <p:tnLst>
-      <p:par>
-        <p:cTn id="1" dur="indefinite" restart="never" nodeType="tmRoot"/>
-      </p:par>
-    </p:tnLst>
-  </p:timing>
 </p:sld>
 </file>
 
@@ -8356,17 +8282,9 @@
               <a:rPr lang="en-US" sz="2000" dirty="0"/>
               <a:t>Monitor current, voltage and power for appliances</a:t>
             </a:r>
-            <a:r>
-              <a:rPr lang="en-US" sz="900" dirty="0"/>
-              <a:t/>
-            </a:r>
             <a:br>
               <a:rPr lang="en-US" sz="900" dirty="0"/>
             </a:br>
-            <a:r>
-              <a:rPr lang="en-US" sz="700" dirty="0"/>
-              <a:t/>
-            </a:r>
             <a:br>
               <a:rPr lang="en-US" sz="700" dirty="0"/>
             </a:br>
@@ -8441,13 +8359,6 @@
   <p:clrMapOvr>
     <a:masterClrMapping/>
   </p:clrMapOvr>
-  <p:timing>
-    <p:tnLst>
-      <p:par>
-        <p:cTn id="1" dur="indefinite" restart="never" nodeType="tmRoot"/>
-      </p:par>
-    </p:tnLst>
-  </p:timing>
 </p:sld>
 </file>
 
@@ -8584,13 +8495,6 @@
   <p:clrMapOvr>
     <a:masterClrMapping/>
   </p:clrMapOvr>
-  <p:timing>
-    <p:tnLst>
-      <p:par>
-        <p:cTn id="1" dur="indefinite" restart="never" nodeType="tmRoot"/>
-      </p:par>
-    </p:tnLst>
-  </p:timing>
 </p:sld>
 </file>
 
@@ -8638,11 +8542,7 @@
             </a:pPr>
             <a:r>
               <a:rPr lang="en-US" sz="3200" b="1" dirty="0"/>
-              <a:t>        Overload Production </a:t>
-            </a:r>
-            <a:r>
-              <a:rPr lang="en-US" sz="3200" b="1" dirty="0" smtClean="0"/>
-              <a:t>Service</a:t>
+              <a:t>        Overload Production Service</a:t>
             </a:r>
           </a:p>
           <a:p>
@@ -8735,20 +8635,13 @@
     </p:spTree>
     <p:extLst>
       <p:ext uri="{BB962C8B-B14F-4D97-AF65-F5344CB8AC3E}">
-        <p14:creationId xmlns:p14="http://schemas.microsoft.com/office/powerpoint/2010/main" xmlns="" val="570322067"/>
+        <p14:creationId xmlns:p14="http://schemas.microsoft.com/office/powerpoint/2010/main" val="570322067"/>
       </p:ext>
     </p:extLst>
   </p:cSld>
   <p:clrMapOvr>
     <a:masterClrMapping/>
   </p:clrMapOvr>
-  <p:timing>
-    <p:tnLst>
-      <p:par>
-        <p:cTn id="1" dur="indefinite" restart="never" nodeType="tmRoot"/>
-      </p:par>
-    </p:tnLst>
-  </p:timing>
 </p:sld>
 </file>
 
@@ -8794,10 +8687,6 @@
             <a:pPr>
               <a:buNone/>
             </a:pPr>
-            <a:r>
-              <a:rPr lang="en-US" sz="1400" dirty="0"/>
-              <a:t/>
-            </a:r>
             <a:br>
               <a:rPr lang="en-US" sz="1400" dirty="0"/>
             </a:br>
@@ -8872,13 +8761,6 @@
   <p:clrMapOvr>
     <a:masterClrMapping/>
   </p:clrMapOvr>
-  <p:timing>
-    <p:tnLst>
-      <p:par>
-        <p:cTn id="1" dur="indefinite" restart="never" nodeType="tmRoot"/>
-      </p:par>
-    </p:tnLst>
-  </p:timing>
 </p:sld>
 </file>
 
@@ -8904,7 +8786,7 @@
           <p:cNvPr id="2" name="Title 1">
             <a:extLst>
               <a:ext uri="{FF2B5EF4-FFF2-40B4-BE49-F238E27FC236}">
-                <a16:creationId xmlns:a16="http://schemas.microsoft.com/office/drawing/2014/main" xmlns="" id="{92621C98-27AB-494B-A165-661F43B928E6}"/>
+                <a16:creationId xmlns:a16="http://schemas.microsoft.com/office/drawing/2014/main" id="{92621C98-27AB-494B-A165-661F43B928E6}"/>
               </a:ext>
             </a:extLst>
           </p:cNvPr>
@@ -8927,15 +8809,6 @@
           </a:bodyPr>
           <a:lstStyle/>
           <a:p>
-            <a:r>
-              <a:rPr lang="en-IN" sz="1800" b="0" i="0" u="none" strike="noStrike" baseline="0" dirty="0">
-                <a:solidFill>
-                  <a:srgbClr val="000000"/>
-                </a:solidFill>
-                <a:latin typeface="Courier New" panose="02070309020205020404" pitchFamily="49" charset="0"/>
-              </a:rPr>
-              <a:t/>
-            </a:r>
             <a:br>
               <a:rPr lang="en-IN" sz="1800" b="0" i="0" u="none" strike="noStrike" baseline="0" dirty="0">
                 <a:solidFill>
@@ -8956,15 +8829,6 @@
               </a:rPr>
               <a:t>Testing </a:t>
             </a:r>
-            <a:r>
-              <a:rPr lang="en-IN" sz="1800" b="0" i="0" u="none" strike="noStrike" baseline="0" dirty="0">
-                <a:solidFill>
-                  <a:srgbClr val="000000"/>
-                </a:solidFill>
-                <a:latin typeface="Courier New" panose="02070309020205020404" pitchFamily="49" charset="0"/>
-              </a:rPr>
-              <a:t/>
-            </a:r>
             <a:br>
               <a:rPr lang="en-IN" sz="1800" b="0" i="0" u="none" strike="noStrike" baseline="0" dirty="0">
                 <a:solidFill>
@@ -8973,15 +8837,6 @@
                 <a:latin typeface="Courier New" panose="02070309020205020404" pitchFamily="49" charset="0"/>
               </a:rPr>
             </a:br>
-            <a:r>
-              <a:rPr lang="en-US" sz="1800" b="0" i="0" u="none" strike="noStrike" baseline="0" dirty="0">
-                <a:solidFill>
-                  <a:srgbClr val="000000"/>
-                </a:solidFill>
-                <a:latin typeface="Courier New" panose="02070309020205020404" pitchFamily="49" charset="0"/>
-              </a:rPr>
-              <a:t/>
-            </a:r>
             <a:br>
               <a:rPr lang="en-US" sz="1800" b="0" i="0" u="none" strike="noStrike" baseline="0" dirty="0">
                 <a:solidFill>
@@ -8990,15 +8845,6 @@
                 <a:latin typeface="Courier New" panose="02070309020205020404" pitchFamily="49" charset="0"/>
               </a:rPr>
             </a:br>
-            <a:r>
-              <a:rPr lang="en-IN" sz="1800" b="0" i="0" u="none" strike="noStrike" baseline="0" dirty="0">
-                <a:solidFill>
-                  <a:srgbClr val="000000"/>
-                </a:solidFill>
-                <a:latin typeface="Courier New" panose="02070309020205020404" pitchFamily="49" charset="0"/>
-              </a:rPr>
-              <a:t/>
-            </a:r>
             <a:br>
               <a:rPr lang="en-IN" sz="1800" b="0" i="0" u="none" strike="noStrike" baseline="0" dirty="0">
                 <a:solidFill>
@@ -9019,11 +8865,16 @@
           </p:cNvGraphicFramePr>
           <p:nvPr>
             <p:ph idx="1"/>
+            <p:extLst>
+              <p:ext uri="{D42A27DB-BD31-4B8C-83A1-F6EECF244321}">
+                <p14:modId xmlns:p14="http://schemas.microsoft.com/office/powerpoint/2010/main" val="2076069866"/>
+              </p:ext>
+            </p:extLst>
           </p:nvPr>
         </p:nvGraphicFramePr>
         <p:xfrm>
           <a:off x="1028698" y="2020888"/>
-          <a:ext cx="9474200" cy="4125913"/>
+          <a:ext cx="9474200" cy="4149052"/>
         </p:xfrm>
         <a:graphic>
           <a:graphicData uri="http://schemas.openxmlformats.org/drawingml/2006/table">
@@ -9035,40 +8886,40 @@
                 <a:gridCol w="1894840">
                   <a:extLst>
                     <a:ext uri="{9D8B030D-6E8A-4147-A177-3AD203B41FA5}">
-                      <a16:colId xmlns:a16="http://schemas.microsoft.com/office/drawing/2014/main" xmlns="" val="20000"/>
+                      <a16:colId xmlns:a16="http://schemas.microsoft.com/office/drawing/2014/main" val="20000"/>
                     </a:ext>
                   </a:extLst>
                 </a:gridCol>
                 <a:gridCol w="1894840">
                   <a:extLst>
                     <a:ext uri="{9D8B030D-6E8A-4147-A177-3AD203B41FA5}">
-                      <a16:colId xmlns:a16="http://schemas.microsoft.com/office/drawing/2014/main" xmlns="" val="20001"/>
+                      <a16:colId xmlns:a16="http://schemas.microsoft.com/office/drawing/2014/main" val="20001"/>
                     </a:ext>
                   </a:extLst>
                 </a:gridCol>
                 <a:gridCol w="1894840">
                   <a:extLst>
                     <a:ext uri="{9D8B030D-6E8A-4147-A177-3AD203B41FA5}">
-                      <a16:colId xmlns:a16="http://schemas.microsoft.com/office/drawing/2014/main" xmlns="" val="20002"/>
+                      <a16:colId xmlns:a16="http://schemas.microsoft.com/office/drawing/2014/main" val="20002"/>
                     </a:ext>
                   </a:extLst>
                 </a:gridCol>
                 <a:gridCol w="1894840">
                   <a:extLst>
                     <a:ext uri="{9D8B030D-6E8A-4147-A177-3AD203B41FA5}">
-                      <a16:colId xmlns:a16="http://schemas.microsoft.com/office/drawing/2014/main" xmlns="" val="20003"/>
+                      <a16:colId xmlns:a16="http://schemas.microsoft.com/office/drawing/2014/main" val="20003"/>
                     </a:ext>
                   </a:extLst>
                 </a:gridCol>
                 <a:gridCol w="1894840">
                   <a:extLst>
                     <a:ext uri="{9D8B030D-6E8A-4147-A177-3AD203B41FA5}">
-                      <a16:colId xmlns:a16="http://schemas.microsoft.com/office/drawing/2014/main" xmlns="" val="20004"/>
+                      <a16:colId xmlns:a16="http://schemas.microsoft.com/office/drawing/2014/main" val="20004"/>
                     </a:ext>
                   </a:extLst>
                 </a:gridCol>
               </a:tblGrid>
-              <a:tr h="861405">
+              <a:tr h="884544">
                 <a:tc>
                   <a:txBody>
                     <a:bodyPr/>
@@ -9141,13 +8992,13 @@
                         </a:spcAft>
                       </a:pPr>
                       <a:r>
-                        <a:rPr lang="en-IN" sz="1600">
+                        <a:rPr lang="en-IN" sz="1600" dirty="0">
                           <a:latin typeface="Arial" pitchFamily="34" charset="0"/>
                           <a:cs typeface="Arial" pitchFamily="34" charset="0"/>
                         </a:rPr>
                         <a:t>THRESHOLD</a:t>
                       </a:r>
-                      <a:endParaRPr lang="en-GB" sz="1600">
+                      <a:endParaRPr lang="en-GB" sz="1600" dirty="0">
                         <a:latin typeface="Arial" pitchFamily="34" charset="0"/>
                         <a:cs typeface="Arial" pitchFamily="34" charset="0"/>
                       </a:endParaRPr>
@@ -9162,13 +9013,13 @@
                         </a:spcAft>
                       </a:pPr>
                       <a:r>
-                        <a:rPr lang="en-IN" sz="1600">
+                        <a:rPr lang="en-IN" sz="1600" dirty="0">
                           <a:latin typeface="Arial" pitchFamily="34" charset="0"/>
                           <a:cs typeface="Arial" pitchFamily="34" charset="0"/>
                         </a:rPr>
                         <a:t>             RANGE</a:t>
                       </a:r>
-                      <a:endParaRPr lang="en-GB" sz="1600">
+                      <a:endParaRPr lang="en-GB" sz="1600" dirty="0">
                         <a:latin typeface="Arial" pitchFamily="34" charset="0"/>
                         <a:ea typeface="Calibri"/>
                         <a:cs typeface="Arial" pitchFamily="34" charset="0"/>
@@ -9258,7 +9109,7 @@
                 </a:tc>
                 <a:extLst>
                   <a:ext uri="{0D108BD9-81ED-4DB2-BD59-A6C34878D82A}">
-                    <a16:rowId xmlns:a16="http://schemas.microsoft.com/office/drawing/2014/main" xmlns="" val="10000"/>
+                    <a16:rowId xmlns:a16="http://schemas.microsoft.com/office/drawing/2014/main" val="10000"/>
                   </a:ext>
                 </a:extLst>
               </a:tr>
@@ -9306,13 +9157,20 @@
                         </a:spcAft>
                       </a:pPr>
                       <a:r>
-                        <a:rPr lang="en-IN" sz="1600">
+                        <a:rPr lang="en-IN" sz="1600" dirty="0" err="1">
                           <a:latin typeface="Arial" pitchFamily="34" charset="0"/>
                           <a:cs typeface="Arial" pitchFamily="34" charset="0"/>
                         </a:rPr>
-                        <a:t>Dektop PC</a:t>
+                        <a:t>Dektop</a:t>
                       </a:r>
-                      <a:endParaRPr lang="en-GB" sz="1600">
+                      <a:r>
+                        <a:rPr lang="en-IN" sz="1600" dirty="0">
+                          <a:latin typeface="Arial" pitchFamily="34" charset="0"/>
+                          <a:cs typeface="Arial" pitchFamily="34" charset="0"/>
+                        </a:rPr>
+                        <a:t> PC</a:t>
+                      </a:r>
+                      <a:endParaRPr lang="en-GB" sz="1600" dirty="0">
                         <a:latin typeface="Arial" pitchFamily="34" charset="0"/>
                         <a:ea typeface="Calibri"/>
                         <a:cs typeface="Arial" pitchFamily="34" charset="0"/>
@@ -9335,13 +9193,20 @@
                         </a:spcAft>
                       </a:pPr>
                       <a:r>
-                        <a:rPr lang="en-IN" sz="1600">
+                        <a:rPr lang="en-IN" sz="1600" dirty="0" err="1">
                           <a:latin typeface="Arial" pitchFamily="34" charset="0"/>
                           <a:cs typeface="Arial" pitchFamily="34" charset="0"/>
                         </a:rPr>
-                        <a:t>Upto 230 V</a:t>
+                        <a:t>Upto</a:t>
                       </a:r>
-                      <a:endParaRPr lang="en-GB" sz="1600">
+                      <a:r>
+                        <a:rPr lang="en-IN" sz="1600" dirty="0">
+                          <a:latin typeface="Arial" pitchFamily="34" charset="0"/>
+                          <a:cs typeface="Arial" pitchFamily="34" charset="0"/>
+                        </a:rPr>
+                        <a:t> 230 V</a:t>
+                      </a:r>
+                      <a:endParaRPr lang="en-GB" sz="1600" dirty="0">
                         <a:latin typeface="Arial" pitchFamily="34" charset="0"/>
                         <a:ea typeface="Calibri"/>
                         <a:cs typeface="Arial" pitchFamily="34" charset="0"/>
@@ -9364,13 +9229,13 @@
                         </a:spcAft>
                       </a:pPr>
                       <a:r>
-                        <a:rPr lang="en-IN" sz="1600">
+                        <a:rPr lang="en-IN" sz="1600" dirty="0">
                           <a:latin typeface="Arial" pitchFamily="34" charset="0"/>
                           <a:cs typeface="Arial" pitchFamily="34" charset="0"/>
                         </a:rPr>
                         <a:t>230+/-20</a:t>
                       </a:r>
-                      <a:endParaRPr lang="en-GB" sz="1600">
+                      <a:endParaRPr lang="en-GB" sz="1600" dirty="0">
                         <a:latin typeface="Arial" pitchFamily="34" charset="0"/>
                         <a:ea typeface="Calibri"/>
                         <a:cs typeface="Arial" pitchFamily="34" charset="0"/>
@@ -9393,13 +9258,13 @@
                         </a:spcAft>
                       </a:pPr>
                       <a:r>
-                        <a:rPr lang="en-IN" sz="1600">
+                        <a:rPr lang="en-IN" sz="1600" dirty="0">
                           <a:latin typeface="Arial" pitchFamily="34" charset="0"/>
                           <a:cs typeface="Arial" pitchFamily="34" charset="0"/>
                         </a:rPr>
                         <a:t>230+/-1V</a:t>
                       </a:r>
-                      <a:endParaRPr lang="en-GB" sz="1600">
+                      <a:endParaRPr lang="en-GB" sz="1600" dirty="0">
                         <a:latin typeface="Arial" pitchFamily="34" charset="0"/>
                         <a:ea typeface="Calibri"/>
                         <a:cs typeface="Arial" pitchFamily="34" charset="0"/>
@@ -9410,7 +9275,7 @@
                 </a:tc>
                 <a:extLst>
                   <a:ext uri="{0D108BD9-81ED-4DB2-BD59-A6C34878D82A}">
-                    <a16:rowId xmlns:a16="http://schemas.microsoft.com/office/drawing/2014/main" xmlns="" val="10001"/>
+                    <a16:rowId xmlns:a16="http://schemas.microsoft.com/office/drawing/2014/main" val="10001"/>
                   </a:ext>
                 </a:extLst>
               </a:tr>
@@ -9562,7 +9427,7 @@
                 </a:tc>
                 <a:extLst>
                   <a:ext uri="{0D108BD9-81ED-4DB2-BD59-A6C34878D82A}">
-                    <a16:rowId xmlns:a16="http://schemas.microsoft.com/office/drawing/2014/main" xmlns="" val="10002"/>
+                    <a16:rowId xmlns:a16="http://schemas.microsoft.com/office/drawing/2014/main" val="10002"/>
                   </a:ext>
                 </a:extLst>
               </a:tr>
@@ -9610,13 +9475,13 @@
                         </a:spcAft>
                       </a:pPr>
                       <a:r>
-                        <a:rPr lang="en-IN" sz="1600">
+                        <a:rPr lang="en-IN" sz="1600" dirty="0">
                           <a:latin typeface="Arial" pitchFamily="34" charset="0"/>
                           <a:cs typeface="Arial" pitchFamily="34" charset="0"/>
                         </a:rPr>
-                        <a:t>Device 2/ AC</a:t>
+                        <a:t>Device 2/ Mobile charger</a:t>
                       </a:r>
-                      <a:endParaRPr lang="en-GB" sz="1600">
+                      <a:endParaRPr lang="en-GB" sz="1600" dirty="0">
                         <a:latin typeface="Arial" pitchFamily="34" charset="0"/>
                         <a:ea typeface="Calibri"/>
                         <a:cs typeface="Arial" pitchFamily="34" charset="0"/>
@@ -9639,13 +9504,22 @@
                         </a:spcAft>
                       </a:pPr>
                       <a:r>
-                        <a:rPr lang="en-IN" sz="1600">
+                        <a:rPr lang="en-IN" sz="1600" dirty="0" err="1">
                           <a:latin typeface="Arial" pitchFamily="34" charset="0"/>
+                          <a:ea typeface="Calibri"/>
                           <a:cs typeface="Arial" pitchFamily="34" charset="0"/>
                         </a:rPr>
-                        <a:t>Min 1500W</a:t>
+                        <a:t>Upto</a:t>
                       </a:r>
-                      <a:endParaRPr lang="en-GB" sz="1600">
+                      <a:r>
+                        <a:rPr lang="en-IN" sz="1600" dirty="0">
+                          <a:latin typeface="Arial" pitchFamily="34" charset="0"/>
+                          <a:ea typeface="Calibri"/>
+                          <a:cs typeface="Arial" pitchFamily="34" charset="0"/>
+                        </a:rPr>
+                        <a:t> 1.6 W</a:t>
+                      </a:r>
+                      <a:endParaRPr lang="en-GB" sz="1600" dirty="0">
                         <a:latin typeface="Arial" pitchFamily="34" charset="0"/>
                         <a:ea typeface="Calibri"/>
                         <a:cs typeface="Arial" pitchFamily="34" charset="0"/>
@@ -9668,13 +9542,13 @@
                         </a:spcAft>
                       </a:pPr>
                       <a:r>
-                        <a:rPr lang="en-IN" sz="1600">
+                        <a:rPr lang="en-IN" sz="1600" dirty="0">
                           <a:latin typeface="Arial" pitchFamily="34" charset="0"/>
                           <a:cs typeface="Arial" pitchFamily="34" charset="0"/>
                         </a:rPr>
-                        <a:t>1500+/-100</a:t>
+                        <a:t>1.6+/-1</a:t>
                       </a:r>
-                      <a:endParaRPr lang="en-GB" sz="1600">
+                      <a:endParaRPr lang="en-GB" sz="1600" dirty="0">
                         <a:latin typeface="Arial" pitchFamily="34" charset="0"/>
                         <a:ea typeface="Calibri"/>
                         <a:cs typeface="Arial" pitchFamily="34" charset="0"/>
@@ -9697,13 +9571,13 @@
                         </a:spcAft>
                       </a:pPr>
                       <a:r>
-                        <a:rPr lang="en-IN" sz="1600">
+                        <a:rPr lang="en-IN" sz="1600" dirty="0">
                           <a:latin typeface="Arial" pitchFamily="34" charset="0"/>
                           <a:cs typeface="Arial" pitchFamily="34" charset="0"/>
                         </a:rPr>
-                        <a:t>1500+/-3W</a:t>
+                        <a:t>1.6+/-1W</a:t>
                       </a:r>
-                      <a:endParaRPr lang="en-GB" sz="1600">
+                      <a:endParaRPr lang="en-GB" sz="1600" dirty="0">
                         <a:latin typeface="Arial" pitchFamily="34" charset="0"/>
                         <a:ea typeface="Calibri"/>
                         <a:cs typeface="Arial" pitchFamily="34" charset="0"/>
@@ -9714,7 +9588,7 @@
                 </a:tc>
                 <a:extLst>
                   <a:ext uri="{0D108BD9-81ED-4DB2-BD59-A6C34878D82A}">
-                    <a16:rowId xmlns:a16="http://schemas.microsoft.com/office/drawing/2014/main" xmlns="" val="10003"/>
+                    <a16:rowId xmlns:a16="http://schemas.microsoft.com/office/drawing/2014/main" val="10003"/>
                   </a:ext>
                 </a:extLst>
               </a:tr>
@@ -9762,13 +9636,14 @@
                         </a:spcAft>
                       </a:pPr>
                       <a:r>
-                        <a:rPr lang="en-IN" sz="1600">
+                        <a:rPr lang="en-IN" sz="1600" dirty="0">
                           <a:latin typeface="Arial" pitchFamily="34" charset="0"/>
+                          <a:ea typeface="Calibri"/>
                           <a:cs typeface="Arial" pitchFamily="34" charset="0"/>
                         </a:rPr>
                         <a:t>Jet Motor</a:t>
                       </a:r>
-                      <a:endParaRPr lang="en-GB" sz="1600">
+                      <a:endParaRPr lang="en-GB" sz="1600" dirty="0">
                         <a:latin typeface="Arial" pitchFamily="34" charset="0"/>
                         <a:ea typeface="Calibri"/>
                         <a:cs typeface="Arial" pitchFamily="34" charset="0"/>
@@ -9866,7 +9741,7 @@
                 </a:tc>
                 <a:extLst>
                   <a:ext uri="{0D108BD9-81ED-4DB2-BD59-A6C34878D82A}">
-                    <a16:rowId xmlns:a16="http://schemas.microsoft.com/office/drawing/2014/main" xmlns="" val="10004"/>
+                    <a16:rowId xmlns:a16="http://schemas.microsoft.com/office/drawing/2014/main" val="10004"/>
                   </a:ext>
                 </a:extLst>
               </a:tr>
@@ -9877,20 +9752,13 @@
     </p:spTree>
     <p:extLst>
       <p:ext uri="{BB962C8B-B14F-4D97-AF65-F5344CB8AC3E}">
-        <p14:creationId xmlns:p14="http://schemas.microsoft.com/office/powerpoint/2010/main" xmlns="" val="1630135094"/>
+        <p14:creationId xmlns:p14="http://schemas.microsoft.com/office/powerpoint/2010/main" val="1630135094"/>
       </p:ext>
     </p:extLst>
   </p:cSld>
   <p:clrMapOvr>
     <a:masterClrMapping/>
   </p:clrMapOvr>
-  <p:timing>
-    <p:tnLst>
-      <p:par>
-        <p:cTn id="1" dur="indefinite" restart="never" nodeType="tmRoot"/>
-      </p:par>
-    </p:tnLst>
-  </p:timing>
 </p:sld>
 </file>
 
@@ -9927,10 +9795,9 @@
           <a:lstStyle/>
           <a:p>
             <a:r>
-              <a:rPr lang="en-GB" b="1" dirty="0" smtClean="0"/>
+              <a:rPr lang="en-GB" b="1" dirty="0"/>
               <a:t>Testing</a:t>
             </a:r>
-            <a:endParaRPr lang="en-GB" b="1" dirty="0"/>
           </a:p>
         </p:txBody>
       </p:sp>
@@ -9955,31 +9822,31 @@
           <a:lstStyle/>
           <a:p>
             <a:r>
-              <a:rPr lang="en-GB" sz="2000" dirty="0" smtClean="0"/>
+              <a:rPr lang="en-GB" sz="2000" dirty="0"/>
               <a:t>It is possible to include many devices in our project but we have used four devices as sample.</a:t>
             </a:r>
           </a:p>
           <a:p>
             <a:r>
-              <a:rPr lang="en-GB" sz="2000" dirty="0" smtClean="0"/>
-              <a:t> As we can see from table 7.1, we can use devices like desktop PC, fan, AC and jet motor. </a:t>
-            </a:r>
-          </a:p>
-          <a:p>
-            <a:r>
-              <a:rPr lang="en-GB" sz="2000" dirty="0" smtClean="0"/>
+              <a:rPr lang="en-GB" sz="2000" dirty="0"/>
+              <a:t> As we can see from table , we can use devices like desktop PC, fan,  and jet motor. </a:t>
+            </a:r>
+          </a:p>
+          <a:p>
+            <a:r>
+              <a:rPr lang="en-GB" sz="2000" dirty="0"/>
               <a:t>There is a threshold range for every device and we can set this value.</a:t>
             </a:r>
           </a:p>
           <a:p>
             <a:r>
-              <a:rPr lang="en-GB" sz="2000" dirty="0" smtClean="0"/>
+              <a:rPr lang="en-GB" sz="2000" dirty="0"/>
               <a:t> If the device voltage exceeds this limit then the device will shut down immediately. </a:t>
             </a:r>
           </a:p>
           <a:p>
             <a:r>
-              <a:rPr lang="en-GB" sz="2000" dirty="0" smtClean="0"/>
+              <a:rPr lang="en-GB" sz="2000" dirty="0"/>
               <a:t>Our project acts in such a way that even if the power exceeds by 1W, the device will shutdown automatically.</a:t>
             </a:r>
           </a:p>
@@ -9993,13 +9860,6 @@
   <p:clrMapOvr>
     <a:masterClrMapping/>
   </p:clrMapOvr>
-  <p:timing>
-    <p:tnLst>
-      <p:par>
-        <p:cTn id="1" dur="indefinite" restart="never" nodeType="tmRoot"/>
-      </p:par>
-    </p:tnLst>
-  </p:timing>
 </p:sld>
 </file>
 
@@ -10036,7 +9896,7 @@
           <a:lstStyle/>
           <a:p>
             <a:r>
-              <a:rPr lang="en-IN" dirty="0" smtClean="0"/>
+              <a:rPr lang="en-IN" dirty="0"/>
               <a:t>SCREENSHOTS - HARDWARE</a:t>
             </a:r>
             <a:endParaRPr lang="en-GB" dirty="0"/>
@@ -10065,13 +9925,13 @@
           <a:p>
             <a:pPr marL="0" lvl="2"/>
             <a:r>
-              <a:rPr lang="en-US" sz="2400" b="0" dirty="0" smtClean="0">
+              <a:rPr lang="en-US" sz="2400" b="0" dirty="0">
                 <a:latin typeface="Arial" pitchFamily="34" charset="0"/>
                 <a:cs typeface="Arial" pitchFamily="34" charset="0"/>
               </a:rPr>
               <a:t>MICROCONTROLLER-MSP8266</a:t>
             </a:r>
-            <a:endParaRPr lang="en-GB" sz="2400" b="0" dirty="0" smtClean="0">
+            <a:endParaRPr lang="en-GB" sz="2400" b="0" dirty="0">
               <a:latin typeface="Arial" pitchFamily="34" charset="0"/>
               <a:cs typeface="Arial" pitchFamily="34" charset="0"/>
             </a:endParaRPr>
@@ -10102,16 +9962,12 @@
           <a:lstStyle/>
           <a:p>
             <a:r>
-              <a:rPr lang="en-GB" dirty="0" smtClean="0">
+              <a:rPr lang="en-GB" dirty="0">
                 <a:latin typeface="Arial" pitchFamily="34" charset="0"/>
                 <a:cs typeface="Arial" pitchFamily="34" charset="0"/>
               </a:rPr>
               <a:t>EMMC Flash Memory W25Q32JV</a:t>
             </a:r>
-            <a:endParaRPr lang="en-GB" dirty="0">
-              <a:latin typeface="Arial" pitchFamily="34" charset="0"/>
-              <a:cs typeface="Arial" pitchFamily="34" charset="0"/>
-            </a:endParaRPr>
           </a:p>
         </p:txBody>
       </p:sp>
@@ -10172,13 +10028,6 @@
   <p:clrMapOvr>
     <a:masterClrMapping/>
   </p:clrMapOvr>
-  <p:timing>
-    <p:tnLst>
-      <p:par>
-        <p:cTn id="1" dur="indefinite" restart="never" nodeType="tmRoot"/>
-      </p:par>
-    </p:tnLst>
-  </p:timing>
 </p:sld>
 </file>
 
@@ -10204,7 +10053,7 @@
           <p:cNvPr id="2" name="Title 1">
             <a:extLst>
               <a:ext uri="{FF2B5EF4-FFF2-40B4-BE49-F238E27FC236}">
-                <a16:creationId xmlns:a16="http://schemas.microsoft.com/office/drawing/2014/main" xmlns="" id="{0BE69C3F-A6C8-4DD9-A415-A5A175701BFD}"/>
+                <a16:creationId xmlns:a16="http://schemas.microsoft.com/office/drawing/2014/main" id="{0BE69C3F-A6C8-4DD9-A415-A5A175701BFD}"/>
               </a:ext>
             </a:extLst>
           </p:cNvPr>
@@ -10221,10 +10070,9 @@
           <a:lstStyle/>
           <a:p>
             <a:r>
-              <a:rPr lang="en-IN" dirty="0" smtClean="0"/>
+              <a:rPr lang="en-IN" dirty="0"/>
               <a:t>SCREENSHOTS-SOFTWARE</a:t>
             </a:r>
-            <a:endParaRPr lang="en-IN" dirty="0"/>
           </a:p>
         </p:txBody>
       </p:sp>
@@ -10275,11 +10123,11 @@
           <a:p>
             <a:pPr lvl="0"/>
             <a:r>
-              <a:rPr lang="en-US" dirty="0" smtClean="0"/>
+              <a:rPr lang="en-US" dirty="0"/>
               <a:t>This Option enables to track down entire machine load details for a specified set time</a:t>
             </a:r>
             <a:r>
-              <a:rPr lang="en-GB" dirty="0" smtClean="0"/>
+              <a:rPr lang="en-GB" dirty="0"/>
               <a:t>.</a:t>
             </a:r>
           </a:p>
@@ -10288,20 +10136,13 @@
     </p:spTree>
     <p:extLst>
       <p:ext uri="{BB962C8B-B14F-4D97-AF65-F5344CB8AC3E}">
-        <p14:creationId xmlns:p14="http://schemas.microsoft.com/office/powerpoint/2010/main" xmlns="" val="3136139136"/>
+        <p14:creationId xmlns:p14="http://schemas.microsoft.com/office/powerpoint/2010/main" val="3136139136"/>
       </p:ext>
     </p:extLst>
   </p:cSld>
   <p:clrMapOvr>
     <a:masterClrMapping/>
   </p:clrMapOvr>
-  <p:timing>
-    <p:tnLst>
-      <p:par>
-        <p:cTn id="1" dur="indefinite" restart="never" nodeType="tmRoot"/>
-      </p:par>
-    </p:tnLst>
-  </p:timing>
 </p:sld>
 </file>
 
@@ -10448,15 +10289,7 @@
             </a:pPr>
             <a:r>
               <a:rPr lang="en-US" sz="2000" dirty="0"/>
-              <a:t>Mainly uses the concept of </a:t>
-            </a:r>
-            <a:r>
-              <a:rPr lang="en-US" sz="2000" dirty="0" smtClean="0"/>
-              <a:t>IOT </a:t>
-            </a:r>
-            <a:r>
-              <a:rPr lang="en-US" sz="2000" dirty="0"/>
-              <a:t>to monitor real time data.</a:t>
+              <a:t>Mainly uses the concept of IOT to monitor real time data.</a:t>
             </a:r>
           </a:p>
           <a:p>
@@ -10525,7 +10358,7 @@
     </p:spTree>
     <p:extLst>
       <p:ext uri="{BB962C8B-B14F-4D97-AF65-F5344CB8AC3E}">
-        <p14:creationId xmlns:p14="http://schemas.microsoft.com/office/powerpoint/2010/main" xmlns="" val="3697933261"/>
+        <p14:creationId xmlns:p14="http://schemas.microsoft.com/office/powerpoint/2010/main" val="3697933261"/>
       </p:ext>
     </p:extLst>
   </p:cSld>
@@ -10535,13 +10368,6 @@
   <p:transition>
     <p:fade/>
   </p:transition>
-  <p:timing>
-    <p:tnLst>
-      <p:par>
-        <p:cTn id="1" dur="indefinite" restart="never" nodeType="tmRoot"/>
-      </p:par>
-    </p:tnLst>
-  </p:timing>
 </p:sld>
 </file>
 
@@ -10564,25 +10390,6 @@
       </p:grpSpPr>
       <p:sp>
         <p:nvSpPr>
-          <p:cNvPr id="4" name="Title 3"/>
-          <p:cNvSpPr>
-            <a:spLocks noGrp="1"/>
-          </p:cNvSpPr>
-          <p:nvPr>
-            <p:ph type="title"/>
-          </p:nvPr>
-        </p:nvSpPr>
-        <p:spPr/>
-        <p:txBody>
-          <a:bodyPr/>
-          <a:lstStyle/>
-          <a:p>
-            <a:endParaRPr lang="en-GB"/>
-          </a:p>
-        </p:txBody>
-      </p:sp>
-      <p:sp>
-        <p:nvSpPr>
           <p:cNvPr id="5" name="Text Placeholder 4"/>
           <p:cNvSpPr>
             <a:spLocks noGrp="1"/>
@@ -10603,10 +10410,10 @@
           <a:p>
             <a:pPr lvl="0"/>
             <a:r>
-              <a:rPr lang="en-US" sz="1800" dirty="0" smtClean="0"/>
+              <a:rPr lang="en-US" sz="1800" dirty="0"/>
               <a:t>This enables administrator to set power scheduling of department. it can be programmed.</a:t>
             </a:r>
-            <a:endParaRPr lang="en-GB" sz="1800" dirty="0" smtClean="0"/>
+            <a:endParaRPr lang="en-GB" sz="1800" dirty="0"/>
           </a:p>
           <a:p>
             <a:endParaRPr lang="en-GB" dirty="0"/>
@@ -10658,10 +10465,10 @@
           <a:p>
             <a:pPr lvl="0"/>
             <a:r>
-              <a:rPr lang="en-US" sz="1800" dirty="0" smtClean="0"/>
+              <a:rPr lang="en-US" sz="1800" dirty="0"/>
               <a:t>Tested load power details for 5hours 8 minutes</a:t>
             </a:r>
-            <a:endParaRPr lang="en-GB" sz="1800" dirty="0" smtClean="0"/>
+            <a:endParaRPr lang="en-GB" sz="1800" dirty="0"/>
           </a:p>
           <a:p>
             <a:endParaRPr lang="en-GB" dirty="0"/>
@@ -10696,13 +10503,6 @@
   <p:clrMapOvr>
     <a:masterClrMapping/>
   </p:clrMapOvr>
-  <p:timing>
-    <p:tnLst>
-      <p:par>
-        <p:cTn id="1" dur="indefinite" restart="never" nodeType="tmRoot"/>
-      </p:par>
-    </p:tnLst>
-  </p:timing>
 </p:sld>
 </file>
 
@@ -10725,25 +10525,6 @@
       </p:grpSpPr>
       <p:sp>
         <p:nvSpPr>
-          <p:cNvPr id="2" name="Title 1"/>
-          <p:cNvSpPr>
-            <a:spLocks noGrp="1"/>
-          </p:cNvSpPr>
-          <p:nvPr>
-            <p:ph type="title"/>
-          </p:nvPr>
-        </p:nvSpPr>
-        <p:spPr/>
-        <p:txBody>
-          <a:bodyPr/>
-          <a:lstStyle/>
-          <a:p>
-            <a:endParaRPr lang="en-GB" dirty="0"/>
-          </a:p>
-        </p:txBody>
-      </p:sp>
-      <p:sp>
-        <p:nvSpPr>
           <p:cNvPr id="3" name="Text Placeholder 2"/>
           <p:cNvSpPr>
             <a:spLocks noGrp="1"/>
@@ -10763,55 +10544,32 @@
           <a:lstStyle/>
           <a:p>
             <a:r>
-              <a:rPr lang="en-US" sz="2000" dirty="0" smtClean="0"/>
+              <a:rPr lang="en-US" sz="2000" dirty="0"/>
               <a:t>This enables </a:t>
             </a:r>
             <a:r>
-              <a:rPr lang="en-US" sz="2000" dirty="0" err="1" smtClean="0"/>
+              <a:rPr lang="en-US" sz="2000" dirty="0" err="1"/>
               <a:t>IoT</a:t>
             </a:r>
             <a:r>
-              <a:rPr lang="en-US" sz="2000" dirty="0" smtClean="0"/>
+              <a:rPr lang="en-US" sz="2000" dirty="0"/>
               <a:t> controller to run for a predefined countdown timer.eg if </a:t>
             </a:r>
             <a:r>
-              <a:rPr lang="en-US" sz="2000" dirty="0" err="1" smtClean="0"/>
+              <a:rPr lang="en-US" sz="2000" dirty="0" err="1"/>
               <a:t>IoT</a:t>
             </a:r>
             <a:r>
-              <a:rPr lang="en-US" sz="2000" dirty="0" smtClean="0"/>
+              <a:rPr lang="en-US" sz="2000" dirty="0"/>
               <a:t> clock timer is turned on at 9am and set countdown timer for normal work time 8 hours      then      this      module      triggers</a:t>
             </a:r>
-            <a:endParaRPr lang="en-GB" sz="2000" dirty="0" smtClean="0"/>
-          </a:p>
-          <a:p>
-            <a:r>
-              <a:rPr lang="en-US" sz="2000" dirty="0" smtClean="0"/>
-              <a:t/>
-            </a:r>
+            <a:endParaRPr lang="en-GB" sz="2000" dirty="0"/>
+          </a:p>
+          <a:p>
             <a:br>
-              <a:rPr lang="en-US" sz="2000" dirty="0" smtClean="0"/>
+              <a:rPr lang="en-US" sz="2000" dirty="0"/>
             </a:br>
             <a:endParaRPr lang="en-GB" sz="2000" dirty="0"/>
-          </a:p>
-        </p:txBody>
-      </p:sp>
-      <p:sp>
-        <p:nvSpPr>
-          <p:cNvPr id="5" name="Text Placeholder 4"/>
-          <p:cNvSpPr>
-            <a:spLocks noGrp="1"/>
-          </p:cNvSpPr>
-          <p:nvPr>
-            <p:ph type="body" sz="quarter" idx="3"/>
-          </p:nvPr>
-        </p:nvSpPr>
-        <p:spPr/>
-        <p:txBody>
-          <a:bodyPr/>
-          <a:lstStyle/>
-          <a:p>
-            <a:endParaRPr lang="en-GB" dirty="0"/>
           </a:p>
         </p:txBody>
       </p:sp>
@@ -10866,13 +10624,6 @@
   <p:clrMapOvr>
     <a:masterClrMapping/>
   </p:clrMapOvr>
-  <p:timing>
-    <p:tnLst>
-      <p:par>
-        <p:cTn id="1" dur="indefinite" restart="never" nodeType="tmRoot"/>
-      </p:par>
-    </p:tnLst>
-  </p:timing>
 </p:sld>
 </file>
 
@@ -10895,25 +10646,6 @@
       </p:grpSpPr>
       <p:sp>
         <p:nvSpPr>
-          <p:cNvPr id="2" name="Title 1"/>
-          <p:cNvSpPr>
-            <a:spLocks noGrp="1"/>
-          </p:cNvSpPr>
-          <p:nvPr>
-            <p:ph type="title"/>
-          </p:nvPr>
-        </p:nvSpPr>
-        <p:spPr/>
-        <p:txBody>
-          <a:bodyPr/>
-          <a:lstStyle/>
-          <a:p>
-            <a:endParaRPr lang="en-GB"/>
-          </a:p>
-        </p:txBody>
-      </p:sp>
-      <p:sp>
-        <p:nvSpPr>
           <p:cNvPr id="3" name="Text Placeholder 2"/>
           <p:cNvSpPr>
             <a:spLocks noGrp="1"/>
@@ -10933,10 +10665,10 @@
           <a:lstStyle/>
           <a:p>
             <a:r>
-              <a:rPr lang="en-US" b="1" dirty="0" smtClean="0"/>
+              <a:rPr lang="en-US" b="1" dirty="0"/>
               <a:t>OPS-Overload Protection Service</a:t>
             </a:r>
-            <a:endParaRPr lang="en-GB" b="1" dirty="0" smtClean="0"/>
+            <a:endParaRPr lang="en-GB" b="1" dirty="0"/>
           </a:p>
           <a:p>
             <a:endParaRPr lang="en-GB" dirty="0"/>
@@ -10987,10 +10719,10 @@
           <a:lstStyle/>
           <a:p>
             <a:r>
-              <a:rPr lang="en-US" sz="2000" dirty="0" smtClean="0"/>
+              <a:rPr lang="en-US" sz="2000" dirty="0"/>
               <a:t>This Image showing 8 hour standard employee working hours.</a:t>
             </a:r>
-            <a:endParaRPr lang="en-GB" sz="2000" dirty="0" smtClean="0"/>
+            <a:endParaRPr lang="en-GB" sz="2000" dirty="0"/>
           </a:p>
           <a:p>
             <a:endParaRPr lang="en-GB" dirty="0"/>
@@ -11025,13 +10757,6 @@
   <p:clrMapOvr>
     <a:masterClrMapping/>
   </p:clrMapOvr>
-  <p:timing>
-    <p:tnLst>
-      <p:par>
-        <p:cTn id="1" dur="indefinite" restart="never" nodeType="tmRoot"/>
-      </p:par>
-    </p:tnLst>
-  </p:timing>
 </p:sld>
 </file>
 
@@ -11052,25 +10777,6 @@
           <a:chExt cx="0" cy="0"/>
         </a:xfrm>
       </p:grpSpPr>
-      <p:sp>
-        <p:nvSpPr>
-          <p:cNvPr id="2" name="Title 1"/>
-          <p:cNvSpPr>
-            <a:spLocks noGrp="1"/>
-          </p:cNvSpPr>
-          <p:nvPr>
-            <p:ph type="title"/>
-          </p:nvPr>
-        </p:nvSpPr>
-        <p:spPr/>
-        <p:txBody>
-          <a:bodyPr/>
-          <a:lstStyle/>
-          <a:p>
-            <a:endParaRPr lang="en-GB"/>
-          </a:p>
-        </p:txBody>
-      </p:sp>
       <p:pic>
         <p:nvPicPr>
           <p:cNvPr id="7" name="Content Placeholder 6" descr="8.PNG"/>
@@ -11096,25 +10802,6 @@
       </p:pic>
       <p:sp>
         <p:nvSpPr>
-          <p:cNvPr id="5" name="Text Placeholder 4"/>
-          <p:cNvSpPr>
-            <a:spLocks noGrp="1"/>
-          </p:cNvSpPr>
-          <p:nvPr>
-            <p:ph type="body" sz="quarter" idx="3"/>
-          </p:nvPr>
-        </p:nvSpPr>
-        <p:spPr/>
-        <p:txBody>
-          <a:bodyPr/>
-          <a:lstStyle/>
-          <a:p>
-            <a:endParaRPr lang="en-GB"/>
-          </a:p>
-        </p:txBody>
-      </p:sp>
-      <p:sp>
-        <p:nvSpPr>
           <p:cNvPr id="6" name="Content Placeholder 5"/>
           <p:cNvSpPr>
             <a:spLocks noGrp="1"/>
@@ -11137,26 +10824,26 @@
               <a:buNone/>
             </a:pPr>
             <a:r>
-              <a:rPr lang="en-US" dirty="0" smtClean="0"/>
+              <a:rPr lang="en-US" dirty="0"/>
               <a:t>      In OPS module safety limit for the running Appliances can be set. </a:t>
             </a:r>
             <a:r>
-              <a:rPr lang="en-US" dirty="0" err="1" smtClean="0"/>
+              <a:rPr lang="en-US" dirty="0" err="1"/>
               <a:t>Eg</a:t>
             </a:r>
             <a:r>
-              <a:rPr lang="en-US" dirty="0" smtClean="0"/>
+              <a:rPr lang="en-US" dirty="0"/>
               <a:t>. If volt limit is 250v AC then if any sudden overvoltage comes in power line this module sends immediate command to </a:t>
             </a:r>
             <a:r>
-              <a:rPr lang="en-US" dirty="0" err="1" smtClean="0"/>
+              <a:rPr lang="en-US" dirty="0" err="1"/>
               <a:t>IoT</a:t>
             </a:r>
             <a:r>
-              <a:rPr lang="en-US" dirty="0" smtClean="0"/>
+              <a:rPr lang="en-US" dirty="0"/>
               <a:t> main board relays to shut down the plant. Likewise safety amps and safety power threshold can be set</a:t>
             </a:r>
-            <a:endParaRPr lang="en-GB" dirty="0" smtClean="0"/>
+            <a:endParaRPr lang="en-GB" dirty="0"/>
           </a:p>
           <a:p>
             <a:endParaRPr lang="en-GB" dirty="0"/>
@@ -11168,13 +10855,6 @@
   <p:clrMapOvr>
     <a:masterClrMapping/>
   </p:clrMapOvr>
-  <p:timing>
-    <p:tnLst>
-      <p:par>
-        <p:cTn id="1" dur="indefinite" restart="never" nodeType="tmRoot"/>
-      </p:par>
-    </p:tnLst>
-  </p:timing>
 </p:sld>
 </file>
 
@@ -11197,25 +10877,6 @@
       </p:grpSpPr>
       <p:sp>
         <p:nvSpPr>
-          <p:cNvPr id="2" name="Title 1"/>
-          <p:cNvSpPr>
-            <a:spLocks noGrp="1"/>
-          </p:cNvSpPr>
-          <p:nvPr>
-            <p:ph type="title"/>
-          </p:nvPr>
-        </p:nvSpPr>
-        <p:spPr/>
-        <p:txBody>
-          <a:bodyPr/>
-          <a:lstStyle/>
-          <a:p>
-            <a:endParaRPr lang="en-GB"/>
-          </a:p>
-        </p:txBody>
-      </p:sp>
-      <p:sp>
-        <p:nvSpPr>
           <p:cNvPr id="3" name="Text Placeholder 2"/>
           <p:cNvSpPr>
             <a:spLocks noGrp="1"/>
@@ -11235,10 +10896,10 @@
           <a:lstStyle/>
           <a:p>
             <a:r>
-              <a:rPr lang="en-US" b="1" dirty="0" smtClean="0"/>
+              <a:rPr lang="en-US" b="1" dirty="0"/>
               <a:t>PCR-Power Consumption Recorder</a:t>
             </a:r>
-            <a:endParaRPr lang="en-GB" b="1" dirty="0" smtClean="0"/>
+            <a:endParaRPr lang="en-GB" b="1" dirty="0"/>
           </a:p>
           <a:p>
             <a:endParaRPr lang="en-GB" dirty="0"/>
@@ -11268,25 +10929,6 @@
           </a:xfrm>
         </p:spPr>
       </p:pic>
-      <p:sp>
-        <p:nvSpPr>
-          <p:cNvPr id="5" name="Text Placeholder 4"/>
-          <p:cNvSpPr>
-            <a:spLocks noGrp="1"/>
-          </p:cNvSpPr>
-          <p:nvPr>
-            <p:ph type="body" sz="quarter" idx="3"/>
-          </p:nvPr>
-        </p:nvSpPr>
-        <p:spPr/>
-        <p:txBody>
-          <a:bodyPr/>
-          <a:lstStyle/>
-          <a:p>
-            <a:endParaRPr lang="en-GB"/>
-          </a:p>
-        </p:txBody>
-      </p:sp>
       <p:pic>
         <p:nvPicPr>
           <p:cNvPr id="8" name="Content Placeholder 7" descr="10.PNG"/>
@@ -11333,26 +10975,26 @@
           <a:lstStyle/>
           <a:p>
             <a:r>
-              <a:rPr lang="en-US" dirty="0" smtClean="0"/>
+              <a:rPr lang="en-US" dirty="0"/>
               <a:t>In PCR module entire power details are displayed in </a:t>
             </a:r>
             <a:r>
-              <a:rPr lang="en-US" dirty="0" err="1" smtClean="0"/>
+              <a:rPr lang="en-US" dirty="0" err="1"/>
               <a:t>kwh</a:t>
             </a:r>
             <a:r>
-              <a:rPr lang="en-US" dirty="0" smtClean="0"/>
+              <a:rPr lang="en-US" dirty="0"/>
               <a:t> and to avoid data loss during </a:t>
             </a:r>
             <a:r>
-              <a:rPr lang="en-US" dirty="0" err="1" smtClean="0"/>
+              <a:rPr lang="en-US" dirty="0" err="1"/>
               <a:t>powercut</a:t>
             </a:r>
             <a:r>
-              <a:rPr lang="en-US" dirty="0" smtClean="0"/>
+              <a:rPr lang="en-US" dirty="0"/>
               <a:t> this entire records are synced to a EEEPROM chip/SD card mounted to the sub PCB.</a:t>
             </a:r>
-            <a:endParaRPr lang="en-GB" dirty="0" smtClean="0"/>
+            <a:endParaRPr lang="en-GB" dirty="0"/>
           </a:p>
           <a:p>
             <a:endParaRPr lang="en-GB" dirty="0"/>
@@ -11364,13 +11006,6 @@
   <p:clrMapOvr>
     <a:masterClrMapping/>
   </p:clrMapOvr>
-  <p:timing>
-    <p:tnLst>
-      <p:par>
-        <p:cTn id="1" dur="indefinite" restart="never" nodeType="tmRoot"/>
-      </p:par>
-    </p:tnLst>
-  </p:timing>
 </p:sld>
 </file>
 
@@ -11396,7 +11031,7 @@
           <p:cNvPr id="2" name="Title 1">
             <a:extLst>
               <a:ext uri="{FF2B5EF4-FFF2-40B4-BE49-F238E27FC236}">
-                <a16:creationId xmlns:a16="http://schemas.microsoft.com/office/drawing/2014/main" xmlns="" id="{8F0E8345-3E98-4F1E-A032-F3D4925CB780}"/>
+                <a16:creationId xmlns:a16="http://schemas.microsoft.com/office/drawing/2014/main" id="{8F0E8345-3E98-4F1E-A032-F3D4925CB780}"/>
               </a:ext>
             </a:extLst>
           </p:cNvPr>
@@ -11426,7 +11061,7 @@
           <p:cNvPr id="3" name="Content Placeholder 2">
             <a:extLst>
               <a:ext uri="{FF2B5EF4-FFF2-40B4-BE49-F238E27FC236}">
-                <a16:creationId xmlns:a16="http://schemas.microsoft.com/office/drawing/2014/main" xmlns="" id="{ACB440F8-0741-4EC1-81B9-22AC0565623F}"/>
+                <a16:creationId xmlns:a16="http://schemas.microsoft.com/office/drawing/2014/main" id="{ACB440F8-0741-4EC1-81B9-22AC0565623F}"/>
               </a:ext>
             </a:extLst>
           </p:cNvPr>
@@ -11500,20 +11135,12 @@
           <a:p>
             <a:pPr algn="just"/>
             <a:r>
-              <a:rPr lang="en-US" sz="1800" dirty="0" smtClean="0">
-                <a:effectLst/>
-                <a:latin typeface="Times New Roman" panose="02020603050405020304" pitchFamily="18" charset="0"/>
-                <a:ea typeface="SimSun" panose="02010600030101010101" pitchFamily="2" charset="-122"/>
-              </a:rPr>
-              <a:t>Get </a:t>
-            </a:r>
-            <a:r>
               <a:rPr lang="en-US" sz="1800" dirty="0">
                 <a:effectLst/>
                 <a:latin typeface="Times New Roman" panose="02020603050405020304" pitchFamily="18" charset="0"/>
                 <a:ea typeface="SimSun" panose="02010600030101010101" pitchFamily="2" charset="-122"/>
               </a:rPr>
-              <a:t>real-time energy insights. </a:t>
+              <a:t>Get real-time energy insights. </a:t>
             </a:r>
           </a:p>
           <a:p>
@@ -11569,24 +11196,1755 @@
     </p:spTree>
     <p:extLst>
       <p:ext uri="{BB962C8B-B14F-4D97-AF65-F5344CB8AC3E}">
-        <p14:creationId xmlns:p14="http://schemas.microsoft.com/office/powerpoint/2010/main" xmlns="" val="22040282"/>
+        <p14:creationId xmlns:p14="http://schemas.microsoft.com/office/powerpoint/2010/main" val="22040282"/>
       </p:ext>
     </p:extLst>
   </p:cSld>
   <p:clrMapOvr>
     <a:masterClrMapping/>
   </p:clrMapOvr>
-  <p:timing>
-    <p:tnLst>
-      <p:par>
-        <p:cTn id="1" dur="indefinite" restart="never" nodeType="tmRoot"/>
-      </p:par>
-    </p:tnLst>
-  </p:timing>
 </p:sld>
 </file>
 
 <file path=ppt/slides/slide26.xml><?xml version="1.0" encoding="utf-8"?>
+<p:sld xmlns:a="http://schemas.openxmlformats.org/drawingml/2006/main" xmlns:r="http://schemas.openxmlformats.org/officeDocument/2006/relationships" xmlns:p="http://schemas.openxmlformats.org/presentationml/2006/main">
+  <p:cSld>
+    <p:spTree>
+      <p:nvGrpSpPr>
+        <p:cNvPr id="1" name=""/>
+        <p:cNvGrpSpPr/>
+        <p:nvPr/>
+      </p:nvGrpSpPr>
+      <p:grpSpPr>
+        <a:xfrm>
+          <a:off x="0" y="0"/>
+          <a:ext cx="0" cy="0"/>
+          <a:chOff x="0" y="0"/>
+          <a:chExt cx="0" cy="0"/>
+        </a:xfrm>
+      </p:grpSpPr>
+      <p:sp>
+        <p:nvSpPr>
+          <p:cNvPr id="2" name="Title 1">
+            <a:extLst>
+              <a:ext uri="{FF2B5EF4-FFF2-40B4-BE49-F238E27FC236}">
+                <a16:creationId xmlns:a16="http://schemas.microsoft.com/office/drawing/2014/main" id="{E756CD67-C8FD-434B-89BD-3B85FAF0BD8F}"/>
+              </a:ext>
+            </a:extLst>
+          </p:cNvPr>
+          <p:cNvSpPr>
+            <a:spLocks noGrp="1"/>
+          </p:cNvSpPr>
+          <p:nvPr>
+            <p:ph type="title"/>
+          </p:nvPr>
+        </p:nvSpPr>
+        <p:spPr>
+          <a:xfrm>
+            <a:off x="1785057" y="239697"/>
+            <a:ext cx="5352589" cy="639192"/>
+          </a:xfrm>
+        </p:spPr>
+        <p:txBody>
+          <a:bodyPr>
+            <a:noAutofit/>
+          </a:bodyPr>
+          <a:lstStyle/>
+          <a:p>
+            <a:r>
+              <a:rPr lang="en-IN" sz="2800" b="1" dirty="0"/>
+              <a:t>PUBLICATIONS:</a:t>
+            </a:r>
+          </a:p>
+        </p:txBody>
+      </p:sp>
+      <p:sp>
+        <p:nvSpPr>
+          <p:cNvPr id="3" name="Content Placeholder 2">
+            <a:extLst>
+              <a:ext uri="{FF2B5EF4-FFF2-40B4-BE49-F238E27FC236}">
+                <a16:creationId xmlns:a16="http://schemas.microsoft.com/office/drawing/2014/main" id="{0D1B255C-F102-4216-809F-BEBBB8D3C36C}"/>
+              </a:ext>
+            </a:extLst>
+          </p:cNvPr>
+          <p:cNvSpPr>
+            <a:spLocks noGrp="1"/>
+          </p:cNvSpPr>
+          <p:nvPr>
+            <p:ph idx="1"/>
+          </p:nvPr>
+        </p:nvSpPr>
+        <p:spPr>
+          <a:xfrm>
+            <a:off x="2216349" y="1334609"/>
+            <a:ext cx="8942881" cy="4933026"/>
+          </a:xfrm>
+        </p:spPr>
+        <p:txBody>
+          <a:bodyPr/>
+          <a:lstStyle/>
+          <a:p>
+            <a:pPr marL="75565"/>
+            <a:r>
+              <a:rPr lang="en-US" sz="1800" b="1" dirty="0">
+                <a:effectLst/>
+                <a:latin typeface="Times New Roman" panose="02020603050405020304" pitchFamily="18" charset="0"/>
+                <a:ea typeface="Times New Roman" panose="02020603050405020304" pitchFamily="18" charset="0"/>
+                <a:cs typeface="Latha" panose="020B0604020202020204" pitchFamily="34" charset="0"/>
+              </a:rPr>
+              <a:t>Jou</a:t>
+            </a:r>
+            <a:r>
+              <a:rPr lang="en-US" sz="1800" b="1" spc="-5" dirty="0">
+                <a:effectLst/>
+                <a:latin typeface="Times New Roman" panose="02020603050405020304" pitchFamily="18" charset="0"/>
+                <a:ea typeface="Times New Roman" panose="02020603050405020304" pitchFamily="18" charset="0"/>
+                <a:cs typeface="Latha" panose="020B0604020202020204" pitchFamily="34" charset="0"/>
+              </a:rPr>
+              <a:t>r</a:t>
+            </a:r>
+            <a:r>
+              <a:rPr lang="en-US" sz="1800" b="1" dirty="0">
+                <a:effectLst/>
+                <a:latin typeface="Times New Roman" panose="02020603050405020304" pitchFamily="18" charset="0"/>
+                <a:ea typeface="Times New Roman" panose="02020603050405020304" pitchFamily="18" charset="0"/>
+                <a:cs typeface="Latha" panose="020B0604020202020204" pitchFamily="34" charset="0"/>
+              </a:rPr>
+              <a:t>nal </a:t>
+            </a:r>
+            <a:r>
+              <a:rPr lang="en-US" sz="1800" b="1" spc="-5" dirty="0">
+                <a:effectLst/>
+                <a:latin typeface="Times New Roman" panose="02020603050405020304" pitchFamily="18" charset="0"/>
+                <a:ea typeface="Times New Roman" panose="02020603050405020304" pitchFamily="18" charset="0"/>
+                <a:cs typeface="Latha" panose="020B0604020202020204" pitchFamily="34" charset="0"/>
+              </a:rPr>
+              <a:t>N</a:t>
+            </a:r>
+            <a:r>
+              <a:rPr lang="en-US" sz="1800" b="1" dirty="0">
+                <a:effectLst/>
+                <a:latin typeface="Times New Roman" panose="02020603050405020304" pitchFamily="18" charset="0"/>
+                <a:ea typeface="Times New Roman" panose="02020603050405020304" pitchFamily="18" charset="0"/>
+                <a:cs typeface="Latha" panose="020B0604020202020204" pitchFamily="34" charset="0"/>
+              </a:rPr>
+              <a:t>a</a:t>
+            </a:r>
+            <a:r>
+              <a:rPr lang="en-US" sz="1800" b="1" spc="-55" dirty="0">
+                <a:effectLst/>
+                <a:latin typeface="Times New Roman" panose="02020603050405020304" pitchFamily="18" charset="0"/>
+                <a:ea typeface="Times New Roman" panose="02020603050405020304" pitchFamily="18" charset="0"/>
+                <a:cs typeface="Latha" panose="020B0604020202020204" pitchFamily="34" charset="0"/>
+              </a:rPr>
+              <a:t>m</a:t>
+            </a:r>
+            <a:r>
+              <a:rPr lang="en-US" sz="1800" b="1" dirty="0">
+                <a:effectLst/>
+                <a:latin typeface="Times New Roman" panose="02020603050405020304" pitchFamily="18" charset="0"/>
+                <a:ea typeface="Times New Roman" panose="02020603050405020304" pitchFamily="18" charset="0"/>
+                <a:cs typeface="Latha" panose="020B0604020202020204" pitchFamily="34" charset="0"/>
+              </a:rPr>
+              <a:t>e</a:t>
+            </a:r>
+            <a:r>
+              <a:rPr lang="en-US" sz="1800" b="1" spc="-5" dirty="0">
+                <a:effectLst/>
+                <a:latin typeface="Times New Roman" panose="02020603050405020304" pitchFamily="18" charset="0"/>
+                <a:ea typeface="Times New Roman" panose="02020603050405020304" pitchFamily="18" charset="0"/>
+                <a:cs typeface="Latha" panose="020B0604020202020204" pitchFamily="34" charset="0"/>
+              </a:rPr>
+              <a:t> </a:t>
+            </a:r>
+            <a:r>
+              <a:rPr lang="en-US" sz="1800" b="1" dirty="0">
+                <a:effectLst/>
+                <a:latin typeface="Times New Roman" panose="02020603050405020304" pitchFamily="18" charset="0"/>
+                <a:ea typeface="Times New Roman" panose="02020603050405020304" pitchFamily="18" charset="0"/>
+                <a:cs typeface="Latha" panose="020B0604020202020204" pitchFamily="34" charset="0"/>
+              </a:rPr>
+              <a:t>-</a:t>
+            </a:r>
+            <a:r>
+              <a:rPr lang="en-US" sz="1800" b="1" spc="5" dirty="0">
+                <a:effectLst/>
+                <a:latin typeface="Times New Roman" panose="02020603050405020304" pitchFamily="18" charset="0"/>
+                <a:ea typeface="Times New Roman" panose="02020603050405020304" pitchFamily="18" charset="0"/>
+                <a:cs typeface="Latha" panose="020B0604020202020204" pitchFamily="34" charset="0"/>
+              </a:rPr>
+              <a:t> </a:t>
+            </a:r>
+            <a:r>
+              <a:rPr lang="en-US" sz="1800" spc="-55" dirty="0">
+                <a:effectLst/>
+                <a:latin typeface="Times New Roman" panose="02020603050405020304" pitchFamily="18" charset="0"/>
+                <a:ea typeface="Times New Roman" panose="02020603050405020304" pitchFamily="18" charset="0"/>
+                <a:cs typeface="Latha" panose="020B0604020202020204" pitchFamily="34" charset="0"/>
+              </a:rPr>
+              <a:t>I</a:t>
+            </a:r>
+            <a:r>
+              <a:rPr lang="en-US" sz="1800" spc="10" dirty="0">
+                <a:effectLst/>
+                <a:latin typeface="Times New Roman" panose="02020603050405020304" pitchFamily="18" charset="0"/>
+                <a:ea typeface="Times New Roman" panose="02020603050405020304" pitchFamily="18" charset="0"/>
+                <a:cs typeface="Latha" panose="020B0604020202020204" pitchFamily="34" charset="0"/>
+              </a:rPr>
+              <a:t>n</a:t>
+            </a:r>
+            <a:r>
+              <a:rPr lang="en-US" sz="1800" dirty="0">
+                <a:effectLst/>
+                <a:latin typeface="Times New Roman" panose="02020603050405020304" pitchFamily="18" charset="0"/>
+                <a:ea typeface="Times New Roman" panose="02020603050405020304" pitchFamily="18" charset="0"/>
+                <a:cs typeface="Latha" panose="020B0604020202020204" pitchFamily="34" charset="0"/>
+              </a:rPr>
+              <a:t>t</a:t>
+            </a:r>
+            <a:r>
+              <a:rPr lang="en-US" sz="1800" spc="5" dirty="0">
+                <a:effectLst/>
+                <a:latin typeface="Times New Roman" panose="02020603050405020304" pitchFamily="18" charset="0"/>
+                <a:ea typeface="Times New Roman" panose="02020603050405020304" pitchFamily="18" charset="0"/>
+                <a:cs typeface="Latha" panose="020B0604020202020204" pitchFamily="34" charset="0"/>
+              </a:rPr>
+              <a:t>e</a:t>
+            </a:r>
+            <a:r>
+              <a:rPr lang="en-US" sz="1800" spc="-5" dirty="0">
+                <a:effectLst/>
+                <a:latin typeface="Times New Roman" panose="02020603050405020304" pitchFamily="18" charset="0"/>
+                <a:ea typeface="Times New Roman" panose="02020603050405020304" pitchFamily="18" charset="0"/>
+                <a:cs typeface="Latha" panose="020B0604020202020204" pitchFamily="34" charset="0"/>
+              </a:rPr>
+              <a:t>r</a:t>
+            </a:r>
+            <a:r>
+              <a:rPr lang="en-US" sz="1800" dirty="0">
+                <a:effectLst/>
+                <a:latin typeface="Times New Roman" panose="02020603050405020304" pitchFamily="18" charset="0"/>
+                <a:ea typeface="Times New Roman" panose="02020603050405020304" pitchFamily="18" charset="0"/>
+                <a:cs typeface="Latha" panose="020B0604020202020204" pitchFamily="34" charset="0"/>
+              </a:rPr>
+              <a:t>n</a:t>
+            </a:r>
+            <a:r>
+              <a:rPr lang="en-US" sz="1800" spc="-5" dirty="0">
+                <a:effectLst/>
+                <a:latin typeface="Times New Roman" panose="02020603050405020304" pitchFamily="18" charset="0"/>
+                <a:ea typeface="Times New Roman" panose="02020603050405020304" pitchFamily="18" charset="0"/>
+                <a:cs typeface="Latha" panose="020B0604020202020204" pitchFamily="34" charset="0"/>
+              </a:rPr>
+              <a:t>a</a:t>
+            </a:r>
+            <a:r>
+              <a:rPr lang="en-US" sz="1800" spc="10" dirty="0">
+                <a:effectLst/>
+                <a:latin typeface="Times New Roman" panose="02020603050405020304" pitchFamily="18" charset="0"/>
+                <a:ea typeface="Times New Roman" panose="02020603050405020304" pitchFamily="18" charset="0"/>
+                <a:cs typeface="Latha" panose="020B0604020202020204" pitchFamily="34" charset="0"/>
+              </a:rPr>
+              <a:t>t</a:t>
+            </a:r>
+            <a:r>
+              <a:rPr lang="en-US" sz="1800" dirty="0">
+                <a:effectLst/>
+                <a:latin typeface="Times New Roman" panose="02020603050405020304" pitchFamily="18" charset="0"/>
+                <a:ea typeface="Times New Roman" panose="02020603050405020304" pitchFamily="18" charset="0"/>
+                <a:cs typeface="Latha" panose="020B0604020202020204" pitchFamily="34" charset="0"/>
+              </a:rPr>
+              <a:t>ion</a:t>
+            </a:r>
+            <a:r>
+              <a:rPr lang="en-US" sz="1800" spc="-5" dirty="0">
+                <a:effectLst/>
+                <a:latin typeface="Times New Roman" panose="02020603050405020304" pitchFamily="18" charset="0"/>
+                <a:ea typeface="Times New Roman" panose="02020603050405020304" pitchFamily="18" charset="0"/>
+                <a:cs typeface="Latha" panose="020B0604020202020204" pitchFamily="34" charset="0"/>
+              </a:rPr>
+              <a:t>a</a:t>
+            </a:r>
+            <a:r>
+              <a:rPr lang="en-US" sz="1800" dirty="0">
+                <a:effectLst/>
+                <a:latin typeface="Times New Roman" panose="02020603050405020304" pitchFamily="18" charset="0"/>
+                <a:ea typeface="Times New Roman" panose="02020603050405020304" pitchFamily="18" charset="0"/>
+                <a:cs typeface="Latha" panose="020B0604020202020204" pitchFamily="34" charset="0"/>
+              </a:rPr>
+              <a:t>l </a:t>
+            </a:r>
+            <a:r>
+              <a:rPr lang="en-US" sz="1800" spc="10" dirty="0">
+                <a:effectLst/>
+                <a:latin typeface="Times New Roman" panose="02020603050405020304" pitchFamily="18" charset="0"/>
+                <a:ea typeface="Times New Roman" panose="02020603050405020304" pitchFamily="18" charset="0"/>
+                <a:cs typeface="Latha" panose="020B0604020202020204" pitchFamily="34" charset="0"/>
+              </a:rPr>
+              <a:t>J</a:t>
+            </a:r>
+            <a:r>
+              <a:rPr lang="en-US" sz="1800" dirty="0">
+                <a:effectLst/>
+                <a:latin typeface="Times New Roman" panose="02020603050405020304" pitchFamily="18" charset="0"/>
+                <a:ea typeface="Times New Roman" panose="02020603050405020304" pitchFamily="18" charset="0"/>
+                <a:cs typeface="Latha" panose="020B0604020202020204" pitchFamily="34" charset="0"/>
+              </a:rPr>
+              <a:t>ou</a:t>
+            </a:r>
+            <a:r>
+              <a:rPr lang="en-US" sz="1800" spc="-5" dirty="0">
+                <a:effectLst/>
+                <a:latin typeface="Times New Roman" panose="02020603050405020304" pitchFamily="18" charset="0"/>
+                <a:ea typeface="Times New Roman" panose="02020603050405020304" pitchFamily="18" charset="0"/>
+                <a:cs typeface="Latha" panose="020B0604020202020204" pitchFamily="34" charset="0"/>
+              </a:rPr>
+              <a:t>r</a:t>
+            </a:r>
+            <a:r>
+              <a:rPr lang="en-US" sz="1800" dirty="0">
+                <a:effectLst/>
+                <a:latin typeface="Times New Roman" panose="02020603050405020304" pitchFamily="18" charset="0"/>
+                <a:ea typeface="Times New Roman" panose="02020603050405020304" pitchFamily="18" charset="0"/>
+                <a:cs typeface="Latha" panose="020B0604020202020204" pitchFamily="34" charset="0"/>
+              </a:rPr>
+              <a:t>n</a:t>
+            </a:r>
+            <a:r>
+              <a:rPr lang="en-US" sz="1800" spc="-5" dirty="0">
+                <a:effectLst/>
+                <a:latin typeface="Times New Roman" panose="02020603050405020304" pitchFamily="18" charset="0"/>
+                <a:ea typeface="Times New Roman" panose="02020603050405020304" pitchFamily="18" charset="0"/>
+                <a:cs typeface="Latha" panose="020B0604020202020204" pitchFamily="34" charset="0"/>
+              </a:rPr>
+              <a:t>a</a:t>
+            </a:r>
+            <a:r>
+              <a:rPr lang="en-US" sz="1800" dirty="0">
+                <a:effectLst/>
+                <a:latin typeface="Times New Roman" panose="02020603050405020304" pitchFamily="18" charset="0"/>
+                <a:ea typeface="Times New Roman" panose="02020603050405020304" pitchFamily="18" charset="0"/>
+                <a:cs typeface="Latha" panose="020B0604020202020204" pitchFamily="34" charset="0"/>
+              </a:rPr>
+              <a:t>l of</a:t>
+            </a:r>
+            <a:r>
+              <a:rPr lang="en-US" sz="1800" spc="-5" dirty="0">
+                <a:effectLst/>
+                <a:latin typeface="Times New Roman" panose="02020603050405020304" pitchFamily="18" charset="0"/>
+                <a:ea typeface="Times New Roman" panose="02020603050405020304" pitchFamily="18" charset="0"/>
+                <a:cs typeface="Latha" panose="020B0604020202020204" pitchFamily="34" charset="0"/>
+              </a:rPr>
+              <a:t> </a:t>
+            </a:r>
+            <a:r>
+              <a:rPr lang="en-US" sz="1800" dirty="0">
+                <a:effectLst/>
+                <a:latin typeface="Times New Roman" panose="02020603050405020304" pitchFamily="18" charset="0"/>
+                <a:ea typeface="Times New Roman" panose="02020603050405020304" pitchFamily="18" charset="0"/>
+                <a:cs typeface="Latha" panose="020B0604020202020204" pitchFamily="34" charset="0"/>
+              </a:rPr>
+              <a:t>C</a:t>
+            </a:r>
+            <a:r>
+              <a:rPr lang="en-US" sz="1800" spc="-5" dirty="0">
+                <a:effectLst/>
+                <a:latin typeface="Times New Roman" panose="02020603050405020304" pitchFamily="18" charset="0"/>
+                <a:ea typeface="Times New Roman" panose="02020603050405020304" pitchFamily="18" charset="0"/>
+                <a:cs typeface="Latha" panose="020B0604020202020204" pitchFamily="34" charset="0"/>
+              </a:rPr>
+              <a:t>rea</a:t>
+            </a:r>
+            <a:r>
+              <a:rPr lang="en-US" sz="1800" dirty="0">
+                <a:effectLst/>
+                <a:latin typeface="Times New Roman" panose="02020603050405020304" pitchFamily="18" charset="0"/>
+                <a:ea typeface="Times New Roman" panose="02020603050405020304" pitchFamily="18" charset="0"/>
+                <a:cs typeface="Latha" panose="020B0604020202020204" pitchFamily="34" charset="0"/>
+              </a:rPr>
+              <a:t>tive</a:t>
+            </a:r>
+            <a:r>
+              <a:rPr lang="en-US" sz="1800" spc="-5" dirty="0">
+                <a:effectLst/>
+                <a:latin typeface="Times New Roman" panose="02020603050405020304" pitchFamily="18" charset="0"/>
+                <a:ea typeface="Times New Roman" panose="02020603050405020304" pitchFamily="18" charset="0"/>
+                <a:cs typeface="Latha" panose="020B0604020202020204" pitchFamily="34" charset="0"/>
+              </a:rPr>
+              <a:t> </a:t>
+            </a:r>
+            <a:r>
+              <a:rPr lang="en-US" sz="1800" dirty="0">
+                <a:effectLst/>
+                <a:latin typeface="Times New Roman" panose="02020603050405020304" pitchFamily="18" charset="0"/>
+                <a:ea typeface="Times New Roman" panose="02020603050405020304" pitchFamily="18" charset="0"/>
+                <a:cs typeface="Latha" panose="020B0604020202020204" pitchFamily="34" charset="0"/>
+              </a:rPr>
+              <a:t>R</a:t>
+            </a:r>
+            <a:r>
+              <a:rPr lang="en-US" sz="1800" spc="-5" dirty="0">
+                <a:effectLst/>
+                <a:latin typeface="Times New Roman" panose="02020603050405020304" pitchFamily="18" charset="0"/>
+                <a:ea typeface="Times New Roman" panose="02020603050405020304" pitchFamily="18" charset="0"/>
+                <a:cs typeface="Latha" panose="020B0604020202020204" pitchFamily="34" charset="0"/>
+              </a:rPr>
+              <a:t>e</a:t>
+            </a:r>
+            <a:r>
+              <a:rPr lang="en-US" sz="1800" dirty="0">
+                <a:effectLst/>
+                <a:latin typeface="Times New Roman" panose="02020603050405020304" pitchFamily="18" charset="0"/>
+                <a:ea typeface="Times New Roman" panose="02020603050405020304" pitchFamily="18" charset="0"/>
+                <a:cs typeface="Latha" panose="020B0604020202020204" pitchFamily="34" charset="0"/>
+              </a:rPr>
+              <a:t>s</a:t>
+            </a:r>
+            <a:r>
+              <a:rPr lang="en-US" sz="1800" spc="-5" dirty="0">
+                <a:effectLst/>
+                <a:latin typeface="Times New Roman" panose="02020603050405020304" pitchFamily="18" charset="0"/>
+                <a:ea typeface="Times New Roman" panose="02020603050405020304" pitchFamily="18" charset="0"/>
+                <a:cs typeface="Latha" panose="020B0604020202020204" pitchFamily="34" charset="0"/>
+              </a:rPr>
+              <a:t>earc</a:t>
+            </a:r>
+            <a:r>
+              <a:rPr lang="en-US" sz="1800" dirty="0">
+                <a:effectLst/>
+                <a:latin typeface="Times New Roman" panose="02020603050405020304" pitchFamily="18" charset="0"/>
+                <a:ea typeface="Times New Roman" panose="02020603050405020304" pitchFamily="18" charset="0"/>
+                <a:cs typeface="Latha" panose="020B0604020202020204" pitchFamily="34" charset="0"/>
+              </a:rPr>
+              <a:t>h</a:t>
+            </a:r>
+            <a:r>
+              <a:rPr lang="en-US" sz="1800" spc="10" dirty="0">
+                <a:effectLst/>
+                <a:latin typeface="Times New Roman" panose="02020603050405020304" pitchFamily="18" charset="0"/>
+                <a:ea typeface="Times New Roman" panose="02020603050405020304" pitchFamily="18" charset="0"/>
+                <a:cs typeface="Latha" panose="020B0604020202020204" pitchFamily="34" charset="0"/>
+              </a:rPr>
+              <a:t> </a:t>
+            </a:r>
+            <a:r>
+              <a:rPr lang="en-US" sz="1800" spc="-5" dirty="0">
+                <a:effectLst/>
+                <a:latin typeface="Times New Roman" panose="02020603050405020304" pitchFamily="18" charset="0"/>
+                <a:ea typeface="Times New Roman" panose="02020603050405020304" pitchFamily="18" charset="0"/>
+                <a:cs typeface="Latha" panose="020B0604020202020204" pitchFamily="34" charset="0"/>
+              </a:rPr>
+              <a:t>T</a:t>
+            </a:r>
+            <a:r>
+              <a:rPr lang="en-US" sz="1800" dirty="0">
+                <a:effectLst/>
+                <a:latin typeface="Times New Roman" panose="02020603050405020304" pitchFamily="18" charset="0"/>
+                <a:ea typeface="Times New Roman" panose="02020603050405020304" pitchFamily="18" charset="0"/>
+                <a:cs typeface="Latha" panose="020B0604020202020204" pitchFamily="34" charset="0"/>
+              </a:rPr>
+              <a:t>ho</a:t>
+            </a:r>
+            <a:r>
+              <a:rPr lang="en-US" sz="1800" spc="10" dirty="0">
+                <a:effectLst/>
+                <a:latin typeface="Times New Roman" panose="02020603050405020304" pitchFamily="18" charset="0"/>
+                <a:ea typeface="Times New Roman" panose="02020603050405020304" pitchFamily="18" charset="0"/>
+                <a:cs typeface="Latha" panose="020B0604020202020204" pitchFamily="34" charset="0"/>
+              </a:rPr>
+              <a:t>u</a:t>
+            </a:r>
+            <a:r>
+              <a:rPr lang="en-US" sz="1800" spc="-15" dirty="0">
+                <a:effectLst/>
+                <a:latin typeface="Times New Roman" panose="02020603050405020304" pitchFamily="18" charset="0"/>
+                <a:ea typeface="Times New Roman" panose="02020603050405020304" pitchFamily="18" charset="0"/>
+                <a:cs typeface="Latha" panose="020B0604020202020204" pitchFamily="34" charset="0"/>
+              </a:rPr>
+              <a:t>g</a:t>
+            </a:r>
+            <a:r>
+              <a:rPr lang="en-US" sz="1800" dirty="0">
+                <a:effectLst/>
+                <a:latin typeface="Times New Roman" panose="02020603050405020304" pitchFamily="18" charset="0"/>
+                <a:ea typeface="Times New Roman" panose="02020603050405020304" pitchFamily="18" charset="0"/>
+                <a:cs typeface="Latha" panose="020B0604020202020204" pitchFamily="34" charset="0"/>
+              </a:rPr>
+              <a:t>hts </a:t>
+            </a:r>
+            <a:r>
+              <a:rPr lang="en-US" sz="1800" spc="5" dirty="0">
+                <a:effectLst/>
+                <a:latin typeface="Times New Roman" panose="02020603050405020304" pitchFamily="18" charset="0"/>
+                <a:ea typeface="Times New Roman" panose="02020603050405020304" pitchFamily="18" charset="0"/>
+                <a:cs typeface="Latha" panose="020B0604020202020204" pitchFamily="34" charset="0"/>
+              </a:rPr>
+              <a:t>(</a:t>
+            </a:r>
+            <a:r>
+              <a:rPr lang="en-US" sz="1800" spc="-30" dirty="0">
+                <a:effectLst/>
+                <a:latin typeface="Times New Roman" panose="02020603050405020304" pitchFamily="18" charset="0"/>
+                <a:ea typeface="Times New Roman" panose="02020603050405020304" pitchFamily="18" charset="0"/>
+                <a:cs typeface="Latha" panose="020B0604020202020204" pitchFamily="34" charset="0"/>
+              </a:rPr>
+              <a:t>I</a:t>
+            </a:r>
+            <a:r>
+              <a:rPr lang="en-US" sz="1800" spc="10" dirty="0">
+                <a:effectLst/>
+                <a:latin typeface="Times New Roman" panose="02020603050405020304" pitchFamily="18" charset="0"/>
+                <a:ea typeface="Times New Roman" panose="02020603050405020304" pitchFamily="18" charset="0"/>
+                <a:cs typeface="Latha" panose="020B0604020202020204" pitchFamily="34" charset="0"/>
+              </a:rPr>
+              <a:t>J</a:t>
+            </a:r>
+            <a:r>
+              <a:rPr lang="en-US" sz="1800" spc="15" dirty="0">
+                <a:effectLst/>
+                <a:latin typeface="Times New Roman" panose="02020603050405020304" pitchFamily="18" charset="0"/>
+                <a:ea typeface="Times New Roman" panose="02020603050405020304" pitchFamily="18" charset="0"/>
+                <a:cs typeface="Latha" panose="020B0604020202020204" pitchFamily="34" charset="0"/>
+              </a:rPr>
+              <a:t>C</a:t>
+            </a:r>
+            <a:r>
+              <a:rPr lang="en-US" sz="1800" dirty="0">
+                <a:effectLst/>
+                <a:latin typeface="Times New Roman" panose="02020603050405020304" pitchFamily="18" charset="0"/>
+                <a:ea typeface="Times New Roman" panose="02020603050405020304" pitchFamily="18" charset="0"/>
+                <a:cs typeface="Latha" panose="020B0604020202020204" pitchFamily="34" charset="0"/>
+              </a:rPr>
+              <a:t>R</a:t>
+            </a:r>
+            <a:r>
+              <a:rPr lang="en-US" sz="1800" spc="-5" dirty="0">
+                <a:effectLst/>
+                <a:latin typeface="Times New Roman" panose="02020603050405020304" pitchFamily="18" charset="0"/>
+                <a:ea typeface="Times New Roman" panose="02020603050405020304" pitchFamily="18" charset="0"/>
+                <a:cs typeface="Latha" panose="020B0604020202020204" pitchFamily="34" charset="0"/>
+              </a:rPr>
+              <a:t>T</a:t>
+            </a:r>
+            <a:r>
+              <a:rPr lang="en-US" sz="1800" dirty="0">
+                <a:effectLst/>
+                <a:latin typeface="Times New Roman" panose="02020603050405020304" pitchFamily="18" charset="0"/>
+                <a:ea typeface="Times New Roman" panose="02020603050405020304" pitchFamily="18" charset="0"/>
+                <a:cs typeface="Latha" panose="020B0604020202020204" pitchFamily="34" charset="0"/>
+              </a:rPr>
+              <a:t>)</a:t>
+            </a:r>
+            <a:endParaRPr lang="en-IN" sz="1800" dirty="0">
+              <a:effectLst/>
+              <a:latin typeface="Calibri" panose="020F0502020204030204" pitchFamily="34" charset="0"/>
+              <a:ea typeface="Calibri" panose="020F0502020204030204" pitchFamily="34" charset="0"/>
+              <a:cs typeface="Latha" panose="020B0604020202020204" pitchFamily="34" charset="0"/>
+            </a:endParaRPr>
+          </a:p>
+          <a:p>
+            <a:pPr>
+              <a:lnSpc>
+                <a:spcPts val="650"/>
+              </a:lnSpc>
+              <a:spcBef>
+                <a:spcPts val="45"/>
+              </a:spcBef>
+            </a:pPr>
+            <a:r>
+              <a:rPr lang="en-US" sz="1800" dirty="0">
+                <a:effectLst/>
+                <a:latin typeface="Calibri" panose="020F0502020204030204" pitchFamily="34" charset="0"/>
+                <a:ea typeface="Calibri" panose="020F0502020204030204" pitchFamily="34" charset="0"/>
+                <a:cs typeface="Latha" panose="020B0604020202020204" pitchFamily="34" charset="0"/>
+              </a:rPr>
+              <a:t> </a:t>
+            </a:r>
+            <a:endParaRPr lang="en-IN" sz="1800" dirty="0">
+              <a:effectLst/>
+              <a:latin typeface="Calibri" panose="020F0502020204030204" pitchFamily="34" charset="0"/>
+              <a:ea typeface="Calibri" panose="020F0502020204030204" pitchFamily="34" charset="0"/>
+              <a:cs typeface="Latha" panose="020B0604020202020204" pitchFamily="34" charset="0"/>
+            </a:endParaRPr>
+          </a:p>
+          <a:p>
+            <a:pPr marL="75565"/>
+            <a:r>
+              <a:rPr lang="en-US" sz="1800" b="1" spc="-40" dirty="0">
+                <a:effectLst/>
+                <a:latin typeface="Times New Roman" panose="02020603050405020304" pitchFamily="18" charset="0"/>
+                <a:ea typeface="Times New Roman" panose="02020603050405020304" pitchFamily="18" charset="0"/>
+                <a:cs typeface="Latha" panose="020B0604020202020204" pitchFamily="34" charset="0"/>
+              </a:rPr>
+              <a:t>P</a:t>
+            </a:r>
+            <a:r>
+              <a:rPr lang="en-US" sz="1800" b="1" dirty="0">
+                <a:effectLst/>
+                <a:latin typeface="Times New Roman" panose="02020603050405020304" pitchFamily="18" charset="0"/>
+                <a:ea typeface="Times New Roman" panose="02020603050405020304" pitchFamily="18" charset="0"/>
+                <a:cs typeface="Latha" panose="020B0604020202020204" pitchFamily="34" charset="0"/>
+              </a:rPr>
+              <a:t>ap</a:t>
+            </a:r>
+            <a:r>
+              <a:rPr lang="en-US" sz="1800" b="1" spc="-5" dirty="0">
+                <a:effectLst/>
+                <a:latin typeface="Times New Roman" panose="02020603050405020304" pitchFamily="18" charset="0"/>
+                <a:ea typeface="Times New Roman" panose="02020603050405020304" pitchFamily="18" charset="0"/>
+                <a:cs typeface="Latha" panose="020B0604020202020204" pitchFamily="34" charset="0"/>
+              </a:rPr>
+              <a:t>e</a:t>
+            </a:r>
+            <a:r>
+              <a:rPr lang="en-US" sz="1800" b="1" dirty="0">
+                <a:effectLst/>
+                <a:latin typeface="Times New Roman" panose="02020603050405020304" pitchFamily="18" charset="0"/>
+                <a:ea typeface="Times New Roman" panose="02020603050405020304" pitchFamily="18" charset="0"/>
+                <a:cs typeface="Latha" panose="020B0604020202020204" pitchFamily="34" charset="0"/>
+              </a:rPr>
+              <a:t>r</a:t>
+            </a:r>
+            <a:r>
+              <a:rPr lang="en-US" sz="1800" b="1" spc="-5" dirty="0">
+                <a:effectLst/>
+                <a:latin typeface="Times New Roman" panose="02020603050405020304" pitchFamily="18" charset="0"/>
+                <a:ea typeface="Times New Roman" panose="02020603050405020304" pitchFamily="18" charset="0"/>
+                <a:cs typeface="Latha" panose="020B0604020202020204" pitchFamily="34" charset="0"/>
+              </a:rPr>
+              <a:t> </a:t>
+            </a:r>
+            <a:r>
+              <a:rPr lang="en-US" sz="1800" b="1" dirty="0">
+                <a:effectLst/>
+                <a:latin typeface="Times New Roman" panose="02020603050405020304" pitchFamily="18" charset="0"/>
+                <a:ea typeface="Times New Roman" panose="02020603050405020304" pitchFamily="18" charset="0"/>
+                <a:cs typeface="Latha" panose="020B0604020202020204" pitchFamily="34" charset="0"/>
+              </a:rPr>
+              <a:t>Ti</a:t>
+            </a:r>
+            <a:r>
+              <a:rPr lang="en-US" sz="1800" b="1" spc="-5" dirty="0">
+                <a:effectLst/>
+                <a:latin typeface="Times New Roman" panose="02020603050405020304" pitchFamily="18" charset="0"/>
+                <a:ea typeface="Times New Roman" panose="02020603050405020304" pitchFamily="18" charset="0"/>
+                <a:cs typeface="Latha" panose="020B0604020202020204" pitchFamily="34" charset="0"/>
+              </a:rPr>
+              <a:t>t</a:t>
+            </a:r>
+            <a:r>
+              <a:rPr lang="en-US" sz="1800" b="1" dirty="0">
+                <a:effectLst/>
+                <a:latin typeface="Times New Roman" panose="02020603050405020304" pitchFamily="18" charset="0"/>
+                <a:ea typeface="Times New Roman" panose="02020603050405020304" pitchFamily="18" charset="0"/>
+                <a:cs typeface="Latha" panose="020B0604020202020204" pitchFamily="34" charset="0"/>
+              </a:rPr>
+              <a:t>l</a:t>
+            </a:r>
+            <a:r>
+              <a:rPr lang="en-US" sz="1800" b="1" spc="-5" dirty="0">
+                <a:effectLst/>
+                <a:latin typeface="Times New Roman" panose="02020603050405020304" pitchFamily="18" charset="0"/>
+                <a:ea typeface="Times New Roman" panose="02020603050405020304" pitchFamily="18" charset="0"/>
+                <a:cs typeface="Latha" panose="020B0604020202020204" pitchFamily="34" charset="0"/>
+              </a:rPr>
+              <a:t>e</a:t>
+            </a:r>
+            <a:r>
+              <a:rPr lang="en-US" sz="1800" dirty="0">
+                <a:effectLst/>
+                <a:latin typeface="Times New Roman" panose="02020603050405020304" pitchFamily="18" charset="0"/>
+                <a:ea typeface="Times New Roman" panose="02020603050405020304" pitchFamily="18" charset="0"/>
+                <a:cs typeface="Latha" panose="020B0604020202020204" pitchFamily="34" charset="0"/>
+              </a:rPr>
+              <a:t>-</a:t>
+            </a:r>
+            <a:r>
+              <a:rPr lang="en-US" sz="1800" spc="-5" dirty="0">
+                <a:effectLst/>
+                <a:latin typeface="Times New Roman" panose="02020603050405020304" pitchFamily="18" charset="0"/>
+                <a:ea typeface="Times New Roman" panose="02020603050405020304" pitchFamily="18" charset="0"/>
+                <a:cs typeface="Latha" panose="020B0604020202020204" pitchFamily="34" charset="0"/>
+              </a:rPr>
+              <a:t> </a:t>
+            </a:r>
+            <a:r>
+              <a:rPr lang="en-US" sz="1800" dirty="0">
+                <a:effectLst/>
+                <a:latin typeface="Times New Roman" panose="02020603050405020304" pitchFamily="18" charset="0"/>
+                <a:ea typeface="Times New Roman" panose="02020603050405020304" pitchFamily="18" charset="0"/>
+                <a:cs typeface="Latha" panose="020B0604020202020204" pitchFamily="34" charset="0"/>
+              </a:rPr>
+              <a:t>Sm</a:t>
+            </a:r>
+            <a:r>
+              <a:rPr lang="en-US" sz="1800" spc="-5" dirty="0">
+                <a:effectLst/>
+                <a:latin typeface="Times New Roman" panose="02020603050405020304" pitchFamily="18" charset="0"/>
+                <a:ea typeface="Times New Roman" panose="02020603050405020304" pitchFamily="18" charset="0"/>
+                <a:cs typeface="Latha" panose="020B0604020202020204" pitchFamily="34" charset="0"/>
+              </a:rPr>
+              <a:t>ar</a:t>
+            </a:r>
+            <a:r>
+              <a:rPr lang="en-US" sz="1800" dirty="0">
+                <a:effectLst/>
+                <a:latin typeface="Times New Roman" panose="02020603050405020304" pitchFamily="18" charset="0"/>
+                <a:ea typeface="Times New Roman" panose="02020603050405020304" pitchFamily="18" charset="0"/>
+                <a:cs typeface="Latha" panose="020B0604020202020204" pitchFamily="34" charset="0"/>
+              </a:rPr>
+              <a:t>t </a:t>
+            </a:r>
+            <a:r>
+              <a:rPr lang="en-US" sz="1800" spc="-5" dirty="0">
+                <a:effectLst/>
+                <a:latin typeface="Times New Roman" panose="02020603050405020304" pitchFamily="18" charset="0"/>
+                <a:ea typeface="Times New Roman" panose="02020603050405020304" pitchFamily="18" charset="0"/>
+                <a:cs typeface="Latha" panose="020B0604020202020204" pitchFamily="34" charset="0"/>
+              </a:rPr>
+              <a:t>E</a:t>
+            </a:r>
+            <a:r>
+              <a:rPr lang="en-US" sz="1800" spc="10" dirty="0">
+                <a:effectLst/>
+                <a:latin typeface="Times New Roman" panose="02020603050405020304" pitchFamily="18" charset="0"/>
+                <a:ea typeface="Times New Roman" panose="02020603050405020304" pitchFamily="18" charset="0"/>
+                <a:cs typeface="Latha" panose="020B0604020202020204" pitchFamily="34" charset="0"/>
+              </a:rPr>
+              <a:t>n</a:t>
+            </a:r>
+            <a:r>
+              <a:rPr lang="en-US" sz="1800" spc="5" dirty="0">
+                <a:effectLst/>
+                <a:latin typeface="Times New Roman" panose="02020603050405020304" pitchFamily="18" charset="0"/>
+                <a:ea typeface="Times New Roman" panose="02020603050405020304" pitchFamily="18" charset="0"/>
+                <a:cs typeface="Latha" panose="020B0604020202020204" pitchFamily="34" charset="0"/>
+              </a:rPr>
+              <a:t>er</a:t>
+            </a:r>
+            <a:r>
+              <a:rPr lang="en-US" sz="1800" spc="10" dirty="0">
+                <a:effectLst/>
+                <a:latin typeface="Times New Roman" panose="02020603050405020304" pitchFamily="18" charset="0"/>
+                <a:ea typeface="Times New Roman" panose="02020603050405020304" pitchFamily="18" charset="0"/>
+                <a:cs typeface="Latha" panose="020B0604020202020204" pitchFamily="34" charset="0"/>
+              </a:rPr>
+              <a:t>g</a:t>
+            </a:r>
+            <a:r>
+              <a:rPr lang="en-US" sz="1800" dirty="0">
+                <a:effectLst/>
+                <a:latin typeface="Times New Roman" panose="02020603050405020304" pitchFamily="18" charset="0"/>
+                <a:ea typeface="Times New Roman" panose="02020603050405020304" pitchFamily="18" charset="0"/>
+                <a:cs typeface="Latha" panose="020B0604020202020204" pitchFamily="34" charset="0"/>
+              </a:rPr>
+              <a:t>y</a:t>
+            </a:r>
+            <a:r>
+              <a:rPr lang="en-US" sz="1800" spc="-50" dirty="0">
+                <a:effectLst/>
+                <a:latin typeface="Times New Roman" panose="02020603050405020304" pitchFamily="18" charset="0"/>
+                <a:ea typeface="Times New Roman" panose="02020603050405020304" pitchFamily="18" charset="0"/>
+                <a:cs typeface="Latha" panose="020B0604020202020204" pitchFamily="34" charset="0"/>
+              </a:rPr>
+              <a:t> </a:t>
+            </a:r>
+            <a:r>
+              <a:rPr lang="en-US" sz="1800" dirty="0">
+                <a:effectLst/>
+                <a:latin typeface="Times New Roman" panose="02020603050405020304" pitchFamily="18" charset="0"/>
+                <a:ea typeface="Times New Roman" panose="02020603050405020304" pitchFamily="18" charset="0"/>
+                <a:cs typeface="Latha" panose="020B0604020202020204" pitchFamily="34" charset="0"/>
+              </a:rPr>
+              <a:t>Monito</a:t>
+            </a:r>
+            <a:r>
+              <a:rPr lang="en-US" sz="1800" spc="-5" dirty="0">
+                <a:effectLst/>
+                <a:latin typeface="Times New Roman" panose="02020603050405020304" pitchFamily="18" charset="0"/>
+                <a:ea typeface="Times New Roman" panose="02020603050405020304" pitchFamily="18" charset="0"/>
+                <a:cs typeface="Latha" panose="020B0604020202020204" pitchFamily="34" charset="0"/>
+              </a:rPr>
+              <a:t>r</a:t>
+            </a:r>
+            <a:r>
+              <a:rPr lang="en-US" sz="1800" dirty="0">
+                <a:effectLst/>
+                <a:latin typeface="Times New Roman" panose="02020603050405020304" pitchFamily="18" charset="0"/>
+                <a:ea typeface="Times New Roman" panose="02020603050405020304" pitchFamily="18" charset="0"/>
+                <a:cs typeface="Latha" panose="020B0604020202020204" pitchFamily="34" charset="0"/>
+              </a:rPr>
+              <a:t>i</a:t>
+            </a:r>
+            <a:r>
+              <a:rPr lang="en-US" sz="1800" spc="10" dirty="0">
+                <a:effectLst/>
+                <a:latin typeface="Times New Roman" panose="02020603050405020304" pitchFamily="18" charset="0"/>
+                <a:ea typeface="Times New Roman" panose="02020603050405020304" pitchFamily="18" charset="0"/>
+                <a:cs typeface="Latha" panose="020B0604020202020204" pitchFamily="34" charset="0"/>
+              </a:rPr>
+              <a:t>n</a:t>
+            </a:r>
+            <a:r>
+              <a:rPr lang="en-US" sz="1800" dirty="0">
+                <a:effectLst/>
+                <a:latin typeface="Times New Roman" panose="02020603050405020304" pitchFamily="18" charset="0"/>
+                <a:ea typeface="Times New Roman" panose="02020603050405020304" pitchFamily="18" charset="0"/>
+                <a:cs typeface="Latha" panose="020B0604020202020204" pitchFamily="34" charset="0"/>
+              </a:rPr>
+              <a:t>g</a:t>
+            </a:r>
+            <a:r>
+              <a:rPr lang="en-US" sz="1800" spc="-25" dirty="0">
+                <a:effectLst/>
+                <a:latin typeface="Times New Roman" panose="02020603050405020304" pitchFamily="18" charset="0"/>
+                <a:ea typeface="Times New Roman" panose="02020603050405020304" pitchFamily="18" charset="0"/>
+                <a:cs typeface="Latha" panose="020B0604020202020204" pitchFamily="34" charset="0"/>
+              </a:rPr>
+              <a:t> </a:t>
+            </a:r>
+            <a:r>
+              <a:rPr lang="en-US" sz="1800" spc="-5" dirty="0">
+                <a:effectLst/>
+                <a:latin typeface="Times New Roman" panose="02020603050405020304" pitchFamily="18" charset="0"/>
+                <a:ea typeface="Times New Roman" panose="02020603050405020304" pitchFamily="18" charset="0"/>
+                <a:cs typeface="Latha" panose="020B0604020202020204" pitchFamily="34" charset="0"/>
+              </a:rPr>
+              <a:t>A</a:t>
+            </a:r>
+            <a:r>
+              <a:rPr lang="en-US" sz="1800" dirty="0">
+                <a:effectLst/>
+                <a:latin typeface="Times New Roman" panose="02020603050405020304" pitchFamily="18" charset="0"/>
+                <a:ea typeface="Times New Roman" panose="02020603050405020304" pitchFamily="18" charset="0"/>
+                <a:cs typeface="Latha" panose="020B0604020202020204" pitchFamily="34" charset="0"/>
+              </a:rPr>
+              <a:t>ppli</a:t>
+            </a:r>
+            <a:r>
+              <a:rPr lang="en-US" sz="1800" spc="-5" dirty="0">
+                <a:effectLst/>
+                <a:latin typeface="Times New Roman" panose="02020603050405020304" pitchFamily="18" charset="0"/>
+                <a:ea typeface="Times New Roman" panose="02020603050405020304" pitchFamily="18" charset="0"/>
+                <a:cs typeface="Latha" panose="020B0604020202020204" pitchFamily="34" charset="0"/>
+              </a:rPr>
+              <a:t>ca</a:t>
+            </a:r>
+            <a:r>
+              <a:rPr lang="en-US" sz="1800" dirty="0">
+                <a:effectLst/>
+                <a:latin typeface="Times New Roman" panose="02020603050405020304" pitchFamily="18" charset="0"/>
+                <a:ea typeface="Times New Roman" panose="02020603050405020304" pitchFamily="18" charset="0"/>
+                <a:cs typeface="Latha" panose="020B0604020202020204" pitchFamily="34" charset="0"/>
+              </a:rPr>
+              <a:t>tion</a:t>
+            </a:r>
+            <a:endParaRPr lang="en-IN" sz="1800" dirty="0">
+              <a:effectLst/>
+              <a:latin typeface="Calibri" panose="020F0502020204030204" pitchFamily="34" charset="0"/>
+              <a:ea typeface="Calibri" panose="020F0502020204030204" pitchFamily="34" charset="0"/>
+              <a:cs typeface="Latha" panose="020B0604020202020204" pitchFamily="34" charset="0"/>
+            </a:endParaRPr>
+          </a:p>
+          <a:p>
+            <a:pPr>
+              <a:lnSpc>
+                <a:spcPts val="650"/>
+              </a:lnSpc>
+              <a:spcBef>
+                <a:spcPts val="35"/>
+              </a:spcBef>
+            </a:pPr>
+            <a:r>
+              <a:rPr lang="en-US" sz="1800" dirty="0">
+                <a:effectLst/>
+                <a:latin typeface="Calibri" panose="020F0502020204030204" pitchFamily="34" charset="0"/>
+                <a:ea typeface="Calibri" panose="020F0502020204030204" pitchFamily="34" charset="0"/>
+                <a:cs typeface="Latha" panose="020B0604020202020204" pitchFamily="34" charset="0"/>
+              </a:rPr>
+              <a:t> </a:t>
+            </a:r>
+            <a:endParaRPr lang="en-IN" sz="1800" dirty="0">
+              <a:effectLst/>
+              <a:latin typeface="Calibri" panose="020F0502020204030204" pitchFamily="34" charset="0"/>
+              <a:ea typeface="Calibri" panose="020F0502020204030204" pitchFamily="34" charset="0"/>
+              <a:cs typeface="Latha" panose="020B0604020202020204" pitchFamily="34" charset="0"/>
+            </a:endParaRPr>
+          </a:p>
+          <a:p>
+            <a:pPr marL="75565">
+              <a:tabLst>
+                <a:tab pos="1447165" algn="l"/>
+              </a:tabLst>
+            </a:pPr>
+            <a:r>
+              <a:rPr lang="en-US" sz="1800" b="1" spc="-50" dirty="0">
+                <a:effectLst/>
+                <a:latin typeface="Times New Roman" panose="02020603050405020304" pitchFamily="18" charset="0"/>
+                <a:ea typeface="Times New Roman" panose="02020603050405020304" pitchFamily="18" charset="0"/>
+                <a:cs typeface="Latha" panose="020B0604020202020204" pitchFamily="34" charset="0"/>
+              </a:rPr>
+              <a:t>P</a:t>
+            </a:r>
+            <a:r>
+              <a:rPr lang="en-US" sz="1800" b="1" dirty="0">
+                <a:effectLst/>
+                <a:latin typeface="Times New Roman" panose="02020603050405020304" pitchFamily="18" charset="0"/>
+                <a:ea typeface="Times New Roman" panose="02020603050405020304" pitchFamily="18" charset="0"/>
+                <a:cs typeface="Latha" panose="020B0604020202020204" pitchFamily="34" charset="0"/>
+              </a:rPr>
+              <a:t>ubli</a:t>
+            </a:r>
+            <a:r>
+              <a:rPr lang="en-US" sz="1800" b="1" spc="-5" dirty="0">
+                <a:effectLst/>
+                <a:latin typeface="Times New Roman" panose="02020603050405020304" pitchFamily="18" charset="0"/>
+                <a:ea typeface="Times New Roman" panose="02020603050405020304" pitchFamily="18" charset="0"/>
+                <a:cs typeface="Latha" panose="020B0604020202020204" pitchFamily="34" charset="0"/>
+              </a:rPr>
+              <a:t>c</a:t>
+            </a:r>
+            <a:r>
+              <a:rPr lang="en-US" sz="1800" b="1" dirty="0">
+                <a:effectLst/>
+                <a:latin typeface="Times New Roman" panose="02020603050405020304" pitchFamily="18" charset="0"/>
+                <a:ea typeface="Times New Roman" panose="02020603050405020304" pitchFamily="18" charset="0"/>
+                <a:cs typeface="Latha" panose="020B0604020202020204" pitchFamily="34" charset="0"/>
+              </a:rPr>
+              <a:t>a</a:t>
+            </a:r>
+            <a:r>
+              <a:rPr lang="en-US" sz="1800" b="1" spc="-5" dirty="0">
+                <a:effectLst/>
+                <a:latin typeface="Times New Roman" panose="02020603050405020304" pitchFamily="18" charset="0"/>
+                <a:ea typeface="Times New Roman" panose="02020603050405020304" pitchFamily="18" charset="0"/>
+                <a:cs typeface="Latha" panose="020B0604020202020204" pitchFamily="34" charset="0"/>
+              </a:rPr>
+              <a:t>t</a:t>
+            </a:r>
+            <a:r>
+              <a:rPr lang="en-US" sz="1800" b="1" dirty="0">
+                <a:effectLst/>
+                <a:latin typeface="Times New Roman" panose="02020603050405020304" pitchFamily="18" charset="0"/>
+                <a:ea typeface="Times New Roman" panose="02020603050405020304" pitchFamily="18" charset="0"/>
+                <a:cs typeface="Latha" panose="020B0604020202020204" pitchFamily="34" charset="0"/>
+              </a:rPr>
+              <a:t>ion Is</a:t>
+            </a:r>
+            <a:r>
+              <a:rPr lang="en-US" sz="1800" b="1" spc="-15" dirty="0">
+                <a:effectLst/>
+                <a:latin typeface="Times New Roman" panose="02020603050405020304" pitchFamily="18" charset="0"/>
+                <a:ea typeface="Times New Roman" panose="02020603050405020304" pitchFamily="18" charset="0"/>
+                <a:cs typeface="Latha" panose="020B0604020202020204" pitchFamily="34" charset="0"/>
+              </a:rPr>
+              <a:t>s</a:t>
+            </a:r>
+            <a:r>
+              <a:rPr lang="en-US" sz="1800" b="1" dirty="0">
+                <a:effectLst/>
+                <a:latin typeface="Times New Roman" panose="02020603050405020304" pitchFamily="18" charset="0"/>
+                <a:ea typeface="Times New Roman" panose="02020603050405020304" pitchFamily="18" charset="0"/>
+                <a:cs typeface="Latha" panose="020B0604020202020204" pitchFamily="34" charset="0"/>
+              </a:rPr>
+              <a:t>ue</a:t>
+            </a:r>
+            <a:r>
+              <a:rPr lang="en-US" sz="1800" b="1" spc="-5" dirty="0">
+                <a:effectLst/>
+                <a:latin typeface="Times New Roman" panose="02020603050405020304" pitchFamily="18" charset="0"/>
+                <a:ea typeface="Times New Roman" panose="02020603050405020304" pitchFamily="18" charset="0"/>
+                <a:cs typeface="Latha" panose="020B0604020202020204" pitchFamily="34" charset="0"/>
+              </a:rPr>
+              <a:t> </a:t>
+            </a:r>
+            <a:r>
+              <a:rPr lang="en-US" sz="1800" b="1" dirty="0">
+                <a:effectLst/>
+                <a:latin typeface="Times New Roman" panose="02020603050405020304" pitchFamily="18" charset="0"/>
+                <a:ea typeface="Times New Roman" panose="02020603050405020304" pitchFamily="18" charset="0"/>
+                <a:cs typeface="Latha" panose="020B0604020202020204" pitchFamily="34" charset="0"/>
+              </a:rPr>
+              <a:t>-	</a:t>
+            </a:r>
+            <a:r>
+              <a:rPr lang="en-US" sz="1800" spc="-5" dirty="0">
+                <a:effectLst/>
+                <a:latin typeface="Times New Roman" panose="02020603050405020304" pitchFamily="18" charset="0"/>
+                <a:ea typeface="Times New Roman" panose="02020603050405020304" pitchFamily="18" charset="0"/>
+                <a:cs typeface="Latha" panose="020B0604020202020204" pitchFamily="34" charset="0"/>
+              </a:rPr>
+              <a:t>V</a:t>
+            </a:r>
+            <a:r>
+              <a:rPr lang="en-US" sz="1800" dirty="0">
+                <a:effectLst/>
+                <a:latin typeface="Times New Roman" panose="02020603050405020304" pitchFamily="18" charset="0"/>
+                <a:ea typeface="Times New Roman" panose="02020603050405020304" pitchFamily="18" charset="0"/>
+                <a:cs typeface="Latha" panose="020B0604020202020204" pitchFamily="34" charset="0"/>
+              </a:rPr>
+              <a:t>olume</a:t>
+            </a:r>
+            <a:r>
+              <a:rPr lang="en-US" sz="1800" spc="-5" dirty="0">
+                <a:effectLst/>
+                <a:latin typeface="Times New Roman" panose="02020603050405020304" pitchFamily="18" charset="0"/>
+                <a:ea typeface="Times New Roman" panose="02020603050405020304" pitchFamily="18" charset="0"/>
+                <a:cs typeface="Latha" panose="020B0604020202020204" pitchFamily="34" charset="0"/>
+              </a:rPr>
+              <a:t> </a:t>
+            </a:r>
+            <a:r>
+              <a:rPr lang="en-US" sz="1800" dirty="0">
+                <a:effectLst/>
+                <a:latin typeface="Times New Roman" panose="02020603050405020304" pitchFamily="18" charset="0"/>
+                <a:ea typeface="Times New Roman" panose="02020603050405020304" pitchFamily="18" charset="0"/>
+                <a:cs typeface="Latha" panose="020B0604020202020204" pitchFamily="34" charset="0"/>
+              </a:rPr>
+              <a:t>9,</a:t>
+            </a:r>
+            <a:r>
+              <a:rPr lang="en-US" sz="1800" spc="35" dirty="0">
+                <a:effectLst/>
+                <a:latin typeface="Times New Roman" panose="02020603050405020304" pitchFamily="18" charset="0"/>
+                <a:ea typeface="Times New Roman" panose="02020603050405020304" pitchFamily="18" charset="0"/>
+                <a:cs typeface="Latha" panose="020B0604020202020204" pitchFamily="34" charset="0"/>
+              </a:rPr>
+              <a:t> </a:t>
+            </a:r>
+            <a:r>
+              <a:rPr lang="en-US" sz="1800" spc="-90" dirty="0">
+                <a:effectLst/>
+                <a:latin typeface="Times New Roman" panose="02020603050405020304" pitchFamily="18" charset="0"/>
+                <a:ea typeface="Times New Roman" panose="02020603050405020304" pitchFamily="18" charset="0"/>
+                <a:cs typeface="Latha" panose="020B0604020202020204" pitchFamily="34" charset="0"/>
+              </a:rPr>
+              <a:t>I</a:t>
+            </a:r>
+            <a:r>
+              <a:rPr lang="en-US" sz="1800" dirty="0">
+                <a:effectLst/>
+                <a:latin typeface="Times New Roman" panose="02020603050405020304" pitchFamily="18" charset="0"/>
+                <a:ea typeface="Times New Roman" panose="02020603050405020304" pitchFamily="18" charset="0"/>
+                <a:cs typeface="Latha" panose="020B0604020202020204" pitchFamily="34" charset="0"/>
+              </a:rPr>
+              <a:t>ss</a:t>
+            </a:r>
+            <a:r>
+              <a:rPr lang="en-US" sz="1800" spc="10" dirty="0">
+                <a:effectLst/>
+                <a:latin typeface="Times New Roman" panose="02020603050405020304" pitchFamily="18" charset="0"/>
+                <a:ea typeface="Times New Roman" panose="02020603050405020304" pitchFamily="18" charset="0"/>
+                <a:cs typeface="Latha" panose="020B0604020202020204" pitchFamily="34" charset="0"/>
+              </a:rPr>
+              <a:t>u</a:t>
+            </a:r>
+            <a:r>
+              <a:rPr lang="en-US" sz="1800" dirty="0">
+                <a:effectLst/>
+                <a:latin typeface="Times New Roman" panose="02020603050405020304" pitchFamily="18" charset="0"/>
+                <a:ea typeface="Times New Roman" panose="02020603050405020304" pitchFamily="18" charset="0"/>
+                <a:cs typeface="Latha" panose="020B0604020202020204" pitchFamily="34" charset="0"/>
+              </a:rPr>
+              <a:t>e</a:t>
+            </a:r>
+            <a:r>
+              <a:rPr lang="en-US" sz="1800" spc="-5" dirty="0">
+                <a:effectLst/>
+                <a:latin typeface="Times New Roman" panose="02020603050405020304" pitchFamily="18" charset="0"/>
+                <a:ea typeface="Times New Roman" panose="02020603050405020304" pitchFamily="18" charset="0"/>
+                <a:cs typeface="Latha" panose="020B0604020202020204" pitchFamily="34" charset="0"/>
+              </a:rPr>
+              <a:t> </a:t>
+            </a:r>
+            <a:r>
+              <a:rPr lang="en-US" sz="1800" dirty="0">
+                <a:effectLst/>
+                <a:latin typeface="Times New Roman" panose="02020603050405020304" pitchFamily="18" charset="0"/>
+                <a:ea typeface="Times New Roman" panose="02020603050405020304" pitchFamily="18" charset="0"/>
+                <a:cs typeface="Latha" panose="020B0604020202020204" pitchFamily="34" charset="0"/>
+              </a:rPr>
+              <a:t>5,</a:t>
+            </a:r>
+            <a:endParaRPr lang="en-IN" sz="1800" dirty="0">
+              <a:effectLst/>
+              <a:latin typeface="Calibri" panose="020F0502020204030204" pitchFamily="34" charset="0"/>
+              <a:ea typeface="Calibri" panose="020F0502020204030204" pitchFamily="34" charset="0"/>
+              <a:cs typeface="Latha" panose="020B0604020202020204" pitchFamily="34" charset="0"/>
+            </a:endParaRPr>
+          </a:p>
+          <a:p>
+            <a:pPr>
+              <a:lnSpc>
+                <a:spcPts val="650"/>
+              </a:lnSpc>
+              <a:spcBef>
+                <a:spcPts val="45"/>
+              </a:spcBef>
+            </a:pPr>
+            <a:r>
+              <a:rPr lang="en-US" sz="1800" dirty="0">
+                <a:effectLst/>
+                <a:latin typeface="Calibri" panose="020F0502020204030204" pitchFamily="34" charset="0"/>
+                <a:ea typeface="Calibri" panose="020F0502020204030204" pitchFamily="34" charset="0"/>
+                <a:cs typeface="Latha" panose="020B0604020202020204" pitchFamily="34" charset="0"/>
+              </a:rPr>
+              <a:t> </a:t>
+            </a:r>
+            <a:endParaRPr lang="en-IN" sz="1800" dirty="0">
+              <a:effectLst/>
+              <a:latin typeface="Calibri" panose="020F0502020204030204" pitchFamily="34" charset="0"/>
+              <a:ea typeface="Calibri" panose="020F0502020204030204" pitchFamily="34" charset="0"/>
+              <a:cs typeface="Latha" panose="020B0604020202020204" pitchFamily="34" charset="0"/>
+            </a:endParaRPr>
+          </a:p>
+          <a:p>
+            <a:pPr marL="75565"/>
+            <a:r>
+              <a:rPr lang="en-US" sz="1800" b="1" spc="-5" dirty="0">
+                <a:effectLst/>
+                <a:latin typeface="Times New Roman" panose="02020603050405020304" pitchFamily="18" charset="0"/>
+                <a:ea typeface="Times New Roman" panose="02020603050405020304" pitchFamily="18" charset="0"/>
+                <a:cs typeface="Latha" panose="020B0604020202020204" pitchFamily="34" charset="0"/>
+              </a:rPr>
+              <a:t>D</a:t>
+            </a:r>
+            <a:r>
+              <a:rPr lang="en-US" sz="1800" b="1" dirty="0">
+                <a:effectLst/>
+                <a:latin typeface="Times New Roman" panose="02020603050405020304" pitchFamily="18" charset="0"/>
+                <a:ea typeface="Times New Roman" panose="02020603050405020304" pitchFamily="18" charset="0"/>
+                <a:cs typeface="Latha" panose="020B0604020202020204" pitchFamily="34" charset="0"/>
+              </a:rPr>
+              <a:t>a</a:t>
+            </a:r>
+            <a:r>
+              <a:rPr lang="en-US" sz="1800" b="1" spc="-5" dirty="0">
+                <a:effectLst/>
+                <a:latin typeface="Times New Roman" panose="02020603050405020304" pitchFamily="18" charset="0"/>
+                <a:ea typeface="Times New Roman" panose="02020603050405020304" pitchFamily="18" charset="0"/>
+                <a:cs typeface="Latha" panose="020B0604020202020204" pitchFamily="34" charset="0"/>
+              </a:rPr>
+              <a:t>t</a:t>
+            </a:r>
+            <a:r>
+              <a:rPr lang="en-US" sz="1800" b="1" dirty="0">
+                <a:effectLst/>
+                <a:latin typeface="Times New Roman" panose="02020603050405020304" pitchFamily="18" charset="0"/>
+                <a:ea typeface="Times New Roman" panose="02020603050405020304" pitchFamily="18" charset="0"/>
+                <a:cs typeface="Latha" panose="020B0604020202020204" pitchFamily="34" charset="0"/>
+              </a:rPr>
+              <a:t>e</a:t>
+            </a:r>
+            <a:r>
+              <a:rPr lang="en-US" sz="1800" b="1" spc="-5" dirty="0">
+                <a:effectLst/>
+                <a:latin typeface="Times New Roman" panose="02020603050405020304" pitchFamily="18" charset="0"/>
+                <a:ea typeface="Times New Roman" panose="02020603050405020304" pitchFamily="18" charset="0"/>
+                <a:cs typeface="Latha" panose="020B0604020202020204" pitchFamily="34" charset="0"/>
+              </a:rPr>
+              <a:t> </a:t>
+            </a:r>
+            <a:r>
+              <a:rPr lang="en-US" sz="1800" b="1" dirty="0">
+                <a:effectLst/>
+                <a:latin typeface="Times New Roman" panose="02020603050405020304" pitchFamily="18" charset="0"/>
+                <a:ea typeface="Times New Roman" panose="02020603050405020304" pitchFamily="18" charset="0"/>
+                <a:cs typeface="Latha" panose="020B0604020202020204" pitchFamily="34" charset="0"/>
+              </a:rPr>
+              <a:t>of</a:t>
+            </a:r>
+            <a:r>
+              <a:rPr lang="en-US" sz="1800" b="1" spc="5" dirty="0">
+                <a:effectLst/>
+                <a:latin typeface="Times New Roman" panose="02020603050405020304" pitchFamily="18" charset="0"/>
+                <a:ea typeface="Times New Roman" panose="02020603050405020304" pitchFamily="18" charset="0"/>
+                <a:cs typeface="Latha" panose="020B0604020202020204" pitchFamily="34" charset="0"/>
+              </a:rPr>
+              <a:t> </a:t>
+            </a:r>
+            <a:r>
+              <a:rPr lang="en-US" sz="1800" b="1" spc="-15" dirty="0">
+                <a:effectLst/>
+                <a:latin typeface="Times New Roman" panose="02020603050405020304" pitchFamily="18" charset="0"/>
+                <a:ea typeface="Times New Roman" panose="02020603050405020304" pitchFamily="18" charset="0"/>
+                <a:cs typeface="Latha" panose="020B0604020202020204" pitchFamily="34" charset="0"/>
+              </a:rPr>
+              <a:t>P</a:t>
+            </a:r>
+            <a:r>
+              <a:rPr lang="en-US" sz="1800" b="1" dirty="0">
+                <a:effectLst/>
+                <a:latin typeface="Times New Roman" panose="02020603050405020304" pitchFamily="18" charset="0"/>
+                <a:ea typeface="Times New Roman" panose="02020603050405020304" pitchFamily="18" charset="0"/>
+                <a:cs typeface="Latha" panose="020B0604020202020204" pitchFamily="34" charset="0"/>
+              </a:rPr>
+              <a:t>ubli</a:t>
+            </a:r>
+            <a:r>
+              <a:rPr lang="en-US" sz="1800" b="1" spc="-5" dirty="0">
+                <a:effectLst/>
+                <a:latin typeface="Times New Roman" panose="02020603050405020304" pitchFamily="18" charset="0"/>
+                <a:ea typeface="Times New Roman" panose="02020603050405020304" pitchFamily="18" charset="0"/>
+                <a:cs typeface="Latha" panose="020B0604020202020204" pitchFamily="34" charset="0"/>
+              </a:rPr>
+              <a:t>c</a:t>
+            </a:r>
+            <a:r>
+              <a:rPr lang="en-US" sz="1800" b="1" dirty="0">
+                <a:effectLst/>
+                <a:latin typeface="Times New Roman" panose="02020603050405020304" pitchFamily="18" charset="0"/>
+                <a:ea typeface="Times New Roman" panose="02020603050405020304" pitchFamily="18" charset="0"/>
+                <a:cs typeface="Latha" panose="020B0604020202020204" pitchFamily="34" charset="0"/>
+              </a:rPr>
+              <a:t>a</a:t>
+            </a:r>
+            <a:r>
+              <a:rPr lang="en-US" sz="1800" b="1" spc="-5" dirty="0">
+                <a:effectLst/>
+                <a:latin typeface="Times New Roman" panose="02020603050405020304" pitchFamily="18" charset="0"/>
+                <a:ea typeface="Times New Roman" panose="02020603050405020304" pitchFamily="18" charset="0"/>
+                <a:cs typeface="Latha" panose="020B0604020202020204" pitchFamily="34" charset="0"/>
+              </a:rPr>
+              <a:t>t</a:t>
+            </a:r>
+            <a:r>
+              <a:rPr lang="en-US" sz="1800" b="1" dirty="0">
+                <a:effectLst/>
+                <a:latin typeface="Times New Roman" panose="02020603050405020304" pitchFamily="18" charset="0"/>
+                <a:ea typeface="Times New Roman" panose="02020603050405020304" pitchFamily="18" charset="0"/>
+                <a:cs typeface="Latha" panose="020B0604020202020204" pitchFamily="34" charset="0"/>
+              </a:rPr>
+              <a:t>ion -</a:t>
+            </a:r>
+            <a:r>
+              <a:rPr lang="en-US" sz="1800" b="1" spc="-5" dirty="0">
+                <a:effectLst/>
+                <a:latin typeface="Times New Roman" panose="02020603050405020304" pitchFamily="18" charset="0"/>
+                <a:ea typeface="Times New Roman" panose="02020603050405020304" pitchFamily="18" charset="0"/>
+                <a:cs typeface="Latha" panose="020B0604020202020204" pitchFamily="34" charset="0"/>
+              </a:rPr>
+              <a:t> </a:t>
+            </a:r>
+            <a:r>
+              <a:rPr lang="en-US" sz="1800" dirty="0">
+                <a:effectLst/>
+                <a:latin typeface="Times New Roman" panose="02020603050405020304" pitchFamily="18" charset="0"/>
+                <a:ea typeface="Times New Roman" panose="02020603050405020304" pitchFamily="18" charset="0"/>
+                <a:cs typeface="Latha" panose="020B0604020202020204" pitchFamily="34" charset="0"/>
+              </a:rPr>
+              <a:t>1</a:t>
+            </a:r>
+            <a:r>
+              <a:rPr lang="en-US" sz="1800" spc="10" dirty="0">
+                <a:effectLst/>
+                <a:latin typeface="Times New Roman" panose="02020603050405020304" pitchFamily="18" charset="0"/>
+                <a:ea typeface="Times New Roman" panose="02020603050405020304" pitchFamily="18" charset="0"/>
+                <a:cs typeface="Latha" panose="020B0604020202020204" pitchFamily="34" charset="0"/>
+              </a:rPr>
+              <a:t>9</a:t>
+            </a:r>
+            <a:r>
+              <a:rPr lang="en-US" sz="1800" spc="-5" dirty="0">
+                <a:effectLst/>
+                <a:latin typeface="Times New Roman" panose="02020603050405020304" pitchFamily="18" charset="0"/>
+                <a:ea typeface="Times New Roman" panose="02020603050405020304" pitchFamily="18" charset="0"/>
+                <a:cs typeface="Latha" panose="020B0604020202020204" pitchFamily="34" charset="0"/>
+              </a:rPr>
+              <a:t>-</a:t>
+            </a:r>
+            <a:r>
+              <a:rPr lang="en-US" sz="1800" dirty="0">
+                <a:effectLst/>
+                <a:latin typeface="Times New Roman" panose="02020603050405020304" pitchFamily="18" charset="0"/>
+                <a:ea typeface="Times New Roman" panose="02020603050405020304" pitchFamily="18" charset="0"/>
+                <a:cs typeface="Latha" panose="020B0604020202020204" pitchFamily="34" charset="0"/>
+              </a:rPr>
+              <a:t>05</a:t>
+            </a:r>
+            <a:r>
+              <a:rPr lang="en-US" sz="1800" spc="-5" dirty="0">
+                <a:effectLst/>
+                <a:latin typeface="Times New Roman" panose="02020603050405020304" pitchFamily="18" charset="0"/>
+                <a:ea typeface="Times New Roman" panose="02020603050405020304" pitchFamily="18" charset="0"/>
+                <a:cs typeface="Latha" panose="020B0604020202020204" pitchFamily="34" charset="0"/>
+              </a:rPr>
+              <a:t>-</a:t>
+            </a:r>
+            <a:r>
+              <a:rPr lang="en-US" sz="1800" dirty="0">
+                <a:effectLst/>
+                <a:latin typeface="Times New Roman" panose="02020603050405020304" pitchFamily="18" charset="0"/>
+                <a:ea typeface="Times New Roman" panose="02020603050405020304" pitchFamily="18" charset="0"/>
+                <a:cs typeface="Latha" panose="020B0604020202020204" pitchFamily="34" charset="0"/>
+              </a:rPr>
+              <a:t>2021, 07:49:41</a:t>
+            </a:r>
+            <a:endParaRPr lang="en-IN" sz="1800" dirty="0">
+              <a:effectLst/>
+              <a:latin typeface="Calibri" panose="020F0502020204030204" pitchFamily="34" charset="0"/>
+              <a:ea typeface="Calibri" panose="020F0502020204030204" pitchFamily="34" charset="0"/>
+              <a:cs typeface="Latha" panose="020B0604020202020204" pitchFamily="34" charset="0"/>
+            </a:endParaRPr>
+          </a:p>
+          <a:p>
+            <a:pPr>
+              <a:lnSpc>
+                <a:spcPts val="650"/>
+              </a:lnSpc>
+              <a:spcBef>
+                <a:spcPts val="35"/>
+              </a:spcBef>
+            </a:pPr>
+            <a:r>
+              <a:rPr lang="en-US" sz="1800" dirty="0">
+                <a:effectLst/>
+                <a:latin typeface="Calibri" panose="020F0502020204030204" pitchFamily="34" charset="0"/>
+                <a:ea typeface="Calibri" panose="020F0502020204030204" pitchFamily="34" charset="0"/>
+                <a:cs typeface="Latha" panose="020B0604020202020204" pitchFamily="34" charset="0"/>
+              </a:rPr>
+              <a:t> </a:t>
+            </a:r>
+            <a:endParaRPr lang="en-IN" sz="1800" dirty="0">
+              <a:effectLst/>
+              <a:latin typeface="Calibri" panose="020F0502020204030204" pitchFamily="34" charset="0"/>
+              <a:ea typeface="Calibri" panose="020F0502020204030204" pitchFamily="34" charset="0"/>
+              <a:cs typeface="Latha" panose="020B0604020202020204" pitchFamily="34" charset="0"/>
+            </a:endParaRPr>
+          </a:p>
+          <a:p>
+            <a:pPr marL="75565"/>
+            <a:r>
+              <a:rPr lang="en-US" sz="1800" b="1" spc="-15" dirty="0">
+                <a:effectLst/>
+                <a:latin typeface="Times New Roman" panose="02020603050405020304" pitchFamily="18" charset="0"/>
+                <a:ea typeface="Times New Roman" panose="02020603050405020304" pitchFamily="18" charset="0"/>
+                <a:cs typeface="Latha" panose="020B0604020202020204" pitchFamily="34" charset="0"/>
+              </a:rPr>
+              <a:t>P</a:t>
+            </a:r>
+            <a:r>
+              <a:rPr lang="en-US" sz="1800" b="1" dirty="0">
+                <a:effectLst/>
+                <a:latin typeface="Times New Roman" panose="02020603050405020304" pitchFamily="18" charset="0"/>
+                <a:ea typeface="Times New Roman" panose="02020603050405020304" pitchFamily="18" charset="0"/>
+                <a:cs typeface="Latha" panose="020B0604020202020204" pitchFamily="34" charset="0"/>
+              </a:rPr>
+              <a:t>ublish</a:t>
+            </a:r>
+            <a:r>
+              <a:rPr lang="en-US" sz="1800" b="1" spc="-5" dirty="0">
+                <a:effectLst/>
+                <a:latin typeface="Times New Roman" panose="02020603050405020304" pitchFamily="18" charset="0"/>
+                <a:ea typeface="Times New Roman" panose="02020603050405020304" pitchFamily="18" charset="0"/>
+                <a:cs typeface="Latha" panose="020B0604020202020204" pitchFamily="34" charset="0"/>
+              </a:rPr>
+              <a:t>e</a:t>
+            </a:r>
+            <a:r>
+              <a:rPr lang="en-US" sz="1800" b="1" dirty="0">
+                <a:effectLst/>
+                <a:latin typeface="Times New Roman" panose="02020603050405020304" pitchFamily="18" charset="0"/>
+                <a:ea typeface="Times New Roman" panose="02020603050405020304" pitchFamily="18" charset="0"/>
+                <a:cs typeface="Latha" panose="020B0604020202020204" pitchFamily="34" charset="0"/>
+              </a:rPr>
+              <a:t>d </a:t>
+            </a:r>
+            <a:r>
+              <a:rPr lang="en-US" sz="1800" b="1" spc="-15" dirty="0">
+                <a:effectLst/>
+                <a:latin typeface="Times New Roman" panose="02020603050405020304" pitchFamily="18" charset="0"/>
+                <a:ea typeface="Times New Roman" panose="02020603050405020304" pitchFamily="18" charset="0"/>
+                <a:cs typeface="Latha" panose="020B0604020202020204" pitchFamily="34" charset="0"/>
+              </a:rPr>
+              <a:t>P</a:t>
+            </a:r>
+            <a:r>
+              <a:rPr lang="en-US" sz="1800" b="1" dirty="0">
+                <a:effectLst/>
+                <a:latin typeface="Times New Roman" panose="02020603050405020304" pitchFamily="18" charset="0"/>
+                <a:ea typeface="Times New Roman" panose="02020603050405020304" pitchFamily="18" charset="0"/>
+                <a:cs typeface="Latha" panose="020B0604020202020204" pitchFamily="34" charset="0"/>
+              </a:rPr>
+              <a:t>ap</a:t>
+            </a:r>
+            <a:r>
+              <a:rPr lang="en-US" sz="1800" b="1" spc="-5" dirty="0">
+                <a:effectLst/>
+                <a:latin typeface="Times New Roman" panose="02020603050405020304" pitchFamily="18" charset="0"/>
+                <a:ea typeface="Times New Roman" panose="02020603050405020304" pitchFamily="18" charset="0"/>
+                <a:cs typeface="Latha" panose="020B0604020202020204" pitchFamily="34" charset="0"/>
+              </a:rPr>
+              <a:t>e</a:t>
+            </a:r>
+            <a:r>
+              <a:rPr lang="en-US" sz="1800" b="1" dirty="0">
+                <a:effectLst/>
+                <a:latin typeface="Times New Roman" panose="02020603050405020304" pitchFamily="18" charset="0"/>
+                <a:ea typeface="Times New Roman" panose="02020603050405020304" pitchFamily="18" charset="0"/>
+                <a:cs typeface="Latha" panose="020B0604020202020204" pitchFamily="34" charset="0"/>
+              </a:rPr>
+              <a:t>r</a:t>
+            </a:r>
+            <a:r>
+              <a:rPr lang="en-US" sz="1800" b="1" spc="-5" dirty="0">
+                <a:effectLst/>
+                <a:latin typeface="Times New Roman" panose="02020603050405020304" pitchFamily="18" charset="0"/>
+                <a:ea typeface="Times New Roman" panose="02020603050405020304" pitchFamily="18" charset="0"/>
+                <a:cs typeface="Latha" panose="020B0604020202020204" pitchFamily="34" charset="0"/>
+              </a:rPr>
+              <a:t> UR</a:t>
+            </a:r>
+            <a:r>
+              <a:rPr lang="en-US" sz="1800" b="1" dirty="0">
+                <a:effectLst/>
+                <a:latin typeface="Times New Roman" panose="02020603050405020304" pitchFamily="18" charset="0"/>
+                <a:ea typeface="Times New Roman" panose="02020603050405020304" pitchFamily="18" charset="0"/>
+                <a:cs typeface="Latha" panose="020B0604020202020204" pitchFamily="34" charset="0"/>
+              </a:rPr>
+              <a:t>L -</a:t>
+            </a:r>
+            <a:r>
+              <a:rPr lang="en-US" sz="1800" b="1" spc="5" dirty="0">
+                <a:effectLst/>
+                <a:latin typeface="Times New Roman" panose="02020603050405020304" pitchFamily="18" charset="0"/>
+                <a:ea typeface="Times New Roman" panose="02020603050405020304" pitchFamily="18" charset="0"/>
+                <a:cs typeface="Latha" panose="020B0604020202020204" pitchFamily="34" charset="0"/>
+              </a:rPr>
+              <a:t> </a:t>
+            </a:r>
+            <a:r>
+              <a:rPr lang="en-US" sz="1800" u="none" strike="noStrike" dirty="0">
+                <a:solidFill>
+                  <a:srgbClr val="0000FF"/>
+                </a:solidFill>
+                <a:effectLst/>
+                <a:latin typeface="Times New Roman" panose="02020603050405020304" pitchFamily="18" charset="0"/>
+                <a:ea typeface="Times New Roman" panose="02020603050405020304" pitchFamily="18" charset="0"/>
+                <a:cs typeface="Latha" panose="020B0604020202020204" pitchFamily="34" charset="0"/>
+                <a:hlinkClick r:id="rId2"/>
+              </a:rPr>
+              <a:t>http://</a:t>
+            </a:r>
+            <a:r>
+              <a:rPr lang="en-US" sz="1800" u="none" strike="noStrike" spc="-5" dirty="0">
+                <a:solidFill>
+                  <a:srgbClr val="0000FF"/>
+                </a:solidFill>
+                <a:effectLst/>
+                <a:latin typeface="Times New Roman" panose="02020603050405020304" pitchFamily="18" charset="0"/>
+                <a:ea typeface="Times New Roman" panose="02020603050405020304" pitchFamily="18" charset="0"/>
+                <a:cs typeface="Latha" panose="020B0604020202020204" pitchFamily="34" charset="0"/>
+                <a:hlinkClick r:id="rId2"/>
+              </a:rPr>
+              <a:t>www</a:t>
+            </a:r>
+            <a:r>
+              <a:rPr lang="en-US" sz="1800" u="none" strike="noStrike" dirty="0">
+                <a:solidFill>
+                  <a:srgbClr val="0000FF"/>
+                </a:solidFill>
+                <a:effectLst/>
+                <a:latin typeface="Times New Roman" panose="02020603050405020304" pitchFamily="18" charset="0"/>
+                <a:ea typeface="Times New Roman" panose="02020603050405020304" pitchFamily="18" charset="0"/>
+                <a:cs typeface="Latha" panose="020B0604020202020204" pitchFamily="34" charset="0"/>
+                <a:hlinkClick r:id="rId2"/>
+              </a:rPr>
+              <a:t>.ij</a:t>
+            </a:r>
+            <a:r>
+              <a:rPr lang="en-US" sz="1800" u="none" strike="noStrike" spc="-5" dirty="0">
+                <a:solidFill>
+                  <a:srgbClr val="0000FF"/>
+                </a:solidFill>
+                <a:effectLst/>
+                <a:latin typeface="Times New Roman" panose="02020603050405020304" pitchFamily="18" charset="0"/>
+                <a:ea typeface="Times New Roman" panose="02020603050405020304" pitchFamily="18" charset="0"/>
+                <a:cs typeface="Latha" panose="020B0604020202020204" pitchFamily="34" charset="0"/>
+                <a:hlinkClick r:id="rId2"/>
+              </a:rPr>
+              <a:t>cr</a:t>
+            </a:r>
+            <a:r>
+              <a:rPr lang="en-US" sz="1800" u="none" strike="noStrike" dirty="0">
+                <a:solidFill>
+                  <a:srgbClr val="0000FF"/>
+                </a:solidFill>
+                <a:effectLst/>
+                <a:latin typeface="Times New Roman" panose="02020603050405020304" pitchFamily="18" charset="0"/>
+                <a:ea typeface="Times New Roman" panose="02020603050405020304" pitchFamily="18" charset="0"/>
+                <a:cs typeface="Latha" panose="020B0604020202020204" pitchFamily="34" charset="0"/>
+                <a:hlinkClick r:id="rId2"/>
+              </a:rPr>
+              <a:t>t.o</a:t>
+            </a:r>
+            <a:r>
+              <a:rPr lang="en-US" sz="1800" u="none" strike="noStrike" spc="-5" dirty="0">
+                <a:solidFill>
+                  <a:srgbClr val="0000FF"/>
+                </a:solidFill>
+                <a:effectLst/>
+                <a:latin typeface="Times New Roman" panose="02020603050405020304" pitchFamily="18" charset="0"/>
+                <a:ea typeface="Times New Roman" panose="02020603050405020304" pitchFamily="18" charset="0"/>
+                <a:cs typeface="Latha" panose="020B0604020202020204" pitchFamily="34" charset="0"/>
+                <a:hlinkClick r:id="rId2"/>
+              </a:rPr>
+              <a:t>r</a:t>
+            </a:r>
+            <a:r>
+              <a:rPr lang="en-US" sz="1800" u="none" strike="noStrike" spc="-15" dirty="0">
+                <a:solidFill>
+                  <a:srgbClr val="0000FF"/>
+                </a:solidFill>
+                <a:effectLst/>
+                <a:latin typeface="Times New Roman" panose="02020603050405020304" pitchFamily="18" charset="0"/>
+                <a:ea typeface="Times New Roman" panose="02020603050405020304" pitchFamily="18" charset="0"/>
+                <a:cs typeface="Latha" panose="020B0604020202020204" pitchFamily="34" charset="0"/>
+                <a:hlinkClick r:id="rId2"/>
+              </a:rPr>
+              <a:t>g</a:t>
+            </a:r>
+            <a:r>
+              <a:rPr lang="en-US" sz="1800" u="none" strike="noStrike" dirty="0">
+                <a:solidFill>
+                  <a:srgbClr val="0000FF"/>
+                </a:solidFill>
+                <a:effectLst/>
+                <a:latin typeface="Times New Roman" panose="02020603050405020304" pitchFamily="18" charset="0"/>
+                <a:ea typeface="Times New Roman" panose="02020603050405020304" pitchFamily="18" charset="0"/>
+                <a:cs typeface="Latha" panose="020B0604020202020204" pitchFamily="34" charset="0"/>
+                <a:hlinkClick r:id="rId2"/>
+              </a:rPr>
+              <a:t>/p</a:t>
+            </a:r>
+            <a:r>
+              <a:rPr lang="en-US" sz="1800" u="none" strike="noStrike" spc="-5" dirty="0">
+                <a:solidFill>
+                  <a:srgbClr val="0000FF"/>
+                </a:solidFill>
+                <a:effectLst/>
+                <a:latin typeface="Times New Roman" panose="02020603050405020304" pitchFamily="18" charset="0"/>
+                <a:ea typeface="Times New Roman" panose="02020603050405020304" pitchFamily="18" charset="0"/>
+                <a:cs typeface="Latha" panose="020B0604020202020204" pitchFamily="34" charset="0"/>
+                <a:hlinkClick r:id="rId2"/>
+              </a:rPr>
+              <a:t>a</a:t>
+            </a:r>
+            <a:r>
+              <a:rPr lang="en-US" sz="1800" u="none" strike="noStrike" spc="10" dirty="0">
+                <a:solidFill>
+                  <a:srgbClr val="0000FF"/>
+                </a:solidFill>
+                <a:effectLst/>
+                <a:latin typeface="Times New Roman" panose="02020603050405020304" pitchFamily="18" charset="0"/>
+                <a:ea typeface="Times New Roman" panose="02020603050405020304" pitchFamily="18" charset="0"/>
+                <a:cs typeface="Latha" panose="020B0604020202020204" pitchFamily="34" charset="0"/>
+                <a:hlinkClick r:id="rId2"/>
+              </a:rPr>
+              <a:t>p</a:t>
+            </a:r>
+            <a:r>
+              <a:rPr lang="en-US" sz="1800" u="none" strike="noStrike" spc="5" dirty="0">
+                <a:solidFill>
+                  <a:srgbClr val="0000FF"/>
+                </a:solidFill>
+                <a:effectLst/>
+                <a:latin typeface="Times New Roman" panose="02020603050405020304" pitchFamily="18" charset="0"/>
+                <a:ea typeface="Times New Roman" panose="02020603050405020304" pitchFamily="18" charset="0"/>
+                <a:cs typeface="Latha" panose="020B0604020202020204" pitchFamily="34" charset="0"/>
+                <a:hlinkClick r:id="rId2"/>
+              </a:rPr>
+              <a:t>e</a:t>
+            </a:r>
+            <a:r>
+              <a:rPr lang="en-US" sz="1800" u="none" strike="noStrike" spc="-5" dirty="0">
+                <a:solidFill>
+                  <a:srgbClr val="0000FF"/>
+                </a:solidFill>
+                <a:effectLst/>
+                <a:latin typeface="Times New Roman" panose="02020603050405020304" pitchFamily="18" charset="0"/>
+                <a:ea typeface="Times New Roman" panose="02020603050405020304" pitchFamily="18" charset="0"/>
+                <a:cs typeface="Latha" panose="020B0604020202020204" pitchFamily="34" charset="0"/>
+                <a:hlinkClick r:id="rId2"/>
+              </a:rPr>
+              <a:t>r</a:t>
+            </a:r>
+            <a:r>
+              <a:rPr lang="en-US" sz="1800" u="none" strike="noStrike" dirty="0">
+                <a:solidFill>
+                  <a:srgbClr val="0000FF"/>
+                </a:solidFill>
+                <a:effectLst/>
+                <a:latin typeface="Times New Roman" panose="02020603050405020304" pitchFamily="18" charset="0"/>
+                <a:ea typeface="Times New Roman" panose="02020603050405020304" pitchFamily="18" charset="0"/>
+                <a:cs typeface="Latha" panose="020B0604020202020204" pitchFamily="34" charset="0"/>
+                <a:hlinkClick r:id="rId2"/>
+              </a:rPr>
+              <a:t>s</a:t>
+            </a:r>
+            <a:r>
+              <a:rPr lang="en-US" sz="1800" u="none" strike="noStrike" spc="10" dirty="0">
+                <a:solidFill>
+                  <a:srgbClr val="0000FF"/>
+                </a:solidFill>
+                <a:effectLst/>
+                <a:latin typeface="Times New Roman" panose="02020603050405020304" pitchFamily="18" charset="0"/>
+                <a:ea typeface="Times New Roman" panose="02020603050405020304" pitchFamily="18" charset="0"/>
+                <a:cs typeface="Latha" panose="020B0604020202020204" pitchFamily="34" charset="0"/>
+                <a:hlinkClick r:id="rId2"/>
+              </a:rPr>
+              <a:t>/</a:t>
+            </a:r>
+            <a:r>
+              <a:rPr lang="en-US" sz="1800" u="none" strike="noStrike" spc="-30" dirty="0">
+                <a:solidFill>
+                  <a:srgbClr val="0000FF"/>
+                </a:solidFill>
+                <a:effectLst/>
+                <a:latin typeface="Times New Roman" panose="02020603050405020304" pitchFamily="18" charset="0"/>
+                <a:ea typeface="Times New Roman" panose="02020603050405020304" pitchFamily="18" charset="0"/>
+                <a:cs typeface="Latha" panose="020B0604020202020204" pitchFamily="34" charset="0"/>
+                <a:hlinkClick r:id="rId2"/>
+              </a:rPr>
+              <a:t>I</a:t>
+            </a:r>
+            <a:r>
+              <a:rPr lang="en-US" sz="1800" u="none" strike="noStrike" spc="10" dirty="0">
+                <a:solidFill>
+                  <a:srgbClr val="0000FF"/>
+                </a:solidFill>
+                <a:effectLst/>
+                <a:latin typeface="Times New Roman" panose="02020603050405020304" pitchFamily="18" charset="0"/>
+                <a:ea typeface="Times New Roman" panose="02020603050405020304" pitchFamily="18" charset="0"/>
+                <a:cs typeface="Latha" panose="020B0604020202020204" pitchFamily="34" charset="0"/>
+                <a:hlinkClick r:id="rId2"/>
+              </a:rPr>
+              <a:t>J</a:t>
+            </a:r>
+            <a:r>
+              <a:rPr lang="en-US" sz="1800" u="none" strike="noStrike" dirty="0">
+                <a:solidFill>
+                  <a:srgbClr val="0000FF"/>
+                </a:solidFill>
+                <a:effectLst/>
+                <a:latin typeface="Times New Roman" panose="02020603050405020304" pitchFamily="18" charset="0"/>
+                <a:ea typeface="Times New Roman" panose="02020603050405020304" pitchFamily="18" charset="0"/>
+                <a:cs typeface="Latha" panose="020B0604020202020204" pitchFamily="34" charset="0"/>
+                <a:hlinkClick r:id="rId2"/>
+              </a:rPr>
+              <a:t>CR</a:t>
+            </a:r>
+            <a:r>
+              <a:rPr lang="en-US" sz="1800" u="none" strike="noStrike" spc="-5" dirty="0">
+                <a:solidFill>
+                  <a:srgbClr val="0000FF"/>
+                </a:solidFill>
+                <a:effectLst/>
+                <a:latin typeface="Times New Roman" panose="02020603050405020304" pitchFamily="18" charset="0"/>
+                <a:ea typeface="Times New Roman" panose="02020603050405020304" pitchFamily="18" charset="0"/>
+                <a:cs typeface="Latha" panose="020B0604020202020204" pitchFamily="34" charset="0"/>
+                <a:hlinkClick r:id="rId2"/>
+              </a:rPr>
+              <a:t>T</a:t>
+            </a:r>
+            <a:r>
+              <a:rPr lang="en-US" sz="1800" u="none" strike="noStrike" dirty="0">
+                <a:solidFill>
+                  <a:srgbClr val="0000FF"/>
+                </a:solidFill>
+                <a:effectLst/>
+                <a:latin typeface="Times New Roman" panose="02020603050405020304" pitchFamily="18" charset="0"/>
+                <a:ea typeface="Times New Roman" panose="02020603050405020304" pitchFamily="18" charset="0"/>
+                <a:cs typeface="Latha" panose="020B0604020202020204" pitchFamily="34" charset="0"/>
+                <a:hlinkClick r:id="rId2"/>
+              </a:rPr>
+              <a:t>2105641.pdf</a:t>
+            </a:r>
+            <a:endParaRPr lang="en-IN" sz="1800" dirty="0">
+              <a:effectLst/>
+              <a:latin typeface="Calibri" panose="020F0502020204030204" pitchFamily="34" charset="0"/>
+              <a:ea typeface="Calibri" panose="020F0502020204030204" pitchFamily="34" charset="0"/>
+              <a:cs typeface="Latha" panose="020B0604020202020204" pitchFamily="34" charset="0"/>
+            </a:endParaRPr>
+          </a:p>
+          <a:p>
+            <a:endParaRPr lang="en-IN" dirty="0"/>
+          </a:p>
+        </p:txBody>
+      </p:sp>
+    </p:spTree>
+    <p:extLst>
+      <p:ext uri="{BB962C8B-B14F-4D97-AF65-F5344CB8AC3E}">
+        <p14:creationId xmlns:p14="http://schemas.microsoft.com/office/powerpoint/2010/main" val="182864404"/>
+      </p:ext>
+    </p:extLst>
+  </p:cSld>
+  <p:clrMapOvr>
+    <a:masterClrMapping/>
+  </p:clrMapOvr>
+</p:sld>
+</file>
+
+<file path=ppt/slides/slide27.xml><?xml version="1.0" encoding="utf-8"?>
+<p:sld xmlns:a="http://schemas.openxmlformats.org/drawingml/2006/main" xmlns:r="http://schemas.openxmlformats.org/officeDocument/2006/relationships" xmlns:p="http://schemas.openxmlformats.org/presentationml/2006/main">
+  <p:cSld>
+    <p:spTree>
+      <p:nvGrpSpPr>
+        <p:cNvPr id="1" name=""/>
+        <p:cNvGrpSpPr/>
+        <p:nvPr/>
+      </p:nvGrpSpPr>
+      <p:grpSpPr>
+        <a:xfrm>
+          <a:off x="0" y="0"/>
+          <a:ext cx="0" cy="0"/>
+          <a:chOff x="0" y="0"/>
+          <a:chExt cx="0" cy="0"/>
+        </a:xfrm>
+      </p:grpSpPr>
+      <p:pic>
+        <p:nvPicPr>
+          <p:cNvPr id="5" name="Content Placeholder 4">
+            <a:extLst>
+              <a:ext uri="{FF2B5EF4-FFF2-40B4-BE49-F238E27FC236}">
+                <a16:creationId xmlns:a16="http://schemas.microsoft.com/office/drawing/2014/main" id="{6EF8FAFB-B3A7-480A-B283-99B0D42E6806}"/>
+              </a:ext>
+            </a:extLst>
+          </p:cNvPr>
+          <p:cNvPicPr>
+            <a:picLocks noGrp="1" noChangeAspect="1"/>
+          </p:cNvPicPr>
+          <p:nvPr>
+            <p:ph idx="1"/>
+          </p:nvPr>
+        </p:nvPicPr>
+        <p:blipFill>
+          <a:blip r:embed="rId2"/>
+          <a:stretch>
+            <a:fillRect/>
+          </a:stretch>
+        </p:blipFill>
+        <p:spPr>
+          <a:xfrm>
+            <a:off x="1542804" y="870013"/>
+            <a:ext cx="10415247" cy="5041838"/>
+          </a:xfrm>
+        </p:spPr>
+      </p:pic>
+    </p:spTree>
+    <p:extLst>
+      <p:ext uri="{BB962C8B-B14F-4D97-AF65-F5344CB8AC3E}">
+        <p14:creationId xmlns:p14="http://schemas.microsoft.com/office/powerpoint/2010/main" val="3803026713"/>
+      </p:ext>
+    </p:extLst>
+  </p:cSld>
+  <p:clrMapOvr>
+    <a:masterClrMapping/>
+  </p:clrMapOvr>
+</p:sld>
+</file>
+
+<file path=ppt/slides/slide28.xml><?xml version="1.0" encoding="utf-8"?>
 <p:sld xmlns:a="http://schemas.openxmlformats.org/drawingml/2006/main" xmlns:r="http://schemas.openxmlformats.org/officeDocument/2006/relationships" xmlns:p="http://schemas.openxmlformats.org/presentationml/2006/main">
   <p:cSld>
     <p:spTree>
@@ -11624,7 +12982,7 @@
           <a:lstStyle/>
           <a:p>
             <a:r>
-              <a:rPr lang="en-IN" b="1" dirty="0" smtClean="0"/>
+              <a:rPr lang="en-IN" b="1" dirty="0"/>
               <a:t>REFERENCES</a:t>
             </a:r>
             <a:endParaRPr lang="en-GB" dirty="0"/>
@@ -11654,7 +13012,7 @@
           <a:lstStyle/>
           <a:p>
             <a:r>
-              <a:rPr lang="en-GB" sz="1600" dirty="0" smtClean="0">
+              <a:rPr lang="en-GB" sz="1600" dirty="0">
                 <a:solidFill>
                   <a:srgbClr val="000000"/>
                 </a:solidFill>
@@ -11665,7 +13023,7 @@
               <a:t>[1] Marco </a:t>
             </a:r>
             <a:r>
-              <a:rPr lang="en-GB" sz="1600" dirty="0" err="1" smtClean="0">
+              <a:rPr lang="en-GB" sz="1600" dirty="0" err="1">
                 <a:solidFill>
                   <a:srgbClr val="000000"/>
                 </a:solidFill>
@@ -11676,7 +13034,7 @@
               <a:t>Casini</a:t>
             </a:r>
             <a:r>
-              <a:rPr lang="en-GB" sz="1600" dirty="0" smtClean="0">
+              <a:rPr lang="en-GB" sz="1600" dirty="0">
                 <a:solidFill>
                   <a:srgbClr val="000000"/>
                 </a:solidFill>
@@ -11686,7 +13044,7 @@
               </a:rPr>
               <a:t>, “Internet of things for Energy efficiency of buildings,” International Scientific Journal Architecture and Engineering. – 2013 </a:t>
             </a:r>
-            <a:endParaRPr lang="en-IN" sz="1600" dirty="0" smtClean="0">
+            <a:endParaRPr lang="en-IN" sz="1600" dirty="0">
               <a:solidFill>
                 <a:srgbClr val="000000"/>
               </a:solidFill>
@@ -11700,7 +13058,7 @@
               <a:buNone/>
             </a:pPr>
             <a:r>
-              <a:rPr lang="en-GB" sz="1600" dirty="0" smtClean="0">
+              <a:rPr lang="en-GB" sz="1600" dirty="0">
                 <a:solidFill>
                   <a:srgbClr val="000000"/>
                 </a:solidFill>
@@ -11710,7 +13068,7 @@
               </a:rPr>
               <a:t> </a:t>
             </a:r>
-            <a:endParaRPr lang="en-IN" sz="1600" dirty="0" smtClean="0">
+            <a:endParaRPr lang="en-IN" sz="1600" dirty="0">
               <a:solidFill>
                 <a:srgbClr val="000000"/>
               </a:solidFill>
@@ -11721,7 +13079,7 @@
           </a:p>
           <a:p>
             <a:r>
-              <a:rPr lang="en-GB" sz="1600" dirty="0" smtClean="0">
+              <a:rPr lang="en-GB" sz="1600" dirty="0">
                 <a:solidFill>
                   <a:srgbClr val="000000"/>
                 </a:solidFill>
@@ -11732,7 +13090,7 @@
               <a:t>[2] </a:t>
             </a:r>
             <a:r>
-              <a:rPr lang="en-GB" sz="1600" dirty="0" err="1" smtClean="0">
+              <a:rPr lang="en-GB" sz="1600" dirty="0" err="1">
                 <a:solidFill>
                   <a:srgbClr val="000000"/>
                 </a:solidFill>
@@ -11743,7 +13101,7 @@
               <a:t>Shu</a:t>
             </a:r>
             <a:r>
-              <a:rPr lang="en-GB" sz="1600" dirty="0" smtClean="0">
+              <a:rPr lang="en-GB" sz="1600" dirty="0">
                 <a:solidFill>
                   <a:srgbClr val="000000"/>
                 </a:solidFill>
@@ -11754,7 +13112,7 @@
               <a:t>-ping Le, Hong </a:t>
             </a:r>
             <a:r>
-              <a:rPr lang="en-GB" sz="1600" dirty="0" err="1" smtClean="0">
+              <a:rPr lang="en-GB" sz="1600" dirty="0" err="1">
                 <a:solidFill>
                   <a:srgbClr val="000000"/>
                 </a:solidFill>
@@ -11765,7 +13123,7 @@
               <a:t>Zeng</a:t>
             </a:r>
             <a:r>
-              <a:rPr lang="en-GB" sz="1600" dirty="0" smtClean="0">
+              <a:rPr lang="en-GB" sz="1600" dirty="0">
                 <a:solidFill>
                   <a:srgbClr val="000000"/>
                 </a:solidFill>
@@ -11776,7 +13134,7 @@
               <a:t>, </a:t>
             </a:r>
             <a:r>
-              <a:rPr lang="en-GB" sz="1600" dirty="0" err="1" smtClean="0">
+              <a:rPr lang="en-GB" sz="1600" dirty="0" err="1">
                 <a:solidFill>
                   <a:srgbClr val="000000"/>
                 </a:solidFill>
@@ -11787,7 +13145,7 @@
               <a:t>Jian</a:t>
             </a:r>
             <a:r>
-              <a:rPr lang="en-GB" sz="1600" dirty="0" smtClean="0">
+              <a:rPr lang="en-GB" sz="1600" dirty="0">
                 <a:solidFill>
                   <a:srgbClr val="000000"/>
                 </a:solidFill>
@@ -11798,7 +13156,7 @@
               <a:t> </a:t>
             </a:r>
             <a:r>
-              <a:rPr lang="en-GB" sz="1600" dirty="0" err="1" smtClean="0">
+              <a:rPr lang="en-GB" sz="1600" dirty="0" err="1">
                 <a:solidFill>
                   <a:srgbClr val="000000"/>
                 </a:solidFill>
@@ -11809,7 +13167,7 @@
               <a:t>Qiu</a:t>
             </a:r>
             <a:r>
-              <a:rPr lang="en-GB" sz="1600" dirty="0" smtClean="0">
+              <a:rPr lang="en-GB" sz="1600" dirty="0">
                 <a:solidFill>
                   <a:srgbClr val="000000"/>
                 </a:solidFill>
@@ -11819,7 +13177,7 @@
               </a:rPr>
               <a:t>, Song Zhang “Design and Implementation of Wireless Power Monitoring System for Public Buildings” - 2013 (IEEE Paper) </a:t>
             </a:r>
-            <a:endParaRPr lang="en-IN" sz="1600" dirty="0" smtClean="0">
+            <a:endParaRPr lang="en-IN" sz="1600" dirty="0">
               <a:solidFill>
                 <a:srgbClr val="000000"/>
               </a:solidFill>
@@ -11833,14 +13191,14 @@
               <a:buNone/>
             </a:pPr>
             <a:r>
-              <a:rPr lang="en-US" sz="1600" dirty="0" smtClean="0">
+              <a:rPr lang="en-US" sz="1600" dirty="0">
                 <a:latin typeface="Arial" pitchFamily="34" charset="0"/>
                 <a:ea typeface="SimSun" panose="02010600030101010101" pitchFamily="2" charset="-122"/>
                 <a:cs typeface="Arial" pitchFamily="34" charset="0"/>
               </a:rPr>
               <a:t> </a:t>
             </a:r>
-            <a:endParaRPr lang="en-IN" sz="1600" dirty="0" smtClean="0">
+            <a:endParaRPr lang="en-IN" sz="1600" dirty="0">
               <a:latin typeface="Arial" pitchFamily="34" charset="0"/>
               <a:ea typeface="SimSun" panose="02010600030101010101" pitchFamily="2" charset="-122"/>
               <a:cs typeface="Arial" pitchFamily="34" charset="0"/>
@@ -11849,7 +13207,7 @@
           <a:p>
             <a:pPr algn="just"/>
             <a:r>
-              <a:rPr lang="en-US" sz="1600" dirty="0" smtClean="0">
+              <a:rPr lang="en-US" sz="1600" dirty="0">
                 <a:latin typeface="Arial" pitchFamily="34" charset="0"/>
                 <a:ea typeface="SimSun" panose="02010600030101010101" pitchFamily="2" charset="-122"/>
                 <a:cs typeface="Arial" pitchFamily="34" charset="0"/>
@@ -11857,7 +13215,7 @@
               <a:t> </a:t>
             </a:r>
             <a:r>
-              <a:rPr lang="en-US" sz="1600" dirty="0" smtClean="0">
+              <a:rPr lang="en-US" sz="1600" dirty="0">
                 <a:solidFill>
                   <a:schemeClr val="tx1"/>
                 </a:solidFill>
@@ -11868,7 +13226,7 @@
               <a:t>[3] S. Kumar and S. R. Lee, "Android-based smart home system with control via Bluetooth and internet connectivity," The 18th IEEE International Symposium on Consumer Electronics (ISCE 2014), </a:t>
             </a:r>
             <a:r>
-              <a:rPr lang="en-US" sz="1600" dirty="0" err="1" smtClean="0">
+              <a:rPr lang="en-US" sz="1600" dirty="0" err="1">
                 <a:solidFill>
                   <a:schemeClr val="tx1"/>
                 </a:solidFill>
@@ -11879,7 +13237,7 @@
               <a:t>Jeju</a:t>
             </a:r>
             <a:r>
-              <a:rPr lang="en-US" sz="1600" dirty="0" smtClean="0">
+              <a:rPr lang="en-US" sz="1600" dirty="0">
                 <a:solidFill>
                   <a:schemeClr val="tx1"/>
                 </a:solidFill>
@@ -11889,7 +13247,7 @@
               </a:rPr>
               <a:t> Island, 2014, pp. 1-2. </a:t>
             </a:r>
-            <a:endParaRPr lang="en-IN" sz="1600" dirty="0" smtClean="0">
+            <a:endParaRPr lang="en-IN" sz="1600" dirty="0">
               <a:solidFill>
                 <a:schemeClr val="tx1"/>
               </a:solidFill>
@@ -11903,14 +13261,14 @@
               <a:buNone/>
             </a:pPr>
             <a:r>
-              <a:rPr lang="en-US" sz="1600" dirty="0" smtClean="0">
+              <a:rPr lang="en-US" sz="1600" dirty="0">
                 <a:latin typeface="Arial" pitchFamily="34" charset="0"/>
                 <a:ea typeface="SimSun" panose="02010600030101010101" pitchFamily="2" charset="-122"/>
                 <a:cs typeface="Arial" pitchFamily="34" charset="0"/>
               </a:rPr>
               <a:t> </a:t>
             </a:r>
-            <a:endParaRPr lang="en-IN" sz="1600" dirty="0" smtClean="0">
+            <a:endParaRPr lang="en-IN" sz="1600" dirty="0">
               <a:latin typeface="Arial" pitchFamily="34" charset="0"/>
               <a:ea typeface="SimSun" panose="02010600030101010101" pitchFamily="2" charset="-122"/>
               <a:cs typeface="Arial" pitchFamily="34" charset="0"/>
@@ -11919,7 +13277,7 @@
           <a:p>
             <a:pPr algn="just"/>
             <a:r>
-              <a:rPr lang="en-US" sz="1600" dirty="0" smtClean="0">
+              <a:rPr lang="en-US" sz="1600" dirty="0">
                 <a:latin typeface="Arial" pitchFamily="34" charset="0"/>
                 <a:ea typeface="SimSun" panose="02010600030101010101" pitchFamily="2" charset="-122"/>
                 <a:cs typeface="Arial" pitchFamily="34" charset="0"/>
@@ -11927,7 +13285,7 @@
               <a:t>[</a:t>
             </a:r>
             <a:r>
-              <a:rPr lang="en-US" sz="1600" dirty="0" smtClean="0">
+              <a:rPr lang="en-US" sz="1600" dirty="0">
                 <a:solidFill>
                   <a:schemeClr val="tx1"/>
                 </a:solidFill>
@@ -11938,7 +13296,7 @@
               <a:t>4]</a:t>
             </a:r>
             <a:r>
-              <a:rPr lang="en-US" sz="1600" i="1" dirty="0" smtClean="0">
+              <a:rPr lang="en-US" sz="1600" i="1" dirty="0">
                 <a:solidFill>
                   <a:schemeClr val="tx1"/>
                 </a:solidFill>
@@ -11949,7 +13307,7 @@
               <a:t> </a:t>
             </a:r>
             <a:r>
-              <a:rPr lang="en-US" sz="1600" dirty="0" err="1" smtClean="0">
+              <a:rPr lang="en-US" sz="1600" dirty="0" err="1">
                 <a:solidFill>
                   <a:schemeClr val="tx1"/>
                 </a:solidFill>
@@ -11960,7 +13318,7 @@
               <a:t>Heiko</a:t>
             </a:r>
             <a:r>
-              <a:rPr lang="en-US" sz="1600" dirty="0" smtClean="0">
+              <a:rPr lang="en-US" sz="1600" dirty="0">
                 <a:solidFill>
                   <a:schemeClr val="tx1"/>
                 </a:solidFill>
@@ -11971,7 +13329,7 @@
               <a:t> </a:t>
             </a:r>
             <a:r>
-              <a:rPr lang="en-US" sz="1600" dirty="0" err="1" smtClean="0">
+              <a:rPr lang="en-US" sz="1600" dirty="0" err="1">
                 <a:solidFill>
                   <a:schemeClr val="tx1"/>
                 </a:solidFill>
@@ -11982,7 +13340,7 @@
               <a:t>Koziolek</a:t>
             </a:r>
             <a:r>
-              <a:rPr lang="en-US" sz="1600" dirty="0" smtClean="0">
+              <a:rPr lang="en-US" sz="1600" dirty="0">
                 <a:solidFill>
                   <a:schemeClr val="tx1"/>
                 </a:solidFill>
@@ -11993,7 +13351,7 @@
               <a:t>; Andreas Burger; Jens </a:t>
             </a:r>
             <a:r>
-              <a:rPr lang="en-US" sz="1600" dirty="0" err="1" smtClean="0">
+              <a:rPr lang="en-US" sz="1600" dirty="0" err="1">
                 <a:solidFill>
                   <a:schemeClr val="tx1"/>
                 </a:solidFill>
@@ -12004,7 +13362,7 @@
               <a:t>Doppelhamer</a:t>
             </a:r>
             <a:r>
-              <a:rPr lang="en-US" sz="1600" dirty="0" smtClean="0">
+              <a:rPr lang="en-US" sz="1600" dirty="0">
                 <a:solidFill>
                   <a:schemeClr val="tx1"/>
                 </a:solidFill>
@@ -12015,7 +13373,7 @@
               <a:t>, “Self-Commissioning Industrial </a:t>
             </a:r>
             <a:r>
-              <a:rPr lang="en-US" sz="1600" dirty="0" err="1" smtClean="0">
+              <a:rPr lang="en-US" sz="1600" dirty="0" err="1">
                 <a:solidFill>
                   <a:schemeClr val="tx1"/>
                 </a:solidFill>
@@ -12026,7 +13384,7 @@
               <a:t>IoT</a:t>
             </a:r>
             <a:r>
-              <a:rPr lang="en-US" sz="1600" dirty="0" smtClean="0">
+              <a:rPr lang="en-US" sz="1600" dirty="0">
                 <a:solidFill>
                   <a:schemeClr val="tx1"/>
                 </a:solidFill>
@@ -12066,7 +13424,7 @@
           <a:p>
             <a:pPr algn="just"/>
             <a:r>
-              <a:rPr lang="en-US" sz="1600" dirty="0" smtClean="0">
+              <a:rPr lang="en-US" sz="1600" dirty="0">
                 <a:solidFill>
                   <a:schemeClr val="tx1"/>
                 </a:solidFill>
@@ -12074,10 +13432,10 @@
                 <a:ea typeface="SimSun" panose="02010600030101010101" pitchFamily="2" charset="-122"/>
                 <a:cs typeface="Arial" pitchFamily="34" charset="0"/>
               </a:rPr>
-              <a:t>[5</a:t>
-            </a:r>
-            <a:r>
-              <a:rPr lang="en-US" sz="1600" dirty="0" smtClean="0">
+              <a:t>[5] </a:t>
+            </a:r>
+            <a:r>
+              <a:rPr lang="en-US" sz="1600" dirty="0" err="1">
                 <a:solidFill>
                   <a:schemeClr val="tx1"/>
                 </a:solidFill>
@@ -12085,10 +13443,10 @@
                 <a:ea typeface="SimSun" panose="02010600030101010101" pitchFamily="2" charset="-122"/>
                 <a:cs typeface="Arial" pitchFamily="34" charset="0"/>
               </a:rPr>
-              <a:t>] </a:t>
-            </a:r>
-            <a:r>
-              <a:rPr lang="en-US" sz="1600" dirty="0" err="1" smtClean="0">
+              <a:t>Satyendra</a:t>
+            </a:r>
+            <a:r>
+              <a:rPr lang="en-US" sz="1600" dirty="0">
                 <a:solidFill>
                   <a:schemeClr val="tx1"/>
                 </a:solidFill>
@@ -12096,10 +13454,10 @@
                 <a:ea typeface="SimSun" panose="02010600030101010101" pitchFamily="2" charset="-122"/>
                 <a:cs typeface="Arial" pitchFamily="34" charset="0"/>
               </a:rPr>
-              <a:t>Satyendra</a:t>
-            </a:r>
-            <a:r>
-              <a:rPr lang="en-US" sz="1600" dirty="0" smtClean="0">
+              <a:t> </a:t>
+            </a:r>
+            <a:r>
+              <a:rPr lang="en-US" sz="1600" dirty="0" err="1">
                 <a:solidFill>
                   <a:schemeClr val="tx1"/>
                 </a:solidFill>
@@ -12107,10 +13465,10 @@
                 <a:ea typeface="SimSun" panose="02010600030101010101" pitchFamily="2" charset="-122"/>
                 <a:cs typeface="Arial" pitchFamily="34" charset="0"/>
               </a:rPr>
-              <a:t> </a:t>
-            </a:r>
-            <a:r>
-              <a:rPr lang="en-US" sz="1600" dirty="0" err="1" smtClean="0">
+              <a:t>K.Vishwakarma</a:t>
+            </a:r>
+            <a:r>
+              <a:rPr lang="en-US" sz="1600" dirty="0">
                 <a:solidFill>
                   <a:schemeClr val="tx1"/>
                 </a:solidFill>
@@ -12118,10 +13476,10 @@
                 <a:ea typeface="SimSun" panose="02010600030101010101" pitchFamily="2" charset="-122"/>
                 <a:cs typeface="Arial" pitchFamily="34" charset="0"/>
               </a:rPr>
-              <a:t>K.Vishwakarma</a:t>
-            </a:r>
-            <a:r>
-              <a:rPr lang="en-US" sz="1600" dirty="0" smtClean="0">
+              <a:t>, </a:t>
+            </a:r>
+            <a:r>
+              <a:rPr lang="en-US" sz="1600" dirty="0" err="1">
                 <a:solidFill>
                   <a:schemeClr val="tx1"/>
                 </a:solidFill>
@@ -12129,10 +13487,10 @@
                 <a:ea typeface="SimSun" panose="02010600030101010101" pitchFamily="2" charset="-122"/>
                 <a:cs typeface="Arial" pitchFamily="34" charset="0"/>
               </a:rPr>
-              <a:t>, </a:t>
-            </a:r>
-            <a:r>
-              <a:rPr lang="en-US" sz="1600" dirty="0" err="1" smtClean="0">
+              <a:t>Prashant</a:t>
+            </a:r>
+            <a:r>
+              <a:rPr lang="en-US" sz="1600" dirty="0">
                 <a:solidFill>
                   <a:schemeClr val="tx1"/>
                 </a:solidFill>
@@ -12140,10 +13498,10 @@
                 <a:ea typeface="SimSun" panose="02010600030101010101" pitchFamily="2" charset="-122"/>
                 <a:cs typeface="Arial" pitchFamily="34" charset="0"/>
               </a:rPr>
-              <a:t>Prashant</a:t>
-            </a:r>
-            <a:r>
-              <a:rPr lang="en-US" sz="1600" dirty="0" smtClean="0">
+              <a:t> </a:t>
+            </a:r>
+            <a:r>
+              <a:rPr lang="en-US" sz="1600" dirty="0" err="1">
                 <a:solidFill>
                   <a:schemeClr val="tx1"/>
                 </a:solidFill>
@@ -12151,10 +13509,10 @@
                 <a:ea typeface="SimSun" panose="02010600030101010101" pitchFamily="2" charset="-122"/>
                 <a:cs typeface="Arial" pitchFamily="34" charset="0"/>
               </a:rPr>
-              <a:t> </a:t>
-            </a:r>
-            <a:r>
-              <a:rPr lang="en-US" sz="1600" dirty="0" err="1" smtClean="0">
+              <a:t>Upadhyaya</a:t>
+            </a:r>
+            <a:r>
+              <a:rPr lang="en-US" sz="1600" dirty="0">
                 <a:solidFill>
                   <a:schemeClr val="tx1"/>
                 </a:solidFill>
@@ -12162,10 +13520,10 @@
                 <a:ea typeface="SimSun" panose="02010600030101010101" pitchFamily="2" charset="-122"/>
                 <a:cs typeface="Arial" pitchFamily="34" charset="0"/>
               </a:rPr>
-              <a:t>Upadhyaya</a:t>
-            </a:r>
-            <a:r>
-              <a:rPr lang="en-US" sz="1600" dirty="0" smtClean="0">
+              <a:t>, </a:t>
+            </a:r>
+            <a:r>
+              <a:rPr lang="en-US" sz="1600" dirty="0" err="1">
                 <a:solidFill>
                   <a:schemeClr val="tx1"/>
                 </a:solidFill>
@@ -12173,10 +13531,10 @@
                 <a:ea typeface="SimSun" panose="02010600030101010101" pitchFamily="2" charset="-122"/>
                 <a:cs typeface="Arial" pitchFamily="34" charset="0"/>
               </a:rPr>
-              <a:t>, </a:t>
-            </a:r>
-            <a:r>
-              <a:rPr lang="en-US" sz="1600" dirty="0" err="1" smtClean="0">
+              <a:t>Babita</a:t>
+            </a:r>
+            <a:r>
+              <a:rPr lang="en-US" sz="1600" dirty="0">
                 <a:solidFill>
                   <a:schemeClr val="tx1"/>
                 </a:solidFill>
@@ -12184,10 +13542,10 @@
                 <a:ea typeface="SimSun" panose="02010600030101010101" pitchFamily="2" charset="-122"/>
                 <a:cs typeface="Arial" pitchFamily="34" charset="0"/>
               </a:rPr>
-              <a:t>Babita</a:t>
-            </a:r>
-            <a:r>
-              <a:rPr lang="en-US" sz="1600" dirty="0" smtClean="0">
+              <a:t> </a:t>
+            </a:r>
+            <a:r>
+              <a:rPr lang="en-US" sz="1600" dirty="0" err="1">
                 <a:solidFill>
                   <a:schemeClr val="tx1"/>
                 </a:solidFill>
@@ -12195,10 +13553,10 @@
                 <a:ea typeface="SimSun" panose="02010600030101010101" pitchFamily="2" charset="-122"/>
                 <a:cs typeface="Arial" pitchFamily="34" charset="0"/>
               </a:rPr>
-              <a:t> </a:t>
-            </a:r>
-            <a:r>
-              <a:rPr lang="en-US" sz="1600" dirty="0" err="1" smtClean="0">
+              <a:t>Kumari</a:t>
+            </a:r>
+            <a:r>
+              <a:rPr lang="en-US" sz="1600" dirty="0">
                 <a:solidFill>
                   <a:schemeClr val="tx1"/>
                 </a:solidFill>
@@ -12206,10 +13564,10 @@
                 <a:ea typeface="SimSun" panose="02010600030101010101" pitchFamily="2" charset="-122"/>
                 <a:cs typeface="Arial" pitchFamily="34" charset="0"/>
               </a:rPr>
-              <a:t>Kumari</a:t>
-            </a:r>
-            <a:r>
-              <a:rPr lang="en-US" sz="1600" dirty="0" smtClean="0">
+              <a:t> </a:t>
+            </a:r>
+            <a:r>
+              <a:rPr lang="en-US" sz="1600" dirty="0" err="1">
                 <a:solidFill>
                   <a:schemeClr val="tx1"/>
                 </a:solidFill>
@@ -12217,10 +13575,10 @@
                 <a:ea typeface="SimSun" panose="02010600030101010101" pitchFamily="2" charset="-122"/>
                 <a:cs typeface="Arial" pitchFamily="34" charset="0"/>
               </a:rPr>
-              <a:t> </a:t>
-            </a:r>
-            <a:r>
-              <a:rPr lang="en-US" sz="1600" dirty="0" err="1" smtClean="0">
+              <a:t>Arun</a:t>
+            </a:r>
+            <a:r>
+              <a:rPr lang="en-US" sz="1600" dirty="0">
                 <a:solidFill>
                   <a:schemeClr val="tx1"/>
                 </a:solidFill>
@@ -12228,10 +13586,10 @@
                 <a:ea typeface="SimSun" panose="02010600030101010101" pitchFamily="2" charset="-122"/>
                 <a:cs typeface="Arial" pitchFamily="34" charset="0"/>
               </a:rPr>
-              <a:t>Arun</a:t>
-            </a:r>
-            <a:r>
-              <a:rPr lang="en-US" sz="1600" dirty="0" smtClean="0">
+              <a:t> Kumar </a:t>
+            </a:r>
+            <a:r>
+              <a:rPr lang="en-US" sz="1600" dirty="0" err="1">
                 <a:solidFill>
                   <a:schemeClr val="tx1"/>
                 </a:solidFill>
@@ -12239,10 +13597,10 @@
                 <a:ea typeface="SimSun" panose="02010600030101010101" pitchFamily="2" charset="-122"/>
                 <a:cs typeface="Arial" pitchFamily="34" charset="0"/>
               </a:rPr>
-              <a:t> Kumar </a:t>
-            </a:r>
-            <a:r>
-              <a:rPr lang="en-US" sz="1600" dirty="0" err="1" smtClean="0">
+              <a:t>Mishra</a:t>
+            </a:r>
+            <a:r>
+              <a:rPr lang="en-US" sz="1600" dirty="0">
                 <a:solidFill>
                   <a:schemeClr val="tx1"/>
                 </a:solidFill>
@@ -12250,10 +13608,10 @@
                 <a:ea typeface="SimSun" panose="02010600030101010101" pitchFamily="2" charset="-122"/>
                 <a:cs typeface="Arial" pitchFamily="34" charset="0"/>
               </a:rPr>
-              <a:t>Mishra</a:t>
-            </a:r>
-            <a:r>
-              <a:rPr lang="en-US" sz="1600" dirty="0" smtClean="0">
+              <a:t>,” Smart Energy Efficient Home Automation System Using </a:t>
+            </a:r>
+            <a:r>
+              <a:rPr lang="en-US" sz="1600" dirty="0" err="1">
                 <a:solidFill>
                   <a:schemeClr val="tx1"/>
                 </a:solidFill>
@@ -12261,10 +13619,10 @@
                 <a:ea typeface="SimSun" panose="02010600030101010101" pitchFamily="2" charset="-122"/>
                 <a:cs typeface="Arial" pitchFamily="34" charset="0"/>
               </a:rPr>
-              <a:t>,” Smart Energy Efficient Home Automation System Using </a:t>
-            </a:r>
-            <a:r>
-              <a:rPr lang="en-US" sz="1600" dirty="0" err="1" smtClean="0">
+              <a:t>IoT</a:t>
+            </a:r>
+            <a:r>
+              <a:rPr lang="en-US" sz="1600" dirty="0">
                 <a:solidFill>
                   <a:schemeClr val="tx1"/>
                 </a:solidFill>
@@ -12272,34 +13630,12 @@
                 <a:ea typeface="SimSun" panose="02010600030101010101" pitchFamily="2" charset="-122"/>
                 <a:cs typeface="Arial" pitchFamily="34" charset="0"/>
               </a:rPr>
-              <a:t>IoT</a:t>
-            </a:r>
-            <a:r>
-              <a:rPr lang="en-US" sz="1600" dirty="0" smtClean="0">
-                <a:solidFill>
-                  <a:schemeClr val="tx1"/>
-                </a:solidFill>
-                <a:latin typeface="Arial" pitchFamily="34" charset="0"/>
-                <a:ea typeface="SimSun" panose="02010600030101010101" pitchFamily="2" charset="-122"/>
-                <a:cs typeface="Arial" pitchFamily="34" charset="0"/>
-              </a:rPr>
-              <a:t>” -2019 (IEEE Paper</a:t>
-            </a:r>
-            <a:r>
-              <a:rPr lang="en-US" sz="1600" dirty="0" smtClean="0">
-                <a:solidFill>
-                  <a:schemeClr val="tx1"/>
-                </a:solidFill>
-                <a:latin typeface="Arial" pitchFamily="34" charset="0"/>
-                <a:ea typeface="SimSun" panose="02010600030101010101" pitchFamily="2" charset="-122"/>
-                <a:cs typeface="Arial" pitchFamily="34" charset="0"/>
-              </a:rPr>
-              <a:t>)</a:t>
+              <a:t>” -2019 (IEEE Paper)</a:t>
             </a:r>
           </a:p>
           <a:p>
             <a:pPr algn="just"/>
-            <a:endParaRPr lang="en-IN" sz="1600" dirty="0" smtClean="0">
+            <a:endParaRPr lang="en-IN" sz="1600" dirty="0">
               <a:solidFill>
                 <a:schemeClr val="tx1"/>
               </a:solidFill>
@@ -12310,7 +13646,7 @@
           </a:p>
           <a:p>
             <a:r>
-              <a:rPr lang="en-US" sz="1600" dirty="0" smtClean="0">
+              <a:rPr lang="en-US" sz="1600" dirty="0">
                 <a:solidFill>
                   <a:schemeClr val="tx1"/>
                 </a:solidFill>
@@ -12321,7 +13657,7 @@
               <a:t>[6] S.L.S. Sri </a:t>
             </a:r>
             <a:r>
-              <a:rPr lang="en-US" sz="1600" dirty="0" err="1" smtClean="0">
+              <a:rPr lang="en-US" sz="1600" dirty="0" err="1">
                 <a:solidFill>
                   <a:schemeClr val="tx1"/>
                 </a:solidFill>
@@ -12332,7 +13668,7 @@
               <a:t>Harsha</a:t>
             </a:r>
             <a:r>
-              <a:rPr lang="en-US" sz="1600" dirty="0" smtClean="0">
+              <a:rPr lang="en-US" sz="1600" dirty="0">
                 <a:solidFill>
                   <a:schemeClr val="tx1"/>
                 </a:solidFill>
@@ -12343,7 +13679,7 @@
               <a:t>; S. </a:t>
             </a:r>
             <a:r>
-              <a:rPr lang="en-US" sz="1600" dirty="0" err="1" smtClean="0">
+              <a:rPr lang="en-US" sz="1600" dirty="0" err="1">
                 <a:solidFill>
                   <a:schemeClr val="tx1"/>
                 </a:solidFill>
@@ -12354,7 +13690,7 @@
               <a:t>Chakrapani</a:t>
             </a:r>
             <a:r>
-              <a:rPr lang="en-US" sz="1600" dirty="0" smtClean="0">
+              <a:rPr lang="en-US" sz="1600" dirty="0">
                 <a:solidFill>
                   <a:schemeClr val="tx1"/>
                 </a:solidFill>
@@ -12362,10 +13698,10 @@
                 <a:ea typeface="SimSun" panose="02010600030101010101" pitchFamily="2" charset="-122"/>
                 <a:cs typeface="Arial" pitchFamily="34" charset="0"/>
               </a:rPr>
-              <a:t> Reddy; S. Prince Mary</a:t>
-            </a:r>
-            <a:r>
-              <a:rPr lang="en-US" sz="1600" dirty="0" smtClean="0">
+              <a:t> Reddy; S. Prince Mary,</a:t>
+            </a:r>
+            <a:r>
+              <a:rPr lang="en-IN" sz="1600" dirty="0">
                 <a:solidFill>
                   <a:schemeClr val="tx1"/>
                 </a:solidFill>
@@ -12373,10 +13709,10 @@
                 <a:ea typeface="SimSun" panose="02010600030101010101" pitchFamily="2" charset="-122"/>
                 <a:cs typeface="Arial" pitchFamily="34" charset="0"/>
               </a:rPr>
-              <a:t>,</a:t>
-            </a:r>
-            <a:r>
-              <a:rPr lang="en-IN" sz="1600" dirty="0" smtClean="0">
+              <a:t> </a:t>
+            </a:r>
+            <a:r>
+              <a:rPr lang="en-US" sz="1600" dirty="0">
                 <a:solidFill>
                   <a:schemeClr val="tx1"/>
                 </a:solidFill>
@@ -12384,10 +13720,10 @@
                 <a:ea typeface="SimSun" panose="02010600030101010101" pitchFamily="2" charset="-122"/>
                 <a:cs typeface="Arial" pitchFamily="34" charset="0"/>
               </a:rPr>
-              <a:t> </a:t>
-            </a:r>
-            <a:r>
-              <a:rPr lang="en-US" sz="1600" dirty="0" smtClean="0">
+              <a:t> “Enhanced Home Automation System using Internet of  Things”</a:t>
+            </a:r>
+            <a:r>
+              <a:rPr lang="en-IN" sz="1600" dirty="0">
                 <a:solidFill>
                   <a:schemeClr val="tx1"/>
                 </a:solidFill>
@@ -12395,10 +13731,10 @@
                 <a:ea typeface="SimSun" panose="02010600030101010101" pitchFamily="2" charset="-122"/>
                 <a:cs typeface="Arial" pitchFamily="34" charset="0"/>
               </a:rPr>
-              <a:t> </a:t>
-            </a:r>
-            <a:r>
-              <a:rPr lang="en-US" sz="1600" dirty="0" smtClean="0">
+              <a:t>-</a:t>
+            </a:r>
+            <a:r>
+              <a:rPr lang="en-US" sz="1600" dirty="0">
                 <a:solidFill>
                   <a:schemeClr val="tx1"/>
                 </a:solidFill>
@@ -12406,66 +13742,11 @@
                 <a:ea typeface="SimSun" panose="02010600030101010101" pitchFamily="2" charset="-122"/>
                 <a:cs typeface="Arial" pitchFamily="34" charset="0"/>
               </a:rPr>
-              <a:t>“Enhanced Home Automation System using Internet of  Things</a:t>
-            </a:r>
-            <a:r>
-              <a:rPr lang="en-US" sz="1600" dirty="0" smtClean="0">
-                <a:solidFill>
-                  <a:schemeClr val="tx1"/>
-                </a:solidFill>
-                <a:latin typeface="Arial" pitchFamily="34" charset="0"/>
-                <a:ea typeface="SimSun" panose="02010600030101010101" pitchFamily="2" charset="-122"/>
-                <a:cs typeface="Arial" pitchFamily="34" charset="0"/>
-              </a:rPr>
-              <a:t>”</a:t>
-            </a:r>
-            <a:r>
-              <a:rPr lang="en-IN" sz="1600" dirty="0" smtClean="0">
-                <a:solidFill>
-                  <a:schemeClr val="tx1"/>
-                </a:solidFill>
-                <a:latin typeface="Arial" pitchFamily="34" charset="0"/>
-                <a:ea typeface="SimSun" panose="02010600030101010101" pitchFamily="2" charset="-122"/>
-                <a:cs typeface="Arial" pitchFamily="34" charset="0"/>
-              </a:rPr>
-              <a:t>-</a:t>
-            </a:r>
-            <a:r>
-              <a:rPr lang="en-US" sz="1600" dirty="0" smtClean="0">
-                <a:solidFill>
-                  <a:schemeClr val="tx1"/>
-                </a:solidFill>
-                <a:latin typeface="Arial" pitchFamily="34" charset="0"/>
-                <a:ea typeface="SimSun" panose="02010600030101010101" pitchFamily="2" charset="-122"/>
-                <a:cs typeface="Arial" pitchFamily="34" charset="0"/>
-              </a:rPr>
-              <a:t> </a:t>
-            </a:r>
-            <a:r>
-              <a:rPr lang="en-US" sz="1600" dirty="0" smtClean="0">
-                <a:solidFill>
-                  <a:schemeClr val="tx1"/>
-                </a:solidFill>
-                <a:latin typeface="Arial" pitchFamily="34" charset="0"/>
-                <a:ea typeface="SimSun" panose="02010600030101010101" pitchFamily="2" charset="-122"/>
-                <a:cs typeface="Arial" pitchFamily="34" charset="0"/>
-              </a:rPr>
-              <a:t>2017 (IEEE Paper</a:t>
-            </a:r>
-            <a:r>
-              <a:rPr lang="en-US" sz="1600" dirty="0" smtClean="0">
-                <a:solidFill>
-                  <a:schemeClr val="tx1"/>
-                </a:solidFill>
-                <a:latin typeface="Arial" pitchFamily="34" charset="0"/>
-                <a:ea typeface="SimSun" panose="02010600030101010101" pitchFamily="2" charset="-122"/>
-                <a:cs typeface="Arial" pitchFamily="34" charset="0"/>
-              </a:rPr>
-              <a:t>)</a:t>
-            </a:r>
-          </a:p>
-          <a:p>
-            <a:endParaRPr lang="en-IN" sz="1600" dirty="0" smtClean="0">
+              <a:t> 2017 (IEEE Paper)</a:t>
+            </a:r>
+          </a:p>
+          <a:p>
+            <a:endParaRPr lang="en-IN" sz="1600" dirty="0">
               <a:solidFill>
                 <a:schemeClr val="tx1"/>
               </a:solidFill>
@@ -12477,7 +13758,7 @@
           <a:p>
             <a:pPr algn="just"/>
             <a:r>
-              <a:rPr lang="en-US" sz="1600" dirty="0" smtClean="0">
+              <a:rPr lang="en-US" sz="1600" dirty="0">
                 <a:solidFill>
                   <a:schemeClr val="tx1"/>
                 </a:solidFill>
@@ -12488,7 +13769,7 @@
               <a:t>[7] Harsh Kumar Singh; </a:t>
             </a:r>
             <a:r>
-              <a:rPr lang="en-US" sz="1600" dirty="0" err="1" smtClean="0">
+              <a:rPr lang="en-US" sz="1600" dirty="0" err="1">
                 <a:solidFill>
                   <a:schemeClr val="tx1"/>
                 </a:solidFill>
@@ -12499,7 +13780,7 @@
               <a:t>Saurabh</a:t>
             </a:r>
             <a:r>
-              <a:rPr lang="en-US" sz="1600" dirty="0" smtClean="0">
+              <a:rPr lang="en-US" sz="1600" dirty="0">
                 <a:solidFill>
                   <a:schemeClr val="tx1"/>
                 </a:solidFill>
@@ -12510,7 +13791,7 @@
               <a:t> </a:t>
             </a:r>
             <a:r>
-              <a:rPr lang="en-US" sz="1600" dirty="0" err="1" smtClean="0">
+              <a:rPr lang="en-US" sz="1600" dirty="0" err="1">
                 <a:solidFill>
                   <a:schemeClr val="tx1"/>
                 </a:solidFill>
@@ -12521,7 +13802,7 @@
               <a:t>Verma</a:t>
             </a:r>
             <a:r>
-              <a:rPr lang="en-US" sz="1600" dirty="0" smtClean="0">
+              <a:rPr lang="en-US" sz="1600" dirty="0">
                 <a:solidFill>
                   <a:schemeClr val="tx1"/>
                 </a:solidFill>
@@ -12532,7 +13813,7 @@
               <a:t>; </a:t>
             </a:r>
             <a:r>
-              <a:rPr lang="en-US" sz="1600" dirty="0" err="1" smtClean="0">
+              <a:rPr lang="en-US" sz="1600" dirty="0" err="1">
                 <a:solidFill>
                   <a:schemeClr val="tx1"/>
                 </a:solidFill>
@@ -12543,7 +13824,7 @@
               <a:t>Shashank</a:t>
             </a:r>
             <a:r>
-              <a:rPr lang="en-US" sz="1600" dirty="0" smtClean="0">
+              <a:rPr lang="en-US" sz="1600" dirty="0">
                 <a:solidFill>
                   <a:schemeClr val="tx1"/>
                 </a:solidFill>
@@ -12554,7 +13835,7 @@
               <a:t> Pal; </a:t>
             </a:r>
             <a:r>
-              <a:rPr lang="en-US" sz="1600" dirty="0" err="1" smtClean="0">
+              <a:rPr lang="en-US" sz="1600" dirty="0" err="1">
                 <a:solidFill>
                   <a:schemeClr val="tx1"/>
                 </a:solidFill>
@@ -12565,7 +13846,7 @@
               <a:t>KavitaPandey</a:t>
             </a:r>
             <a:r>
-              <a:rPr lang="en-US" sz="1600" dirty="0" smtClean="0">
+              <a:rPr lang="en-US" sz="1600" dirty="0">
                 <a:solidFill>
                   <a:schemeClr val="tx1"/>
                 </a:solidFill>
@@ -12573,10 +13854,10 @@
                 <a:ea typeface="SimSun" panose="02010600030101010101" pitchFamily="2" charset="-122"/>
                 <a:cs typeface="Arial" pitchFamily="34" charset="0"/>
               </a:rPr>
-              <a:t>,” A step towards Home Automation using </a:t>
-            </a:r>
-            <a:r>
-              <a:rPr lang="en-US" sz="1600" dirty="0" smtClean="0">
+              <a:t>,” A step towards Home Automation using IOT”</a:t>
+            </a:r>
+            <a:r>
+              <a:rPr lang="en-IN" sz="1600" dirty="0">
                 <a:solidFill>
                   <a:schemeClr val="tx1"/>
                 </a:solidFill>
@@ -12584,10 +13865,10 @@
                 <a:ea typeface="SimSun" panose="02010600030101010101" pitchFamily="2" charset="-122"/>
                 <a:cs typeface="Arial" pitchFamily="34" charset="0"/>
               </a:rPr>
-              <a:t>IOT”</a:t>
-            </a:r>
-            <a:r>
-              <a:rPr lang="en-IN" sz="1600" dirty="0" smtClean="0">
+              <a:t> -</a:t>
+            </a:r>
+            <a:r>
+              <a:rPr lang="en-US" sz="1600" dirty="0">
                 <a:solidFill>
                   <a:schemeClr val="tx1"/>
                 </a:solidFill>
@@ -12595,45 +13876,12 @@
                 <a:ea typeface="SimSun" panose="02010600030101010101" pitchFamily="2" charset="-122"/>
                 <a:cs typeface="Arial" pitchFamily="34" charset="0"/>
               </a:rPr>
-              <a:t> -</a:t>
-            </a:r>
-            <a:r>
-              <a:rPr lang="en-US" sz="1600" dirty="0" smtClean="0">
-                <a:solidFill>
-                  <a:schemeClr val="tx1"/>
-                </a:solidFill>
-                <a:latin typeface="Arial" pitchFamily="34" charset="0"/>
-                <a:ea typeface="SimSun" panose="02010600030101010101" pitchFamily="2" charset="-122"/>
-                <a:cs typeface="Arial" pitchFamily="34" charset="0"/>
-              </a:rPr>
-              <a:t>2019</a:t>
-            </a:r>
-            <a:r>
-              <a:rPr lang="en-US" sz="1600" dirty="0" smtClean="0">
-                <a:solidFill>
-                  <a:schemeClr val="tx1"/>
-                </a:solidFill>
-                <a:latin typeface="Arial" pitchFamily="34" charset="0"/>
-                <a:ea typeface="SimSun" panose="02010600030101010101" pitchFamily="2" charset="-122"/>
-                <a:cs typeface="Arial" pitchFamily="34" charset="0"/>
-              </a:rPr>
-              <a:t>( IEEE Paper</a:t>
-            </a:r>
-            <a:r>
-              <a:rPr lang="en-US" sz="1600" dirty="0" smtClean="0">
-                <a:solidFill>
-                  <a:schemeClr val="tx1"/>
-                </a:solidFill>
-                <a:latin typeface="Arial" pitchFamily="34" charset="0"/>
-                <a:ea typeface="SimSun" panose="02010600030101010101" pitchFamily="2" charset="-122"/>
-                <a:cs typeface="Arial" pitchFamily="34" charset="0"/>
-              </a:rPr>
-              <a:t>)</a:t>
+              <a:t>2019( IEEE Paper)</a:t>
             </a:r>
           </a:p>
           <a:p>
             <a:pPr algn="just"/>
-            <a:endParaRPr lang="en-IN" sz="1600" dirty="0" smtClean="0">
+            <a:endParaRPr lang="en-IN" sz="1600" dirty="0">
               <a:solidFill>
                 <a:schemeClr val="tx1"/>
               </a:solidFill>
@@ -12645,7 +13893,7 @@
           <a:p>
             <a:pPr algn="just"/>
             <a:r>
-              <a:rPr lang="en-US" sz="1600" dirty="0" smtClean="0">
+              <a:rPr lang="en-US" sz="1600" dirty="0">
                 <a:solidFill>
                   <a:schemeClr val="tx1"/>
                 </a:solidFill>
@@ -12656,7 +13904,7 @@
               <a:t>[8] </a:t>
             </a:r>
             <a:r>
-              <a:rPr lang="en-US" sz="1600" dirty="0" err="1" smtClean="0">
+              <a:rPr lang="en-US" sz="1600" dirty="0" err="1">
                 <a:solidFill>
                   <a:schemeClr val="tx1"/>
                 </a:solidFill>
@@ -12667,7 +13915,7 @@
               <a:t>Majid</a:t>
             </a:r>
             <a:r>
-              <a:rPr lang="en-US" sz="1600" dirty="0" smtClean="0">
+              <a:rPr lang="en-US" sz="1600" dirty="0">
                 <a:solidFill>
                   <a:schemeClr val="tx1"/>
                 </a:solidFill>
@@ -12678,7 +13926,7 @@
               <a:t> Al-</a:t>
             </a:r>
             <a:r>
-              <a:rPr lang="en-US" sz="1600" dirty="0" err="1" smtClean="0">
+              <a:rPr lang="en-US" sz="1600" dirty="0" err="1">
                 <a:solidFill>
                   <a:schemeClr val="tx1"/>
                 </a:solidFill>
@@ -12689,7 +13937,7 @@
               <a:t>Kuwari</a:t>
             </a:r>
             <a:r>
-              <a:rPr lang="en-US" sz="1600" dirty="0" smtClean="0">
+              <a:rPr lang="en-US" sz="1600" dirty="0">
                 <a:solidFill>
                   <a:schemeClr val="tx1"/>
                 </a:solidFill>
@@ -12700,7 +13948,7 @@
               <a:t>, </a:t>
             </a:r>
             <a:r>
-              <a:rPr lang="en-US" sz="1600" dirty="0" err="1" smtClean="0">
+              <a:rPr lang="en-US" sz="1600" dirty="0" err="1">
                 <a:solidFill>
                   <a:schemeClr val="tx1"/>
                 </a:solidFill>
@@ -12711,7 +13959,7 @@
               <a:t>Abdulrhman</a:t>
             </a:r>
             <a:r>
-              <a:rPr lang="en-US" sz="1600" dirty="0" smtClean="0">
+              <a:rPr lang="en-US" sz="1600" dirty="0">
                 <a:solidFill>
                   <a:schemeClr val="tx1"/>
                 </a:solidFill>
@@ -12722,7 +13970,7 @@
               <a:t> Ramadan, </a:t>
             </a:r>
             <a:r>
-              <a:rPr lang="en-US" sz="1600" dirty="0" err="1" smtClean="0">
+              <a:rPr lang="en-US" sz="1600" dirty="0" err="1">
                 <a:solidFill>
                   <a:schemeClr val="tx1"/>
                 </a:solidFill>
@@ -12733,7 +13981,7 @@
               <a:t>Yousef</a:t>
             </a:r>
             <a:r>
-              <a:rPr lang="en-US" sz="1600" dirty="0" smtClean="0">
+              <a:rPr lang="en-US" sz="1600" dirty="0">
                 <a:solidFill>
                   <a:schemeClr val="tx1"/>
                 </a:solidFill>
@@ -12744,7 +13992,7 @@
               <a:t> </a:t>
             </a:r>
             <a:r>
-              <a:rPr lang="en-US" sz="1600" dirty="0" err="1" smtClean="0">
+              <a:rPr lang="en-US" sz="1600" dirty="0" err="1">
                 <a:solidFill>
                   <a:schemeClr val="tx1"/>
                 </a:solidFill>
@@ -12755,7 +14003,7 @@
               <a:t>Ismael</a:t>
             </a:r>
             <a:r>
-              <a:rPr lang="en-US" sz="1600" dirty="0" smtClean="0">
+              <a:rPr lang="en-US" sz="1600" dirty="0">
                 <a:solidFill>
                   <a:schemeClr val="tx1"/>
                 </a:solidFill>
@@ -12766,7 +14014,7 @@
               <a:t>, </a:t>
             </a:r>
             <a:r>
-              <a:rPr lang="en-US" sz="1600" dirty="0" err="1" smtClean="0">
+              <a:rPr lang="en-US" sz="1600" dirty="0" err="1">
                 <a:solidFill>
                   <a:schemeClr val="tx1"/>
                 </a:solidFill>
@@ -12777,7 +14025,7 @@
               <a:t>Laith</a:t>
             </a:r>
             <a:r>
-              <a:rPr lang="en-US" sz="1600" dirty="0" smtClean="0">
+              <a:rPr lang="en-US" sz="1600" dirty="0">
                 <a:solidFill>
                   <a:schemeClr val="tx1"/>
                 </a:solidFill>
@@ -12788,7 +14036,7 @@
               <a:t> Al-</a:t>
             </a:r>
             <a:r>
-              <a:rPr lang="en-US" sz="1600" dirty="0" err="1" smtClean="0">
+              <a:rPr lang="en-US" sz="1600" dirty="0" err="1">
                 <a:solidFill>
                   <a:schemeClr val="tx1"/>
                 </a:solidFill>
@@ -12799,7 +14047,7 @@
               <a:t>Sughair</a:t>
             </a:r>
             <a:r>
-              <a:rPr lang="en-US" sz="1600" dirty="0" smtClean="0">
+              <a:rPr lang="en-US" sz="1600" dirty="0">
                 <a:solidFill>
                   <a:schemeClr val="tx1"/>
                 </a:solidFill>
@@ -12810,7 +14058,7 @@
               <a:t>, Adel </a:t>
             </a:r>
             <a:r>
-              <a:rPr lang="en-US" sz="1600" dirty="0" err="1" smtClean="0">
+              <a:rPr lang="en-US" sz="1600" dirty="0" err="1">
                 <a:solidFill>
                   <a:schemeClr val="tx1"/>
                 </a:solidFill>
@@ -12821,7 +14069,7 @@
               <a:t>Gastli</a:t>
             </a:r>
             <a:r>
-              <a:rPr lang="en-US" sz="1600" dirty="0" smtClean="0">
+              <a:rPr lang="en-US" sz="1600" dirty="0">
                 <a:solidFill>
                   <a:schemeClr val="tx1"/>
                 </a:solidFill>
@@ -12832,7 +14080,7 @@
               <a:t>,”</a:t>
             </a:r>
             <a:r>
-              <a:rPr lang="en-US" sz="1600" kern="1800" dirty="0" smtClean="0">
+              <a:rPr lang="en-US" sz="1600" kern="1800" dirty="0">
                 <a:solidFill>
                   <a:schemeClr val="tx1"/>
                 </a:solidFill>
@@ -12843,7 +14091,7 @@
               <a:t> Smart-home automation using </a:t>
             </a:r>
             <a:r>
-              <a:rPr lang="en-US" sz="1600" kern="1800" dirty="0" err="1" smtClean="0">
+              <a:rPr lang="en-US" sz="1600" kern="1800" dirty="0" err="1">
                 <a:solidFill>
                   <a:schemeClr val="tx1"/>
                 </a:solidFill>
@@ -12854,7 +14102,7 @@
               <a:t>IoT</a:t>
             </a:r>
             <a:r>
-              <a:rPr lang="en-US" sz="1600" kern="1800" dirty="0" smtClean="0">
+              <a:rPr lang="en-US" sz="1600" kern="1800" dirty="0">
                 <a:solidFill>
                   <a:schemeClr val="tx1"/>
                 </a:solidFill>
@@ -12862,23 +14110,12 @@
                 <a:ea typeface="Times New Roman" panose="02020603050405020304" pitchFamily="18" charset="0"/>
                 <a:cs typeface="Arial" pitchFamily="34" charset="0"/>
               </a:rPr>
-              <a:t>-based sensing and monitoring platform”-2019(IEEE Paper</a:t>
-            </a:r>
-            <a:r>
-              <a:rPr lang="en-US" sz="1600" kern="1800" dirty="0" smtClean="0">
-                <a:solidFill>
-                  <a:schemeClr val="tx1"/>
-                </a:solidFill>
-                <a:latin typeface="Arial" pitchFamily="34" charset="0"/>
-                <a:ea typeface="Times New Roman" panose="02020603050405020304" pitchFamily="18" charset="0"/>
-                <a:cs typeface="Arial" pitchFamily="34" charset="0"/>
-              </a:rPr>
-              <a:t>)</a:t>
+              <a:t>-based sensing and monitoring platform”-2019(IEEE Paper)</a:t>
             </a:r>
           </a:p>
           <a:p>
             <a:pPr algn="just"/>
-            <a:endParaRPr lang="en-US" sz="1600" kern="1800" dirty="0" smtClean="0">
+            <a:endParaRPr lang="en-US" sz="1600" kern="1800" dirty="0">
               <a:solidFill>
                 <a:schemeClr val="tx1"/>
               </a:solidFill>
@@ -12890,7 +14127,7 @@
           <a:p>
             <a:pPr algn="just"/>
             <a:r>
-              <a:rPr lang="en-US" sz="1600" dirty="0" smtClean="0">
+              <a:rPr lang="en-US" sz="1600" dirty="0">
                 <a:solidFill>
                   <a:schemeClr val="tx1"/>
                 </a:solidFill>
@@ -12900,7 +14137,7 @@
               <a:t>[9] </a:t>
             </a:r>
             <a:r>
-              <a:rPr lang="en-US" sz="1600" dirty="0" err="1" smtClean="0">
+              <a:rPr lang="en-US" sz="1600" dirty="0" err="1">
                 <a:solidFill>
                   <a:schemeClr val="tx1"/>
                 </a:solidFill>
@@ -12910,7 +14147,7 @@
               <a:t>Sheela</a:t>
             </a:r>
             <a:r>
-              <a:rPr lang="en-US" sz="1600" dirty="0" smtClean="0">
+              <a:rPr lang="en-US" sz="1600" dirty="0">
                 <a:solidFill>
                   <a:schemeClr val="tx1"/>
                 </a:solidFill>
@@ -12920,7 +14157,7 @@
               <a:t>, L. J., R. </a:t>
             </a:r>
             <a:r>
-              <a:rPr lang="en-US" sz="1600" dirty="0" err="1" smtClean="0">
+              <a:rPr lang="en-US" sz="1600" dirty="0" err="1">
                 <a:solidFill>
                   <a:schemeClr val="tx1"/>
                 </a:solidFill>
@@ -12930,7 +14167,7 @@
               <a:t>Hemamalini</a:t>
             </a:r>
             <a:r>
-              <a:rPr lang="en-US" sz="1600" dirty="0" smtClean="0">
+              <a:rPr lang="en-US" sz="1600" dirty="0">
                 <a:solidFill>
                   <a:schemeClr val="tx1"/>
                 </a:solidFill>
@@ -12940,7 +14177,7 @@
               <a:t>, and M. </a:t>
             </a:r>
             <a:r>
-              <a:rPr lang="en-US" sz="1600" dirty="0" err="1" smtClean="0">
+              <a:rPr lang="en-US" sz="1600" dirty="0" err="1">
                 <a:solidFill>
                   <a:schemeClr val="tx1"/>
                 </a:solidFill>
@@ -12950,7 +14187,7 @@
               <a:t>Rejendran</a:t>
             </a:r>
             <a:r>
-              <a:rPr lang="en-US" sz="1600" dirty="0" smtClean="0">
+              <a:rPr lang="en-US" sz="1600" dirty="0">
                 <a:solidFill>
                   <a:schemeClr val="tx1"/>
                 </a:solidFill>
@@ -12959,7 +14196,7 @@
               </a:rPr>
               <a:t>. "Cell phone  the  primary  personal  mobile   computing devices." International Journal of Computer Trends and Technology 1.2 (2011): 87-90</a:t>
             </a:r>
-            <a:endParaRPr lang="en-GB" sz="1600" dirty="0" smtClean="0">
+            <a:endParaRPr lang="en-GB" sz="1600" dirty="0">
               <a:solidFill>
                 <a:schemeClr val="tx1"/>
               </a:solidFill>
@@ -12969,7 +14206,7 @@
           </a:p>
           <a:p>
             <a:pPr algn="just"/>
-            <a:endParaRPr lang="en-IN" sz="1600" dirty="0" smtClean="0">
+            <a:endParaRPr lang="en-IN" sz="1600" dirty="0">
               <a:solidFill>
                 <a:schemeClr val="tx1"/>
               </a:solidFill>
@@ -12983,7 +14220,7 @@
               <a:buNone/>
             </a:pPr>
             <a:r>
-              <a:rPr lang="en-US" sz="1600" dirty="0" smtClean="0">
+              <a:rPr lang="en-US" sz="1600" dirty="0">
                 <a:solidFill>
                   <a:schemeClr val="tx1"/>
                 </a:solidFill>
@@ -12993,7 +14230,7 @@
               </a:rPr>
               <a:t> </a:t>
             </a:r>
-            <a:endParaRPr lang="en-IN" sz="1600" dirty="0" smtClean="0">
+            <a:endParaRPr lang="en-IN" sz="1600" dirty="0">
               <a:solidFill>
                 <a:schemeClr val="tx1"/>
               </a:solidFill>
@@ -13003,7 +14240,7 @@
             </a:endParaRPr>
           </a:p>
           <a:p>
-            <a:endParaRPr lang="en-IN" sz="1600" dirty="0" smtClean="0">
+            <a:endParaRPr lang="en-IN" sz="1600" dirty="0">
               <a:solidFill>
                 <a:schemeClr val="tx1"/>
               </a:solidFill>
@@ -13013,7 +14250,7 @@
           </a:p>
           <a:p>
             <a:pPr algn="just"/>
-            <a:endParaRPr lang="en-IN" sz="1600" dirty="0" smtClean="0">
+            <a:endParaRPr lang="en-IN" sz="1600" dirty="0">
               <a:solidFill>
                 <a:schemeClr val="tx1"/>
               </a:solidFill>
@@ -13026,7 +14263,7 @@
             <a:pPr marL="0" indent="0" algn="just">
               <a:buNone/>
             </a:pPr>
-            <a:endParaRPr lang="en-IN" sz="1600" dirty="0" smtClean="0">
+            <a:endParaRPr lang="en-IN" sz="1600" dirty="0">
               <a:solidFill>
                 <a:schemeClr val="tx1"/>
               </a:solidFill>
@@ -13036,7 +14273,7 @@
             </a:endParaRPr>
           </a:p>
           <a:p>
-            <a:endParaRPr lang="en-IN" sz="1600" dirty="0" smtClean="0">
+            <a:endParaRPr lang="en-IN" sz="1600" dirty="0">
               <a:solidFill>
                 <a:schemeClr val="tx1"/>
               </a:solidFill>
@@ -13056,24 +14293,17 @@
     </p:spTree>
     <p:extLst>
       <p:ext uri="{BB962C8B-B14F-4D97-AF65-F5344CB8AC3E}">
-        <p14:creationId xmlns:p14="http://schemas.microsoft.com/office/powerpoint/2010/main" xmlns="" val="1113786581"/>
+        <p14:creationId xmlns:p14="http://schemas.microsoft.com/office/powerpoint/2010/main" val="1113786581"/>
       </p:ext>
     </p:extLst>
   </p:cSld>
   <p:clrMapOvr>
     <a:masterClrMapping/>
   </p:clrMapOvr>
-  <p:timing>
-    <p:tnLst>
-      <p:par>
-        <p:cTn id="1" dur="indefinite" restart="never" nodeType="tmRoot"/>
-      </p:par>
-    </p:tnLst>
-  </p:timing>
 </p:sld>
 </file>
 
-<file path=ppt/slides/slide27.xml><?xml version="1.0" encoding="utf-8"?>
+<file path=ppt/slides/slide29.xml><?xml version="1.0" encoding="utf-8"?>
 <p:sld xmlns:a="http://schemas.openxmlformats.org/drawingml/2006/main" xmlns:r="http://schemas.openxmlformats.org/officeDocument/2006/relationships" xmlns:p="http://schemas.openxmlformats.org/presentationml/2006/main">
   <p:cSld>
     <p:spTree>
@@ -13118,13 +14348,6 @@
   <p:clrMapOvr>
     <a:masterClrMapping/>
   </p:clrMapOvr>
-  <p:timing>
-    <p:tnLst>
-      <p:par>
-        <p:cTn id="1" dur="indefinite" restart="never" nodeType="tmRoot"/>
-      </p:par>
-    </p:tnLst>
-  </p:timing>
 </p:sld>
 </file>
 
@@ -13168,20 +14391,12 @@
           <a:lstStyle/>
           <a:p>
             <a:pPr algn="ctr"/>
-            <a:r>
-              <a:rPr lang="en-US" sz="3200" b="1" dirty="0"/>
-              <a:t/>
-            </a:r>
             <a:br>
               <a:rPr lang="en-US" sz="3200" b="1" dirty="0"/>
             </a:br>
             <a:r>
               <a:rPr lang="en-US" sz="3200" b="1" dirty="0"/>
               <a:t>LITERATURE SURVEY</a:t>
-            </a:r>
-            <a:r>
-              <a:rPr lang="en-GB" sz="3200" b="1" dirty="0"/>
-              <a:t/>
             </a:r>
             <a:br>
               <a:rPr lang="en-GB" sz="3200" b="1" dirty="0"/>
@@ -13200,7 +14415,7 @@
             <p:ph idx="1"/>
             <p:extLst>
               <p:ext uri="{D42A27DB-BD31-4B8C-83A1-F6EECF244321}">
-                <p14:modId xmlns:p14="http://schemas.microsoft.com/office/powerpoint/2010/main" xmlns="" val="224903816"/>
+                <p14:modId xmlns:p14="http://schemas.microsoft.com/office/powerpoint/2010/main" val="224903816"/>
               </p:ext>
             </p:extLst>
           </p:nvPr>
@@ -13219,35 +14434,35 @@
                 <a:gridCol w="1032933">
                   <a:extLst>
                     <a:ext uri="{9D8B030D-6E8A-4147-A177-3AD203B41FA5}">
-                      <a16:colId xmlns:a16="http://schemas.microsoft.com/office/drawing/2014/main" xmlns="" val="20000"/>
+                      <a16:colId xmlns:a16="http://schemas.microsoft.com/office/drawing/2014/main" val="20000"/>
                     </a:ext>
                   </a:extLst>
                 </a:gridCol>
                 <a:gridCol w="1547749">
                   <a:extLst>
                     <a:ext uri="{9D8B030D-6E8A-4147-A177-3AD203B41FA5}">
-                      <a16:colId xmlns:a16="http://schemas.microsoft.com/office/drawing/2014/main" xmlns="" val="20001"/>
+                      <a16:colId xmlns:a16="http://schemas.microsoft.com/office/drawing/2014/main" val="20001"/>
                     </a:ext>
                   </a:extLst>
                 </a:gridCol>
                 <a:gridCol w="1664747">
                   <a:extLst>
                     <a:ext uri="{9D8B030D-6E8A-4147-A177-3AD203B41FA5}">
-                      <a16:colId xmlns:a16="http://schemas.microsoft.com/office/drawing/2014/main" xmlns="" val="20002"/>
+                      <a16:colId xmlns:a16="http://schemas.microsoft.com/office/drawing/2014/main" val="20002"/>
                     </a:ext>
                   </a:extLst>
                 </a:gridCol>
                 <a:gridCol w="4401010">
                   <a:extLst>
                     <a:ext uri="{9D8B030D-6E8A-4147-A177-3AD203B41FA5}">
-                      <a16:colId xmlns:a16="http://schemas.microsoft.com/office/drawing/2014/main" xmlns="" val="20003"/>
+                      <a16:colId xmlns:a16="http://schemas.microsoft.com/office/drawing/2014/main" val="20003"/>
                     </a:ext>
                   </a:extLst>
                 </a:gridCol>
                 <a:gridCol w="3545561">
                   <a:extLst>
                     <a:ext uri="{9D8B030D-6E8A-4147-A177-3AD203B41FA5}">
-                      <a16:colId xmlns:a16="http://schemas.microsoft.com/office/drawing/2014/main" xmlns="" val="20004"/>
+                      <a16:colId xmlns:a16="http://schemas.microsoft.com/office/drawing/2014/main" val="20004"/>
                     </a:ext>
                   </a:extLst>
                 </a:gridCol>
@@ -13405,7 +14620,7 @@
                 </a:tc>
                 <a:extLst>
                   <a:ext uri="{0D108BD9-81ED-4DB2-BD59-A6C34878D82A}">
-                    <a16:rowId xmlns:a16="http://schemas.microsoft.com/office/drawing/2014/main" xmlns="" val="10000"/>
+                    <a16:rowId xmlns:a16="http://schemas.microsoft.com/office/drawing/2014/main" val="10000"/>
                   </a:ext>
                 </a:extLst>
               </a:tr>
@@ -13787,15 +15002,7 @@
                           <a:ea typeface="Calibri"/>
                           <a:cs typeface="Arial" pitchFamily="34" charset="0"/>
                         </a:rPr>
-                        <a:t>, Bluetooth technology is used which leads to limited device controlling </a:t>
-                      </a:r>
-                      <a:r>
-                        <a:rPr lang="en-US" sz="1000" dirty="0" smtClean="0">
-                          <a:latin typeface="Arial" pitchFamily="34" charset="0"/>
-                          <a:ea typeface="Calibri"/>
-                          <a:cs typeface="Arial" pitchFamily="34" charset="0"/>
-                        </a:rPr>
-                        <a:t>distance</a:t>
+                        <a:t>, Bluetooth technology is used which leads to limited device controlling distance</a:t>
                       </a:r>
                       <a:endParaRPr lang="en-GB" sz="1000" dirty="0">
                         <a:latin typeface="Arial" pitchFamily="34" charset="0"/>
@@ -13808,7 +15015,7 @@
                 </a:tc>
                 <a:extLst>
                   <a:ext uri="{0D108BD9-81ED-4DB2-BD59-A6C34878D82A}">
-                    <a16:rowId xmlns:a16="http://schemas.microsoft.com/office/drawing/2014/main" xmlns="" val="10001"/>
+                    <a16:rowId xmlns:a16="http://schemas.microsoft.com/office/drawing/2014/main" val="10001"/>
                   </a:ext>
                 </a:extLst>
               </a:tr>
@@ -14075,27 +15282,8 @@
                           <a:ea typeface="+mn-ea"/>
                           <a:cs typeface="Arial" pitchFamily="34" charset="0"/>
                         </a:rPr>
-                        <a:t> (ESP8266) microcontroller along with Relays is used to control electrical switches remotely from the server which is built on Node.js</a:t>
+                        <a:t> (ESP8266) microcontroller along with Relays is used to control electrical switches remotely from the server which is built on Node.js.</a:t>
                       </a:r>
-                      <a:r>
-                        <a:rPr lang="en-US" sz="1000" b="0" u="none" kern="1200" dirty="0" smtClean="0">
-                          <a:solidFill>
-                            <a:schemeClr val="dk1"/>
-                          </a:solidFill>
-                          <a:latin typeface="Arial" pitchFamily="34" charset="0"/>
-                          <a:ea typeface="+mn-ea"/>
-                          <a:cs typeface="Arial" pitchFamily="34" charset="0"/>
-                        </a:rPr>
-                        <a:t>.</a:t>
-                      </a:r>
-                      <a:endParaRPr lang="en-US" sz="1000" b="0" u="none" kern="1200" dirty="0">
-                        <a:solidFill>
-                          <a:schemeClr val="dk1"/>
-                        </a:solidFill>
-                        <a:latin typeface="Arial" pitchFamily="34" charset="0"/>
-                        <a:ea typeface="+mn-ea"/>
-                        <a:cs typeface="Arial" pitchFamily="34" charset="0"/>
-                      </a:endParaRPr>
                     </a:p>
                     <a:p>
                       <a:pPr marL="0" marR="0" indent="0" algn="l" defTabSz="914400" rtl="0" eaLnBrk="1" fontAlgn="auto" latinLnBrk="0" hangingPunct="1">
@@ -14214,7 +15402,7 @@
                 </a:tc>
                 <a:extLst>
                   <a:ext uri="{0D108BD9-81ED-4DB2-BD59-A6C34878D82A}">
-                    <a16:rowId xmlns:a16="http://schemas.microsoft.com/office/drawing/2014/main" xmlns="" val="10002"/>
+                    <a16:rowId xmlns:a16="http://schemas.microsoft.com/office/drawing/2014/main" val="10002"/>
                   </a:ext>
                 </a:extLst>
               </a:tr>
@@ -14530,20 +15718,9 @@
                           <a:ea typeface="+mn-ea"/>
                           <a:cs typeface="Arial" pitchFamily="34" charset="0"/>
                         </a:rPr>
-                        <a:t>The sensing of different variables inside the house is conducted using the NodeMCU-ESP8266 microcontroller </a:t>
+                        <a:t>The sensing of different variables inside the house is conducted using the NodeMCU-ESP8266 microcontroller board.</a:t>
                       </a:r>
-                      <a:r>
-                        <a:rPr lang="en-US" sz="1000" b="0" u="none" kern="1200" dirty="0" smtClean="0">
-                          <a:solidFill>
-                            <a:schemeClr val="dk1"/>
-                          </a:solidFill>
-                          <a:latin typeface="Arial" pitchFamily="34" charset="0"/>
-                          <a:ea typeface="+mn-ea"/>
-                          <a:cs typeface="Arial" pitchFamily="34" charset="0"/>
-                        </a:rPr>
-                        <a:t>board.</a:t>
-                      </a:r>
-                      <a:endParaRPr lang="en-GB" sz="1000" b="0" u="none" kern="1200" dirty="0" smtClean="0">
+                      <a:endParaRPr lang="en-GB" sz="1000" b="0" u="none" kern="1200" dirty="0">
                         <a:solidFill>
                           <a:schemeClr val="dk1"/>
                         </a:solidFill>
@@ -14558,7 +15735,7 @@
                         <a:buChar char="§"/>
                       </a:pPr>
                       <a:r>
-                        <a:rPr lang="en-US" sz="1000" b="0" u="none" kern="1200" dirty="0" err="1" smtClean="0">
+                        <a:rPr lang="en-US" sz="1000" b="0" u="none" kern="1200" dirty="0" err="1">
                           <a:solidFill>
                             <a:schemeClr val="dk1"/>
                           </a:solidFill>
@@ -14569,17 +15746,6 @@
                         <a:t>Realtime</a:t>
                       </a:r>
                       <a:r>
-                        <a:rPr lang="en-US" sz="1000" b="0" u="none" kern="1200" dirty="0" smtClean="0">
-                          <a:solidFill>
-                            <a:schemeClr val="dk1"/>
-                          </a:solidFill>
-                          <a:latin typeface="Arial" pitchFamily="34" charset="0"/>
-                          <a:ea typeface="+mn-ea"/>
-                          <a:cs typeface="Arial" pitchFamily="34" charset="0"/>
-                        </a:rPr>
-                        <a:t> </a:t>
-                      </a:r>
-                      <a:r>
                         <a:rPr lang="en-US" sz="1000" b="0" u="none" kern="1200" dirty="0">
                           <a:solidFill>
                             <a:schemeClr val="dk1"/>
@@ -14588,7 +15754,7 @@
                           <a:ea typeface="+mn-ea"/>
                           <a:cs typeface="Arial" pitchFamily="34" charset="0"/>
                         </a:rPr>
-                        <a:t>data sensing, processing and uploading/downloading to/from the </a:t>
+                        <a:t> data sensing, processing and uploading/downloading to/from the </a:t>
                       </a:r>
                       <a:r>
                         <a:rPr lang="en-US" sz="1000" b="0" u="none" kern="1200" dirty="0" err="1">
@@ -14635,27 +15801,8 @@
                           <a:ea typeface="+mn-ea"/>
                           <a:cs typeface="Arial" pitchFamily="34" charset="0"/>
                         </a:rPr>
-                        <a:t>A system can be set to monitor these parameters to help maintain them within an acceptable </a:t>
+                        <a:t>A system can be set to monitor these parameters to help maintain them within an acceptable range.</a:t>
                       </a:r>
-                      <a:r>
-                        <a:rPr lang="en-US" sz="1000" b="0" u="none" kern="1200" dirty="0" smtClean="0">
-                          <a:solidFill>
-                            <a:schemeClr val="dk1"/>
-                          </a:solidFill>
-                          <a:latin typeface="Arial" pitchFamily="34" charset="0"/>
-                          <a:ea typeface="+mn-ea"/>
-                          <a:cs typeface="Arial" pitchFamily="34" charset="0"/>
-                        </a:rPr>
-                        <a:t>range.</a:t>
-                      </a:r>
-                      <a:endParaRPr lang="en-US" sz="1000" b="0" u="none" kern="1200" dirty="0">
-                        <a:solidFill>
-                          <a:schemeClr val="dk1"/>
-                        </a:solidFill>
-                        <a:latin typeface="Arial" pitchFamily="34" charset="0"/>
-                        <a:ea typeface="+mn-ea"/>
-                        <a:cs typeface="Arial" pitchFamily="34" charset="0"/>
-                      </a:endParaRPr>
                     </a:p>
                   </a:txBody>
                   <a:tcPr/>
@@ -14706,15 +15853,7 @@
                           <a:ea typeface="Calibri"/>
                           <a:cs typeface="Arial" pitchFamily="34" charset="0"/>
                         </a:rPr>
-                        <a:t>No secured Authentication over controlling via </a:t>
-                      </a:r>
-                      <a:r>
-                        <a:rPr lang="en-US" sz="1000" b="0" u="none" dirty="0" smtClean="0">
-                          <a:latin typeface="Arial" pitchFamily="34" charset="0"/>
-                          <a:ea typeface="Calibri"/>
-                          <a:cs typeface="Arial" pitchFamily="34" charset="0"/>
-                        </a:rPr>
-                        <a:t>internet</a:t>
+                        <a:t>No secured Authentication over controlling via internet</a:t>
                       </a:r>
                       <a:endParaRPr lang="en-GB" sz="1000" b="0" u="none" dirty="0">
                         <a:latin typeface="Arial" pitchFamily="34" charset="0"/>
@@ -14727,7 +15866,7 @@
                 </a:tc>
                 <a:extLst>
                   <a:ext uri="{0D108BD9-81ED-4DB2-BD59-A6C34878D82A}">
-                    <a16:rowId xmlns:a16="http://schemas.microsoft.com/office/drawing/2014/main" xmlns="" val="10003"/>
+                    <a16:rowId xmlns:a16="http://schemas.microsoft.com/office/drawing/2014/main" val="10003"/>
                   </a:ext>
                 </a:extLst>
               </a:tr>
@@ -14940,7 +16079,7 @@
                         </a:rPr>
                         <a:t> standards and can reduce industrial device commissioning times across vendor products to a few seconds. </a:t>
                       </a:r>
-                      <a:endParaRPr lang="en-GB" sz="1000" dirty="0" smtClean="0">
+                      <a:endParaRPr lang="en-GB" sz="1000" dirty="0">
                         <a:latin typeface="Arial" pitchFamily="34" charset="0"/>
                         <a:ea typeface="Calibri"/>
                         <a:cs typeface="Arial" pitchFamily="34" charset="0"/>
@@ -14958,20 +16097,12 @@
                         <a:buChar char="•"/>
                       </a:pPr>
                       <a:r>
-                        <a:rPr lang="en-US" sz="1000" dirty="0" smtClean="0">
-                          <a:latin typeface="Arial" pitchFamily="34" charset="0"/>
-                          <a:ea typeface="Calibri"/>
-                          <a:cs typeface="Arial" pitchFamily="34" charset="0"/>
-                        </a:rPr>
-                        <a:t>It </a:t>
-                      </a:r>
-                      <a:r>
                         <a:rPr lang="en-US" sz="1000" dirty="0">
                           <a:latin typeface="Arial" pitchFamily="34" charset="0"/>
                           <a:ea typeface="Calibri"/>
                           <a:cs typeface="Arial" pitchFamily="34" charset="0"/>
                         </a:rPr>
-                        <a:t>can handle more than 500 signals per millisecond during runtime, sufficient for most application scenarios.</a:t>
+                        <a:t>It can handle more than 500 signals per millisecond during runtime, sufficient for most application scenarios.</a:t>
                       </a:r>
                       <a:br>
                         <a:rPr lang="en-US" sz="1000" dirty="0">
@@ -15047,15 +16178,7 @@
                           <a:ea typeface="Calibri"/>
                           <a:cs typeface="Arial" pitchFamily="34" charset="0"/>
                         </a:rPr>
-                        <a:t>2.  Devices can be controlled using laptop only. No provision given for controlling devices via android </a:t>
-                      </a:r>
-                      <a:r>
-                        <a:rPr lang="en-US" sz="1000" dirty="0" smtClean="0">
-                          <a:latin typeface="Arial" pitchFamily="34" charset="0"/>
-                          <a:ea typeface="Calibri"/>
-                          <a:cs typeface="Arial" pitchFamily="34" charset="0"/>
-                        </a:rPr>
-                        <a:t>mobiles </a:t>
+                        <a:t>2.  Devices can be controlled using laptop only. No provision given for controlling devices via android mobiles </a:t>
                       </a:r>
                       <a:endParaRPr lang="en-GB" sz="1000" dirty="0">
                         <a:latin typeface="Arial" pitchFamily="34" charset="0"/>
@@ -15068,7 +16191,7 @@
                 </a:tc>
                 <a:extLst>
                   <a:ext uri="{0D108BD9-81ED-4DB2-BD59-A6C34878D82A}">
-                    <a16:rowId xmlns:a16="http://schemas.microsoft.com/office/drawing/2014/main" xmlns="" val="10004"/>
+                    <a16:rowId xmlns:a16="http://schemas.microsoft.com/office/drawing/2014/main" val="10004"/>
                   </a:ext>
                 </a:extLst>
               </a:tr>
@@ -15193,14 +16316,6 @@
                           <a:spcPts val="1000"/>
                         </a:spcAft>
                       </a:pPr>
-                      <a:r>
-                        <a:rPr lang="en-US" sz="1000" b="0" u="none" dirty="0">
-                          <a:latin typeface="Arial" pitchFamily="34" charset="0"/>
-                          <a:ea typeface="Calibri"/>
-                          <a:cs typeface="Arial" pitchFamily="34" charset="0"/>
-                        </a:rPr>
-                        <a:t/>
-                      </a:r>
                       <a:br>
                         <a:rPr lang="en-US" sz="1000" b="0" u="none" dirty="0">
                           <a:latin typeface="Arial" pitchFamily="34" charset="0"/>
@@ -15319,15 +16434,7 @@
                           <a:ea typeface="Calibri"/>
                           <a:cs typeface="Arial" pitchFamily="34" charset="0"/>
                         </a:rPr>
-                        <a:t>2. Unable to export data’s to other devices for Report generation</a:t>
-                      </a:r>
-                      <a:r>
-                        <a:rPr lang="en-US" sz="1000" b="0" u="none" dirty="0" smtClean="0">
-                          <a:latin typeface="Arial" pitchFamily="34" charset="0"/>
-                          <a:ea typeface="Calibri"/>
-                          <a:cs typeface="Arial" pitchFamily="34" charset="0"/>
-                        </a:rPr>
-                        <a:t>.</a:t>
+                        <a:t>2. Unable to export data’s to other devices for Report generation.</a:t>
                       </a:r>
                       <a:endParaRPr lang="en-GB" sz="1000" b="0" u="none" dirty="0">
                         <a:latin typeface="Arial" pitchFamily="34" charset="0"/>
@@ -15338,6 +16445,11 @@
                   </a:txBody>
                   <a:tcPr marL="68580" marR="68580" marT="0" marB="0"/>
                 </a:tc>
+                <a:extLst>
+                  <a:ext uri="{0D108BD9-81ED-4DB2-BD59-A6C34878D82A}">
+                    <a16:rowId xmlns:a16="http://schemas.microsoft.com/office/drawing/2014/main" val="10005"/>
+                  </a:ext>
+                </a:extLst>
               </a:tr>
             </a:tbl>
           </a:graphicData>
@@ -15348,13 +16460,6 @@
   <p:clrMapOvr>
     <a:masterClrMapping/>
   </p:clrMapOvr>
-  <p:timing>
-    <p:tnLst>
-      <p:par>
-        <p:cTn id="1" dur="indefinite" restart="never" nodeType="tmRoot"/>
-      </p:par>
-    </p:tnLst>
-  </p:timing>
 </p:sld>
 </file>
 
@@ -15380,7 +16485,7 @@
           <p:cNvPr id="2" name="Title 1">
             <a:extLst>
               <a:ext uri="{FF2B5EF4-FFF2-40B4-BE49-F238E27FC236}">
-                <a16:creationId xmlns:a16="http://schemas.microsoft.com/office/drawing/2014/main" xmlns="" id="{2B4E91D0-930F-4C25-9D5B-9B9893CC0C44}"/>
+                <a16:creationId xmlns:a16="http://schemas.microsoft.com/office/drawing/2014/main" id="{2B4E91D0-930F-4C25-9D5B-9B9893CC0C44}"/>
               </a:ext>
             </a:extLst>
           </p:cNvPr>
@@ -15413,7 +16518,7 @@
           <p:cNvPr id="3" name="Content Placeholder 2">
             <a:extLst>
               <a:ext uri="{FF2B5EF4-FFF2-40B4-BE49-F238E27FC236}">
-                <a16:creationId xmlns:a16="http://schemas.microsoft.com/office/drawing/2014/main" xmlns="" id="{760537E2-1472-4705-BBA7-144B140FBC7E}"/>
+                <a16:creationId xmlns:a16="http://schemas.microsoft.com/office/drawing/2014/main" id="{760537E2-1472-4705-BBA7-144B140FBC7E}"/>
               </a:ext>
             </a:extLst>
           </p:cNvPr>
@@ -15579,20 +16684,13 @@
     </p:spTree>
     <p:extLst>
       <p:ext uri="{BB962C8B-B14F-4D97-AF65-F5344CB8AC3E}">
-        <p14:creationId xmlns:p14="http://schemas.microsoft.com/office/powerpoint/2010/main" xmlns="" val="983051713"/>
+        <p14:creationId xmlns:p14="http://schemas.microsoft.com/office/powerpoint/2010/main" val="983051713"/>
       </p:ext>
     </p:extLst>
   </p:cSld>
   <p:clrMapOvr>
     <a:masterClrMapping/>
   </p:clrMapOvr>
-  <p:timing>
-    <p:tnLst>
-      <p:par>
-        <p:cTn id="1" dur="indefinite" restart="never" nodeType="tmRoot"/>
-      </p:par>
-    </p:tnLst>
-  </p:timing>
 </p:sld>
 </file>
 
@@ -15636,10 +16734,9 @@
           <a:lstStyle/>
           <a:p>
             <a:r>
-              <a:rPr lang="en-US" sz="3800" b="1" dirty="0" smtClean="0"/>
+              <a:rPr lang="en-US" sz="3800" b="1" dirty="0"/>
               <a:t>TECHNOLOGY STACK </a:t>
             </a:r>
-            <a:endParaRPr lang="en-US" sz="3800" b="1" dirty="0"/>
           </a:p>
         </p:txBody>
       </p:sp>
@@ -15681,7 +16778,7 @@
           <p:cNvPr id="2" name="Rectangle 1">
             <a:extLst>
               <a:ext uri="{FF2B5EF4-FFF2-40B4-BE49-F238E27FC236}">
-                <a16:creationId xmlns:a16="http://schemas.microsoft.com/office/drawing/2014/main" xmlns="" id="{36A51396-7E58-4926-99AC-C6FAB4D15851}"/>
+                <a16:creationId xmlns:a16="http://schemas.microsoft.com/office/drawing/2014/main" id="{36A51396-7E58-4926-99AC-C6FAB4D15851}"/>
               </a:ext>
             </a:extLst>
           </p:cNvPr>
@@ -15735,20 +16832,13 @@
     </p:spTree>
     <p:extLst>
       <p:ext uri="{BB962C8B-B14F-4D97-AF65-F5344CB8AC3E}">
-        <p14:creationId xmlns:p14="http://schemas.microsoft.com/office/powerpoint/2010/main" xmlns="" val="3242922102"/>
+        <p14:creationId xmlns:p14="http://schemas.microsoft.com/office/powerpoint/2010/main" val="3242922102"/>
       </p:ext>
     </p:extLst>
   </p:cSld>
   <p:clrMapOvr>
     <a:masterClrMapping/>
   </p:clrMapOvr>
-  <p:timing>
-    <p:tnLst>
-      <p:par>
-        <p:cTn id="1" dur="indefinite" restart="never" nodeType="tmRoot"/>
-      </p:par>
-    </p:tnLst>
-  </p:timing>
 </p:sld>
 </file>
 
@@ -15872,13 +16962,6 @@
   <p:clrMapOvr>
     <a:masterClrMapping/>
   </p:clrMapOvr>
-  <p:timing>
-    <p:tnLst>
-      <p:par>
-        <p:cTn id="1" dur="indefinite" restart="never" nodeType="tmRoot"/>
-      </p:par>
-    </p:tnLst>
-  </p:timing>
 </p:sld>
 </file>
 
@@ -15921,12 +17004,8 @@
           <a:p>
             <a:pPr algn="l"/>
             <a:r>
-              <a:rPr lang="en-GB" b="1" dirty="0" smtClean="0"/>
-              <a:t>SYSTEM DESIGN-ER </a:t>
-            </a:r>
-            <a:r>
               <a:rPr lang="en-GB" b="1" dirty="0"/>
-              <a:t>DIAGRAM</a:t>
+              <a:t>SYSTEM DESIGN-ER DIAGRAM</a:t>
             </a:r>
           </a:p>
         </p:txBody>
@@ -15981,10 +17060,9 @@
           <a:lstStyle/>
           <a:p>
             <a:r>
-              <a:rPr lang="en-GB" dirty="0" smtClean="0"/>
+              <a:rPr lang="en-GB" dirty="0"/>
               <a:t>1</a:t>
             </a:r>
-            <a:endParaRPr lang="en-GB" dirty="0"/>
           </a:p>
         </p:txBody>
       </p:sp>
@@ -16014,10 +17092,9 @@
           <a:lstStyle/>
           <a:p>
             <a:r>
-              <a:rPr lang="en-GB" dirty="0" smtClean="0"/>
+              <a:rPr lang="en-GB" dirty="0"/>
               <a:t>1</a:t>
             </a:r>
-            <a:endParaRPr lang="en-GB" dirty="0"/>
           </a:p>
         </p:txBody>
       </p:sp>
@@ -16026,13 +17103,6 @@
   <p:clrMapOvr>
     <a:masterClrMapping/>
   </p:clrMapOvr>
-  <p:timing>
-    <p:tnLst>
-      <p:par>
-        <p:cTn id="1" dur="indefinite" restart="never" nodeType="tmRoot"/>
-      </p:par>
-    </p:tnLst>
-  </p:timing>
 </p:sld>
 </file>
 
@@ -16058,7 +17128,7 @@
           <p:cNvPr id="2" name="Title 1">
             <a:extLst>
               <a:ext uri="{FF2B5EF4-FFF2-40B4-BE49-F238E27FC236}">
-                <a16:creationId xmlns:a16="http://schemas.microsoft.com/office/drawing/2014/main" xmlns="" id="{EF695662-4AF4-4F6F-A1BA-CA9F4C4F62DF}"/>
+                <a16:creationId xmlns:a16="http://schemas.microsoft.com/office/drawing/2014/main" id="{EF695662-4AF4-4F6F-A1BA-CA9F4C4F62DF}"/>
               </a:ext>
             </a:extLst>
           </p:cNvPr>
@@ -16082,11 +17152,7 @@
             <a:pPr algn="l"/>
             <a:r>
               <a:rPr lang="en-US" b="1" dirty="0"/>
-              <a:t>USECASE </a:t>
-            </a:r>
-            <a:r>
-              <a:rPr lang="en-US" b="1" dirty="0" smtClean="0"/>
-              <a:t>DIAGRAM</a:t>
+              <a:t>USECASE DIAGRAM</a:t>
             </a:r>
             <a:endParaRPr lang="en-IN" b="1" dirty="0"/>
           </a:p>
@@ -16119,20 +17185,13 @@
     </p:spTree>
     <p:extLst>
       <p:ext uri="{BB962C8B-B14F-4D97-AF65-F5344CB8AC3E}">
-        <p14:creationId xmlns:p14="http://schemas.microsoft.com/office/powerpoint/2010/main" xmlns="" val="3340934766"/>
+        <p14:creationId xmlns:p14="http://schemas.microsoft.com/office/powerpoint/2010/main" val="3340934766"/>
       </p:ext>
     </p:extLst>
   </p:cSld>
   <p:clrMapOvr>
     <a:masterClrMapping/>
   </p:clrMapOvr>
-  <p:timing>
-    <p:tnLst>
-      <p:par>
-        <p:cTn id="1" dur="indefinite" restart="never" nodeType="tmRoot"/>
-      </p:par>
-    </p:tnLst>
-  </p:timing>
 </p:sld>
 </file>
 
@@ -16210,13 +17269,6 @@
   <p:clrMapOvr>
     <a:masterClrMapping/>
   </p:clrMapOvr>
-  <p:timing>
-    <p:tnLst>
-      <p:par>
-        <p:cTn id="1" dur="indefinite" restart="never" nodeType="tmRoot"/>
-      </p:par>
-    </p:tnLst>
-  </p:timing>
 </p:sld>
 </file>
 
@@ -16457,7 +17509,7 @@
   <a:extraClrSchemeLst/>
   <a:extLst>
     <a:ext uri="{05A4C25C-085E-4340-85A3-A5531E510DB2}">
-      <thm15:themeFamily xmlns:thm15="http://schemas.microsoft.com/office/thememl/2012/main" xmlns="" name="Wisp" id="{7CB32D59-10C0-40DD-B7BD-2E94284A981C}" vid="{24B1A44C-C006-48B2-A4D7-E5549B3D8CD4}"/>
+      <thm15:themeFamily xmlns:thm15="http://schemas.microsoft.com/office/thememl/2012/main" name="Wisp" id="{7CB32D59-10C0-40DD-B7BD-2E94284A981C}" vid="{24B1A44C-C006-48B2-A4D7-E5549B3D8CD4}"/>
     </a:ext>
   </a:extLst>
 </a:theme>

--- a/Documents/B1 ppt.pptx
+++ b/Documents/B1 ppt.pptx
@@ -340,7 +340,7 @@
             <a:fld id="{48A87A34-81AB-432B-8DAE-1953F412C126}" type="datetimeFigureOut">
               <a:rPr lang="en-US" smtClean="0"/>
               <a:pPr/>
-              <a:t>6/16/2021</a:t>
+              <a:t>6/17/2021</a:t>
             </a:fld>
             <a:endParaRPr lang="en-US" dirty="0"/>
           </a:p>
@@ -680,7 +680,7 @@
             <a:fld id="{48A87A34-81AB-432B-8DAE-1953F412C126}" type="datetimeFigureOut">
               <a:rPr lang="en-US" smtClean="0"/>
               <a:pPr/>
-              <a:t>6/16/2021</a:t>
+              <a:t>6/17/2021</a:t>
             </a:fld>
             <a:endParaRPr lang="en-US" dirty="0"/>
           </a:p>
@@ -1083,7 +1083,7 @@
             <a:fld id="{48A87A34-81AB-432B-8DAE-1953F412C126}" type="datetimeFigureOut">
               <a:rPr lang="en-US" smtClean="0"/>
               <a:pPr/>
-              <a:t>6/16/2021</a:t>
+              <a:t>6/17/2021</a:t>
             </a:fld>
             <a:endParaRPr lang="en-US" dirty="0"/>
           </a:p>
@@ -1421,7 +1421,7 @@
             <a:fld id="{48A87A34-81AB-432B-8DAE-1953F412C126}" type="datetimeFigureOut">
               <a:rPr lang="en-US" smtClean="0"/>
               <a:pPr/>
-              <a:t>6/16/2021</a:t>
+              <a:t>6/17/2021</a:t>
             </a:fld>
             <a:endParaRPr lang="en-US" dirty="0"/>
           </a:p>
@@ -1743,7 +1743,7 @@
             <a:fld id="{48A87A34-81AB-432B-8DAE-1953F412C126}" type="datetimeFigureOut">
               <a:rPr lang="en-US" smtClean="0"/>
               <a:pPr/>
-              <a:t>6/16/2021</a:t>
+              <a:t>6/17/2021</a:t>
             </a:fld>
             <a:endParaRPr lang="en-US" dirty="0"/>
           </a:p>
@@ -2141,7 +2141,7 @@
             <a:fld id="{48A87A34-81AB-432B-8DAE-1953F412C126}" type="datetimeFigureOut">
               <a:rPr lang="en-US" smtClean="0"/>
               <a:pPr/>
-              <a:t>6/16/2021</a:t>
+              <a:t>6/17/2021</a:t>
             </a:fld>
             <a:endParaRPr lang="en-US" dirty="0"/>
           </a:p>
@@ -2400,7 +2400,7 @@
             <a:fld id="{48A87A34-81AB-432B-8DAE-1953F412C126}" type="datetimeFigureOut">
               <a:rPr lang="en-US" smtClean="0"/>
               <a:pPr/>
-              <a:t>6/16/2021</a:t>
+              <a:t>6/17/2021</a:t>
             </a:fld>
             <a:endParaRPr lang="en-US" dirty="0"/>
           </a:p>
@@ -2664,7 +2664,7 @@
             <a:fld id="{48A87A34-81AB-432B-8DAE-1953F412C126}" type="datetimeFigureOut">
               <a:rPr lang="en-US" smtClean="0"/>
               <a:pPr/>
-              <a:t>6/16/2021</a:t>
+              <a:t>6/17/2021</a:t>
             </a:fld>
             <a:endParaRPr lang="en-US" dirty="0"/>
           </a:p>
@@ -2928,7 +2928,7 @@
             <a:fld id="{48A87A34-81AB-432B-8DAE-1953F412C126}" type="datetimeFigureOut">
               <a:rPr lang="en-US" smtClean="0"/>
               <a:pPr/>
-              <a:t>6/16/2021</a:t>
+              <a:t>6/17/2021</a:t>
             </a:fld>
             <a:endParaRPr lang="en-US" dirty="0"/>
           </a:p>
@@ -3259,7 +3259,7 @@
             <a:fld id="{48A87A34-81AB-432B-8DAE-1953F412C126}" type="datetimeFigureOut">
               <a:rPr lang="en-US" smtClean="0"/>
               <a:pPr/>
-              <a:t>6/16/2021</a:t>
+              <a:t>6/17/2021</a:t>
             </a:fld>
             <a:endParaRPr lang="en-US" dirty="0"/>
           </a:p>
@@ -3584,7 +3584,7 @@
             <a:fld id="{48A87A34-81AB-432B-8DAE-1953F412C126}" type="datetimeFigureOut">
               <a:rPr lang="en-US" smtClean="0"/>
               <a:pPr/>
-              <a:t>6/16/2021</a:t>
+              <a:t>6/17/2021</a:t>
             </a:fld>
             <a:endParaRPr lang="en-US" dirty="0"/>
           </a:p>
@@ -4043,7 +4043,7 @@
             <a:fld id="{48A87A34-81AB-432B-8DAE-1953F412C126}" type="datetimeFigureOut">
               <a:rPr lang="en-US" smtClean="0"/>
               <a:pPr/>
-              <a:t>6/16/2021</a:t>
+              <a:t>6/17/2021</a:t>
             </a:fld>
             <a:endParaRPr lang="en-US" dirty="0"/>
           </a:p>
@@ -4250,7 +4250,7 @@
             <a:fld id="{48A87A34-81AB-432B-8DAE-1953F412C126}" type="datetimeFigureOut">
               <a:rPr lang="en-US" smtClean="0"/>
               <a:pPr/>
-              <a:t>6/16/2021</a:t>
+              <a:t>6/17/2021</a:t>
             </a:fld>
             <a:endParaRPr lang="en-US" dirty="0"/>
           </a:p>
@@ -4429,7 +4429,7 @@
             <a:fld id="{48A87A34-81AB-432B-8DAE-1953F412C126}" type="datetimeFigureOut">
               <a:rPr lang="en-US" smtClean="0"/>
               <a:pPr/>
-              <a:t>6/16/2021</a:t>
+              <a:t>6/17/2021</a:t>
             </a:fld>
             <a:endParaRPr lang="en-US" dirty="0"/>
           </a:p>
@@ -4764,7 +4764,7 @@
             <a:fld id="{48A87A34-81AB-432B-8DAE-1953F412C126}" type="datetimeFigureOut">
               <a:rPr lang="en-US" smtClean="0"/>
               <a:pPr/>
-              <a:t>6/16/2021</a:t>
+              <a:t>6/17/2021</a:t>
             </a:fld>
             <a:endParaRPr lang="en-US" dirty="0"/>
           </a:p>
@@ -5111,7 +5111,7 @@
             <a:fld id="{48A87A34-81AB-432B-8DAE-1953F412C126}" type="datetimeFigureOut">
               <a:rPr lang="en-US" smtClean="0"/>
               <a:pPr/>
-              <a:t>6/16/2021</a:t>
+              <a:t>6/17/2021</a:t>
             </a:fld>
             <a:endParaRPr lang="en-US" dirty="0"/>
           </a:p>
@@ -7230,7 +7230,7 @@
             <a:fld id="{48A87A34-81AB-432B-8DAE-1953F412C126}" type="datetimeFigureOut">
               <a:rPr lang="en-US" smtClean="0"/>
               <a:pPr/>
-              <a:t>6/16/2021</a:t>
+              <a:t>6/17/2021</a:t>
             </a:fld>
             <a:endParaRPr lang="en-US" dirty="0"/>
           </a:p>
@@ -8038,6 +8038,11 @@
             <a:off x="450426" y="191347"/>
             <a:ext cx="10911840" cy="1051560"/>
           </a:xfrm>
+          <a:ln>
+            <a:solidFill>
+              <a:schemeClr val="bg1"/>
+            </a:solidFill>
+          </a:ln>
         </p:spPr>
         <p:txBody>
           <a:bodyPr>
@@ -8079,6 +8084,222 @@
           </a:xfrm>
         </p:spPr>
       </p:pic>
+      <p:sp>
+        <p:nvSpPr>
+          <p:cNvPr id="3" name="Rectangle 2">
+            <a:extLst>
+              <a:ext uri="{FF2B5EF4-FFF2-40B4-BE49-F238E27FC236}">
+                <a16:creationId xmlns:a16="http://schemas.microsoft.com/office/drawing/2014/main" id="{691F66F5-8005-4F54-BEC7-AD54F1A548C6}"/>
+              </a:ext>
+            </a:extLst>
+          </p:cNvPr>
+          <p:cNvSpPr/>
+          <p:nvPr/>
+        </p:nvSpPr>
+        <p:spPr>
+          <a:xfrm>
+            <a:off x="1802167" y="1553592"/>
+            <a:ext cx="97654" cy="230820"/>
+          </a:xfrm>
+          <a:prstGeom prst="rect">
+            <a:avLst/>
+          </a:prstGeom>
+          <a:solidFill>
+            <a:schemeClr val="bg1"/>
+          </a:solidFill>
+          <a:ln>
+            <a:solidFill>
+              <a:schemeClr val="bg1"/>
+            </a:solidFill>
+          </a:ln>
+        </p:spPr>
+        <p:style>
+          <a:lnRef idx="2">
+            <a:schemeClr val="accent1">
+              <a:shade val="50000"/>
+            </a:schemeClr>
+          </a:lnRef>
+          <a:fillRef idx="1">
+            <a:schemeClr val="accent1"/>
+          </a:fillRef>
+          <a:effectRef idx="0">
+            <a:schemeClr val="accent1"/>
+          </a:effectRef>
+          <a:fontRef idx="minor">
+            <a:schemeClr val="lt1"/>
+          </a:fontRef>
+        </p:style>
+        <p:txBody>
+          <a:bodyPr rtlCol="0" anchor="ctr"/>
+          <a:lstStyle/>
+          <a:p>
+            <a:pPr algn="ctr"/>
+            <a:endParaRPr lang="en-IN"/>
+          </a:p>
+        </p:txBody>
+      </p:sp>
+      <p:sp>
+        <p:nvSpPr>
+          <p:cNvPr id="5" name="Rectangle 4">
+            <a:extLst>
+              <a:ext uri="{FF2B5EF4-FFF2-40B4-BE49-F238E27FC236}">
+                <a16:creationId xmlns:a16="http://schemas.microsoft.com/office/drawing/2014/main" id="{ED206DFE-1E4C-4089-8F45-C6BDA3414059}"/>
+              </a:ext>
+            </a:extLst>
+          </p:cNvPr>
+          <p:cNvSpPr/>
+          <p:nvPr/>
+        </p:nvSpPr>
+        <p:spPr>
+          <a:xfrm>
+            <a:off x="4474346" y="1340528"/>
+            <a:ext cx="45719" cy="133165"/>
+          </a:xfrm>
+          <a:prstGeom prst="rect">
+            <a:avLst/>
+          </a:prstGeom>
+          <a:solidFill>
+            <a:schemeClr val="bg1"/>
+          </a:solidFill>
+          <a:ln>
+            <a:solidFill>
+              <a:schemeClr val="bg1"/>
+            </a:solidFill>
+          </a:ln>
+        </p:spPr>
+        <p:style>
+          <a:lnRef idx="2">
+            <a:schemeClr val="accent1">
+              <a:shade val="50000"/>
+            </a:schemeClr>
+          </a:lnRef>
+          <a:fillRef idx="1">
+            <a:schemeClr val="accent1"/>
+          </a:fillRef>
+          <a:effectRef idx="0">
+            <a:schemeClr val="accent1"/>
+          </a:effectRef>
+          <a:fontRef idx="minor">
+            <a:schemeClr val="lt1"/>
+          </a:fontRef>
+        </p:style>
+        <p:txBody>
+          <a:bodyPr rtlCol="0" anchor="ctr"/>
+          <a:lstStyle/>
+          <a:p>
+            <a:pPr algn="ctr"/>
+            <a:endParaRPr lang="en-IN"/>
+          </a:p>
+        </p:txBody>
+      </p:sp>
+      <p:sp>
+        <p:nvSpPr>
+          <p:cNvPr id="6" name="Rectangle 5">
+            <a:extLst>
+              <a:ext uri="{FF2B5EF4-FFF2-40B4-BE49-F238E27FC236}">
+                <a16:creationId xmlns:a16="http://schemas.microsoft.com/office/drawing/2014/main" id="{BE1565A8-D7AA-4E37-88C6-8E7867225ED3}"/>
+              </a:ext>
+            </a:extLst>
+          </p:cNvPr>
+          <p:cNvSpPr/>
+          <p:nvPr/>
+        </p:nvSpPr>
+        <p:spPr>
+          <a:xfrm>
+            <a:off x="7421732" y="1340528"/>
+            <a:ext cx="45719" cy="213064"/>
+          </a:xfrm>
+          <a:prstGeom prst="rect">
+            <a:avLst/>
+          </a:prstGeom>
+          <a:solidFill>
+            <a:schemeClr val="bg1"/>
+          </a:solidFill>
+          <a:ln>
+            <a:solidFill>
+              <a:schemeClr val="bg1"/>
+            </a:solidFill>
+          </a:ln>
+        </p:spPr>
+        <p:style>
+          <a:lnRef idx="2">
+            <a:schemeClr val="accent1">
+              <a:shade val="50000"/>
+            </a:schemeClr>
+          </a:lnRef>
+          <a:fillRef idx="1">
+            <a:schemeClr val="accent1"/>
+          </a:fillRef>
+          <a:effectRef idx="0">
+            <a:schemeClr val="accent1"/>
+          </a:effectRef>
+          <a:fontRef idx="minor">
+            <a:schemeClr val="lt1"/>
+          </a:fontRef>
+        </p:style>
+        <p:txBody>
+          <a:bodyPr rtlCol="0" anchor="ctr"/>
+          <a:lstStyle/>
+          <a:p>
+            <a:pPr algn="ctr"/>
+            <a:endParaRPr lang="en-IN"/>
+          </a:p>
+        </p:txBody>
+      </p:sp>
+      <p:sp>
+        <p:nvSpPr>
+          <p:cNvPr id="7" name="Rectangle 6">
+            <a:extLst>
+              <a:ext uri="{FF2B5EF4-FFF2-40B4-BE49-F238E27FC236}">
+                <a16:creationId xmlns:a16="http://schemas.microsoft.com/office/drawing/2014/main" id="{B9FA89BF-FD2E-403E-B75F-A4E97D865B50}"/>
+              </a:ext>
+            </a:extLst>
+          </p:cNvPr>
+          <p:cNvSpPr/>
+          <p:nvPr/>
+        </p:nvSpPr>
+        <p:spPr>
+          <a:xfrm>
+            <a:off x="9916357" y="1340528"/>
+            <a:ext cx="45719" cy="213064"/>
+          </a:xfrm>
+          <a:prstGeom prst="rect">
+            <a:avLst/>
+          </a:prstGeom>
+          <a:solidFill>
+            <a:schemeClr val="bg1"/>
+          </a:solidFill>
+          <a:ln>
+            <a:solidFill>
+              <a:schemeClr val="bg1"/>
+            </a:solidFill>
+          </a:ln>
+        </p:spPr>
+        <p:style>
+          <a:lnRef idx="2">
+            <a:schemeClr val="accent1">
+              <a:shade val="50000"/>
+            </a:schemeClr>
+          </a:lnRef>
+          <a:fillRef idx="1">
+            <a:schemeClr val="accent1"/>
+          </a:fillRef>
+          <a:effectRef idx="0">
+            <a:schemeClr val="accent1"/>
+          </a:effectRef>
+          <a:fontRef idx="minor">
+            <a:schemeClr val="lt1"/>
+          </a:fontRef>
+        </p:style>
+        <p:txBody>
+          <a:bodyPr rtlCol="0" anchor="ctr"/>
+          <a:lstStyle/>
+          <a:p>
+            <a:pPr algn="ctr"/>
+            <a:endParaRPr lang="en-IN"/>
+          </a:p>
+        </p:txBody>
+      </p:sp>
     </p:spTree>
   </p:cSld>
   <p:clrMapOvr>
@@ -14415,14 +14636,14 @@
             <p:ph idx="1"/>
             <p:extLst>
               <p:ext uri="{D42A27DB-BD31-4B8C-83A1-F6EECF244321}">
-                <p14:modId xmlns:p14="http://schemas.microsoft.com/office/powerpoint/2010/main" val="224903816"/>
+                <p14:modId xmlns:p14="http://schemas.microsoft.com/office/powerpoint/2010/main" val="2199905215"/>
               </p:ext>
             </p:extLst>
           </p:nvPr>
         </p:nvGraphicFramePr>
         <p:xfrm>
           <a:off x="0" y="352434"/>
-          <a:ext cx="12192000" cy="6516452"/>
+          <a:ext cx="12192000" cy="6562654"/>
         </p:xfrm>
         <a:graphic>
           <a:graphicData uri="http://schemas.openxmlformats.org/drawingml/2006/table">
@@ -14467,7 +14688,7 @@
                   </a:extLst>
                 </a:gridCol>
               </a:tblGrid>
-              <a:tr h="522339">
+              <a:tr h="516858">
                 <a:tc>
                   <a:txBody>
                     <a:bodyPr/>
@@ -14624,7 +14845,7 @@
                   </a:ext>
                 </a:extLst>
               </a:tr>
-              <a:tr h="1324141">
+              <a:tr h="1154817">
                 <a:tc>
                   <a:txBody>
                     <a:bodyPr/>
@@ -14646,7 +14867,32 @@
                         </a:rPr>
                         <a:t>2019</a:t>
                       </a:r>
-                      <a:endParaRPr lang="en-GB" sz="1000" dirty="0">
+                    </a:p>
+                    <a:p>
+                      <a:pPr>
+                        <a:lnSpc>
+                          <a:spcPct val="150000"/>
+                        </a:lnSpc>
+                        <a:spcAft>
+                          <a:spcPts val="1000"/>
+                        </a:spcAft>
+                      </a:pPr>
+                      <a:r>
+                        <a:rPr lang="en-US" sz="1000" dirty="0">
+                          <a:solidFill>
+                            <a:srgbClr val="FF0000"/>
+                          </a:solidFill>
+                          <a:latin typeface="Arial" pitchFamily="34" charset="0"/>
+                          <a:ea typeface="Calibri"/>
+                          <a:cs typeface="Arial" pitchFamily="34" charset="0"/>
+                          <a:hlinkClick r:id="rId2"/>
+                        </a:rPr>
+                        <a:t>https://ieeexplore.ieee.org/document/8777607</a:t>
+                      </a:r>
+                      <a:endParaRPr lang="en-US" sz="1000" dirty="0">
+                        <a:solidFill>
+                          <a:srgbClr val="FF0000"/>
+                        </a:solidFill>
                         <a:latin typeface="Arial" pitchFamily="34" charset="0"/>
                         <a:ea typeface="Calibri"/>
                         <a:cs typeface="Arial" pitchFamily="34" charset="0"/>
@@ -14669,7 +14915,7 @@
                         </a:spcAft>
                       </a:pPr>
                       <a:r>
-                        <a:rPr lang="en-US" sz="1000" b="0" i="0" dirty="0" err="1">
+                        <a:rPr lang="en-US" sz="1000" b="0" i="0" dirty="0">
                           <a:solidFill>
                             <a:srgbClr val="000000"/>
                           </a:solidFill>
@@ -14677,7 +14923,18 @@
                           <a:ea typeface="Calibri"/>
                           <a:cs typeface="Arial" pitchFamily="34" charset="0"/>
                         </a:rPr>
-                        <a:t>Satyendra</a:t>
+                        <a:t>Satyendra K. Vishwakarma</a:t>
+                      </a:r>
+                      <a:r>
+                        <a:rPr lang="en-GB" sz="1000" b="0" i="0" dirty="0">
+                          <a:solidFill>
+                            <a:schemeClr val="dk1"/>
+                          </a:solidFill>
+                          <a:latin typeface="Arial" pitchFamily="34" charset="0"/>
+                          <a:ea typeface="Calibri"/>
+                          <a:cs typeface="Arial" pitchFamily="34" charset="0"/>
+                        </a:rPr>
+                        <a:t> ,</a:t>
                       </a:r>
                       <a:r>
                         <a:rPr lang="en-US" sz="1000" b="0" i="0" dirty="0">
@@ -14688,82 +14945,19 @@
                           <a:ea typeface="Calibri"/>
                           <a:cs typeface="Arial" pitchFamily="34" charset="0"/>
                         </a:rPr>
-                        <a:t> K. </a:t>
+                        <a:t>Prashant Upadhyaya</a:t>
                       </a:r>
                       <a:r>
-                        <a:rPr lang="en-US" sz="1000" b="0" i="0" dirty="0" err="1">
+                        <a:rPr lang="en-GB" sz="1000" b="0" i="0" dirty="0">
                           <a:solidFill>
-                            <a:srgbClr val="000000"/>
+                            <a:schemeClr val="dk1"/>
                           </a:solidFill>
                           <a:latin typeface="Arial" pitchFamily="34" charset="0"/>
                           <a:ea typeface="Calibri"/>
                           <a:cs typeface="Arial" pitchFamily="34" charset="0"/>
                         </a:rPr>
-                        <a:t>Vishwakarma</a:t>
+                        <a:t> ,</a:t>
                       </a:r>
-                      <a:endParaRPr lang="en-GB" sz="1000" dirty="0">
-                        <a:latin typeface="Arial" pitchFamily="34" charset="0"/>
-                        <a:ea typeface="Calibri"/>
-                        <a:cs typeface="Arial" pitchFamily="34" charset="0"/>
-                      </a:endParaRPr>
-                    </a:p>
-                    <a:p>
-                      <a:pPr>
-                        <a:lnSpc>
-                          <a:spcPct val="115000"/>
-                        </a:lnSpc>
-                        <a:spcAft>
-                          <a:spcPts val="1000"/>
-                        </a:spcAft>
-                      </a:pPr>
-                      <a:r>
-                        <a:rPr lang="en-US" sz="1000" b="0" i="0" dirty="0" err="1">
-                          <a:solidFill>
-                            <a:srgbClr val="000000"/>
-                          </a:solidFill>
-                          <a:latin typeface="Arial" pitchFamily="34" charset="0"/>
-                          <a:ea typeface="Calibri"/>
-                          <a:cs typeface="Arial" pitchFamily="34" charset="0"/>
-                        </a:rPr>
-                        <a:t>Prashant</a:t>
-                      </a:r>
-                      <a:r>
-                        <a:rPr lang="en-US" sz="1000" b="0" i="0" dirty="0">
-                          <a:solidFill>
-                            <a:srgbClr val="000000"/>
-                          </a:solidFill>
-                          <a:latin typeface="Arial" pitchFamily="34" charset="0"/>
-                          <a:ea typeface="Calibri"/>
-                          <a:cs typeface="Arial" pitchFamily="34" charset="0"/>
-                        </a:rPr>
-                        <a:t> </a:t>
-                      </a:r>
-                      <a:r>
-                        <a:rPr lang="en-US" sz="1000" b="0" i="0" dirty="0" err="1">
-                          <a:solidFill>
-                            <a:srgbClr val="000000"/>
-                          </a:solidFill>
-                          <a:latin typeface="Arial" pitchFamily="34" charset="0"/>
-                          <a:ea typeface="Calibri"/>
-                          <a:cs typeface="Arial" pitchFamily="34" charset="0"/>
-                        </a:rPr>
-                        <a:t>Upadhyaya</a:t>
-                      </a:r>
-                      <a:endParaRPr lang="en-GB" sz="1000" dirty="0">
-                        <a:latin typeface="Arial" pitchFamily="34" charset="0"/>
-                        <a:ea typeface="Calibri"/>
-                        <a:cs typeface="Arial" pitchFamily="34" charset="0"/>
-                      </a:endParaRPr>
-                    </a:p>
-                    <a:p>
-                      <a:pPr>
-                        <a:lnSpc>
-                          <a:spcPct val="115000"/>
-                        </a:lnSpc>
-                        <a:spcAft>
-                          <a:spcPts val="1000"/>
-                        </a:spcAft>
-                      </a:pPr>
                       <a:r>
                         <a:rPr lang="en-US" sz="1000" b="0" i="0" dirty="0" err="1">
                           <a:solidFill>
@@ -14784,44 +14978,18 @@
                           <a:ea typeface="Calibri"/>
                           <a:cs typeface="Arial" pitchFamily="34" charset="0"/>
                         </a:rPr>
-                        <a:t> </a:t>
+                        <a:t> Kumari</a:t>
                       </a:r>
                       <a:r>
-                        <a:rPr lang="en-US" sz="1000" b="0" i="0" dirty="0" err="1">
+                        <a:rPr lang="en-GB" sz="1000" b="0" i="0" dirty="0">
                           <a:solidFill>
-                            <a:srgbClr val="000000"/>
+                            <a:schemeClr val="dk1"/>
                           </a:solidFill>
                           <a:latin typeface="Arial" pitchFamily="34" charset="0"/>
                           <a:ea typeface="Calibri"/>
                           <a:cs typeface="Arial" pitchFamily="34" charset="0"/>
                         </a:rPr>
-                        <a:t>Kumari</a:t>
-                      </a:r>
-                      <a:endParaRPr lang="en-GB" sz="1000" dirty="0">
-                        <a:latin typeface="Arial" pitchFamily="34" charset="0"/>
-                        <a:ea typeface="Calibri"/>
-                        <a:cs typeface="Arial" pitchFamily="34" charset="0"/>
-                      </a:endParaRPr>
-                    </a:p>
-                    <a:p>
-                      <a:pPr>
-                        <a:lnSpc>
-                          <a:spcPct val="115000"/>
-                        </a:lnSpc>
-                        <a:spcAft>
-                          <a:spcPts val="1000"/>
-                        </a:spcAft>
-                      </a:pPr>
-                      <a:r>
-                        <a:rPr lang="en-US" sz="1000" b="0" i="0" dirty="0" err="1">
-                          <a:solidFill>
-                            <a:srgbClr val="000000"/>
-                          </a:solidFill>
-                          <a:latin typeface="Arial" pitchFamily="34" charset="0"/>
-                          <a:ea typeface="Calibri"/>
-                          <a:cs typeface="Arial" pitchFamily="34" charset="0"/>
-                        </a:rPr>
-                        <a:t>Arun</a:t>
+                        <a:t>,</a:t>
                       </a:r>
                       <a:r>
                         <a:rPr lang="en-US" sz="1000" b="0" i="0" dirty="0">
@@ -14832,18 +15000,7 @@
                           <a:ea typeface="Calibri"/>
                           <a:cs typeface="Arial" pitchFamily="34" charset="0"/>
                         </a:rPr>
-                        <a:t> Kumar </a:t>
-                      </a:r>
-                      <a:r>
-                        <a:rPr lang="en-US" sz="1000" b="0" i="0" dirty="0" err="1">
-                          <a:solidFill>
-                            <a:srgbClr val="000000"/>
-                          </a:solidFill>
-                          <a:latin typeface="Arial" pitchFamily="34" charset="0"/>
-                          <a:ea typeface="Calibri"/>
-                          <a:cs typeface="Arial" pitchFamily="34" charset="0"/>
-                        </a:rPr>
-                        <a:t>Mishra</a:t>
+                        <a:t>Arun Kumar Mishra</a:t>
                       </a:r>
                       <a:endParaRPr lang="en-GB" sz="1000" dirty="0">
                         <a:latin typeface="Arial" pitchFamily="34" charset="0"/>
@@ -14935,11 +15092,6 @@
                         </a:rPr>
                         <a:t>Thus, the proposed model is designed to provide better flexibility and making the system more robust.</a:t>
                       </a:r>
-                      <a:endParaRPr lang="en-GB" sz="1000" dirty="0">
-                        <a:latin typeface="Arial" pitchFamily="34" charset="0"/>
-                        <a:ea typeface="Calibri"/>
-                        <a:cs typeface="Arial" pitchFamily="34" charset="0"/>
-                      </a:endParaRPr>
                     </a:p>
                   </a:txBody>
                   <a:tcPr marL="68580" marR="68580" marT="0" marB="0"/>
@@ -15019,7 +15171,7 @@
                   </a:ext>
                 </a:extLst>
               </a:tr>
-              <a:tr h="870857">
+              <a:tr h="782780">
                 <a:tc>
                   <a:txBody>
                     <a:bodyPr/>
@@ -15032,6 +15184,26 @@
                         </a:rPr>
                         <a:t>2019</a:t>
                       </a:r>
+                    </a:p>
+                    <a:p>
+                      <a:endParaRPr lang="en-GB" sz="1000" b="0" u="none" dirty="0">
+                        <a:latin typeface="Arial" pitchFamily="34" charset="0"/>
+                        <a:cs typeface="Arial" pitchFamily="34" charset="0"/>
+                      </a:endParaRPr>
+                    </a:p>
+                    <a:p>
+                      <a:r>
+                        <a:rPr lang="en-GB" sz="1000" b="0" u="none" dirty="0">
+                          <a:latin typeface="Arial" pitchFamily="34" charset="0"/>
+                          <a:cs typeface="Arial" pitchFamily="34" charset="0"/>
+                          <a:hlinkClick r:id="rId3"/>
+                        </a:rPr>
+                        <a:t>https://ieeexplore.ieee.org/document/8844945</a:t>
+                      </a:r>
+                      <a:endParaRPr lang="en-GB" sz="1000" b="0" u="none" dirty="0">
+                        <a:latin typeface="Arial" pitchFamily="34" charset="0"/>
+                        <a:cs typeface="Arial" pitchFamily="34" charset="0"/>
+                      </a:endParaRPr>
                     </a:p>
                   </a:txBody>
                   <a:tcPr/>
@@ -15406,7 +15578,7 @@
                   </a:ext>
                 </a:extLst>
               </a:tr>
-              <a:tr h="1159824">
+              <a:tr h="1147653">
                 <a:tc>
                   <a:txBody>
                     <a:bodyPr/>
@@ -15419,6 +15591,26 @@
                         </a:rPr>
                         <a:t>2019</a:t>
                       </a:r>
+                    </a:p>
+                    <a:p>
+                      <a:endParaRPr lang="en-GB" sz="1000" b="0" u="none" dirty="0">
+                        <a:latin typeface="Arial" pitchFamily="34" charset="0"/>
+                        <a:cs typeface="Arial" pitchFamily="34" charset="0"/>
+                      </a:endParaRPr>
+                    </a:p>
+                    <a:p>
+                      <a:r>
+                        <a:rPr lang="en-GB" sz="1000" b="0" u="none" dirty="0">
+                          <a:latin typeface="Arial" pitchFamily="34" charset="0"/>
+                          <a:cs typeface="Arial" pitchFamily="34" charset="0"/>
+                          <a:hlinkClick r:id="rId4"/>
+                        </a:rPr>
+                        <a:t>https://ieeexplore.ieee.org/document/8372548</a:t>
+                      </a:r>
+                      <a:endParaRPr lang="en-GB" sz="1000" b="0" u="none" dirty="0">
+                        <a:latin typeface="Arial" pitchFamily="34" charset="0"/>
+                        <a:cs typeface="Arial" pitchFamily="34" charset="0"/>
+                      </a:endParaRPr>
                     </a:p>
                   </a:txBody>
                   <a:tcPr/>
@@ -15870,7 +16062,7 @@
                   </a:ext>
                 </a:extLst>
               </a:tr>
-              <a:tr h="1343891">
+              <a:tr h="1213636">
                 <a:tc>
                   <a:txBody>
                     <a:bodyPr/>
@@ -15893,6 +16085,45 @@
                         <a:t>2018</a:t>
                       </a:r>
                       <a:endParaRPr lang="en-GB" sz="1000" dirty="0">
+                        <a:latin typeface="Arial" pitchFamily="34" charset="0"/>
+                        <a:ea typeface="Calibri"/>
+                        <a:cs typeface="Arial" pitchFamily="34" charset="0"/>
+                      </a:endParaRPr>
+                    </a:p>
+                    <a:p>
+                      <a:pPr>
+                        <a:lnSpc>
+                          <a:spcPct val="150000"/>
+                        </a:lnSpc>
+                        <a:spcAft>
+                          <a:spcPts val="1000"/>
+                        </a:spcAft>
+                      </a:pPr>
+                      <a:r>
+                        <a:rPr lang="en-US" sz="1000" dirty="0">
+                          <a:latin typeface="Arial" pitchFamily="34" charset="0"/>
+                          <a:ea typeface="Calibri"/>
+                          <a:cs typeface="Arial" pitchFamily="34" charset="0"/>
+                          <a:hlinkClick r:id="rId5"/>
+                        </a:rPr>
+                        <a:t>https://ieeexplore.ieee.org/document/8417153</a:t>
+                      </a:r>
+                      <a:endParaRPr lang="en-US" sz="1000" dirty="0">
+                        <a:latin typeface="Arial" pitchFamily="34" charset="0"/>
+                        <a:ea typeface="Calibri"/>
+                        <a:cs typeface="Arial" pitchFamily="34" charset="0"/>
+                      </a:endParaRPr>
+                    </a:p>
+                    <a:p>
+                      <a:pPr>
+                        <a:lnSpc>
+                          <a:spcPct val="150000"/>
+                        </a:lnSpc>
+                        <a:spcAft>
+                          <a:spcPts val="1000"/>
+                        </a:spcAft>
+                      </a:pPr>
+                      <a:endParaRPr lang="en-US" sz="1000" dirty="0">
                         <a:latin typeface="Arial" pitchFamily="34" charset="0"/>
                         <a:ea typeface="Calibri"/>
                         <a:cs typeface="Arial" pitchFamily="34" charset="0"/>
@@ -16195,7 +16426,7 @@
                   </a:ext>
                 </a:extLst>
               </a:tr>
-              <a:tr h="1295400">
+              <a:tr h="1354380">
                 <a:tc>
                   <a:txBody>
                     <a:bodyPr/>
@@ -16217,6 +16448,40 @@
                         </a:rPr>
                         <a:t>2017</a:t>
                       </a:r>
+                    </a:p>
+                    <a:p>
+                      <a:pPr>
+                        <a:lnSpc>
+                          <a:spcPct val="150000"/>
+                        </a:lnSpc>
+                        <a:spcAft>
+                          <a:spcPts val="1000"/>
+                        </a:spcAft>
+                      </a:pPr>
+                      <a:r>
+                        <a:rPr lang="en-GB" sz="1000" b="0" u="none" dirty="0">
+                          <a:latin typeface="Arial" pitchFamily="34" charset="0"/>
+                          <a:ea typeface="Calibri"/>
+                          <a:cs typeface="Arial" pitchFamily="34" charset="0"/>
+                          <a:hlinkClick r:id="rId6"/>
+                        </a:rPr>
+                        <a:t>https://ieeexplore.ieee.org/document/8058302</a:t>
+                      </a:r>
+                      <a:endParaRPr lang="en-GB" sz="1000" b="0" u="none" dirty="0">
+                        <a:latin typeface="Arial" pitchFamily="34" charset="0"/>
+                        <a:ea typeface="Calibri"/>
+                        <a:cs typeface="Arial" pitchFamily="34" charset="0"/>
+                      </a:endParaRPr>
+                    </a:p>
+                    <a:p>
+                      <a:pPr>
+                        <a:lnSpc>
+                          <a:spcPct val="150000"/>
+                        </a:lnSpc>
+                        <a:spcAft>
+                          <a:spcPts val="1000"/>
+                        </a:spcAft>
+                      </a:pPr>
                       <a:endParaRPr lang="en-GB" sz="1000" b="0" u="none" dirty="0">
                         <a:latin typeface="Arial" pitchFamily="34" charset="0"/>
                         <a:ea typeface="Calibri"/>
@@ -16906,8 +17171,8 @@
         </p:blipFill>
         <p:spPr>
           <a:xfrm>
-            <a:off x="4902200" y="571500"/>
-            <a:ext cx="5041900" cy="6286500"/>
+            <a:off x="2512381" y="754602"/>
+            <a:ext cx="8318376" cy="6103398"/>
           </a:xfrm>
         </p:spPr>
       </p:pic>

--- a/Documents/B1 ppt.pptx
+++ b/Documents/B1 ppt.pptx
@@ -30,8 +30,10 @@
     <p:sldId id="314" r:id="rId24"/>
     <p:sldId id="315" r:id="rId25"/>
     <p:sldId id="304" r:id="rId26"/>
-    <p:sldId id="308" r:id="rId27"/>
-    <p:sldId id="295" r:id="rId28"/>
+    <p:sldId id="318" r:id="rId27"/>
+    <p:sldId id="319" r:id="rId28"/>
+    <p:sldId id="308" r:id="rId29"/>
+    <p:sldId id="295" r:id="rId30"/>
   </p:sldIdLst>
   <p:sldSz cx="12192000" cy="6858000"/>
   <p:notesSz cx="6858000" cy="9144000"/>
@@ -132,7 +134,7 @@
   </p:defaultTextStyle>
   <p:extLst>
     <p:ext uri="{EFAFB233-063F-42B5-8137-9DF3F51BA10A}">
-      <p15:sldGuideLst xmlns="" xmlns:p15="http://schemas.microsoft.com/office/powerpoint/2012/main">
+      <p15:sldGuideLst xmlns:p15="http://schemas.microsoft.com/office/powerpoint/2012/main" xmlns="">
         <p15:guide id="1" orient="horz" pos="2160">
           <p15:clr>
             <a:srgbClr val="A4A3A4"/>
@@ -477,7 +479,7 @@
     </p:spTree>
     <p:extLst>
       <p:ext uri="{BB962C8B-B14F-4D97-AF65-F5344CB8AC3E}">
-        <p14:creationId xmlns="" xmlns:p14="http://schemas.microsoft.com/office/powerpoint/2010/main" val="1737706553"/>
+        <p14:creationId xmlns:p14="http://schemas.microsoft.com/office/powerpoint/2010/main" xmlns="" val="1737706553"/>
       </p:ext>
     </p:extLst>
   </p:cSld>
@@ -817,7 +819,7 @@
     </p:spTree>
     <p:extLst>
       <p:ext uri="{BB962C8B-B14F-4D97-AF65-F5344CB8AC3E}">
-        <p14:creationId xmlns="" xmlns:p14="http://schemas.microsoft.com/office/powerpoint/2010/main" val="1423250562"/>
+        <p14:creationId xmlns:p14="http://schemas.microsoft.com/office/powerpoint/2010/main" xmlns="" val="1423250562"/>
       </p:ext>
     </p:extLst>
   </p:cSld>
@@ -1296,7 +1298,7 @@
     </p:spTree>
     <p:extLst>
       <p:ext uri="{BB962C8B-B14F-4D97-AF65-F5344CB8AC3E}">
-        <p14:creationId xmlns="" xmlns:p14="http://schemas.microsoft.com/office/powerpoint/2010/main" val="3104988351"/>
+        <p14:creationId xmlns:p14="http://schemas.microsoft.com/office/powerpoint/2010/main" xmlns="" val="3104988351"/>
       </p:ext>
     </p:extLst>
   </p:cSld>
@@ -1558,7 +1560,7 @@
     </p:spTree>
     <p:extLst>
       <p:ext uri="{BB962C8B-B14F-4D97-AF65-F5344CB8AC3E}">
-        <p14:creationId xmlns="" xmlns:p14="http://schemas.microsoft.com/office/powerpoint/2010/main" val="2523932459"/>
+        <p14:creationId xmlns:p14="http://schemas.microsoft.com/office/powerpoint/2010/main" xmlns="" val="2523932459"/>
       </p:ext>
     </p:extLst>
   </p:cSld>
@@ -1956,7 +1958,7 @@
     </p:spTree>
     <p:extLst>
       <p:ext uri="{BB962C8B-B14F-4D97-AF65-F5344CB8AC3E}">
-        <p14:creationId xmlns="" xmlns:p14="http://schemas.microsoft.com/office/powerpoint/2010/main" val="594266140"/>
+        <p14:creationId xmlns:p14="http://schemas.microsoft.com/office/powerpoint/2010/main" xmlns="" val="594266140"/>
       </p:ext>
     </p:extLst>
   </p:cSld>
@@ -2278,7 +2280,7 @@
     </p:spTree>
     <p:extLst>
       <p:ext uri="{BB962C8B-B14F-4D97-AF65-F5344CB8AC3E}">
-        <p14:creationId xmlns="" xmlns:p14="http://schemas.microsoft.com/office/powerpoint/2010/main" val="2122544395"/>
+        <p14:creationId xmlns:p14="http://schemas.microsoft.com/office/powerpoint/2010/main" xmlns="" val="2122544395"/>
       </p:ext>
     </p:extLst>
   </p:cSld>
@@ -2532,7 +2534,7 @@
     </p:spTree>
     <p:extLst>
       <p:ext uri="{BB962C8B-B14F-4D97-AF65-F5344CB8AC3E}">
-        <p14:creationId xmlns="" xmlns:p14="http://schemas.microsoft.com/office/powerpoint/2010/main" val="1632175032"/>
+        <p14:creationId xmlns:p14="http://schemas.microsoft.com/office/powerpoint/2010/main" xmlns="" val="1632175032"/>
       </p:ext>
     </p:extLst>
   </p:cSld>
@@ -2796,7 +2798,7 @@
     </p:spTree>
     <p:extLst>
       <p:ext uri="{BB962C8B-B14F-4D97-AF65-F5344CB8AC3E}">
-        <p14:creationId xmlns="" xmlns:p14="http://schemas.microsoft.com/office/powerpoint/2010/main" val="3257271152"/>
+        <p14:creationId xmlns:p14="http://schemas.microsoft.com/office/powerpoint/2010/main" xmlns="" val="3257271152"/>
       </p:ext>
     </p:extLst>
   </p:cSld>
@@ -3060,7 +3062,7 @@
     </p:spTree>
     <p:extLst>
       <p:ext uri="{BB962C8B-B14F-4D97-AF65-F5344CB8AC3E}">
-        <p14:creationId xmlns="" xmlns:p14="http://schemas.microsoft.com/office/powerpoint/2010/main" val="3427932449"/>
+        <p14:creationId xmlns:p14="http://schemas.microsoft.com/office/powerpoint/2010/main" xmlns="" val="3427932449"/>
       </p:ext>
     </p:extLst>
   </p:cSld>
@@ -3396,7 +3398,7 @@
     </p:spTree>
     <p:extLst>
       <p:ext uri="{BB962C8B-B14F-4D97-AF65-F5344CB8AC3E}">
-        <p14:creationId xmlns="" xmlns:p14="http://schemas.microsoft.com/office/powerpoint/2010/main" val="2858507694"/>
+        <p14:creationId xmlns:p14="http://schemas.microsoft.com/office/powerpoint/2010/main" xmlns="" val="2858507694"/>
       </p:ext>
     </p:extLst>
   </p:cSld>
@@ -3721,7 +3723,7 @@
     </p:spTree>
     <p:extLst>
       <p:ext uri="{BB962C8B-B14F-4D97-AF65-F5344CB8AC3E}">
-        <p14:creationId xmlns="" xmlns:p14="http://schemas.microsoft.com/office/powerpoint/2010/main" val="992334819"/>
+        <p14:creationId xmlns:p14="http://schemas.microsoft.com/office/powerpoint/2010/main" xmlns="" val="992334819"/>
       </p:ext>
     </p:extLst>
   </p:cSld>
@@ -4180,7 +4182,7 @@
     </p:spTree>
     <p:extLst>
       <p:ext uri="{BB962C8B-B14F-4D97-AF65-F5344CB8AC3E}">
-        <p14:creationId xmlns="" xmlns:p14="http://schemas.microsoft.com/office/powerpoint/2010/main" val="2793130741"/>
+        <p14:creationId xmlns:p14="http://schemas.microsoft.com/office/powerpoint/2010/main" xmlns="" val="2793130741"/>
       </p:ext>
     </p:extLst>
   </p:cSld>
@@ -4382,7 +4384,7 @@
     </p:spTree>
     <p:extLst>
       <p:ext uri="{BB962C8B-B14F-4D97-AF65-F5344CB8AC3E}">
-        <p14:creationId xmlns="" xmlns:p14="http://schemas.microsoft.com/office/powerpoint/2010/main" val="1756310508"/>
+        <p14:creationId xmlns:p14="http://schemas.microsoft.com/office/powerpoint/2010/main" xmlns="" val="1756310508"/>
       </p:ext>
     </p:extLst>
   </p:cSld>
@@ -4561,7 +4563,7 @@
     </p:spTree>
     <p:extLst>
       <p:ext uri="{BB962C8B-B14F-4D97-AF65-F5344CB8AC3E}">
-        <p14:creationId xmlns="" xmlns:p14="http://schemas.microsoft.com/office/powerpoint/2010/main" val="351296802"/>
+        <p14:creationId xmlns:p14="http://schemas.microsoft.com/office/powerpoint/2010/main" xmlns="" val="351296802"/>
       </p:ext>
     </p:extLst>
   </p:cSld>
@@ -4896,7 +4898,7 @@
     </p:spTree>
     <p:extLst>
       <p:ext uri="{BB962C8B-B14F-4D97-AF65-F5344CB8AC3E}">
-        <p14:creationId xmlns="" xmlns:p14="http://schemas.microsoft.com/office/powerpoint/2010/main" val="3280194020"/>
+        <p14:creationId xmlns:p14="http://schemas.microsoft.com/office/powerpoint/2010/main" xmlns="" val="3280194020"/>
       </p:ext>
     </p:extLst>
   </p:cSld>
@@ -5248,7 +5250,7 @@
     </p:spTree>
     <p:extLst>
       <p:ext uri="{BB962C8B-B14F-4D97-AF65-F5344CB8AC3E}">
-        <p14:creationId xmlns="" xmlns:p14="http://schemas.microsoft.com/office/powerpoint/2010/main" val="2811087863"/>
+        <p14:creationId xmlns:p14="http://schemas.microsoft.com/office/powerpoint/2010/main" xmlns="" val="2811087863"/>
       </p:ext>
     </p:extLst>
   </p:cSld>
@@ -7314,7 +7316,7 @@
     </p:spTree>
     <p:extLst>
       <p:ext uri="{BB962C8B-B14F-4D97-AF65-F5344CB8AC3E}">
-        <p14:creationId xmlns="" xmlns:p14="http://schemas.microsoft.com/office/powerpoint/2010/main" val="3415581627"/>
+        <p14:creationId xmlns:p14="http://schemas.microsoft.com/office/powerpoint/2010/main" xmlns="" val="3415581627"/>
       </p:ext>
     </p:extLst>
   </p:cSld>
@@ -7759,13 +7761,13 @@
         </p:nvSpPr>
         <p:spPr>
           <a:xfrm>
-            <a:off x="1706880" y="777436"/>
-            <a:ext cx="8610600" cy="752261"/>
+            <a:off x="1706879" y="777436"/>
+            <a:ext cx="9248165" cy="1257451"/>
           </a:xfrm>
         </p:spPr>
         <p:txBody>
           <a:bodyPr>
-            <a:normAutofit fontScale="90000"/>
+            <a:noAutofit/>
           </a:bodyPr>
           <a:lstStyle/>
           <a:p>
@@ -7810,7 +7812,7 @@
         </p:nvSpPr>
         <p:spPr>
           <a:xfrm>
-            <a:off x="3637416" y="2105900"/>
+            <a:off x="4698377" y="2465096"/>
             <a:ext cx="4123783" cy="2862322"/>
           </a:xfrm>
           <a:prstGeom prst="rect">
@@ -7859,41 +7861,41 @@
           </a:p>
           <a:p>
             <a:r>
+              <a:rPr lang="en-US" b="1" dirty="0" err="1">
+                <a:latin typeface="Times New Roman" pitchFamily="18" charset="0"/>
+                <a:cs typeface="Times New Roman" pitchFamily="18" charset="0"/>
+              </a:rPr>
+              <a:t>Sangavi</a:t>
+            </a:r>
+            <a:r>
               <a:rPr lang="en-US" b="1" dirty="0">
                 <a:latin typeface="Times New Roman" pitchFamily="18" charset="0"/>
                 <a:cs typeface="Times New Roman" pitchFamily="18" charset="0"/>
               </a:rPr>
-              <a:t>Shanmugam Mithra  -  211417104253</a:t>
-            </a:r>
-          </a:p>
-          <a:p>
+              <a:t> </a:t>
+            </a:r>
             <a:r>
               <a:rPr lang="en-US" b="1" dirty="0" err="1">
                 <a:latin typeface="Times New Roman" pitchFamily="18" charset="0"/>
                 <a:cs typeface="Times New Roman" pitchFamily="18" charset="0"/>
               </a:rPr>
-              <a:t>Sangavi</a:t>
+              <a:t>Priyaa</a:t>
             </a:r>
             <a:r>
               <a:rPr lang="en-US" b="1" dirty="0">
                 <a:latin typeface="Times New Roman" pitchFamily="18" charset="0"/>
                 <a:cs typeface="Times New Roman" pitchFamily="18" charset="0"/>
               </a:rPr>
-              <a:t> </a:t>
-            </a:r>
-            <a:r>
-              <a:rPr lang="en-US" b="1" dirty="0" err="1">
-                <a:latin typeface="Times New Roman" pitchFamily="18" charset="0"/>
-                <a:cs typeface="Times New Roman" pitchFamily="18" charset="0"/>
-              </a:rPr>
-              <a:t>Priyaa</a:t>
-            </a:r>
+              <a:t>. M  -  211417104237</a:t>
+            </a:r>
+          </a:p>
+          <a:p>
             <a:r>
               <a:rPr lang="en-US" b="1" dirty="0">
                 <a:latin typeface="Times New Roman" pitchFamily="18" charset="0"/>
                 <a:cs typeface="Times New Roman" pitchFamily="18" charset="0"/>
               </a:rPr>
-              <a:t>. M  -  211417104237</a:t>
+              <a:t>Shanmugam Mithra  -  211417104253</a:t>
             </a:r>
           </a:p>
           <a:p>
@@ -7936,14 +7938,6 @@
             <a:endParaRPr lang="en-GB" b="1" dirty="0"/>
           </a:p>
           <a:p>
-            <a:r>
-              <a:rPr lang="en-US" b="1" dirty="0" err="1"/>
-              <a:t>Panimalar</a:t>
-            </a:r>
-            <a:r>
-              <a:rPr lang="en-US" b="1" dirty="0"/>
-              <a:t> Engineering College</a:t>
-            </a:r>
             <a:endParaRPr lang="en-US" b="1" dirty="0">
               <a:latin typeface="Times New Roman" pitchFamily="18" charset="0"/>
               <a:cs typeface="Times New Roman" pitchFamily="18" charset="0"/>
@@ -7966,7 +7960,7 @@
         <p:spPr>
           <a:xfrm>
             <a:off x="2828089" y="4392904"/>
-            <a:ext cx="5755194" cy="1754326"/>
+            <a:ext cx="5755194" cy="646331"/>
           </a:xfrm>
           <a:prstGeom prst="rect">
             <a:avLst/>
@@ -7993,50 +7987,10 @@
                 <a:cs typeface="Times New Roman" pitchFamily="18" charset="0"/>
               </a:rPr>
             </a:br>
-            <a:r>
-              <a:rPr lang="en-US" b="1" dirty="0">
-                <a:latin typeface="Times New Roman" pitchFamily="18" charset="0"/>
-                <a:cs typeface="Times New Roman" pitchFamily="18" charset="0"/>
-              </a:rPr>
-              <a:t>B.E – FINAL  YEAR</a:t>
-            </a:r>
-            <a:br>
-              <a:rPr lang="en-US" b="1" dirty="0">
-                <a:latin typeface="Times New Roman" pitchFamily="18" charset="0"/>
-                <a:cs typeface="Times New Roman" pitchFamily="18" charset="0"/>
-              </a:rPr>
-            </a:br>
             <a:endParaRPr lang="en-US" b="1" dirty="0">
               <a:latin typeface="Times New Roman" pitchFamily="18" charset="0"/>
               <a:cs typeface="Times New Roman" pitchFamily="18" charset="0"/>
             </a:endParaRPr>
-          </a:p>
-          <a:p>
-            <a:pPr algn="ctr"/>
-            <a:r>
-              <a:rPr lang="en-US" b="1" dirty="0">
-                <a:latin typeface="Times New Roman" pitchFamily="18" charset="0"/>
-                <a:cs typeface="Times New Roman" pitchFamily="18" charset="0"/>
-              </a:rPr>
-              <a:t>COMPUTER SCIENCE &amp; ENGINEERING</a:t>
-            </a:r>
-          </a:p>
-          <a:p>
-            <a:pPr algn="ctr"/>
-            <a:endParaRPr lang="en-US" b="1" dirty="0">
-              <a:latin typeface="Times New Roman" pitchFamily="18" charset="0"/>
-              <a:cs typeface="Times New Roman" pitchFamily="18" charset="0"/>
-            </a:endParaRPr>
-          </a:p>
-          <a:p>
-            <a:pPr algn="ctr"/>
-            <a:r>
-              <a:rPr lang="en-US" b="1" dirty="0">
-                <a:latin typeface="Times New Roman" pitchFamily="18" charset="0"/>
-                <a:cs typeface="Times New Roman" pitchFamily="18" charset="0"/>
-              </a:rPr>
-              <a:t>PANIMALAR ENGINEERING COLLEGE , CHENNAI</a:t>
-            </a:r>
           </a:p>
         </p:txBody>
       </p:sp>
@@ -8090,6 +8044,11 @@
             <a:off x="450426" y="191347"/>
             <a:ext cx="10911840" cy="1051560"/>
           </a:xfrm>
+          <a:ln>
+            <a:solidFill>
+              <a:schemeClr val="bg1"/>
+            </a:solidFill>
+          </a:ln>
         </p:spPr>
         <p:txBody>
           <a:bodyPr>
@@ -8098,15 +8057,15 @@
           <a:lstStyle/>
           <a:p>
             <a:r>
-              <a:rPr lang="en-GB" sz="4000" b="1" dirty="0" smtClean="0"/>
+              <a:rPr lang="en-GB" sz="4000" b="1" dirty="0"/>
               <a:t>SEQUENCE DIAGRAM</a:t>
             </a:r>
             <a:r>
-              <a:rPr lang="en-GB" b="1" dirty="0" smtClean="0"/>
+              <a:rPr lang="en-GB" b="1" dirty="0"/>
               <a:t/>
             </a:r>
             <a:br>
-              <a:rPr lang="en-GB" b="1" dirty="0" smtClean="0"/>
+              <a:rPr lang="en-GB" b="1" dirty="0"/>
             </a:br>
             <a:endParaRPr lang="en-GB" b="1" dirty="0"/>
           </a:p>
@@ -8135,6 +8094,222 @@
           </a:xfrm>
         </p:spPr>
       </p:pic>
+      <p:sp>
+        <p:nvSpPr>
+          <p:cNvPr id="3" name="Rectangle 2">
+            <a:extLst>
+              <a:ext uri="{FF2B5EF4-FFF2-40B4-BE49-F238E27FC236}">
+                <a16:creationId xmlns:a16="http://schemas.microsoft.com/office/drawing/2014/main" xmlns="" id="{691F66F5-8005-4F54-BEC7-AD54F1A548C6}"/>
+              </a:ext>
+            </a:extLst>
+          </p:cNvPr>
+          <p:cNvSpPr/>
+          <p:nvPr/>
+        </p:nvSpPr>
+        <p:spPr>
+          <a:xfrm>
+            <a:off x="1802167" y="1553592"/>
+            <a:ext cx="97654" cy="230820"/>
+          </a:xfrm>
+          <a:prstGeom prst="rect">
+            <a:avLst/>
+          </a:prstGeom>
+          <a:solidFill>
+            <a:schemeClr val="bg1"/>
+          </a:solidFill>
+          <a:ln>
+            <a:solidFill>
+              <a:schemeClr val="bg1"/>
+            </a:solidFill>
+          </a:ln>
+        </p:spPr>
+        <p:style>
+          <a:lnRef idx="2">
+            <a:schemeClr val="accent1">
+              <a:shade val="50000"/>
+            </a:schemeClr>
+          </a:lnRef>
+          <a:fillRef idx="1">
+            <a:schemeClr val="accent1"/>
+          </a:fillRef>
+          <a:effectRef idx="0">
+            <a:schemeClr val="accent1"/>
+          </a:effectRef>
+          <a:fontRef idx="minor">
+            <a:schemeClr val="lt1"/>
+          </a:fontRef>
+        </p:style>
+        <p:txBody>
+          <a:bodyPr rtlCol="0" anchor="ctr"/>
+          <a:lstStyle/>
+          <a:p>
+            <a:pPr algn="ctr"/>
+            <a:endParaRPr lang="en-IN"/>
+          </a:p>
+        </p:txBody>
+      </p:sp>
+      <p:sp>
+        <p:nvSpPr>
+          <p:cNvPr id="5" name="Rectangle 4">
+            <a:extLst>
+              <a:ext uri="{FF2B5EF4-FFF2-40B4-BE49-F238E27FC236}">
+                <a16:creationId xmlns:a16="http://schemas.microsoft.com/office/drawing/2014/main" xmlns="" id="{ED206DFE-1E4C-4089-8F45-C6BDA3414059}"/>
+              </a:ext>
+            </a:extLst>
+          </p:cNvPr>
+          <p:cNvSpPr/>
+          <p:nvPr/>
+        </p:nvSpPr>
+        <p:spPr>
+          <a:xfrm>
+            <a:off x="4474346" y="1340528"/>
+            <a:ext cx="45719" cy="133165"/>
+          </a:xfrm>
+          <a:prstGeom prst="rect">
+            <a:avLst/>
+          </a:prstGeom>
+          <a:solidFill>
+            <a:schemeClr val="bg1"/>
+          </a:solidFill>
+          <a:ln>
+            <a:solidFill>
+              <a:schemeClr val="bg1"/>
+            </a:solidFill>
+          </a:ln>
+        </p:spPr>
+        <p:style>
+          <a:lnRef idx="2">
+            <a:schemeClr val="accent1">
+              <a:shade val="50000"/>
+            </a:schemeClr>
+          </a:lnRef>
+          <a:fillRef idx="1">
+            <a:schemeClr val="accent1"/>
+          </a:fillRef>
+          <a:effectRef idx="0">
+            <a:schemeClr val="accent1"/>
+          </a:effectRef>
+          <a:fontRef idx="minor">
+            <a:schemeClr val="lt1"/>
+          </a:fontRef>
+        </p:style>
+        <p:txBody>
+          <a:bodyPr rtlCol="0" anchor="ctr"/>
+          <a:lstStyle/>
+          <a:p>
+            <a:pPr algn="ctr"/>
+            <a:endParaRPr lang="en-IN"/>
+          </a:p>
+        </p:txBody>
+      </p:sp>
+      <p:sp>
+        <p:nvSpPr>
+          <p:cNvPr id="6" name="Rectangle 5">
+            <a:extLst>
+              <a:ext uri="{FF2B5EF4-FFF2-40B4-BE49-F238E27FC236}">
+                <a16:creationId xmlns:a16="http://schemas.microsoft.com/office/drawing/2014/main" xmlns="" id="{BE1565A8-D7AA-4E37-88C6-8E7867225ED3}"/>
+              </a:ext>
+            </a:extLst>
+          </p:cNvPr>
+          <p:cNvSpPr/>
+          <p:nvPr/>
+        </p:nvSpPr>
+        <p:spPr>
+          <a:xfrm>
+            <a:off x="7421732" y="1340528"/>
+            <a:ext cx="45719" cy="213064"/>
+          </a:xfrm>
+          <a:prstGeom prst="rect">
+            <a:avLst/>
+          </a:prstGeom>
+          <a:solidFill>
+            <a:schemeClr val="bg1"/>
+          </a:solidFill>
+          <a:ln>
+            <a:solidFill>
+              <a:schemeClr val="bg1"/>
+            </a:solidFill>
+          </a:ln>
+        </p:spPr>
+        <p:style>
+          <a:lnRef idx="2">
+            <a:schemeClr val="accent1">
+              <a:shade val="50000"/>
+            </a:schemeClr>
+          </a:lnRef>
+          <a:fillRef idx="1">
+            <a:schemeClr val="accent1"/>
+          </a:fillRef>
+          <a:effectRef idx="0">
+            <a:schemeClr val="accent1"/>
+          </a:effectRef>
+          <a:fontRef idx="minor">
+            <a:schemeClr val="lt1"/>
+          </a:fontRef>
+        </p:style>
+        <p:txBody>
+          <a:bodyPr rtlCol="0" anchor="ctr"/>
+          <a:lstStyle/>
+          <a:p>
+            <a:pPr algn="ctr"/>
+            <a:endParaRPr lang="en-IN"/>
+          </a:p>
+        </p:txBody>
+      </p:sp>
+      <p:sp>
+        <p:nvSpPr>
+          <p:cNvPr id="7" name="Rectangle 6">
+            <a:extLst>
+              <a:ext uri="{FF2B5EF4-FFF2-40B4-BE49-F238E27FC236}">
+                <a16:creationId xmlns:a16="http://schemas.microsoft.com/office/drawing/2014/main" xmlns="" id="{B9FA89BF-FD2E-403E-B75F-A4E97D865B50}"/>
+              </a:ext>
+            </a:extLst>
+          </p:cNvPr>
+          <p:cNvSpPr/>
+          <p:nvPr/>
+        </p:nvSpPr>
+        <p:spPr>
+          <a:xfrm>
+            <a:off x="9916357" y="1340528"/>
+            <a:ext cx="45719" cy="213064"/>
+          </a:xfrm>
+          <a:prstGeom prst="rect">
+            <a:avLst/>
+          </a:prstGeom>
+          <a:solidFill>
+            <a:schemeClr val="bg1"/>
+          </a:solidFill>
+          <a:ln>
+            <a:solidFill>
+              <a:schemeClr val="bg1"/>
+            </a:solidFill>
+          </a:ln>
+        </p:spPr>
+        <p:style>
+          <a:lnRef idx="2">
+            <a:schemeClr val="accent1">
+              <a:shade val="50000"/>
+            </a:schemeClr>
+          </a:lnRef>
+          <a:fillRef idx="1">
+            <a:schemeClr val="accent1"/>
+          </a:fillRef>
+          <a:effectRef idx="0">
+            <a:schemeClr val="accent1"/>
+          </a:effectRef>
+          <a:fontRef idx="minor">
+            <a:schemeClr val="lt1"/>
+          </a:fontRef>
+        </p:style>
+        <p:txBody>
+          <a:bodyPr rtlCol="0" anchor="ctr"/>
+          <a:lstStyle/>
+          <a:p>
+            <a:pPr algn="ctr"/>
+            <a:endParaRPr lang="en-IN"/>
+          </a:p>
+        </p:txBody>
+      </p:sp>
     </p:spTree>
   </p:cSld>
   <p:clrMapOvr>
@@ -8289,7 +8464,7 @@
     </p:spTree>
     <p:extLst>
       <p:ext uri="{BB962C8B-B14F-4D97-AF65-F5344CB8AC3E}">
-        <p14:creationId xmlns="" xmlns:p14="http://schemas.microsoft.com/office/powerpoint/2010/main" val="1383085814"/>
+        <p14:creationId xmlns:p14="http://schemas.microsoft.com/office/powerpoint/2010/main" xmlns="" val="1383085814"/>
       </p:ext>
     </p:extLst>
   </p:cSld>
@@ -8638,11 +8813,7 @@
             </a:pPr>
             <a:r>
               <a:rPr lang="en-US" sz="3200" b="1" dirty="0"/>
-              <a:t>        Overload Production </a:t>
-            </a:r>
-            <a:r>
-              <a:rPr lang="en-US" sz="3200" b="1" dirty="0" smtClean="0"/>
-              <a:t>Service</a:t>
+              <a:t>        Overload Production Service</a:t>
             </a:r>
           </a:p>
           <a:p>
@@ -8660,7 +8831,7 @@
           <a:p>
             <a:pPr lvl="0">
               <a:lnSpc>
-                <a:spcPct val="200000"/>
+                <a:spcPct val="150000"/>
               </a:lnSpc>
               <a:buFont typeface="Wingdings" panose="05000000000000000000" pitchFamily="2" charset="2"/>
               <a:buChar char="Ø"/>
@@ -8673,7 +8844,7 @@
           <a:p>
             <a:pPr lvl="0">
               <a:lnSpc>
-                <a:spcPct val="200000"/>
+                <a:spcPct val="150000"/>
               </a:lnSpc>
               <a:buFont typeface="Wingdings" panose="05000000000000000000" pitchFamily="2" charset="2"/>
               <a:buChar char="Ø"/>
@@ -8686,7 +8857,7 @@
           <a:p>
             <a:pPr lvl="0">
               <a:lnSpc>
-                <a:spcPct val="200000"/>
+                <a:spcPct val="150000"/>
               </a:lnSpc>
               <a:buFont typeface="Wingdings" panose="05000000000000000000" pitchFamily="2" charset="2"/>
               <a:buChar char="Ø"/>
@@ -8699,7 +8870,7 @@
           <a:p>
             <a:pPr lvl="0">
               <a:lnSpc>
-                <a:spcPct val="200000"/>
+                <a:spcPct val="150000"/>
               </a:lnSpc>
               <a:buFont typeface="Wingdings" panose="05000000000000000000" pitchFamily="2" charset="2"/>
               <a:buChar char="Ø"/>
@@ -8712,7 +8883,7 @@
           <a:p>
             <a:pPr lvl="0">
               <a:lnSpc>
-                <a:spcPct val="200000"/>
+                <a:spcPct val="150000"/>
               </a:lnSpc>
               <a:buFont typeface="Wingdings" panose="05000000000000000000" pitchFamily="2" charset="2"/>
               <a:buChar char="Ø"/>
@@ -8735,20 +8906,13 @@
     </p:spTree>
     <p:extLst>
       <p:ext uri="{BB962C8B-B14F-4D97-AF65-F5344CB8AC3E}">
-        <p14:creationId xmlns="" xmlns:p14="http://schemas.microsoft.com/office/powerpoint/2010/main" val="570322067"/>
+        <p14:creationId xmlns:p14="http://schemas.microsoft.com/office/powerpoint/2010/main" xmlns="" val="570322067"/>
       </p:ext>
     </p:extLst>
   </p:cSld>
   <p:clrMapOvr>
     <a:masterClrMapping/>
   </p:clrMapOvr>
-  <p:timing>
-    <p:tnLst>
-      <p:par>
-        <p:cTn id="1" dur="indefinite" restart="never" nodeType="tmRoot"/>
-      </p:par>
-    </p:tnLst>
-  </p:timing>
 </p:sld>
 </file>
 
@@ -8872,13 +9036,6 @@
   <p:clrMapOvr>
     <a:masterClrMapping/>
   </p:clrMapOvr>
-  <p:timing>
-    <p:tnLst>
-      <p:par>
-        <p:cTn id="1" dur="indefinite" restart="never" nodeType="tmRoot"/>
-      </p:par>
-    </p:tnLst>
-  </p:timing>
 </p:sld>
 </file>
 
@@ -8904,7 +9061,7 @@
           <p:cNvPr id="2" name="Title 1">
             <a:extLst>
               <a:ext uri="{FF2B5EF4-FFF2-40B4-BE49-F238E27FC236}">
-                <a16:creationId xmlns="" xmlns:a16="http://schemas.microsoft.com/office/drawing/2014/main" id="{92621C98-27AB-494B-A165-661F43B928E6}"/>
+                <a16:creationId xmlns:a16="http://schemas.microsoft.com/office/drawing/2014/main" xmlns="" id="{92621C98-27AB-494B-A165-661F43B928E6}"/>
               </a:ext>
             </a:extLst>
           </p:cNvPr>
@@ -9019,11 +9176,16 @@
           </p:cNvGraphicFramePr>
           <p:nvPr>
             <p:ph idx="1"/>
+            <p:extLst>
+              <p:ext uri="{D42A27DB-BD31-4B8C-83A1-F6EECF244321}">
+                <p14:modId xmlns:p14="http://schemas.microsoft.com/office/powerpoint/2010/main" xmlns="" val="2076069866"/>
+              </p:ext>
+            </p:extLst>
           </p:nvPr>
         </p:nvGraphicFramePr>
         <p:xfrm>
           <a:off x="1028698" y="2020888"/>
-          <a:ext cx="9474200" cy="4125913"/>
+          <a:ext cx="9474200" cy="3332925"/>
         </p:xfrm>
         <a:graphic>
           <a:graphicData uri="http://schemas.openxmlformats.org/drawingml/2006/table">
@@ -9035,40 +9197,40 @@
                 <a:gridCol w="1894840">
                   <a:extLst>
                     <a:ext uri="{9D8B030D-6E8A-4147-A177-3AD203B41FA5}">
-                      <a16:colId xmlns="" xmlns:a16="http://schemas.microsoft.com/office/drawing/2014/main" val="20000"/>
+                      <a16:colId xmlns:a16="http://schemas.microsoft.com/office/drawing/2014/main" xmlns="" val="20000"/>
                     </a:ext>
                   </a:extLst>
                 </a:gridCol>
                 <a:gridCol w="1894840">
                   <a:extLst>
                     <a:ext uri="{9D8B030D-6E8A-4147-A177-3AD203B41FA5}">
-                      <a16:colId xmlns="" xmlns:a16="http://schemas.microsoft.com/office/drawing/2014/main" val="20001"/>
+                      <a16:colId xmlns:a16="http://schemas.microsoft.com/office/drawing/2014/main" xmlns="" val="20001"/>
                     </a:ext>
                   </a:extLst>
                 </a:gridCol>
                 <a:gridCol w="1894840">
                   <a:extLst>
                     <a:ext uri="{9D8B030D-6E8A-4147-A177-3AD203B41FA5}">
-                      <a16:colId xmlns="" xmlns:a16="http://schemas.microsoft.com/office/drawing/2014/main" val="20002"/>
+                      <a16:colId xmlns:a16="http://schemas.microsoft.com/office/drawing/2014/main" xmlns="" val="20002"/>
                     </a:ext>
                   </a:extLst>
                 </a:gridCol>
                 <a:gridCol w="1894840">
                   <a:extLst>
                     <a:ext uri="{9D8B030D-6E8A-4147-A177-3AD203B41FA5}">
-                      <a16:colId xmlns="" xmlns:a16="http://schemas.microsoft.com/office/drawing/2014/main" val="20003"/>
+                      <a16:colId xmlns:a16="http://schemas.microsoft.com/office/drawing/2014/main" xmlns="" val="20003"/>
                     </a:ext>
                   </a:extLst>
                 </a:gridCol>
                 <a:gridCol w="1894840">
                   <a:extLst>
                     <a:ext uri="{9D8B030D-6E8A-4147-A177-3AD203B41FA5}">
-                      <a16:colId xmlns="" xmlns:a16="http://schemas.microsoft.com/office/drawing/2014/main" val="20004"/>
+                      <a16:colId xmlns:a16="http://schemas.microsoft.com/office/drawing/2014/main" xmlns="" val="20004"/>
                     </a:ext>
                   </a:extLst>
                 </a:gridCol>
               </a:tblGrid>
-              <a:tr h="861405">
+              <a:tr h="884544">
                 <a:tc>
                   <a:txBody>
                     <a:bodyPr/>
@@ -9141,13 +9303,13 @@
                         </a:spcAft>
                       </a:pPr>
                       <a:r>
-                        <a:rPr lang="en-IN" sz="1600">
+                        <a:rPr lang="en-IN" sz="1600" dirty="0">
                           <a:latin typeface="Arial" pitchFamily="34" charset="0"/>
                           <a:cs typeface="Arial" pitchFamily="34" charset="0"/>
                         </a:rPr>
                         <a:t>THRESHOLD</a:t>
                       </a:r>
-                      <a:endParaRPr lang="en-GB" sz="1600">
+                      <a:endParaRPr lang="en-GB" sz="1600" dirty="0">
                         <a:latin typeface="Arial" pitchFamily="34" charset="0"/>
                         <a:cs typeface="Arial" pitchFamily="34" charset="0"/>
                       </a:endParaRPr>
@@ -9162,13 +9324,13 @@
                         </a:spcAft>
                       </a:pPr>
                       <a:r>
-                        <a:rPr lang="en-IN" sz="1600">
+                        <a:rPr lang="en-IN" sz="1600" dirty="0">
                           <a:latin typeface="Arial" pitchFamily="34" charset="0"/>
                           <a:cs typeface="Arial" pitchFamily="34" charset="0"/>
                         </a:rPr>
                         <a:t>             RANGE</a:t>
                       </a:r>
-                      <a:endParaRPr lang="en-GB" sz="1600">
+                      <a:endParaRPr lang="en-GB" sz="1600" dirty="0">
                         <a:latin typeface="Arial" pitchFamily="34" charset="0"/>
                         <a:ea typeface="Calibri"/>
                         <a:cs typeface="Arial" pitchFamily="34" charset="0"/>
@@ -9258,7 +9420,7 @@
                 </a:tc>
                 <a:extLst>
                   <a:ext uri="{0D108BD9-81ED-4DB2-BD59-A6C34878D82A}">
-                    <a16:rowId xmlns="" xmlns:a16="http://schemas.microsoft.com/office/drawing/2014/main" val="10000"/>
+                    <a16:rowId xmlns:a16="http://schemas.microsoft.com/office/drawing/2014/main" xmlns="" val="10000"/>
                   </a:ext>
                 </a:extLst>
               </a:tr>
@@ -9306,13 +9468,20 @@
                         </a:spcAft>
                       </a:pPr>
                       <a:r>
-                        <a:rPr lang="en-IN" sz="1600">
+                        <a:rPr lang="en-IN" sz="1600" dirty="0" err="1">
                           <a:latin typeface="Arial" pitchFamily="34" charset="0"/>
                           <a:cs typeface="Arial" pitchFamily="34" charset="0"/>
                         </a:rPr>
-                        <a:t>Dektop PC</a:t>
+                        <a:t>Dektop</a:t>
                       </a:r>
-                      <a:endParaRPr lang="en-GB" sz="1600">
+                      <a:r>
+                        <a:rPr lang="en-IN" sz="1600" dirty="0">
+                          <a:latin typeface="Arial" pitchFamily="34" charset="0"/>
+                          <a:cs typeface="Arial" pitchFamily="34" charset="0"/>
+                        </a:rPr>
+                        <a:t> PC</a:t>
+                      </a:r>
+                      <a:endParaRPr lang="en-GB" sz="1600" dirty="0">
                         <a:latin typeface="Arial" pitchFamily="34" charset="0"/>
                         <a:ea typeface="Calibri"/>
                         <a:cs typeface="Arial" pitchFamily="34" charset="0"/>
@@ -9335,13 +9504,20 @@
                         </a:spcAft>
                       </a:pPr>
                       <a:r>
-                        <a:rPr lang="en-IN" sz="1600">
+                        <a:rPr lang="en-IN" sz="1600" dirty="0" err="1">
                           <a:latin typeface="Arial" pitchFamily="34" charset="0"/>
                           <a:cs typeface="Arial" pitchFamily="34" charset="0"/>
                         </a:rPr>
-                        <a:t>Upto 230 V</a:t>
+                        <a:t>Upto</a:t>
                       </a:r>
-                      <a:endParaRPr lang="en-GB" sz="1600">
+                      <a:r>
+                        <a:rPr lang="en-IN" sz="1600" dirty="0">
+                          <a:latin typeface="Arial" pitchFamily="34" charset="0"/>
+                          <a:cs typeface="Arial" pitchFamily="34" charset="0"/>
+                        </a:rPr>
+                        <a:t> 230 V</a:t>
+                      </a:r>
+                      <a:endParaRPr lang="en-GB" sz="1600" dirty="0">
                         <a:latin typeface="Arial" pitchFamily="34" charset="0"/>
                         <a:ea typeface="Calibri"/>
                         <a:cs typeface="Arial" pitchFamily="34" charset="0"/>
@@ -9364,13 +9540,13 @@
                         </a:spcAft>
                       </a:pPr>
                       <a:r>
-                        <a:rPr lang="en-IN" sz="1600">
+                        <a:rPr lang="en-IN" sz="1600" dirty="0">
                           <a:latin typeface="Arial" pitchFamily="34" charset="0"/>
                           <a:cs typeface="Arial" pitchFamily="34" charset="0"/>
                         </a:rPr>
                         <a:t>230+/-20</a:t>
                       </a:r>
-                      <a:endParaRPr lang="en-GB" sz="1600">
+                      <a:endParaRPr lang="en-GB" sz="1600" dirty="0">
                         <a:latin typeface="Arial" pitchFamily="34" charset="0"/>
                         <a:ea typeface="Calibri"/>
                         <a:cs typeface="Arial" pitchFamily="34" charset="0"/>
@@ -9393,13 +9569,13 @@
                         </a:spcAft>
                       </a:pPr>
                       <a:r>
-                        <a:rPr lang="en-IN" sz="1600">
+                        <a:rPr lang="en-IN" sz="1600" dirty="0">
                           <a:latin typeface="Arial" pitchFamily="34" charset="0"/>
                           <a:cs typeface="Arial" pitchFamily="34" charset="0"/>
                         </a:rPr>
                         <a:t>230+/-1V</a:t>
                       </a:r>
-                      <a:endParaRPr lang="en-GB" sz="1600">
+                      <a:endParaRPr lang="en-GB" sz="1600" dirty="0">
                         <a:latin typeface="Arial" pitchFamily="34" charset="0"/>
                         <a:ea typeface="Calibri"/>
                         <a:cs typeface="Arial" pitchFamily="34" charset="0"/>
@@ -9410,7 +9586,7 @@
                 </a:tc>
                 <a:extLst>
                   <a:ext uri="{0D108BD9-81ED-4DB2-BD59-A6C34878D82A}">
-                    <a16:rowId xmlns="" xmlns:a16="http://schemas.microsoft.com/office/drawing/2014/main" val="10001"/>
+                    <a16:rowId xmlns:a16="http://schemas.microsoft.com/office/drawing/2014/main" xmlns="" val="10001"/>
                   </a:ext>
                 </a:extLst>
               </a:tr>
@@ -9458,13 +9634,34 @@
                         </a:spcAft>
                       </a:pPr>
                       <a:r>
-                        <a:rPr lang="en-IN" sz="1600">
+                        <a:rPr lang="en-IN" sz="1600" dirty="0">
                           <a:latin typeface="Arial" pitchFamily="34" charset="0"/>
                           <a:cs typeface="Arial" pitchFamily="34" charset="0"/>
                         </a:rPr>
-                        <a:t>Device 1/Fan</a:t>
+                        <a:t>Device </a:t>
                       </a:r>
-                      <a:endParaRPr lang="en-GB" sz="1600">
+                      <a:r>
+                        <a:rPr lang="en-IN" sz="1600" dirty="0" smtClean="0">
+                          <a:latin typeface="Arial" pitchFamily="34" charset="0"/>
+                          <a:cs typeface="Arial" pitchFamily="34" charset="0"/>
+                        </a:rPr>
+                        <a:t>1/table</a:t>
+                      </a:r>
+                      <a:r>
+                        <a:rPr lang="en-IN" sz="1600" baseline="0" dirty="0" smtClean="0">
+                          <a:latin typeface="Arial" pitchFamily="34" charset="0"/>
+                          <a:cs typeface="Arial" pitchFamily="34" charset="0"/>
+                        </a:rPr>
+                        <a:t> </a:t>
+                      </a:r>
+                      <a:r>
+                        <a:rPr lang="en-IN" sz="1600" dirty="0" smtClean="0">
+                          <a:latin typeface="Arial" pitchFamily="34" charset="0"/>
+                          <a:cs typeface="Arial" pitchFamily="34" charset="0"/>
+                        </a:rPr>
+                        <a:t>Fan</a:t>
+                      </a:r>
+                      <a:endParaRPr lang="en-GB" sz="1600" dirty="0">
                         <a:latin typeface="Arial" pitchFamily="34" charset="0"/>
                         <a:ea typeface="Calibri"/>
                         <a:cs typeface="Arial" pitchFamily="34" charset="0"/>
@@ -9562,7 +9759,7 @@
                 </a:tc>
                 <a:extLst>
                   <a:ext uri="{0D108BD9-81ED-4DB2-BD59-A6C34878D82A}">
-                    <a16:rowId xmlns="" xmlns:a16="http://schemas.microsoft.com/office/drawing/2014/main" val="10002"/>
+                    <a16:rowId xmlns:a16="http://schemas.microsoft.com/office/drawing/2014/main" xmlns="" val="10002"/>
                   </a:ext>
                 </a:extLst>
               </a:tr>
@@ -9610,13 +9807,13 @@
                         </a:spcAft>
                       </a:pPr>
                       <a:r>
-                        <a:rPr lang="en-IN" sz="1600">
+                        <a:rPr lang="en-IN" sz="1600" dirty="0">
                           <a:latin typeface="Arial" pitchFamily="34" charset="0"/>
                           <a:cs typeface="Arial" pitchFamily="34" charset="0"/>
                         </a:rPr>
-                        <a:t>Device 2/ AC</a:t>
+                        <a:t>Device 2/ Mobile charger</a:t>
                       </a:r>
-                      <a:endParaRPr lang="en-GB" sz="1600">
+                      <a:endParaRPr lang="en-GB" sz="1600" dirty="0">
                         <a:latin typeface="Arial" pitchFamily="34" charset="0"/>
                         <a:ea typeface="Calibri"/>
                         <a:cs typeface="Arial" pitchFamily="34" charset="0"/>
@@ -9639,194 +9836,22 @@
                         </a:spcAft>
                       </a:pPr>
                       <a:r>
-                        <a:rPr lang="en-IN" sz="1600">
+                        <a:rPr lang="en-IN" sz="1600" dirty="0" err="1">
                           <a:latin typeface="Arial" pitchFamily="34" charset="0"/>
+                          <a:ea typeface="Calibri"/>
                           <a:cs typeface="Arial" pitchFamily="34" charset="0"/>
                         </a:rPr>
-                        <a:t>Min 1500W</a:t>
+                        <a:t>Upto</a:t>
                       </a:r>
-                      <a:endParaRPr lang="en-GB" sz="1600">
-                        <a:latin typeface="Arial" pitchFamily="34" charset="0"/>
-                        <a:ea typeface="Calibri"/>
-                        <a:cs typeface="Arial" pitchFamily="34" charset="0"/>
-                      </a:endParaRPr>
-                    </a:p>
-                  </a:txBody>
-                  <a:tcPr marL="68580" marR="68580" marT="0" marB="0"/>
-                </a:tc>
-                <a:tc>
-                  <a:txBody>
-                    <a:bodyPr/>
-                    <a:lstStyle/>
-                    <a:p>
-                      <a:pPr algn="ctr">
-                        <a:lnSpc>
-                          <a:spcPct val="107000"/>
-                        </a:lnSpc>
-                        <a:spcAft>
-                          <a:spcPts val="0"/>
-                        </a:spcAft>
-                      </a:pPr>
                       <a:r>
-                        <a:rPr lang="en-IN" sz="1600">
+                        <a:rPr lang="en-IN" sz="1600" dirty="0">
                           <a:latin typeface="Arial" pitchFamily="34" charset="0"/>
+                          <a:ea typeface="Calibri"/>
                           <a:cs typeface="Arial" pitchFamily="34" charset="0"/>
                         </a:rPr>
-                        <a:t>1500+/-100</a:t>
+                        <a:t> 1.6 W</a:t>
                       </a:r>
-                      <a:endParaRPr lang="en-GB" sz="1600">
-                        <a:latin typeface="Arial" pitchFamily="34" charset="0"/>
-                        <a:ea typeface="Calibri"/>
-                        <a:cs typeface="Arial" pitchFamily="34" charset="0"/>
-                      </a:endParaRPr>
-                    </a:p>
-                  </a:txBody>
-                  <a:tcPr marL="68580" marR="68580" marT="0" marB="0"/>
-                </a:tc>
-                <a:tc>
-                  <a:txBody>
-                    <a:bodyPr/>
-                    <a:lstStyle/>
-                    <a:p>
-                      <a:pPr algn="ctr">
-                        <a:lnSpc>
-                          <a:spcPct val="107000"/>
-                        </a:lnSpc>
-                        <a:spcAft>
-                          <a:spcPts val="0"/>
-                        </a:spcAft>
-                      </a:pPr>
-                      <a:r>
-                        <a:rPr lang="en-IN" sz="1600">
-                          <a:latin typeface="Arial" pitchFamily="34" charset="0"/>
-                          <a:cs typeface="Arial" pitchFamily="34" charset="0"/>
-                        </a:rPr>
-                        <a:t>1500+/-3W</a:t>
-                      </a:r>
-                      <a:endParaRPr lang="en-GB" sz="1600">
-                        <a:latin typeface="Arial" pitchFamily="34" charset="0"/>
-                        <a:ea typeface="Calibri"/>
-                        <a:cs typeface="Arial" pitchFamily="34" charset="0"/>
-                      </a:endParaRPr>
-                    </a:p>
-                  </a:txBody>
-                  <a:tcPr marL="68580" marR="68580" marT="0" marB="0"/>
-                </a:tc>
-                <a:extLst>
-                  <a:ext uri="{0D108BD9-81ED-4DB2-BD59-A6C34878D82A}">
-                    <a16:rowId xmlns="" xmlns:a16="http://schemas.microsoft.com/office/drawing/2014/main" val="10003"/>
-                  </a:ext>
-                </a:extLst>
-              </a:tr>
-              <a:tr h="816127">
-                <a:tc>
-                  <a:txBody>
-                    <a:bodyPr/>
-                    <a:lstStyle/>
-                    <a:p>
-                      <a:pPr algn="ctr">
-                        <a:lnSpc>
-                          <a:spcPct val="107000"/>
-                        </a:lnSpc>
-                        <a:spcAft>
-                          <a:spcPts val="0"/>
-                        </a:spcAft>
-                      </a:pPr>
-                      <a:r>
-                        <a:rPr lang="en-IN" sz="1600">
-                          <a:latin typeface="Arial" pitchFamily="34" charset="0"/>
-                          <a:cs typeface="Arial" pitchFamily="34" charset="0"/>
-                        </a:rPr>
-                        <a:t>     4.</a:t>
-                      </a:r>
-                      <a:endParaRPr lang="en-GB" sz="1600">
-                        <a:latin typeface="Arial" pitchFamily="34" charset="0"/>
-                        <a:ea typeface="Calibri"/>
-                        <a:cs typeface="Arial" pitchFamily="34" charset="0"/>
-                      </a:endParaRPr>
-                    </a:p>
-                  </a:txBody>
-                  <a:tcPr marL="68580" marR="68580" marT="0" marB="0"/>
-                </a:tc>
-                <a:tc>
-                  <a:txBody>
-                    <a:bodyPr/>
-                    <a:lstStyle/>
-                    <a:p>
-                      <a:pPr algn="ctr">
-                        <a:lnSpc>
-                          <a:spcPct val="107000"/>
-                        </a:lnSpc>
-                        <a:spcAft>
-                          <a:spcPts val="0"/>
-                        </a:spcAft>
-                      </a:pPr>
-                      <a:r>
-                        <a:rPr lang="en-IN" sz="1600">
-                          <a:latin typeface="Arial" pitchFamily="34" charset="0"/>
-                          <a:cs typeface="Arial" pitchFamily="34" charset="0"/>
-                        </a:rPr>
-                        <a:t>Jet Motor</a:t>
-                      </a:r>
-                      <a:endParaRPr lang="en-GB" sz="1600">
-                        <a:latin typeface="Arial" pitchFamily="34" charset="0"/>
-                        <a:ea typeface="Calibri"/>
-                        <a:cs typeface="Arial" pitchFamily="34" charset="0"/>
-                      </a:endParaRPr>
-                    </a:p>
-                  </a:txBody>
-                  <a:tcPr marL="68580" marR="68580" marT="0" marB="0"/>
-                </a:tc>
-                <a:tc>
-                  <a:txBody>
-                    <a:bodyPr/>
-                    <a:lstStyle/>
-                    <a:p>
-                      <a:pPr algn="ctr">
-                        <a:lnSpc>
-                          <a:spcPct val="107000"/>
-                        </a:lnSpc>
-                        <a:spcAft>
-                          <a:spcPts val="0"/>
-                        </a:spcAft>
-                      </a:pPr>
-                      <a:r>
-                        <a:rPr lang="en-IN" sz="1600">
-                          <a:latin typeface="Arial" pitchFamily="34" charset="0"/>
-                          <a:cs typeface="Arial" pitchFamily="34" charset="0"/>
-                        </a:rPr>
-                        <a:t>Upto 15A</a:t>
-                      </a:r>
-                      <a:endParaRPr lang="en-GB" sz="1600">
-                        <a:latin typeface="Arial" pitchFamily="34" charset="0"/>
-                        <a:ea typeface="Calibri"/>
-                        <a:cs typeface="Arial" pitchFamily="34" charset="0"/>
-                      </a:endParaRPr>
-                    </a:p>
-                  </a:txBody>
-                  <a:tcPr marL="68580" marR="68580" marT="0" marB="0"/>
-                </a:tc>
-                <a:tc>
-                  <a:txBody>
-                    <a:bodyPr/>
-                    <a:lstStyle/>
-                    <a:p>
-                      <a:pPr algn="ctr">
-                        <a:lnSpc>
-                          <a:spcPct val="107000"/>
-                        </a:lnSpc>
-                        <a:spcAft>
-                          <a:spcPts val="0"/>
-                        </a:spcAft>
-                      </a:pPr>
-                      <a:r>
-                        <a:rPr lang="en-IN" sz="1600">
-                          <a:latin typeface="Arial" pitchFamily="34" charset="0"/>
-                          <a:cs typeface="Arial" pitchFamily="34" charset="0"/>
-                        </a:rPr>
-                        <a:t>15+/-2A</a:t>
-                      </a:r>
-                      <a:endParaRPr lang="en-GB" sz="1600">
+                      <a:endParaRPr lang="en-GB" sz="1600" dirty="0">
                         <a:latin typeface="Arial" pitchFamily="34" charset="0"/>
                         <a:ea typeface="Calibri"/>
                         <a:cs typeface="Arial" pitchFamily="34" charset="0"/>
@@ -9853,7 +9878,36 @@
                           <a:latin typeface="Arial" pitchFamily="34" charset="0"/>
                           <a:cs typeface="Arial" pitchFamily="34" charset="0"/>
                         </a:rPr>
-                        <a:t>15+/-0.2A</a:t>
+                        <a:t>1.6+/-1</a:t>
+                      </a:r>
+                      <a:endParaRPr lang="en-GB" sz="1600" dirty="0">
+                        <a:latin typeface="Arial" pitchFamily="34" charset="0"/>
+                        <a:ea typeface="Calibri"/>
+                        <a:cs typeface="Arial" pitchFamily="34" charset="0"/>
+                      </a:endParaRPr>
+                    </a:p>
+                  </a:txBody>
+                  <a:tcPr marL="68580" marR="68580" marT="0" marB="0"/>
+                </a:tc>
+                <a:tc>
+                  <a:txBody>
+                    <a:bodyPr/>
+                    <a:lstStyle/>
+                    <a:p>
+                      <a:pPr algn="ctr">
+                        <a:lnSpc>
+                          <a:spcPct val="107000"/>
+                        </a:lnSpc>
+                        <a:spcAft>
+                          <a:spcPts val="0"/>
+                        </a:spcAft>
+                      </a:pPr>
+                      <a:r>
+                        <a:rPr lang="en-IN" sz="1600" dirty="0">
+                          <a:latin typeface="Arial" pitchFamily="34" charset="0"/>
+                          <a:cs typeface="Arial" pitchFamily="34" charset="0"/>
+                        </a:rPr>
+                        <a:t>1.6+/-1W</a:t>
                       </a:r>
                       <a:endParaRPr lang="en-GB" sz="1600" dirty="0">
                         <a:latin typeface="Arial" pitchFamily="34" charset="0"/>
@@ -9866,7 +9920,7 @@
                 </a:tc>
                 <a:extLst>
                   <a:ext uri="{0D108BD9-81ED-4DB2-BD59-A6C34878D82A}">
-                    <a16:rowId xmlns="" xmlns:a16="http://schemas.microsoft.com/office/drawing/2014/main" val="10004"/>
+                    <a16:rowId xmlns:a16="http://schemas.microsoft.com/office/drawing/2014/main" xmlns="" val="10003"/>
                   </a:ext>
                 </a:extLst>
               </a:tr>
@@ -9877,20 +9931,13 @@
     </p:spTree>
     <p:extLst>
       <p:ext uri="{BB962C8B-B14F-4D97-AF65-F5344CB8AC3E}">
-        <p14:creationId xmlns="" xmlns:p14="http://schemas.microsoft.com/office/powerpoint/2010/main" val="1630135094"/>
+        <p14:creationId xmlns:p14="http://schemas.microsoft.com/office/powerpoint/2010/main" xmlns="" val="1630135094"/>
       </p:ext>
     </p:extLst>
   </p:cSld>
   <p:clrMapOvr>
     <a:masterClrMapping/>
   </p:clrMapOvr>
-  <p:timing>
-    <p:tnLst>
-      <p:par>
-        <p:cTn id="1" dur="indefinite" restart="never" nodeType="tmRoot"/>
-      </p:par>
-    </p:tnLst>
-  </p:timing>
 </p:sld>
 </file>
 
@@ -9927,10 +9974,9 @@
           <a:lstStyle/>
           <a:p>
             <a:r>
-              <a:rPr lang="en-GB" b="1" dirty="0" smtClean="0"/>
+              <a:rPr lang="en-GB" b="1" dirty="0"/>
               <a:t>Testing</a:t>
             </a:r>
-            <a:endParaRPr lang="en-GB" b="1" dirty="0"/>
           </a:p>
         </p:txBody>
       </p:sp>
@@ -9946,67 +9992,49 @@
         </p:nvSpPr>
         <p:spPr>
           <a:xfrm>
-            <a:off x="1739295" y="1303866"/>
-            <a:ext cx="9621383" cy="5096934"/>
+            <a:off x="1883229" y="2133600"/>
+            <a:ext cx="9621383" cy="4125686"/>
           </a:xfrm>
         </p:spPr>
         <p:txBody>
-          <a:bodyPr>
-            <a:normAutofit fontScale="85000" lnSpcReduction="10000"/>
-          </a:bodyPr>
+          <a:bodyPr/>
           <a:lstStyle/>
           <a:p>
-            <a:pPr>
-              <a:lnSpc>
-                <a:spcPct val="210000"/>
-              </a:lnSpc>
-            </a:pPr>
+            <a:r>
+              <a:rPr lang="en-GB" sz="2000" dirty="0"/>
+              <a:t>It is possible to include many devices in our project but we have used four devices as sample.</a:t>
+            </a:r>
+          </a:p>
+          <a:p>
+            <a:r>
+              <a:rPr lang="en-GB" sz="2000" dirty="0"/>
+              <a:t> As we can see from table , we can use devices like desktop PC, </a:t>
+            </a:r>
             <a:r>
               <a:rPr lang="en-GB" sz="2000" dirty="0" smtClean="0"/>
-              <a:t>It is possible to include many devices in our project but we have used four devices as sample.</a:t>
-            </a:r>
-          </a:p>
-          <a:p>
-            <a:pPr>
-              <a:lnSpc>
-                <a:spcPct val="210000"/>
-              </a:lnSpc>
-            </a:pPr>
+              <a:t>fan</a:t>
+            </a:r>
             <a:r>
               <a:rPr lang="en-GB" sz="2000" dirty="0" smtClean="0"/>
-              <a:t> As we can see from table 7.1, we can use devices like desktop PC, fan, AC and jet motor. </a:t>
-            </a:r>
-          </a:p>
-          <a:p>
-            <a:pPr>
-              <a:lnSpc>
-                <a:spcPct val="210000"/>
-              </a:lnSpc>
-            </a:pPr>
-            <a:r>
-              <a:rPr lang="en-GB" sz="2000" dirty="0" smtClean="0"/>
+              <a:t>.</a:t>
+            </a:r>
+            <a:endParaRPr lang="en-GB" sz="2000" dirty="0"/>
+          </a:p>
+          <a:p>
+            <a:r>
+              <a:rPr lang="en-GB" sz="2000" dirty="0"/>
               <a:t>There is a threshold range for every device and we can set this value.</a:t>
             </a:r>
           </a:p>
           <a:p>
-            <a:pPr>
-              <a:lnSpc>
-                <a:spcPct val="210000"/>
-              </a:lnSpc>
-            </a:pPr>
-            <a:r>
-              <a:rPr lang="en-GB" sz="2000" dirty="0" smtClean="0"/>
+            <a:r>
+              <a:rPr lang="en-GB" sz="2000" dirty="0"/>
               <a:t> If the device voltage exceeds this limit then the device will shut down immediately. </a:t>
             </a:r>
           </a:p>
           <a:p>
-            <a:pPr>
-              <a:lnSpc>
-                <a:spcPct val="210000"/>
-              </a:lnSpc>
-            </a:pPr>
-            <a:r>
-              <a:rPr lang="en-GB" sz="2000" dirty="0" smtClean="0"/>
+            <a:r>
+              <a:rPr lang="en-GB" sz="2000" dirty="0"/>
               <a:t>Our project acts in such a way that even if the power exceeds by 1W, the device will shutdown automatically.</a:t>
             </a:r>
           </a:p>
@@ -10020,13 +10048,6 @@
   <p:clrMapOvr>
     <a:masterClrMapping/>
   </p:clrMapOvr>
-  <p:timing>
-    <p:tnLst>
-      <p:par>
-        <p:cTn id="1" dur="indefinite" restart="never" nodeType="tmRoot"/>
-      </p:par>
-    </p:tnLst>
-  </p:timing>
 </p:sld>
 </file>
 
@@ -10063,7 +10084,7 @@
           <a:lstStyle/>
           <a:p>
             <a:r>
-              <a:rPr lang="en-IN" dirty="0" smtClean="0"/>
+              <a:rPr lang="en-IN" dirty="0"/>
               <a:t>SCREENSHOTS - HARDWARE</a:t>
             </a:r>
             <a:endParaRPr lang="en-GB" dirty="0"/>
@@ -10092,13 +10113,13 @@
           <a:p>
             <a:pPr marL="0" lvl="2"/>
             <a:r>
-              <a:rPr lang="en-US" sz="2400" b="0" dirty="0" smtClean="0">
+              <a:rPr lang="en-US" sz="2400" b="0" dirty="0">
                 <a:latin typeface="Arial" pitchFamily="34" charset="0"/>
                 <a:cs typeface="Arial" pitchFamily="34" charset="0"/>
               </a:rPr>
               <a:t>MICROCONTROLLER-MSP8266</a:t>
             </a:r>
-            <a:endParaRPr lang="en-GB" sz="2400" b="0" dirty="0" smtClean="0">
+            <a:endParaRPr lang="en-GB" sz="2400" b="0" dirty="0">
               <a:latin typeface="Arial" pitchFamily="34" charset="0"/>
               <a:cs typeface="Arial" pitchFamily="34" charset="0"/>
             </a:endParaRPr>
@@ -10129,16 +10150,12 @@
           <a:lstStyle/>
           <a:p>
             <a:r>
-              <a:rPr lang="en-GB" dirty="0" smtClean="0">
+              <a:rPr lang="en-GB" dirty="0">
                 <a:latin typeface="Arial" pitchFamily="34" charset="0"/>
                 <a:cs typeface="Arial" pitchFamily="34" charset="0"/>
               </a:rPr>
               <a:t>EMMC Flash Memory W25Q32JV</a:t>
             </a:r>
-            <a:endParaRPr lang="en-GB" dirty="0">
-              <a:latin typeface="Arial" pitchFamily="34" charset="0"/>
-              <a:cs typeface="Arial" pitchFamily="34" charset="0"/>
-            </a:endParaRPr>
           </a:p>
         </p:txBody>
       </p:sp>
@@ -10199,13 +10216,6 @@
   <p:clrMapOvr>
     <a:masterClrMapping/>
   </p:clrMapOvr>
-  <p:timing>
-    <p:tnLst>
-      <p:par>
-        <p:cTn id="1" dur="indefinite" restart="never" nodeType="tmRoot"/>
-      </p:par>
-    </p:tnLst>
-  </p:timing>
 </p:sld>
 </file>
 
@@ -10231,7 +10241,7 @@
           <p:cNvPr id="2" name="Title 1">
             <a:extLst>
               <a:ext uri="{FF2B5EF4-FFF2-40B4-BE49-F238E27FC236}">
-                <a16:creationId xmlns="" xmlns:a16="http://schemas.microsoft.com/office/drawing/2014/main" id="{0BE69C3F-A6C8-4DD9-A415-A5A175701BFD}"/>
+                <a16:creationId xmlns:a16="http://schemas.microsoft.com/office/drawing/2014/main" xmlns="" id="{0BE69C3F-A6C8-4DD9-A415-A5A175701BFD}"/>
               </a:ext>
             </a:extLst>
           </p:cNvPr>
@@ -10248,10 +10258,9 @@
           <a:lstStyle/>
           <a:p>
             <a:r>
-              <a:rPr lang="en-IN" dirty="0" smtClean="0"/>
+              <a:rPr lang="en-IN" dirty="0"/>
               <a:t>SCREENSHOTS-SOFTWARE</a:t>
             </a:r>
-            <a:endParaRPr lang="en-IN" dirty="0"/>
           </a:p>
         </p:txBody>
       </p:sp>
@@ -10302,11 +10311,11 @@
           <a:p>
             <a:pPr lvl="0"/>
             <a:r>
-              <a:rPr lang="en-US" dirty="0" smtClean="0"/>
+              <a:rPr lang="en-US" dirty="0"/>
               <a:t>This Option enables to track down entire machine load details for a specified set time</a:t>
             </a:r>
             <a:r>
-              <a:rPr lang="en-GB" dirty="0" smtClean="0"/>
+              <a:rPr lang="en-GB" dirty="0"/>
               <a:t>.</a:t>
             </a:r>
           </a:p>
@@ -10315,20 +10324,13 @@
     </p:spTree>
     <p:extLst>
       <p:ext uri="{BB962C8B-B14F-4D97-AF65-F5344CB8AC3E}">
-        <p14:creationId xmlns="" xmlns:p14="http://schemas.microsoft.com/office/powerpoint/2010/main" val="3136139136"/>
+        <p14:creationId xmlns:p14="http://schemas.microsoft.com/office/powerpoint/2010/main" xmlns="" val="3136139136"/>
       </p:ext>
     </p:extLst>
   </p:cSld>
   <p:clrMapOvr>
     <a:masterClrMapping/>
   </p:clrMapOvr>
-  <p:timing>
-    <p:tnLst>
-      <p:par>
-        <p:cTn id="1" dur="indefinite" restart="never" nodeType="tmRoot"/>
-      </p:par>
-    </p:tnLst>
-  </p:timing>
 </p:sld>
 </file>
 
@@ -10388,7 +10390,7 @@
         <p:spPr>
           <a:xfrm>
             <a:off x="553916" y="1336430"/>
-            <a:ext cx="95615220" cy="8987076"/>
+            <a:ext cx="95615220" cy="8063746"/>
           </a:xfrm>
           <a:prstGeom prst="rect">
             <a:avLst/>
@@ -10403,7 +10405,7 @@
           <a:p>
             <a:pPr marL="342900" indent="-342900">
               <a:lnSpc>
-                <a:spcPct val="200000"/>
+                <a:spcPct val="150000"/>
               </a:lnSpc>
               <a:buFont typeface="Wingdings" panose="05000000000000000000" pitchFamily="2" charset="2"/>
               <a:buChar char="ü"/>
@@ -10416,7 +10418,7 @@
           <a:p>
             <a:pPr marL="342900" indent="-342900">
               <a:lnSpc>
-                <a:spcPct val="200000"/>
+                <a:spcPct val="150000"/>
               </a:lnSpc>
               <a:buFont typeface="Wingdings" panose="05000000000000000000" pitchFamily="2" charset="2"/>
               <a:buChar char="ü"/>
@@ -10429,7 +10431,7 @@
           <a:p>
             <a:pPr marL="342900" indent="-342900">
               <a:lnSpc>
-                <a:spcPct val="200000"/>
+                <a:spcPct val="150000"/>
               </a:lnSpc>
               <a:buFont typeface="Wingdings" panose="05000000000000000000" pitchFamily="2" charset="2"/>
               <a:buChar char="ü"/>
@@ -10442,7 +10444,7 @@
           <a:p>
             <a:pPr marL="342900" indent="-342900">
               <a:lnSpc>
-                <a:spcPct val="200000"/>
+                <a:spcPct val="150000"/>
               </a:lnSpc>
               <a:buFont typeface="Wingdings" panose="05000000000000000000" pitchFamily="2" charset="2"/>
               <a:buChar char="ü"/>
@@ -10455,7 +10457,7 @@
           <a:p>
             <a:pPr marL="342900" indent="-342900">
               <a:lnSpc>
-                <a:spcPct val="200000"/>
+                <a:spcPct val="150000"/>
               </a:lnSpc>
               <a:buFont typeface="Wingdings" panose="05000000000000000000" pitchFamily="2" charset="2"/>
               <a:buChar char="ü"/>
@@ -10468,22 +10470,14 @@
           <a:p>
             <a:pPr marL="342900" indent="-342900">
               <a:lnSpc>
-                <a:spcPct val="200000"/>
+                <a:spcPct val="150000"/>
               </a:lnSpc>
               <a:buFont typeface="Wingdings" panose="05000000000000000000" pitchFamily="2" charset="2"/>
               <a:buChar char="ü"/>
             </a:pPr>
             <a:r>
               <a:rPr lang="en-US" sz="2000" dirty="0"/>
-              <a:t>Mainly uses the concept of </a:t>
-            </a:r>
-            <a:r>
-              <a:rPr lang="en-US" sz="2000" dirty="0" smtClean="0"/>
-              <a:t>IOT </a:t>
-            </a:r>
-            <a:r>
-              <a:rPr lang="en-US" sz="2000" dirty="0"/>
-              <a:t>to monitor real time data.</a:t>
+              <a:t>Mainly uses the concept of IOT to monitor real time data.</a:t>
             </a:r>
           </a:p>
           <a:p>
@@ -10552,7 +10546,7 @@
     </p:spTree>
     <p:extLst>
       <p:ext uri="{BB962C8B-B14F-4D97-AF65-F5344CB8AC3E}">
-        <p14:creationId xmlns="" xmlns:p14="http://schemas.microsoft.com/office/powerpoint/2010/main" val="3697933261"/>
+        <p14:creationId xmlns:p14="http://schemas.microsoft.com/office/powerpoint/2010/main" xmlns="" val="3697933261"/>
       </p:ext>
     </p:extLst>
   </p:cSld>
@@ -10591,25 +10585,6 @@
       </p:grpSpPr>
       <p:sp>
         <p:nvSpPr>
-          <p:cNvPr id="4" name="Title 3"/>
-          <p:cNvSpPr>
-            <a:spLocks noGrp="1"/>
-          </p:cNvSpPr>
-          <p:nvPr>
-            <p:ph type="title"/>
-          </p:nvPr>
-        </p:nvSpPr>
-        <p:spPr/>
-        <p:txBody>
-          <a:bodyPr/>
-          <a:lstStyle/>
-          <a:p>
-            <a:endParaRPr lang="en-GB"/>
-          </a:p>
-        </p:txBody>
-      </p:sp>
-      <p:sp>
-        <p:nvSpPr>
           <p:cNvPr id="5" name="Text Placeholder 4"/>
           <p:cNvSpPr>
             <a:spLocks noGrp="1"/>
@@ -10630,10 +10605,10 @@
           <a:p>
             <a:pPr lvl="0"/>
             <a:r>
-              <a:rPr lang="en-US" sz="1800" dirty="0" smtClean="0"/>
+              <a:rPr lang="en-US" sz="1800" dirty="0"/>
               <a:t>This enables administrator to set power scheduling of department. it can be programmed.</a:t>
             </a:r>
-            <a:endParaRPr lang="en-GB" sz="1800" dirty="0" smtClean="0"/>
+            <a:endParaRPr lang="en-GB" sz="1800" dirty="0"/>
           </a:p>
           <a:p>
             <a:endParaRPr lang="en-GB" dirty="0"/>
@@ -10685,10 +10660,18 @@
           <a:p>
             <a:pPr lvl="0"/>
             <a:r>
+              <a:rPr lang="en-US" sz="1800" dirty="0"/>
+              <a:t>Tested load power details for </a:t>
+            </a:r>
+            <a:r>
               <a:rPr lang="en-US" sz="1800" dirty="0" smtClean="0"/>
-              <a:t>Tested load power details for 5hours 8 minutes</a:t>
-            </a:r>
-            <a:endParaRPr lang="en-GB" sz="1800" dirty="0" smtClean="0"/>
+              <a:t>5 hours </a:t>
+            </a:r>
+            <a:r>
+              <a:rPr lang="en-US" sz="1800" dirty="0"/>
+              <a:t>8 minutes</a:t>
+            </a:r>
+            <a:endParaRPr lang="en-GB" sz="1800" dirty="0"/>
           </a:p>
           <a:p>
             <a:endParaRPr lang="en-GB" dirty="0"/>
@@ -10723,13 +10706,6 @@
   <p:clrMapOvr>
     <a:masterClrMapping/>
   </p:clrMapOvr>
-  <p:timing>
-    <p:tnLst>
-      <p:par>
-        <p:cTn id="1" dur="indefinite" restart="never" nodeType="tmRoot"/>
-      </p:par>
-    </p:tnLst>
-  </p:timing>
 </p:sld>
 </file>
 
@@ -10752,25 +10728,6 @@
       </p:grpSpPr>
       <p:sp>
         <p:nvSpPr>
-          <p:cNvPr id="2" name="Title 1"/>
-          <p:cNvSpPr>
-            <a:spLocks noGrp="1"/>
-          </p:cNvSpPr>
-          <p:nvPr>
-            <p:ph type="title"/>
-          </p:nvPr>
-        </p:nvSpPr>
-        <p:spPr/>
-        <p:txBody>
-          <a:bodyPr/>
-          <a:lstStyle/>
-          <a:p>
-            <a:endParaRPr lang="en-GB" dirty="0"/>
-          </a:p>
-        </p:txBody>
-      </p:sp>
-      <p:sp>
-        <p:nvSpPr>
           <p:cNvPr id="3" name="Text Placeholder 2"/>
           <p:cNvSpPr>
             <a:spLocks noGrp="1"/>
@@ -10790,55 +10747,40 @@
           <a:lstStyle/>
           <a:p>
             <a:r>
+              <a:rPr lang="en-US" sz="2000" dirty="0"/>
+              <a:t>This enables </a:t>
+            </a:r>
+            <a:r>
+              <a:rPr lang="en-US" sz="2000" dirty="0" err="1"/>
+              <a:t>IoT</a:t>
+            </a:r>
+            <a:r>
+              <a:rPr lang="en-US" sz="2000" dirty="0"/>
+              <a:t> controller to run for a predefined countdown timer.eg if </a:t>
+            </a:r>
+            <a:r>
+              <a:rPr lang="en-US" sz="2000" dirty="0" err="1"/>
+              <a:t>IoT</a:t>
+            </a:r>
+            <a:r>
+              <a:rPr lang="en-US" sz="2000" dirty="0"/>
+              <a:t> clock timer is turned on at 9am and set countdown timer for normal work time 8 hours </a:t>
+            </a:r>
+            <a:r>
               <a:rPr lang="en-US" sz="2000" dirty="0" smtClean="0"/>
-              <a:t>This enables </a:t>
-            </a:r>
-            <a:r>
-              <a:rPr lang="en-US" sz="2000" dirty="0" err="1" smtClean="0"/>
-              <a:t>IoT</a:t>
-            </a:r>
-            <a:r>
-              <a:rPr lang="en-US" sz="2000" dirty="0" smtClean="0"/>
-              <a:t> controller to run for a predefined countdown timer.eg if </a:t>
-            </a:r>
-            <a:r>
-              <a:rPr lang="en-US" sz="2000" dirty="0" err="1" smtClean="0"/>
-              <a:t>IoT</a:t>
-            </a:r>
-            <a:r>
-              <a:rPr lang="en-US" sz="2000" dirty="0" smtClean="0"/>
-              <a:t> clock timer is turned on at 9am and set countdown timer for normal work time 8 hours      then      this      module      triggers</a:t>
-            </a:r>
-            <a:endParaRPr lang="en-GB" sz="2000" dirty="0" smtClean="0"/>
-          </a:p>
-          <a:p>
-            <a:r>
-              <a:rPr lang="en-US" sz="2000" dirty="0" smtClean="0"/>
+              <a:t>then this module triggers.</a:t>
+            </a:r>
+            <a:endParaRPr lang="en-GB" sz="2000" dirty="0"/>
+          </a:p>
+          <a:p>
+            <a:r>
+              <a:rPr lang="en-US" sz="2000" dirty="0"/>
               <a:t/>
             </a:r>
             <a:br>
-              <a:rPr lang="en-US" sz="2000" dirty="0" smtClean="0"/>
+              <a:rPr lang="en-US" sz="2000" dirty="0"/>
             </a:br>
             <a:endParaRPr lang="en-GB" sz="2000" dirty="0"/>
-          </a:p>
-        </p:txBody>
-      </p:sp>
-      <p:sp>
-        <p:nvSpPr>
-          <p:cNvPr id="5" name="Text Placeholder 4"/>
-          <p:cNvSpPr>
-            <a:spLocks noGrp="1"/>
-          </p:cNvSpPr>
-          <p:nvPr>
-            <p:ph type="body" sz="quarter" idx="3"/>
-          </p:nvPr>
-        </p:nvSpPr>
-        <p:spPr/>
-        <p:txBody>
-          <a:bodyPr/>
-          <a:lstStyle/>
-          <a:p>
-            <a:endParaRPr lang="en-GB" dirty="0"/>
           </a:p>
         </p:txBody>
       </p:sp>
@@ -10893,13 +10835,6 @@
   <p:clrMapOvr>
     <a:masterClrMapping/>
   </p:clrMapOvr>
-  <p:timing>
-    <p:tnLst>
-      <p:par>
-        <p:cTn id="1" dur="indefinite" restart="never" nodeType="tmRoot"/>
-      </p:par>
-    </p:tnLst>
-  </p:timing>
 </p:sld>
 </file>
 
@@ -10922,25 +10857,6 @@
       </p:grpSpPr>
       <p:sp>
         <p:nvSpPr>
-          <p:cNvPr id="2" name="Title 1"/>
-          <p:cNvSpPr>
-            <a:spLocks noGrp="1"/>
-          </p:cNvSpPr>
-          <p:nvPr>
-            <p:ph type="title"/>
-          </p:nvPr>
-        </p:nvSpPr>
-        <p:spPr/>
-        <p:txBody>
-          <a:bodyPr/>
-          <a:lstStyle/>
-          <a:p>
-            <a:endParaRPr lang="en-GB"/>
-          </a:p>
-        </p:txBody>
-      </p:sp>
-      <p:sp>
-        <p:nvSpPr>
           <p:cNvPr id="3" name="Text Placeholder 2"/>
           <p:cNvSpPr>
             <a:spLocks noGrp="1"/>
@@ -10960,10 +10876,10 @@
           <a:lstStyle/>
           <a:p>
             <a:r>
-              <a:rPr lang="en-US" b="1" dirty="0" smtClean="0"/>
+              <a:rPr lang="en-US" b="1" dirty="0"/>
               <a:t>OPS-Overload Protection Service</a:t>
             </a:r>
-            <a:endParaRPr lang="en-GB" b="1" dirty="0" smtClean="0"/>
+            <a:endParaRPr lang="en-GB" b="1" dirty="0"/>
           </a:p>
           <a:p>
             <a:endParaRPr lang="en-GB" dirty="0"/>
@@ -11014,10 +10930,10 @@
           <a:lstStyle/>
           <a:p>
             <a:r>
-              <a:rPr lang="en-US" sz="2000" dirty="0" smtClean="0"/>
+              <a:rPr lang="en-US" sz="2000" dirty="0"/>
               <a:t>This Image showing 8 hour standard employee working hours.</a:t>
             </a:r>
-            <a:endParaRPr lang="en-GB" sz="2000" dirty="0" smtClean="0"/>
+            <a:endParaRPr lang="en-GB" sz="2000" dirty="0"/>
           </a:p>
           <a:p>
             <a:endParaRPr lang="en-GB" dirty="0"/>
@@ -11052,13 +10968,6 @@
   <p:clrMapOvr>
     <a:masterClrMapping/>
   </p:clrMapOvr>
-  <p:timing>
-    <p:tnLst>
-      <p:par>
-        <p:cTn id="1" dur="indefinite" restart="never" nodeType="tmRoot"/>
-      </p:par>
-    </p:tnLst>
-  </p:timing>
 </p:sld>
 </file>
 
@@ -11079,25 +10988,6 @@
           <a:chExt cx="0" cy="0"/>
         </a:xfrm>
       </p:grpSpPr>
-      <p:sp>
-        <p:nvSpPr>
-          <p:cNvPr id="2" name="Title 1"/>
-          <p:cNvSpPr>
-            <a:spLocks noGrp="1"/>
-          </p:cNvSpPr>
-          <p:nvPr>
-            <p:ph type="title"/>
-          </p:nvPr>
-        </p:nvSpPr>
-        <p:spPr/>
-        <p:txBody>
-          <a:bodyPr/>
-          <a:lstStyle/>
-          <a:p>
-            <a:endParaRPr lang="en-GB"/>
-          </a:p>
-        </p:txBody>
-      </p:sp>
       <p:pic>
         <p:nvPicPr>
           <p:cNvPr id="7" name="Content Placeholder 6" descr="8.PNG"/>
@@ -11123,25 +11013,6 @@
       </p:pic>
       <p:sp>
         <p:nvSpPr>
-          <p:cNvPr id="5" name="Text Placeholder 4"/>
-          <p:cNvSpPr>
-            <a:spLocks noGrp="1"/>
-          </p:cNvSpPr>
-          <p:nvPr>
-            <p:ph type="body" sz="quarter" idx="3"/>
-          </p:nvPr>
-        </p:nvSpPr>
-        <p:spPr/>
-        <p:txBody>
-          <a:bodyPr/>
-          <a:lstStyle/>
-          <a:p>
-            <a:endParaRPr lang="en-GB"/>
-          </a:p>
-        </p:txBody>
-      </p:sp>
-      <p:sp>
-        <p:nvSpPr>
           <p:cNvPr id="6" name="Content Placeholder 5"/>
           <p:cNvSpPr>
             <a:spLocks noGrp="1"/>
@@ -11164,26 +11035,26 @@
               <a:buNone/>
             </a:pPr>
             <a:r>
-              <a:rPr lang="en-US" dirty="0" smtClean="0"/>
+              <a:rPr lang="en-US" dirty="0"/>
               <a:t>      In OPS module safety limit for the running Appliances can be set. </a:t>
             </a:r>
             <a:r>
-              <a:rPr lang="en-US" dirty="0" err="1" smtClean="0"/>
+              <a:rPr lang="en-US" dirty="0" err="1"/>
               <a:t>Eg</a:t>
             </a:r>
             <a:r>
-              <a:rPr lang="en-US" dirty="0" smtClean="0"/>
+              <a:rPr lang="en-US" dirty="0"/>
               <a:t>. If volt limit is 250v AC then if any sudden overvoltage comes in power line this module sends immediate command to </a:t>
             </a:r>
             <a:r>
-              <a:rPr lang="en-US" dirty="0" err="1" smtClean="0"/>
+              <a:rPr lang="en-US" dirty="0" err="1"/>
               <a:t>IoT</a:t>
             </a:r>
             <a:r>
-              <a:rPr lang="en-US" dirty="0" smtClean="0"/>
+              <a:rPr lang="en-US" dirty="0"/>
               <a:t> main board relays to shut down the plant. Likewise safety amps and safety power threshold can be set</a:t>
             </a:r>
-            <a:endParaRPr lang="en-GB" dirty="0" smtClean="0"/>
+            <a:endParaRPr lang="en-GB" dirty="0"/>
           </a:p>
           <a:p>
             <a:endParaRPr lang="en-GB" dirty="0"/>
@@ -11195,13 +11066,6 @@
   <p:clrMapOvr>
     <a:masterClrMapping/>
   </p:clrMapOvr>
-  <p:timing>
-    <p:tnLst>
-      <p:par>
-        <p:cTn id="1" dur="indefinite" restart="never" nodeType="tmRoot"/>
-      </p:par>
-    </p:tnLst>
-  </p:timing>
 </p:sld>
 </file>
 
@@ -11224,25 +11088,6 @@
       </p:grpSpPr>
       <p:sp>
         <p:nvSpPr>
-          <p:cNvPr id="2" name="Title 1"/>
-          <p:cNvSpPr>
-            <a:spLocks noGrp="1"/>
-          </p:cNvSpPr>
-          <p:nvPr>
-            <p:ph type="title"/>
-          </p:nvPr>
-        </p:nvSpPr>
-        <p:spPr/>
-        <p:txBody>
-          <a:bodyPr/>
-          <a:lstStyle/>
-          <a:p>
-            <a:endParaRPr lang="en-GB"/>
-          </a:p>
-        </p:txBody>
-      </p:sp>
-      <p:sp>
-        <p:nvSpPr>
           <p:cNvPr id="3" name="Text Placeholder 2"/>
           <p:cNvSpPr>
             <a:spLocks noGrp="1"/>
@@ -11262,10 +11107,10 @@
           <a:lstStyle/>
           <a:p>
             <a:r>
-              <a:rPr lang="en-US" b="1" dirty="0" smtClean="0"/>
+              <a:rPr lang="en-US" b="1" dirty="0"/>
               <a:t>PCR-Power Consumption Recorder</a:t>
             </a:r>
-            <a:endParaRPr lang="en-GB" b="1" dirty="0" smtClean="0"/>
+            <a:endParaRPr lang="en-GB" b="1" dirty="0"/>
           </a:p>
           <a:p>
             <a:endParaRPr lang="en-GB" dirty="0"/>
@@ -11295,25 +11140,6 @@
           </a:xfrm>
         </p:spPr>
       </p:pic>
-      <p:sp>
-        <p:nvSpPr>
-          <p:cNvPr id="5" name="Text Placeholder 4"/>
-          <p:cNvSpPr>
-            <a:spLocks noGrp="1"/>
-          </p:cNvSpPr>
-          <p:nvPr>
-            <p:ph type="body" sz="quarter" idx="3"/>
-          </p:nvPr>
-        </p:nvSpPr>
-        <p:spPr/>
-        <p:txBody>
-          <a:bodyPr/>
-          <a:lstStyle/>
-          <a:p>
-            <a:endParaRPr lang="en-GB"/>
-          </a:p>
-        </p:txBody>
-      </p:sp>
       <p:pic>
         <p:nvPicPr>
           <p:cNvPr id="8" name="Content Placeholder 7" descr="10.PNG"/>
@@ -11360,26 +11186,26 @@
           <a:lstStyle/>
           <a:p>
             <a:r>
+              <a:rPr lang="en-US" dirty="0"/>
+              <a:t>In PCR module entire power details are displayed in </a:t>
+            </a:r>
+            <a:r>
+              <a:rPr lang="en-US" dirty="0" err="1"/>
+              <a:t>kwh</a:t>
+            </a:r>
+            <a:r>
+              <a:rPr lang="en-US" dirty="0"/>
+              <a:t> and to avoid data loss during </a:t>
+            </a:r>
+            <a:r>
               <a:rPr lang="en-US" dirty="0" smtClean="0"/>
-              <a:t>In PCR module entire power details are displayed in </a:t>
-            </a:r>
-            <a:r>
-              <a:rPr lang="en-US" dirty="0" err="1" smtClean="0"/>
-              <a:t>kwh</a:t>
-            </a:r>
-            <a:r>
-              <a:rPr lang="en-US" dirty="0" smtClean="0"/>
-              <a:t> and to avoid data loss during </a:t>
-            </a:r>
-            <a:r>
-              <a:rPr lang="en-US" dirty="0" err="1" smtClean="0"/>
-              <a:t>powercut</a:t>
-            </a:r>
-            <a:r>
-              <a:rPr lang="en-US" dirty="0" smtClean="0"/>
-              <a:t> this entire records are synced to a EEEPROM chip/SD card mounted to the sub PCB.</a:t>
-            </a:r>
-            <a:endParaRPr lang="en-GB" dirty="0" smtClean="0"/>
+              <a:t>power cut </a:t>
+            </a:r>
+            <a:r>
+              <a:rPr lang="en-US" dirty="0"/>
+              <a:t>this entire records are synced to a EEEPROM chip/SD card mounted to the sub PCB.</a:t>
+            </a:r>
+            <a:endParaRPr lang="en-GB" dirty="0"/>
           </a:p>
           <a:p>
             <a:endParaRPr lang="en-GB" dirty="0"/>
@@ -11391,13 +11217,6 @@
   <p:clrMapOvr>
     <a:masterClrMapping/>
   </p:clrMapOvr>
-  <p:timing>
-    <p:tnLst>
-      <p:par>
-        <p:cTn id="1" dur="indefinite" restart="never" nodeType="tmRoot"/>
-      </p:par>
-    </p:tnLst>
-  </p:timing>
 </p:sld>
 </file>
 
@@ -11423,7 +11242,7 @@
           <p:cNvPr id="2" name="Title 1">
             <a:extLst>
               <a:ext uri="{FF2B5EF4-FFF2-40B4-BE49-F238E27FC236}">
-                <a16:creationId xmlns="" xmlns:a16="http://schemas.microsoft.com/office/drawing/2014/main" id="{8F0E8345-3E98-4F1E-A032-F3D4925CB780}"/>
+                <a16:creationId xmlns:a16="http://schemas.microsoft.com/office/drawing/2014/main" xmlns="" id="{8F0E8345-3E98-4F1E-A032-F3D4925CB780}"/>
               </a:ext>
             </a:extLst>
           </p:cNvPr>
@@ -11453,7 +11272,7 @@
           <p:cNvPr id="3" name="Content Placeholder 2">
             <a:extLst>
               <a:ext uri="{FF2B5EF4-FFF2-40B4-BE49-F238E27FC236}">
-                <a16:creationId xmlns="" xmlns:a16="http://schemas.microsoft.com/office/drawing/2014/main" id="{ACB440F8-0741-4EC1-81B9-22AC0565623F}"/>
+                <a16:creationId xmlns:a16="http://schemas.microsoft.com/office/drawing/2014/main" xmlns="" id="{ACB440F8-0741-4EC1-81B9-22AC0565623F}"/>
               </a:ext>
             </a:extLst>
           </p:cNvPr>
@@ -11466,21 +11285,15 @@
         </p:nvSpPr>
         <p:spPr>
           <a:xfrm>
-            <a:off x="1083733" y="1640264"/>
-            <a:ext cx="11241011" cy="4777469"/>
+            <a:off x="2064470" y="1640264"/>
+            <a:ext cx="10260274" cy="4233251"/>
           </a:xfrm>
         </p:spPr>
         <p:txBody>
-          <a:bodyPr>
-            <a:normAutofit/>
-          </a:bodyPr>
+          <a:bodyPr/>
           <a:lstStyle/>
           <a:p>
-            <a:pPr algn="just">
-              <a:lnSpc>
-                <a:spcPct val="200000"/>
-              </a:lnSpc>
-            </a:pPr>
+            <a:pPr algn="just"/>
             <a:r>
               <a:rPr lang="en-US" sz="1800" dirty="0">
                 <a:effectLst/>
@@ -11491,11 +11304,7 @@
             </a:r>
           </a:p>
           <a:p>
-            <a:pPr algn="just">
-              <a:lnSpc>
-                <a:spcPct val="200000"/>
-              </a:lnSpc>
-            </a:pPr>
+            <a:pPr algn="just"/>
             <a:r>
               <a:rPr lang="en-US" dirty="0">
                 <a:latin typeface="Times New Roman" panose="02020603050405020304" pitchFamily="18" charset="0"/>
@@ -11513,11 +11322,7 @@
             </a:r>
           </a:p>
           <a:p>
-            <a:pPr algn="just">
-              <a:lnSpc>
-                <a:spcPct val="200000"/>
-              </a:lnSpc>
-            </a:pPr>
+            <a:pPr algn="just"/>
             <a:r>
               <a:rPr lang="en-US" sz="1800" dirty="0">
                 <a:effectLst/>
@@ -11528,11 +11333,7 @@
             </a:r>
           </a:p>
           <a:p>
-            <a:pPr algn="just">
-              <a:lnSpc>
-                <a:spcPct val="200000"/>
-              </a:lnSpc>
-            </a:pPr>
+            <a:pPr algn="just"/>
             <a:r>
               <a:rPr lang="en-US" sz="1800" dirty="0">
                 <a:effectLst/>
@@ -11543,34 +11344,18 @@
             </a:r>
           </a:p>
           <a:p>
-            <a:pPr algn="just">
-              <a:lnSpc>
-                <a:spcPct val="200000"/>
-              </a:lnSpc>
-            </a:pPr>
-            <a:r>
-              <a:rPr lang="en-US" sz="1800" dirty="0" smtClean="0">
-                <a:effectLst/>
-                <a:latin typeface="Times New Roman" panose="02020603050405020304" pitchFamily="18" charset="0"/>
-                <a:ea typeface="SimSun" panose="02010600030101010101" pitchFamily="2" charset="-122"/>
-              </a:rPr>
-              <a:t>Get </a:t>
-            </a:r>
+            <a:pPr algn="just"/>
             <a:r>
               <a:rPr lang="en-US" sz="1800" dirty="0">
                 <a:effectLst/>
                 <a:latin typeface="Times New Roman" panose="02020603050405020304" pitchFamily="18" charset="0"/>
                 <a:ea typeface="SimSun" panose="02010600030101010101" pitchFamily="2" charset="-122"/>
               </a:rPr>
-              <a:t>real-time energy insights. </a:t>
-            </a:r>
-          </a:p>
-          <a:p>
-            <a:pPr algn="just">
-              <a:lnSpc>
-                <a:spcPct val="200000"/>
-              </a:lnSpc>
-            </a:pPr>
+              <a:t>Get real-time energy insights. </a:t>
+            </a:r>
+          </a:p>
+          <a:p>
+            <a:pPr algn="just"/>
             <a:r>
               <a:rPr lang="en-US" sz="1800" dirty="0">
                 <a:effectLst/>
@@ -11581,11 +11366,7 @@
             </a:r>
           </a:p>
           <a:p>
-            <a:pPr algn="just">
-              <a:lnSpc>
-                <a:spcPct val="200000"/>
-              </a:lnSpc>
-            </a:pPr>
+            <a:pPr algn="just"/>
             <a:r>
               <a:rPr lang="en-US" sz="1800" dirty="0">
                 <a:effectLst/>
@@ -11610,9 +11391,6 @@
           </a:p>
           <a:p>
             <a:pPr marL="204470" indent="0" algn="just">
-              <a:lnSpc>
-                <a:spcPct val="200000"/>
-              </a:lnSpc>
               <a:buNone/>
             </a:pPr>
             <a:endParaRPr lang="en-IN" sz="1800" dirty="0">
@@ -11622,11 +11400,6 @@
             </a:endParaRPr>
           </a:p>
           <a:p>
-            <a:pPr>
-              <a:lnSpc>
-                <a:spcPct val="200000"/>
-              </a:lnSpc>
-            </a:pPr>
             <a:endParaRPr lang="en-IN" dirty="0"/>
           </a:p>
         </p:txBody>
@@ -11634,24 +11407,1755 @@
     </p:spTree>
     <p:extLst>
       <p:ext uri="{BB962C8B-B14F-4D97-AF65-F5344CB8AC3E}">
-        <p14:creationId xmlns="" xmlns:p14="http://schemas.microsoft.com/office/powerpoint/2010/main" val="22040282"/>
+        <p14:creationId xmlns:p14="http://schemas.microsoft.com/office/powerpoint/2010/main" xmlns="" val="22040282"/>
       </p:ext>
     </p:extLst>
   </p:cSld>
   <p:clrMapOvr>
     <a:masterClrMapping/>
   </p:clrMapOvr>
-  <p:timing>
-    <p:tnLst>
-      <p:par>
-        <p:cTn id="1" dur="indefinite" restart="never" nodeType="tmRoot"/>
-      </p:par>
-    </p:tnLst>
-  </p:timing>
 </p:sld>
 </file>
 
 <file path=ppt/slides/slide26.xml><?xml version="1.0" encoding="utf-8"?>
+<p:sld xmlns:a="http://schemas.openxmlformats.org/drawingml/2006/main" xmlns:r="http://schemas.openxmlformats.org/officeDocument/2006/relationships" xmlns:p="http://schemas.openxmlformats.org/presentationml/2006/main">
+  <p:cSld>
+    <p:spTree>
+      <p:nvGrpSpPr>
+        <p:cNvPr id="1" name=""/>
+        <p:cNvGrpSpPr/>
+        <p:nvPr/>
+      </p:nvGrpSpPr>
+      <p:grpSpPr>
+        <a:xfrm>
+          <a:off x="0" y="0"/>
+          <a:ext cx="0" cy="0"/>
+          <a:chOff x="0" y="0"/>
+          <a:chExt cx="0" cy="0"/>
+        </a:xfrm>
+      </p:grpSpPr>
+      <p:sp>
+        <p:nvSpPr>
+          <p:cNvPr id="2" name="Title 1">
+            <a:extLst>
+              <a:ext uri="{FF2B5EF4-FFF2-40B4-BE49-F238E27FC236}">
+                <a16:creationId xmlns:a16="http://schemas.microsoft.com/office/drawing/2014/main" xmlns="" id="{E756CD67-C8FD-434B-89BD-3B85FAF0BD8F}"/>
+              </a:ext>
+            </a:extLst>
+          </p:cNvPr>
+          <p:cNvSpPr>
+            <a:spLocks noGrp="1"/>
+          </p:cNvSpPr>
+          <p:nvPr>
+            <p:ph type="title"/>
+          </p:nvPr>
+        </p:nvSpPr>
+        <p:spPr>
+          <a:xfrm>
+            <a:off x="1785057" y="239697"/>
+            <a:ext cx="5352589" cy="639192"/>
+          </a:xfrm>
+        </p:spPr>
+        <p:txBody>
+          <a:bodyPr>
+            <a:noAutofit/>
+          </a:bodyPr>
+          <a:lstStyle/>
+          <a:p>
+            <a:r>
+              <a:rPr lang="en-IN" sz="2800" b="1" dirty="0"/>
+              <a:t>PUBLICATIONS:</a:t>
+            </a:r>
+          </a:p>
+        </p:txBody>
+      </p:sp>
+      <p:sp>
+        <p:nvSpPr>
+          <p:cNvPr id="3" name="Content Placeholder 2">
+            <a:extLst>
+              <a:ext uri="{FF2B5EF4-FFF2-40B4-BE49-F238E27FC236}">
+                <a16:creationId xmlns:a16="http://schemas.microsoft.com/office/drawing/2014/main" xmlns="" id="{0D1B255C-F102-4216-809F-BEBBB8D3C36C}"/>
+              </a:ext>
+            </a:extLst>
+          </p:cNvPr>
+          <p:cNvSpPr>
+            <a:spLocks noGrp="1"/>
+          </p:cNvSpPr>
+          <p:nvPr>
+            <p:ph idx="1"/>
+          </p:nvPr>
+        </p:nvSpPr>
+        <p:spPr>
+          <a:xfrm>
+            <a:off x="2216349" y="1334609"/>
+            <a:ext cx="8942881" cy="4933026"/>
+          </a:xfrm>
+        </p:spPr>
+        <p:txBody>
+          <a:bodyPr/>
+          <a:lstStyle/>
+          <a:p>
+            <a:pPr marL="75565"/>
+            <a:r>
+              <a:rPr lang="en-US" sz="1800" b="1" dirty="0">
+                <a:effectLst/>
+                <a:latin typeface="Times New Roman" panose="02020603050405020304" pitchFamily="18" charset="0"/>
+                <a:ea typeface="Times New Roman" panose="02020603050405020304" pitchFamily="18" charset="0"/>
+                <a:cs typeface="Latha" panose="020B0604020202020204" pitchFamily="34" charset="0"/>
+              </a:rPr>
+              <a:t>Jou</a:t>
+            </a:r>
+            <a:r>
+              <a:rPr lang="en-US" sz="1800" b="1" spc="-5" dirty="0">
+                <a:effectLst/>
+                <a:latin typeface="Times New Roman" panose="02020603050405020304" pitchFamily="18" charset="0"/>
+                <a:ea typeface="Times New Roman" panose="02020603050405020304" pitchFamily="18" charset="0"/>
+                <a:cs typeface="Latha" panose="020B0604020202020204" pitchFamily="34" charset="0"/>
+              </a:rPr>
+              <a:t>r</a:t>
+            </a:r>
+            <a:r>
+              <a:rPr lang="en-US" sz="1800" b="1" dirty="0">
+                <a:effectLst/>
+                <a:latin typeface="Times New Roman" panose="02020603050405020304" pitchFamily="18" charset="0"/>
+                <a:ea typeface="Times New Roman" panose="02020603050405020304" pitchFamily="18" charset="0"/>
+                <a:cs typeface="Latha" panose="020B0604020202020204" pitchFamily="34" charset="0"/>
+              </a:rPr>
+              <a:t>nal </a:t>
+            </a:r>
+            <a:r>
+              <a:rPr lang="en-US" sz="1800" b="1" spc="-5" dirty="0">
+                <a:effectLst/>
+                <a:latin typeface="Times New Roman" panose="02020603050405020304" pitchFamily="18" charset="0"/>
+                <a:ea typeface="Times New Roman" panose="02020603050405020304" pitchFamily="18" charset="0"/>
+                <a:cs typeface="Latha" panose="020B0604020202020204" pitchFamily="34" charset="0"/>
+              </a:rPr>
+              <a:t>N</a:t>
+            </a:r>
+            <a:r>
+              <a:rPr lang="en-US" sz="1800" b="1" dirty="0">
+                <a:effectLst/>
+                <a:latin typeface="Times New Roman" panose="02020603050405020304" pitchFamily="18" charset="0"/>
+                <a:ea typeface="Times New Roman" panose="02020603050405020304" pitchFamily="18" charset="0"/>
+                <a:cs typeface="Latha" panose="020B0604020202020204" pitchFamily="34" charset="0"/>
+              </a:rPr>
+              <a:t>a</a:t>
+            </a:r>
+            <a:r>
+              <a:rPr lang="en-US" sz="1800" b="1" spc="-55" dirty="0">
+                <a:effectLst/>
+                <a:latin typeface="Times New Roman" panose="02020603050405020304" pitchFamily="18" charset="0"/>
+                <a:ea typeface="Times New Roman" panose="02020603050405020304" pitchFamily="18" charset="0"/>
+                <a:cs typeface="Latha" panose="020B0604020202020204" pitchFamily="34" charset="0"/>
+              </a:rPr>
+              <a:t>m</a:t>
+            </a:r>
+            <a:r>
+              <a:rPr lang="en-US" sz="1800" b="1" dirty="0">
+                <a:effectLst/>
+                <a:latin typeface="Times New Roman" panose="02020603050405020304" pitchFamily="18" charset="0"/>
+                <a:ea typeface="Times New Roman" panose="02020603050405020304" pitchFamily="18" charset="0"/>
+                <a:cs typeface="Latha" panose="020B0604020202020204" pitchFamily="34" charset="0"/>
+              </a:rPr>
+              <a:t>e</a:t>
+            </a:r>
+            <a:r>
+              <a:rPr lang="en-US" sz="1800" b="1" spc="-5" dirty="0">
+                <a:effectLst/>
+                <a:latin typeface="Times New Roman" panose="02020603050405020304" pitchFamily="18" charset="0"/>
+                <a:ea typeface="Times New Roman" panose="02020603050405020304" pitchFamily="18" charset="0"/>
+                <a:cs typeface="Latha" panose="020B0604020202020204" pitchFamily="34" charset="0"/>
+              </a:rPr>
+              <a:t> </a:t>
+            </a:r>
+            <a:r>
+              <a:rPr lang="en-US" sz="1800" b="1" dirty="0">
+                <a:effectLst/>
+                <a:latin typeface="Times New Roman" panose="02020603050405020304" pitchFamily="18" charset="0"/>
+                <a:ea typeface="Times New Roman" panose="02020603050405020304" pitchFamily="18" charset="0"/>
+                <a:cs typeface="Latha" panose="020B0604020202020204" pitchFamily="34" charset="0"/>
+              </a:rPr>
+              <a:t>-</a:t>
+            </a:r>
+            <a:r>
+              <a:rPr lang="en-US" sz="1800" b="1" spc="5" dirty="0">
+                <a:effectLst/>
+                <a:latin typeface="Times New Roman" panose="02020603050405020304" pitchFamily="18" charset="0"/>
+                <a:ea typeface="Times New Roman" panose="02020603050405020304" pitchFamily="18" charset="0"/>
+                <a:cs typeface="Latha" panose="020B0604020202020204" pitchFamily="34" charset="0"/>
+              </a:rPr>
+              <a:t> </a:t>
+            </a:r>
+            <a:r>
+              <a:rPr lang="en-US" sz="1800" spc="-55" dirty="0">
+                <a:effectLst/>
+                <a:latin typeface="Times New Roman" panose="02020603050405020304" pitchFamily="18" charset="0"/>
+                <a:ea typeface="Times New Roman" panose="02020603050405020304" pitchFamily="18" charset="0"/>
+                <a:cs typeface="Latha" panose="020B0604020202020204" pitchFamily="34" charset="0"/>
+              </a:rPr>
+              <a:t>I</a:t>
+            </a:r>
+            <a:r>
+              <a:rPr lang="en-US" sz="1800" spc="10" dirty="0">
+                <a:effectLst/>
+                <a:latin typeface="Times New Roman" panose="02020603050405020304" pitchFamily="18" charset="0"/>
+                <a:ea typeface="Times New Roman" panose="02020603050405020304" pitchFamily="18" charset="0"/>
+                <a:cs typeface="Latha" panose="020B0604020202020204" pitchFamily="34" charset="0"/>
+              </a:rPr>
+              <a:t>n</a:t>
+            </a:r>
+            <a:r>
+              <a:rPr lang="en-US" sz="1800" dirty="0">
+                <a:effectLst/>
+                <a:latin typeface="Times New Roman" panose="02020603050405020304" pitchFamily="18" charset="0"/>
+                <a:ea typeface="Times New Roman" panose="02020603050405020304" pitchFamily="18" charset="0"/>
+                <a:cs typeface="Latha" panose="020B0604020202020204" pitchFamily="34" charset="0"/>
+              </a:rPr>
+              <a:t>t</a:t>
+            </a:r>
+            <a:r>
+              <a:rPr lang="en-US" sz="1800" spc="5" dirty="0">
+                <a:effectLst/>
+                <a:latin typeface="Times New Roman" panose="02020603050405020304" pitchFamily="18" charset="0"/>
+                <a:ea typeface="Times New Roman" panose="02020603050405020304" pitchFamily="18" charset="0"/>
+                <a:cs typeface="Latha" panose="020B0604020202020204" pitchFamily="34" charset="0"/>
+              </a:rPr>
+              <a:t>e</a:t>
+            </a:r>
+            <a:r>
+              <a:rPr lang="en-US" sz="1800" spc="-5" dirty="0">
+                <a:effectLst/>
+                <a:latin typeface="Times New Roman" panose="02020603050405020304" pitchFamily="18" charset="0"/>
+                <a:ea typeface="Times New Roman" panose="02020603050405020304" pitchFamily="18" charset="0"/>
+                <a:cs typeface="Latha" panose="020B0604020202020204" pitchFamily="34" charset="0"/>
+              </a:rPr>
+              <a:t>r</a:t>
+            </a:r>
+            <a:r>
+              <a:rPr lang="en-US" sz="1800" dirty="0">
+                <a:effectLst/>
+                <a:latin typeface="Times New Roman" panose="02020603050405020304" pitchFamily="18" charset="0"/>
+                <a:ea typeface="Times New Roman" panose="02020603050405020304" pitchFamily="18" charset="0"/>
+                <a:cs typeface="Latha" panose="020B0604020202020204" pitchFamily="34" charset="0"/>
+              </a:rPr>
+              <a:t>n</a:t>
+            </a:r>
+            <a:r>
+              <a:rPr lang="en-US" sz="1800" spc="-5" dirty="0">
+                <a:effectLst/>
+                <a:latin typeface="Times New Roman" panose="02020603050405020304" pitchFamily="18" charset="0"/>
+                <a:ea typeface="Times New Roman" panose="02020603050405020304" pitchFamily="18" charset="0"/>
+                <a:cs typeface="Latha" panose="020B0604020202020204" pitchFamily="34" charset="0"/>
+              </a:rPr>
+              <a:t>a</a:t>
+            </a:r>
+            <a:r>
+              <a:rPr lang="en-US" sz="1800" spc="10" dirty="0">
+                <a:effectLst/>
+                <a:latin typeface="Times New Roman" panose="02020603050405020304" pitchFamily="18" charset="0"/>
+                <a:ea typeface="Times New Roman" panose="02020603050405020304" pitchFamily="18" charset="0"/>
+                <a:cs typeface="Latha" panose="020B0604020202020204" pitchFamily="34" charset="0"/>
+              </a:rPr>
+              <a:t>t</a:t>
+            </a:r>
+            <a:r>
+              <a:rPr lang="en-US" sz="1800" dirty="0">
+                <a:effectLst/>
+                <a:latin typeface="Times New Roman" panose="02020603050405020304" pitchFamily="18" charset="0"/>
+                <a:ea typeface="Times New Roman" panose="02020603050405020304" pitchFamily="18" charset="0"/>
+                <a:cs typeface="Latha" panose="020B0604020202020204" pitchFamily="34" charset="0"/>
+              </a:rPr>
+              <a:t>ion</a:t>
+            </a:r>
+            <a:r>
+              <a:rPr lang="en-US" sz="1800" spc="-5" dirty="0">
+                <a:effectLst/>
+                <a:latin typeface="Times New Roman" panose="02020603050405020304" pitchFamily="18" charset="0"/>
+                <a:ea typeface="Times New Roman" panose="02020603050405020304" pitchFamily="18" charset="0"/>
+                <a:cs typeface="Latha" panose="020B0604020202020204" pitchFamily="34" charset="0"/>
+              </a:rPr>
+              <a:t>a</a:t>
+            </a:r>
+            <a:r>
+              <a:rPr lang="en-US" sz="1800" dirty="0">
+                <a:effectLst/>
+                <a:latin typeface="Times New Roman" panose="02020603050405020304" pitchFamily="18" charset="0"/>
+                <a:ea typeface="Times New Roman" panose="02020603050405020304" pitchFamily="18" charset="0"/>
+                <a:cs typeface="Latha" panose="020B0604020202020204" pitchFamily="34" charset="0"/>
+              </a:rPr>
+              <a:t>l </a:t>
+            </a:r>
+            <a:r>
+              <a:rPr lang="en-US" sz="1800" spc="10" dirty="0">
+                <a:effectLst/>
+                <a:latin typeface="Times New Roman" panose="02020603050405020304" pitchFamily="18" charset="0"/>
+                <a:ea typeface="Times New Roman" panose="02020603050405020304" pitchFamily="18" charset="0"/>
+                <a:cs typeface="Latha" panose="020B0604020202020204" pitchFamily="34" charset="0"/>
+              </a:rPr>
+              <a:t>J</a:t>
+            </a:r>
+            <a:r>
+              <a:rPr lang="en-US" sz="1800" dirty="0">
+                <a:effectLst/>
+                <a:latin typeface="Times New Roman" panose="02020603050405020304" pitchFamily="18" charset="0"/>
+                <a:ea typeface="Times New Roman" panose="02020603050405020304" pitchFamily="18" charset="0"/>
+                <a:cs typeface="Latha" panose="020B0604020202020204" pitchFamily="34" charset="0"/>
+              </a:rPr>
+              <a:t>ou</a:t>
+            </a:r>
+            <a:r>
+              <a:rPr lang="en-US" sz="1800" spc="-5" dirty="0">
+                <a:effectLst/>
+                <a:latin typeface="Times New Roman" panose="02020603050405020304" pitchFamily="18" charset="0"/>
+                <a:ea typeface="Times New Roman" panose="02020603050405020304" pitchFamily="18" charset="0"/>
+                <a:cs typeface="Latha" panose="020B0604020202020204" pitchFamily="34" charset="0"/>
+              </a:rPr>
+              <a:t>r</a:t>
+            </a:r>
+            <a:r>
+              <a:rPr lang="en-US" sz="1800" dirty="0">
+                <a:effectLst/>
+                <a:latin typeface="Times New Roman" panose="02020603050405020304" pitchFamily="18" charset="0"/>
+                <a:ea typeface="Times New Roman" panose="02020603050405020304" pitchFamily="18" charset="0"/>
+                <a:cs typeface="Latha" panose="020B0604020202020204" pitchFamily="34" charset="0"/>
+              </a:rPr>
+              <a:t>n</a:t>
+            </a:r>
+            <a:r>
+              <a:rPr lang="en-US" sz="1800" spc="-5" dirty="0">
+                <a:effectLst/>
+                <a:latin typeface="Times New Roman" panose="02020603050405020304" pitchFamily="18" charset="0"/>
+                <a:ea typeface="Times New Roman" panose="02020603050405020304" pitchFamily="18" charset="0"/>
+                <a:cs typeface="Latha" panose="020B0604020202020204" pitchFamily="34" charset="0"/>
+              </a:rPr>
+              <a:t>a</a:t>
+            </a:r>
+            <a:r>
+              <a:rPr lang="en-US" sz="1800" dirty="0">
+                <a:effectLst/>
+                <a:latin typeface="Times New Roman" panose="02020603050405020304" pitchFamily="18" charset="0"/>
+                <a:ea typeface="Times New Roman" panose="02020603050405020304" pitchFamily="18" charset="0"/>
+                <a:cs typeface="Latha" panose="020B0604020202020204" pitchFamily="34" charset="0"/>
+              </a:rPr>
+              <a:t>l of</a:t>
+            </a:r>
+            <a:r>
+              <a:rPr lang="en-US" sz="1800" spc="-5" dirty="0">
+                <a:effectLst/>
+                <a:latin typeface="Times New Roman" panose="02020603050405020304" pitchFamily="18" charset="0"/>
+                <a:ea typeface="Times New Roman" panose="02020603050405020304" pitchFamily="18" charset="0"/>
+                <a:cs typeface="Latha" panose="020B0604020202020204" pitchFamily="34" charset="0"/>
+              </a:rPr>
+              <a:t> </a:t>
+            </a:r>
+            <a:r>
+              <a:rPr lang="en-US" sz="1800" dirty="0">
+                <a:effectLst/>
+                <a:latin typeface="Times New Roman" panose="02020603050405020304" pitchFamily="18" charset="0"/>
+                <a:ea typeface="Times New Roman" panose="02020603050405020304" pitchFamily="18" charset="0"/>
+                <a:cs typeface="Latha" panose="020B0604020202020204" pitchFamily="34" charset="0"/>
+              </a:rPr>
+              <a:t>C</a:t>
+            </a:r>
+            <a:r>
+              <a:rPr lang="en-US" sz="1800" spc="-5" dirty="0">
+                <a:effectLst/>
+                <a:latin typeface="Times New Roman" panose="02020603050405020304" pitchFamily="18" charset="0"/>
+                <a:ea typeface="Times New Roman" panose="02020603050405020304" pitchFamily="18" charset="0"/>
+                <a:cs typeface="Latha" panose="020B0604020202020204" pitchFamily="34" charset="0"/>
+              </a:rPr>
+              <a:t>rea</a:t>
+            </a:r>
+            <a:r>
+              <a:rPr lang="en-US" sz="1800" dirty="0">
+                <a:effectLst/>
+                <a:latin typeface="Times New Roman" panose="02020603050405020304" pitchFamily="18" charset="0"/>
+                <a:ea typeface="Times New Roman" panose="02020603050405020304" pitchFamily="18" charset="0"/>
+                <a:cs typeface="Latha" panose="020B0604020202020204" pitchFamily="34" charset="0"/>
+              </a:rPr>
+              <a:t>tive</a:t>
+            </a:r>
+            <a:r>
+              <a:rPr lang="en-US" sz="1800" spc="-5" dirty="0">
+                <a:effectLst/>
+                <a:latin typeface="Times New Roman" panose="02020603050405020304" pitchFamily="18" charset="0"/>
+                <a:ea typeface="Times New Roman" panose="02020603050405020304" pitchFamily="18" charset="0"/>
+                <a:cs typeface="Latha" panose="020B0604020202020204" pitchFamily="34" charset="0"/>
+              </a:rPr>
+              <a:t> </a:t>
+            </a:r>
+            <a:r>
+              <a:rPr lang="en-US" sz="1800" dirty="0">
+                <a:effectLst/>
+                <a:latin typeface="Times New Roman" panose="02020603050405020304" pitchFamily="18" charset="0"/>
+                <a:ea typeface="Times New Roman" panose="02020603050405020304" pitchFamily="18" charset="0"/>
+                <a:cs typeface="Latha" panose="020B0604020202020204" pitchFamily="34" charset="0"/>
+              </a:rPr>
+              <a:t>R</a:t>
+            </a:r>
+            <a:r>
+              <a:rPr lang="en-US" sz="1800" spc="-5" dirty="0">
+                <a:effectLst/>
+                <a:latin typeface="Times New Roman" panose="02020603050405020304" pitchFamily="18" charset="0"/>
+                <a:ea typeface="Times New Roman" panose="02020603050405020304" pitchFamily="18" charset="0"/>
+                <a:cs typeface="Latha" panose="020B0604020202020204" pitchFamily="34" charset="0"/>
+              </a:rPr>
+              <a:t>e</a:t>
+            </a:r>
+            <a:r>
+              <a:rPr lang="en-US" sz="1800" dirty="0">
+                <a:effectLst/>
+                <a:latin typeface="Times New Roman" panose="02020603050405020304" pitchFamily="18" charset="0"/>
+                <a:ea typeface="Times New Roman" panose="02020603050405020304" pitchFamily="18" charset="0"/>
+                <a:cs typeface="Latha" panose="020B0604020202020204" pitchFamily="34" charset="0"/>
+              </a:rPr>
+              <a:t>s</a:t>
+            </a:r>
+            <a:r>
+              <a:rPr lang="en-US" sz="1800" spc="-5" dirty="0">
+                <a:effectLst/>
+                <a:latin typeface="Times New Roman" panose="02020603050405020304" pitchFamily="18" charset="0"/>
+                <a:ea typeface="Times New Roman" panose="02020603050405020304" pitchFamily="18" charset="0"/>
+                <a:cs typeface="Latha" panose="020B0604020202020204" pitchFamily="34" charset="0"/>
+              </a:rPr>
+              <a:t>earc</a:t>
+            </a:r>
+            <a:r>
+              <a:rPr lang="en-US" sz="1800" dirty="0">
+                <a:effectLst/>
+                <a:latin typeface="Times New Roman" panose="02020603050405020304" pitchFamily="18" charset="0"/>
+                <a:ea typeface="Times New Roman" panose="02020603050405020304" pitchFamily="18" charset="0"/>
+                <a:cs typeface="Latha" panose="020B0604020202020204" pitchFamily="34" charset="0"/>
+              </a:rPr>
+              <a:t>h</a:t>
+            </a:r>
+            <a:r>
+              <a:rPr lang="en-US" sz="1800" spc="10" dirty="0">
+                <a:effectLst/>
+                <a:latin typeface="Times New Roman" panose="02020603050405020304" pitchFamily="18" charset="0"/>
+                <a:ea typeface="Times New Roman" panose="02020603050405020304" pitchFamily="18" charset="0"/>
+                <a:cs typeface="Latha" panose="020B0604020202020204" pitchFamily="34" charset="0"/>
+              </a:rPr>
+              <a:t> </a:t>
+            </a:r>
+            <a:r>
+              <a:rPr lang="en-US" sz="1800" spc="-5" dirty="0">
+                <a:effectLst/>
+                <a:latin typeface="Times New Roman" panose="02020603050405020304" pitchFamily="18" charset="0"/>
+                <a:ea typeface="Times New Roman" panose="02020603050405020304" pitchFamily="18" charset="0"/>
+                <a:cs typeface="Latha" panose="020B0604020202020204" pitchFamily="34" charset="0"/>
+              </a:rPr>
+              <a:t>T</a:t>
+            </a:r>
+            <a:r>
+              <a:rPr lang="en-US" sz="1800" dirty="0">
+                <a:effectLst/>
+                <a:latin typeface="Times New Roman" panose="02020603050405020304" pitchFamily="18" charset="0"/>
+                <a:ea typeface="Times New Roman" panose="02020603050405020304" pitchFamily="18" charset="0"/>
+                <a:cs typeface="Latha" panose="020B0604020202020204" pitchFamily="34" charset="0"/>
+              </a:rPr>
+              <a:t>ho</a:t>
+            </a:r>
+            <a:r>
+              <a:rPr lang="en-US" sz="1800" spc="10" dirty="0">
+                <a:effectLst/>
+                <a:latin typeface="Times New Roman" panose="02020603050405020304" pitchFamily="18" charset="0"/>
+                <a:ea typeface="Times New Roman" panose="02020603050405020304" pitchFamily="18" charset="0"/>
+                <a:cs typeface="Latha" panose="020B0604020202020204" pitchFamily="34" charset="0"/>
+              </a:rPr>
+              <a:t>u</a:t>
+            </a:r>
+            <a:r>
+              <a:rPr lang="en-US" sz="1800" spc="-15" dirty="0">
+                <a:effectLst/>
+                <a:latin typeface="Times New Roman" panose="02020603050405020304" pitchFamily="18" charset="0"/>
+                <a:ea typeface="Times New Roman" panose="02020603050405020304" pitchFamily="18" charset="0"/>
+                <a:cs typeface="Latha" panose="020B0604020202020204" pitchFamily="34" charset="0"/>
+              </a:rPr>
+              <a:t>g</a:t>
+            </a:r>
+            <a:r>
+              <a:rPr lang="en-US" sz="1800" dirty="0">
+                <a:effectLst/>
+                <a:latin typeface="Times New Roman" panose="02020603050405020304" pitchFamily="18" charset="0"/>
+                <a:ea typeface="Times New Roman" panose="02020603050405020304" pitchFamily="18" charset="0"/>
+                <a:cs typeface="Latha" panose="020B0604020202020204" pitchFamily="34" charset="0"/>
+              </a:rPr>
+              <a:t>hts </a:t>
+            </a:r>
+            <a:r>
+              <a:rPr lang="en-US" sz="1800" spc="5" dirty="0">
+                <a:effectLst/>
+                <a:latin typeface="Times New Roman" panose="02020603050405020304" pitchFamily="18" charset="0"/>
+                <a:ea typeface="Times New Roman" panose="02020603050405020304" pitchFamily="18" charset="0"/>
+                <a:cs typeface="Latha" panose="020B0604020202020204" pitchFamily="34" charset="0"/>
+              </a:rPr>
+              <a:t>(</a:t>
+            </a:r>
+            <a:r>
+              <a:rPr lang="en-US" sz="1800" spc="-30" dirty="0">
+                <a:effectLst/>
+                <a:latin typeface="Times New Roman" panose="02020603050405020304" pitchFamily="18" charset="0"/>
+                <a:ea typeface="Times New Roman" panose="02020603050405020304" pitchFamily="18" charset="0"/>
+                <a:cs typeface="Latha" panose="020B0604020202020204" pitchFamily="34" charset="0"/>
+              </a:rPr>
+              <a:t>I</a:t>
+            </a:r>
+            <a:r>
+              <a:rPr lang="en-US" sz="1800" spc="10" dirty="0">
+                <a:effectLst/>
+                <a:latin typeface="Times New Roman" panose="02020603050405020304" pitchFamily="18" charset="0"/>
+                <a:ea typeface="Times New Roman" panose="02020603050405020304" pitchFamily="18" charset="0"/>
+                <a:cs typeface="Latha" panose="020B0604020202020204" pitchFamily="34" charset="0"/>
+              </a:rPr>
+              <a:t>J</a:t>
+            </a:r>
+            <a:r>
+              <a:rPr lang="en-US" sz="1800" spc="15" dirty="0">
+                <a:effectLst/>
+                <a:latin typeface="Times New Roman" panose="02020603050405020304" pitchFamily="18" charset="0"/>
+                <a:ea typeface="Times New Roman" panose="02020603050405020304" pitchFamily="18" charset="0"/>
+                <a:cs typeface="Latha" panose="020B0604020202020204" pitchFamily="34" charset="0"/>
+              </a:rPr>
+              <a:t>C</a:t>
+            </a:r>
+            <a:r>
+              <a:rPr lang="en-US" sz="1800" dirty="0">
+                <a:effectLst/>
+                <a:latin typeface="Times New Roman" panose="02020603050405020304" pitchFamily="18" charset="0"/>
+                <a:ea typeface="Times New Roman" panose="02020603050405020304" pitchFamily="18" charset="0"/>
+                <a:cs typeface="Latha" panose="020B0604020202020204" pitchFamily="34" charset="0"/>
+              </a:rPr>
+              <a:t>R</a:t>
+            </a:r>
+            <a:r>
+              <a:rPr lang="en-US" sz="1800" spc="-5" dirty="0">
+                <a:effectLst/>
+                <a:latin typeface="Times New Roman" panose="02020603050405020304" pitchFamily="18" charset="0"/>
+                <a:ea typeface="Times New Roman" panose="02020603050405020304" pitchFamily="18" charset="0"/>
+                <a:cs typeface="Latha" panose="020B0604020202020204" pitchFamily="34" charset="0"/>
+              </a:rPr>
+              <a:t>T</a:t>
+            </a:r>
+            <a:r>
+              <a:rPr lang="en-US" sz="1800" dirty="0">
+                <a:effectLst/>
+                <a:latin typeface="Times New Roman" panose="02020603050405020304" pitchFamily="18" charset="0"/>
+                <a:ea typeface="Times New Roman" panose="02020603050405020304" pitchFamily="18" charset="0"/>
+                <a:cs typeface="Latha" panose="020B0604020202020204" pitchFamily="34" charset="0"/>
+              </a:rPr>
+              <a:t>)</a:t>
+            </a:r>
+            <a:endParaRPr lang="en-IN" sz="1800" dirty="0">
+              <a:effectLst/>
+              <a:latin typeface="Calibri" panose="020F0502020204030204" pitchFamily="34" charset="0"/>
+              <a:ea typeface="Calibri" panose="020F0502020204030204" pitchFamily="34" charset="0"/>
+              <a:cs typeface="Latha" panose="020B0604020202020204" pitchFamily="34" charset="0"/>
+            </a:endParaRPr>
+          </a:p>
+          <a:p>
+            <a:pPr>
+              <a:lnSpc>
+                <a:spcPts val="650"/>
+              </a:lnSpc>
+              <a:spcBef>
+                <a:spcPts val="45"/>
+              </a:spcBef>
+            </a:pPr>
+            <a:r>
+              <a:rPr lang="en-US" sz="1800" dirty="0">
+                <a:effectLst/>
+                <a:latin typeface="Calibri" panose="020F0502020204030204" pitchFamily="34" charset="0"/>
+                <a:ea typeface="Calibri" panose="020F0502020204030204" pitchFamily="34" charset="0"/>
+                <a:cs typeface="Latha" panose="020B0604020202020204" pitchFamily="34" charset="0"/>
+              </a:rPr>
+              <a:t> </a:t>
+            </a:r>
+            <a:endParaRPr lang="en-IN" sz="1800" dirty="0">
+              <a:effectLst/>
+              <a:latin typeface="Calibri" panose="020F0502020204030204" pitchFamily="34" charset="0"/>
+              <a:ea typeface="Calibri" panose="020F0502020204030204" pitchFamily="34" charset="0"/>
+              <a:cs typeface="Latha" panose="020B0604020202020204" pitchFamily="34" charset="0"/>
+            </a:endParaRPr>
+          </a:p>
+          <a:p>
+            <a:pPr marL="75565"/>
+            <a:r>
+              <a:rPr lang="en-US" sz="1800" b="1" spc="-40" dirty="0">
+                <a:effectLst/>
+                <a:latin typeface="Times New Roman" panose="02020603050405020304" pitchFamily="18" charset="0"/>
+                <a:ea typeface="Times New Roman" panose="02020603050405020304" pitchFamily="18" charset="0"/>
+                <a:cs typeface="Latha" panose="020B0604020202020204" pitchFamily="34" charset="0"/>
+              </a:rPr>
+              <a:t>P</a:t>
+            </a:r>
+            <a:r>
+              <a:rPr lang="en-US" sz="1800" b="1" dirty="0">
+                <a:effectLst/>
+                <a:latin typeface="Times New Roman" panose="02020603050405020304" pitchFamily="18" charset="0"/>
+                <a:ea typeface="Times New Roman" panose="02020603050405020304" pitchFamily="18" charset="0"/>
+                <a:cs typeface="Latha" panose="020B0604020202020204" pitchFamily="34" charset="0"/>
+              </a:rPr>
+              <a:t>ap</a:t>
+            </a:r>
+            <a:r>
+              <a:rPr lang="en-US" sz="1800" b="1" spc="-5" dirty="0">
+                <a:effectLst/>
+                <a:latin typeface="Times New Roman" panose="02020603050405020304" pitchFamily="18" charset="0"/>
+                <a:ea typeface="Times New Roman" panose="02020603050405020304" pitchFamily="18" charset="0"/>
+                <a:cs typeface="Latha" panose="020B0604020202020204" pitchFamily="34" charset="0"/>
+              </a:rPr>
+              <a:t>e</a:t>
+            </a:r>
+            <a:r>
+              <a:rPr lang="en-US" sz="1800" b="1" dirty="0">
+                <a:effectLst/>
+                <a:latin typeface="Times New Roman" panose="02020603050405020304" pitchFamily="18" charset="0"/>
+                <a:ea typeface="Times New Roman" panose="02020603050405020304" pitchFamily="18" charset="0"/>
+                <a:cs typeface="Latha" panose="020B0604020202020204" pitchFamily="34" charset="0"/>
+              </a:rPr>
+              <a:t>r</a:t>
+            </a:r>
+            <a:r>
+              <a:rPr lang="en-US" sz="1800" b="1" spc="-5" dirty="0">
+                <a:effectLst/>
+                <a:latin typeface="Times New Roman" panose="02020603050405020304" pitchFamily="18" charset="0"/>
+                <a:ea typeface="Times New Roman" panose="02020603050405020304" pitchFamily="18" charset="0"/>
+                <a:cs typeface="Latha" panose="020B0604020202020204" pitchFamily="34" charset="0"/>
+              </a:rPr>
+              <a:t> </a:t>
+            </a:r>
+            <a:r>
+              <a:rPr lang="en-US" sz="1800" b="1" dirty="0">
+                <a:effectLst/>
+                <a:latin typeface="Times New Roman" panose="02020603050405020304" pitchFamily="18" charset="0"/>
+                <a:ea typeface="Times New Roman" panose="02020603050405020304" pitchFamily="18" charset="0"/>
+                <a:cs typeface="Latha" panose="020B0604020202020204" pitchFamily="34" charset="0"/>
+              </a:rPr>
+              <a:t>Ti</a:t>
+            </a:r>
+            <a:r>
+              <a:rPr lang="en-US" sz="1800" b="1" spc="-5" dirty="0">
+                <a:effectLst/>
+                <a:latin typeface="Times New Roman" panose="02020603050405020304" pitchFamily="18" charset="0"/>
+                <a:ea typeface="Times New Roman" panose="02020603050405020304" pitchFamily="18" charset="0"/>
+                <a:cs typeface="Latha" panose="020B0604020202020204" pitchFamily="34" charset="0"/>
+              </a:rPr>
+              <a:t>t</a:t>
+            </a:r>
+            <a:r>
+              <a:rPr lang="en-US" sz="1800" b="1" dirty="0">
+                <a:effectLst/>
+                <a:latin typeface="Times New Roman" panose="02020603050405020304" pitchFamily="18" charset="0"/>
+                <a:ea typeface="Times New Roman" panose="02020603050405020304" pitchFamily="18" charset="0"/>
+                <a:cs typeface="Latha" panose="020B0604020202020204" pitchFamily="34" charset="0"/>
+              </a:rPr>
+              <a:t>l</a:t>
+            </a:r>
+            <a:r>
+              <a:rPr lang="en-US" sz="1800" b="1" spc="-5" dirty="0">
+                <a:effectLst/>
+                <a:latin typeface="Times New Roman" panose="02020603050405020304" pitchFamily="18" charset="0"/>
+                <a:ea typeface="Times New Roman" panose="02020603050405020304" pitchFamily="18" charset="0"/>
+                <a:cs typeface="Latha" panose="020B0604020202020204" pitchFamily="34" charset="0"/>
+              </a:rPr>
+              <a:t>e</a:t>
+            </a:r>
+            <a:r>
+              <a:rPr lang="en-US" sz="1800" dirty="0">
+                <a:effectLst/>
+                <a:latin typeface="Times New Roman" panose="02020603050405020304" pitchFamily="18" charset="0"/>
+                <a:ea typeface="Times New Roman" panose="02020603050405020304" pitchFamily="18" charset="0"/>
+                <a:cs typeface="Latha" panose="020B0604020202020204" pitchFamily="34" charset="0"/>
+              </a:rPr>
+              <a:t>-</a:t>
+            </a:r>
+            <a:r>
+              <a:rPr lang="en-US" sz="1800" spc="-5" dirty="0">
+                <a:effectLst/>
+                <a:latin typeface="Times New Roman" panose="02020603050405020304" pitchFamily="18" charset="0"/>
+                <a:ea typeface="Times New Roman" panose="02020603050405020304" pitchFamily="18" charset="0"/>
+                <a:cs typeface="Latha" panose="020B0604020202020204" pitchFamily="34" charset="0"/>
+              </a:rPr>
+              <a:t> </a:t>
+            </a:r>
+            <a:r>
+              <a:rPr lang="en-US" sz="1800" dirty="0">
+                <a:effectLst/>
+                <a:latin typeface="Times New Roman" panose="02020603050405020304" pitchFamily="18" charset="0"/>
+                <a:ea typeface="Times New Roman" panose="02020603050405020304" pitchFamily="18" charset="0"/>
+                <a:cs typeface="Latha" panose="020B0604020202020204" pitchFamily="34" charset="0"/>
+              </a:rPr>
+              <a:t>Sm</a:t>
+            </a:r>
+            <a:r>
+              <a:rPr lang="en-US" sz="1800" spc="-5" dirty="0">
+                <a:effectLst/>
+                <a:latin typeface="Times New Roman" panose="02020603050405020304" pitchFamily="18" charset="0"/>
+                <a:ea typeface="Times New Roman" panose="02020603050405020304" pitchFamily="18" charset="0"/>
+                <a:cs typeface="Latha" panose="020B0604020202020204" pitchFamily="34" charset="0"/>
+              </a:rPr>
+              <a:t>ar</a:t>
+            </a:r>
+            <a:r>
+              <a:rPr lang="en-US" sz="1800" dirty="0">
+                <a:effectLst/>
+                <a:latin typeface="Times New Roman" panose="02020603050405020304" pitchFamily="18" charset="0"/>
+                <a:ea typeface="Times New Roman" panose="02020603050405020304" pitchFamily="18" charset="0"/>
+                <a:cs typeface="Latha" panose="020B0604020202020204" pitchFamily="34" charset="0"/>
+              </a:rPr>
+              <a:t>t </a:t>
+            </a:r>
+            <a:r>
+              <a:rPr lang="en-US" sz="1800" spc="-5" dirty="0">
+                <a:effectLst/>
+                <a:latin typeface="Times New Roman" panose="02020603050405020304" pitchFamily="18" charset="0"/>
+                <a:ea typeface="Times New Roman" panose="02020603050405020304" pitchFamily="18" charset="0"/>
+                <a:cs typeface="Latha" panose="020B0604020202020204" pitchFamily="34" charset="0"/>
+              </a:rPr>
+              <a:t>E</a:t>
+            </a:r>
+            <a:r>
+              <a:rPr lang="en-US" sz="1800" spc="10" dirty="0">
+                <a:effectLst/>
+                <a:latin typeface="Times New Roman" panose="02020603050405020304" pitchFamily="18" charset="0"/>
+                <a:ea typeface="Times New Roman" panose="02020603050405020304" pitchFamily="18" charset="0"/>
+                <a:cs typeface="Latha" panose="020B0604020202020204" pitchFamily="34" charset="0"/>
+              </a:rPr>
+              <a:t>n</a:t>
+            </a:r>
+            <a:r>
+              <a:rPr lang="en-US" sz="1800" spc="5" dirty="0">
+                <a:effectLst/>
+                <a:latin typeface="Times New Roman" panose="02020603050405020304" pitchFamily="18" charset="0"/>
+                <a:ea typeface="Times New Roman" panose="02020603050405020304" pitchFamily="18" charset="0"/>
+                <a:cs typeface="Latha" panose="020B0604020202020204" pitchFamily="34" charset="0"/>
+              </a:rPr>
+              <a:t>er</a:t>
+            </a:r>
+            <a:r>
+              <a:rPr lang="en-US" sz="1800" spc="10" dirty="0">
+                <a:effectLst/>
+                <a:latin typeface="Times New Roman" panose="02020603050405020304" pitchFamily="18" charset="0"/>
+                <a:ea typeface="Times New Roman" panose="02020603050405020304" pitchFamily="18" charset="0"/>
+                <a:cs typeface="Latha" panose="020B0604020202020204" pitchFamily="34" charset="0"/>
+              </a:rPr>
+              <a:t>g</a:t>
+            </a:r>
+            <a:r>
+              <a:rPr lang="en-US" sz="1800" dirty="0">
+                <a:effectLst/>
+                <a:latin typeface="Times New Roman" panose="02020603050405020304" pitchFamily="18" charset="0"/>
+                <a:ea typeface="Times New Roman" panose="02020603050405020304" pitchFamily="18" charset="0"/>
+                <a:cs typeface="Latha" panose="020B0604020202020204" pitchFamily="34" charset="0"/>
+              </a:rPr>
+              <a:t>y</a:t>
+            </a:r>
+            <a:r>
+              <a:rPr lang="en-US" sz="1800" spc="-50" dirty="0">
+                <a:effectLst/>
+                <a:latin typeface="Times New Roman" panose="02020603050405020304" pitchFamily="18" charset="0"/>
+                <a:ea typeface="Times New Roman" panose="02020603050405020304" pitchFamily="18" charset="0"/>
+                <a:cs typeface="Latha" panose="020B0604020202020204" pitchFamily="34" charset="0"/>
+              </a:rPr>
+              <a:t> </a:t>
+            </a:r>
+            <a:r>
+              <a:rPr lang="en-US" sz="1800" dirty="0">
+                <a:effectLst/>
+                <a:latin typeface="Times New Roman" panose="02020603050405020304" pitchFamily="18" charset="0"/>
+                <a:ea typeface="Times New Roman" panose="02020603050405020304" pitchFamily="18" charset="0"/>
+                <a:cs typeface="Latha" panose="020B0604020202020204" pitchFamily="34" charset="0"/>
+              </a:rPr>
+              <a:t>Monito</a:t>
+            </a:r>
+            <a:r>
+              <a:rPr lang="en-US" sz="1800" spc="-5" dirty="0">
+                <a:effectLst/>
+                <a:latin typeface="Times New Roman" panose="02020603050405020304" pitchFamily="18" charset="0"/>
+                <a:ea typeface="Times New Roman" panose="02020603050405020304" pitchFamily="18" charset="0"/>
+                <a:cs typeface="Latha" panose="020B0604020202020204" pitchFamily="34" charset="0"/>
+              </a:rPr>
+              <a:t>r</a:t>
+            </a:r>
+            <a:r>
+              <a:rPr lang="en-US" sz="1800" dirty="0">
+                <a:effectLst/>
+                <a:latin typeface="Times New Roman" panose="02020603050405020304" pitchFamily="18" charset="0"/>
+                <a:ea typeface="Times New Roman" panose="02020603050405020304" pitchFamily="18" charset="0"/>
+                <a:cs typeface="Latha" panose="020B0604020202020204" pitchFamily="34" charset="0"/>
+              </a:rPr>
+              <a:t>i</a:t>
+            </a:r>
+            <a:r>
+              <a:rPr lang="en-US" sz="1800" spc="10" dirty="0">
+                <a:effectLst/>
+                <a:latin typeface="Times New Roman" panose="02020603050405020304" pitchFamily="18" charset="0"/>
+                <a:ea typeface="Times New Roman" panose="02020603050405020304" pitchFamily="18" charset="0"/>
+                <a:cs typeface="Latha" panose="020B0604020202020204" pitchFamily="34" charset="0"/>
+              </a:rPr>
+              <a:t>n</a:t>
+            </a:r>
+            <a:r>
+              <a:rPr lang="en-US" sz="1800" dirty="0">
+                <a:effectLst/>
+                <a:latin typeface="Times New Roman" panose="02020603050405020304" pitchFamily="18" charset="0"/>
+                <a:ea typeface="Times New Roman" panose="02020603050405020304" pitchFamily="18" charset="0"/>
+                <a:cs typeface="Latha" panose="020B0604020202020204" pitchFamily="34" charset="0"/>
+              </a:rPr>
+              <a:t>g</a:t>
+            </a:r>
+            <a:r>
+              <a:rPr lang="en-US" sz="1800" spc="-25" dirty="0">
+                <a:effectLst/>
+                <a:latin typeface="Times New Roman" panose="02020603050405020304" pitchFamily="18" charset="0"/>
+                <a:ea typeface="Times New Roman" panose="02020603050405020304" pitchFamily="18" charset="0"/>
+                <a:cs typeface="Latha" panose="020B0604020202020204" pitchFamily="34" charset="0"/>
+              </a:rPr>
+              <a:t> </a:t>
+            </a:r>
+            <a:r>
+              <a:rPr lang="en-US" sz="1800" spc="-5" dirty="0">
+                <a:effectLst/>
+                <a:latin typeface="Times New Roman" panose="02020603050405020304" pitchFamily="18" charset="0"/>
+                <a:ea typeface="Times New Roman" panose="02020603050405020304" pitchFamily="18" charset="0"/>
+                <a:cs typeface="Latha" panose="020B0604020202020204" pitchFamily="34" charset="0"/>
+              </a:rPr>
+              <a:t>A</a:t>
+            </a:r>
+            <a:r>
+              <a:rPr lang="en-US" sz="1800" dirty="0">
+                <a:effectLst/>
+                <a:latin typeface="Times New Roman" panose="02020603050405020304" pitchFamily="18" charset="0"/>
+                <a:ea typeface="Times New Roman" panose="02020603050405020304" pitchFamily="18" charset="0"/>
+                <a:cs typeface="Latha" panose="020B0604020202020204" pitchFamily="34" charset="0"/>
+              </a:rPr>
+              <a:t>ppli</a:t>
+            </a:r>
+            <a:r>
+              <a:rPr lang="en-US" sz="1800" spc="-5" dirty="0">
+                <a:effectLst/>
+                <a:latin typeface="Times New Roman" panose="02020603050405020304" pitchFamily="18" charset="0"/>
+                <a:ea typeface="Times New Roman" panose="02020603050405020304" pitchFamily="18" charset="0"/>
+                <a:cs typeface="Latha" panose="020B0604020202020204" pitchFamily="34" charset="0"/>
+              </a:rPr>
+              <a:t>ca</a:t>
+            </a:r>
+            <a:r>
+              <a:rPr lang="en-US" sz="1800" dirty="0">
+                <a:effectLst/>
+                <a:latin typeface="Times New Roman" panose="02020603050405020304" pitchFamily="18" charset="0"/>
+                <a:ea typeface="Times New Roman" panose="02020603050405020304" pitchFamily="18" charset="0"/>
+                <a:cs typeface="Latha" panose="020B0604020202020204" pitchFamily="34" charset="0"/>
+              </a:rPr>
+              <a:t>tion</a:t>
+            </a:r>
+            <a:endParaRPr lang="en-IN" sz="1800" dirty="0">
+              <a:effectLst/>
+              <a:latin typeface="Calibri" panose="020F0502020204030204" pitchFamily="34" charset="0"/>
+              <a:ea typeface="Calibri" panose="020F0502020204030204" pitchFamily="34" charset="0"/>
+              <a:cs typeface="Latha" panose="020B0604020202020204" pitchFamily="34" charset="0"/>
+            </a:endParaRPr>
+          </a:p>
+          <a:p>
+            <a:pPr>
+              <a:lnSpc>
+                <a:spcPts val="650"/>
+              </a:lnSpc>
+              <a:spcBef>
+                <a:spcPts val="35"/>
+              </a:spcBef>
+            </a:pPr>
+            <a:r>
+              <a:rPr lang="en-US" sz="1800" dirty="0">
+                <a:effectLst/>
+                <a:latin typeface="Calibri" panose="020F0502020204030204" pitchFamily="34" charset="0"/>
+                <a:ea typeface="Calibri" panose="020F0502020204030204" pitchFamily="34" charset="0"/>
+                <a:cs typeface="Latha" panose="020B0604020202020204" pitchFamily="34" charset="0"/>
+              </a:rPr>
+              <a:t> </a:t>
+            </a:r>
+            <a:endParaRPr lang="en-IN" sz="1800" dirty="0">
+              <a:effectLst/>
+              <a:latin typeface="Calibri" panose="020F0502020204030204" pitchFamily="34" charset="0"/>
+              <a:ea typeface="Calibri" panose="020F0502020204030204" pitchFamily="34" charset="0"/>
+              <a:cs typeface="Latha" panose="020B0604020202020204" pitchFamily="34" charset="0"/>
+            </a:endParaRPr>
+          </a:p>
+          <a:p>
+            <a:pPr marL="75565">
+              <a:tabLst>
+                <a:tab pos="1447165" algn="l"/>
+              </a:tabLst>
+            </a:pPr>
+            <a:r>
+              <a:rPr lang="en-US" sz="1800" b="1" spc="-50" dirty="0">
+                <a:effectLst/>
+                <a:latin typeface="Times New Roman" panose="02020603050405020304" pitchFamily="18" charset="0"/>
+                <a:ea typeface="Times New Roman" panose="02020603050405020304" pitchFamily="18" charset="0"/>
+                <a:cs typeface="Latha" panose="020B0604020202020204" pitchFamily="34" charset="0"/>
+              </a:rPr>
+              <a:t>P</a:t>
+            </a:r>
+            <a:r>
+              <a:rPr lang="en-US" sz="1800" b="1" dirty="0">
+                <a:effectLst/>
+                <a:latin typeface="Times New Roman" panose="02020603050405020304" pitchFamily="18" charset="0"/>
+                <a:ea typeface="Times New Roman" panose="02020603050405020304" pitchFamily="18" charset="0"/>
+                <a:cs typeface="Latha" panose="020B0604020202020204" pitchFamily="34" charset="0"/>
+              </a:rPr>
+              <a:t>ubli</a:t>
+            </a:r>
+            <a:r>
+              <a:rPr lang="en-US" sz="1800" b="1" spc="-5" dirty="0">
+                <a:effectLst/>
+                <a:latin typeface="Times New Roman" panose="02020603050405020304" pitchFamily="18" charset="0"/>
+                <a:ea typeface="Times New Roman" panose="02020603050405020304" pitchFamily="18" charset="0"/>
+                <a:cs typeface="Latha" panose="020B0604020202020204" pitchFamily="34" charset="0"/>
+              </a:rPr>
+              <a:t>c</a:t>
+            </a:r>
+            <a:r>
+              <a:rPr lang="en-US" sz="1800" b="1" dirty="0">
+                <a:effectLst/>
+                <a:latin typeface="Times New Roman" panose="02020603050405020304" pitchFamily="18" charset="0"/>
+                <a:ea typeface="Times New Roman" panose="02020603050405020304" pitchFamily="18" charset="0"/>
+                <a:cs typeface="Latha" panose="020B0604020202020204" pitchFamily="34" charset="0"/>
+              </a:rPr>
+              <a:t>a</a:t>
+            </a:r>
+            <a:r>
+              <a:rPr lang="en-US" sz="1800" b="1" spc="-5" dirty="0">
+                <a:effectLst/>
+                <a:latin typeface="Times New Roman" panose="02020603050405020304" pitchFamily="18" charset="0"/>
+                <a:ea typeface="Times New Roman" panose="02020603050405020304" pitchFamily="18" charset="0"/>
+                <a:cs typeface="Latha" panose="020B0604020202020204" pitchFamily="34" charset="0"/>
+              </a:rPr>
+              <a:t>t</a:t>
+            </a:r>
+            <a:r>
+              <a:rPr lang="en-US" sz="1800" b="1" dirty="0">
+                <a:effectLst/>
+                <a:latin typeface="Times New Roman" panose="02020603050405020304" pitchFamily="18" charset="0"/>
+                <a:ea typeface="Times New Roman" panose="02020603050405020304" pitchFamily="18" charset="0"/>
+                <a:cs typeface="Latha" panose="020B0604020202020204" pitchFamily="34" charset="0"/>
+              </a:rPr>
+              <a:t>ion Is</a:t>
+            </a:r>
+            <a:r>
+              <a:rPr lang="en-US" sz="1800" b="1" spc="-15" dirty="0">
+                <a:effectLst/>
+                <a:latin typeface="Times New Roman" panose="02020603050405020304" pitchFamily="18" charset="0"/>
+                <a:ea typeface="Times New Roman" panose="02020603050405020304" pitchFamily="18" charset="0"/>
+                <a:cs typeface="Latha" panose="020B0604020202020204" pitchFamily="34" charset="0"/>
+              </a:rPr>
+              <a:t>s</a:t>
+            </a:r>
+            <a:r>
+              <a:rPr lang="en-US" sz="1800" b="1" dirty="0">
+                <a:effectLst/>
+                <a:latin typeface="Times New Roman" panose="02020603050405020304" pitchFamily="18" charset="0"/>
+                <a:ea typeface="Times New Roman" panose="02020603050405020304" pitchFamily="18" charset="0"/>
+                <a:cs typeface="Latha" panose="020B0604020202020204" pitchFamily="34" charset="0"/>
+              </a:rPr>
+              <a:t>ue</a:t>
+            </a:r>
+            <a:r>
+              <a:rPr lang="en-US" sz="1800" b="1" spc="-5" dirty="0">
+                <a:effectLst/>
+                <a:latin typeface="Times New Roman" panose="02020603050405020304" pitchFamily="18" charset="0"/>
+                <a:ea typeface="Times New Roman" panose="02020603050405020304" pitchFamily="18" charset="0"/>
+                <a:cs typeface="Latha" panose="020B0604020202020204" pitchFamily="34" charset="0"/>
+              </a:rPr>
+              <a:t> </a:t>
+            </a:r>
+            <a:r>
+              <a:rPr lang="en-US" sz="1800" b="1" dirty="0">
+                <a:effectLst/>
+                <a:latin typeface="Times New Roman" panose="02020603050405020304" pitchFamily="18" charset="0"/>
+                <a:ea typeface="Times New Roman" panose="02020603050405020304" pitchFamily="18" charset="0"/>
+                <a:cs typeface="Latha" panose="020B0604020202020204" pitchFamily="34" charset="0"/>
+              </a:rPr>
+              <a:t>-	</a:t>
+            </a:r>
+            <a:r>
+              <a:rPr lang="en-US" sz="1800" spc="-5" dirty="0">
+                <a:effectLst/>
+                <a:latin typeface="Times New Roman" panose="02020603050405020304" pitchFamily="18" charset="0"/>
+                <a:ea typeface="Times New Roman" panose="02020603050405020304" pitchFamily="18" charset="0"/>
+                <a:cs typeface="Latha" panose="020B0604020202020204" pitchFamily="34" charset="0"/>
+              </a:rPr>
+              <a:t>V</a:t>
+            </a:r>
+            <a:r>
+              <a:rPr lang="en-US" sz="1800" dirty="0">
+                <a:effectLst/>
+                <a:latin typeface="Times New Roman" panose="02020603050405020304" pitchFamily="18" charset="0"/>
+                <a:ea typeface="Times New Roman" panose="02020603050405020304" pitchFamily="18" charset="0"/>
+                <a:cs typeface="Latha" panose="020B0604020202020204" pitchFamily="34" charset="0"/>
+              </a:rPr>
+              <a:t>olume</a:t>
+            </a:r>
+            <a:r>
+              <a:rPr lang="en-US" sz="1800" spc="-5" dirty="0">
+                <a:effectLst/>
+                <a:latin typeface="Times New Roman" panose="02020603050405020304" pitchFamily="18" charset="0"/>
+                <a:ea typeface="Times New Roman" panose="02020603050405020304" pitchFamily="18" charset="0"/>
+                <a:cs typeface="Latha" panose="020B0604020202020204" pitchFamily="34" charset="0"/>
+              </a:rPr>
+              <a:t> </a:t>
+            </a:r>
+            <a:r>
+              <a:rPr lang="en-US" sz="1800" dirty="0">
+                <a:effectLst/>
+                <a:latin typeface="Times New Roman" panose="02020603050405020304" pitchFamily="18" charset="0"/>
+                <a:ea typeface="Times New Roman" panose="02020603050405020304" pitchFamily="18" charset="0"/>
+                <a:cs typeface="Latha" panose="020B0604020202020204" pitchFamily="34" charset="0"/>
+              </a:rPr>
+              <a:t>9,</a:t>
+            </a:r>
+            <a:r>
+              <a:rPr lang="en-US" sz="1800" spc="35" dirty="0">
+                <a:effectLst/>
+                <a:latin typeface="Times New Roman" panose="02020603050405020304" pitchFamily="18" charset="0"/>
+                <a:ea typeface="Times New Roman" panose="02020603050405020304" pitchFamily="18" charset="0"/>
+                <a:cs typeface="Latha" panose="020B0604020202020204" pitchFamily="34" charset="0"/>
+              </a:rPr>
+              <a:t> </a:t>
+            </a:r>
+            <a:r>
+              <a:rPr lang="en-US" sz="1800" spc="-90" dirty="0">
+                <a:effectLst/>
+                <a:latin typeface="Times New Roman" panose="02020603050405020304" pitchFamily="18" charset="0"/>
+                <a:ea typeface="Times New Roman" panose="02020603050405020304" pitchFamily="18" charset="0"/>
+                <a:cs typeface="Latha" panose="020B0604020202020204" pitchFamily="34" charset="0"/>
+              </a:rPr>
+              <a:t>I</a:t>
+            </a:r>
+            <a:r>
+              <a:rPr lang="en-US" sz="1800" dirty="0">
+                <a:effectLst/>
+                <a:latin typeface="Times New Roman" panose="02020603050405020304" pitchFamily="18" charset="0"/>
+                <a:ea typeface="Times New Roman" panose="02020603050405020304" pitchFamily="18" charset="0"/>
+                <a:cs typeface="Latha" panose="020B0604020202020204" pitchFamily="34" charset="0"/>
+              </a:rPr>
+              <a:t>ss</a:t>
+            </a:r>
+            <a:r>
+              <a:rPr lang="en-US" sz="1800" spc="10" dirty="0">
+                <a:effectLst/>
+                <a:latin typeface="Times New Roman" panose="02020603050405020304" pitchFamily="18" charset="0"/>
+                <a:ea typeface="Times New Roman" panose="02020603050405020304" pitchFamily="18" charset="0"/>
+                <a:cs typeface="Latha" panose="020B0604020202020204" pitchFamily="34" charset="0"/>
+              </a:rPr>
+              <a:t>u</a:t>
+            </a:r>
+            <a:r>
+              <a:rPr lang="en-US" sz="1800" dirty="0">
+                <a:effectLst/>
+                <a:latin typeface="Times New Roman" panose="02020603050405020304" pitchFamily="18" charset="0"/>
+                <a:ea typeface="Times New Roman" panose="02020603050405020304" pitchFamily="18" charset="0"/>
+                <a:cs typeface="Latha" panose="020B0604020202020204" pitchFamily="34" charset="0"/>
+              </a:rPr>
+              <a:t>e</a:t>
+            </a:r>
+            <a:r>
+              <a:rPr lang="en-US" sz="1800" spc="-5" dirty="0">
+                <a:effectLst/>
+                <a:latin typeface="Times New Roman" panose="02020603050405020304" pitchFamily="18" charset="0"/>
+                <a:ea typeface="Times New Roman" panose="02020603050405020304" pitchFamily="18" charset="0"/>
+                <a:cs typeface="Latha" panose="020B0604020202020204" pitchFamily="34" charset="0"/>
+              </a:rPr>
+              <a:t> </a:t>
+            </a:r>
+            <a:r>
+              <a:rPr lang="en-US" sz="1800" dirty="0">
+                <a:effectLst/>
+                <a:latin typeface="Times New Roman" panose="02020603050405020304" pitchFamily="18" charset="0"/>
+                <a:ea typeface="Times New Roman" panose="02020603050405020304" pitchFamily="18" charset="0"/>
+                <a:cs typeface="Latha" panose="020B0604020202020204" pitchFamily="34" charset="0"/>
+              </a:rPr>
+              <a:t>5,</a:t>
+            </a:r>
+            <a:endParaRPr lang="en-IN" sz="1800" dirty="0">
+              <a:effectLst/>
+              <a:latin typeface="Calibri" panose="020F0502020204030204" pitchFamily="34" charset="0"/>
+              <a:ea typeface="Calibri" panose="020F0502020204030204" pitchFamily="34" charset="0"/>
+              <a:cs typeface="Latha" panose="020B0604020202020204" pitchFamily="34" charset="0"/>
+            </a:endParaRPr>
+          </a:p>
+          <a:p>
+            <a:pPr>
+              <a:lnSpc>
+                <a:spcPts val="650"/>
+              </a:lnSpc>
+              <a:spcBef>
+                <a:spcPts val="45"/>
+              </a:spcBef>
+            </a:pPr>
+            <a:r>
+              <a:rPr lang="en-US" sz="1800" dirty="0">
+                <a:effectLst/>
+                <a:latin typeface="Calibri" panose="020F0502020204030204" pitchFamily="34" charset="0"/>
+                <a:ea typeface="Calibri" panose="020F0502020204030204" pitchFamily="34" charset="0"/>
+                <a:cs typeface="Latha" panose="020B0604020202020204" pitchFamily="34" charset="0"/>
+              </a:rPr>
+              <a:t> </a:t>
+            </a:r>
+            <a:endParaRPr lang="en-IN" sz="1800" dirty="0">
+              <a:effectLst/>
+              <a:latin typeface="Calibri" panose="020F0502020204030204" pitchFamily="34" charset="0"/>
+              <a:ea typeface="Calibri" panose="020F0502020204030204" pitchFamily="34" charset="0"/>
+              <a:cs typeface="Latha" panose="020B0604020202020204" pitchFamily="34" charset="0"/>
+            </a:endParaRPr>
+          </a:p>
+          <a:p>
+            <a:pPr marL="75565"/>
+            <a:r>
+              <a:rPr lang="en-US" sz="1800" b="1" spc="-5" dirty="0">
+                <a:effectLst/>
+                <a:latin typeface="Times New Roman" panose="02020603050405020304" pitchFamily="18" charset="0"/>
+                <a:ea typeface="Times New Roman" panose="02020603050405020304" pitchFamily="18" charset="0"/>
+                <a:cs typeface="Latha" panose="020B0604020202020204" pitchFamily="34" charset="0"/>
+              </a:rPr>
+              <a:t>D</a:t>
+            </a:r>
+            <a:r>
+              <a:rPr lang="en-US" sz="1800" b="1" dirty="0">
+                <a:effectLst/>
+                <a:latin typeface="Times New Roman" panose="02020603050405020304" pitchFamily="18" charset="0"/>
+                <a:ea typeface="Times New Roman" panose="02020603050405020304" pitchFamily="18" charset="0"/>
+                <a:cs typeface="Latha" panose="020B0604020202020204" pitchFamily="34" charset="0"/>
+              </a:rPr>
+              <a:t>a</a:t>
+            </a:r>
+            <a:r>
+              <a:rPr lang="en-US" sz="1800" b="1" spc="-5" dirty="0">
+                <a:effectLst/>
+                <a:latin typeface="Times New Roman" panose="02020603050405020304" pitchFamily="18" charset="0"/>
+                <a:ea typeface="Times New Roman" panose="02020603050405020304" pitchFamily="18" charset="0"/>
+                <a:cs typeface="Latha" panose="020B0604020202020204" pitchFamily="34" charset="0"/>
+              </a:rPr>
+              <a:t>t</a:t>
+            </a:r>
+            <a:r>
+              <a:rPr lang="en-US" sz="1800" b="1" dirty="0">
+                <a:effectLst/>
+                <a:latin typeface="Times New Roman" panose="02020603050405020304" pitchFamily="18" charset="0"/>
+                <a:ea typeface="Times New Roman" panose="02020603050405020304" pitchFamily="18" charset="0"/>
+                <a:cs typeface="Latha" panose="020B0604020202020204" pitchFamily="34" charset="0"/>
+              </a:rPr>
+              <a:t>e</a:t>
+            </a:r>
+            <a:r>
+              <a:rPr lang="en-US" sz="1800" b="1" spc="-5" dirty="0">
+                <a:effectLst/>
+                <a:latin typeface="Times New Roman" panose="02020603050405020304" pitchFamily="18" charset="0"/>
+                <a:ea typeface="Times New Roman" panose="02020603050405020304" pitchFamily="18" charset="0"/>
+                <a:cs typeface="Latha" panose="020B0604020202020204" pitchFamily="34" charset="0"/>
+              </a:rPr>
+              <a:t> </a:t>
+            </a:r>
+            <a:r>
+              <a:rPr lang="en-US" sz="1800" b="1" dirty="0">
+                <a:effectLst/>
+                <a:latin typeface="Times New Roman" panose="02020603050405020304" pitchFamily="18" charset="0"/>
+                <a:ea typeface="Times New Roman" panose="02020603050405020304" pitchFamily="18" charset="0"/>
+                <a:cs typeface="Latha" panose="020B0604020202020204" pitchFamily="34" charset="0"/>
+              </a:rPr>
+              <a:t>of</a:t>
+            </a:r>
+            <a:r>
+              <a:rPr lang="en-US" sz="1800" b="1" spc="5" dirty="0">
+                <a:effectLst/>
+                <a:latin typeface="Times New Roman" panose="02020603050405020304" pitchFamily="18" charset="0"/>
+                <a:ea typeface="Times New Roman" panose="02020603050405020304" pitchFamily="18" charset="0"/>
+                <a:cs typeface="Latha" panose="020B0604020202020204" pitchFamily="34" charset="0"/>
+              </a:rPr>
+              <a:t> </a:t>
+            </a:r>
+            <a:r>
+              <a:rPr lang="en-US" sz="1800" b="1" spc="-15" dirty="0">
+                <a:effectLst/>
+                <a:latin typeface="Times New Roman" panose="02020603050405020304" pitchFamily="18" charset="0"/>
+                <a:ea typeface="Times New Roman" panose="02020603050405020304" pitchFamily="18" charset="0"/>
+                <a:cs typeface="Latha" panose="020B0604020202020204" pitchFamily="34" charset="0"/>
+              </a:rPr>
+              <a:t>P</a:t>
+            </a:r>
+            <a:r>
+              <a:rPr lang="en-US" sz="1800" b="1" dirty="0">
+                <a:effectLst/>
+                <a:latin typeface="Times New Roman" panose="02020603050405020304" pitchFamily="18" charset="0"/>
+                <a:ea typeface="Times New Roman" panose="02020603050405020304" pitchFamily="18" charset="0"/>
+                <a:cs typeface="Latha" panose="020B0604020202020204" pitchFamily="34" charset="0"/>
+              </a:rPr>
+              <a:t>ubli</a:t>
+            </a:r>
+            <a:r>
+              <a:rPr lang="en-US" sz="1800" b="1" spc="-5" dirty="0">
+                <a:effectLst/>
+                <a:latin typeface="Times New Roman" panose="02020603050405020304" pitchFamily="18" charset="0"/>
+                <a:ea typeface="Times New Roman" panose="02020603050405020304" pitchFamily="18" charset="0"/>
+                <a:cs typeface="Latha" panose="020B0604020202020204" pitchFamily="34" charset="0"/>
+              </a:rPr>
+              <a:t>c</a:t>
+            </a:r>
+            <a:r>
+              <a:rPr lang="en-US" sz="1800" b="1" dirty="0">
+                <a:effectLst/>
+                <a:latin typeface="Times New Roman" panose="02020603050405020304" pitchFamily="18" charset="0"/>
+                <a:ea typeface="Times New Roman" panose="02020603050405020304" pitchFamily="18" charset="0"/>
+                <a:cs typeface="Latha" panose="020B0604020202020204" pitchFamily="34" charset="0"/>
+              </a:rPr>
+              <a:t>a</a:t>
+            </a:r>
+            <a:r>
+              <a:rPr lang="en-US" sz="1800" b="1" spc="-5" dirty="0">
+                <a:effectLst/>
+                <a:latin typeface="Times New Roman" panose="02020603050405020304" pitchFamily="18" charset="0"/>
+                <a:ea typeface="Times New Roman" panose="02020603050405020304" pitchFamily="18" charset="0"/>
+                <a:cs typeface="Latha" panose="020B0604020202020204" pitchFamily="34" charset="0"/>
+              </a:rPr>
+              <a:t>t</a:t>
+            </a:r>
+            <a:r>
+              <a:rPr lang="en-US" sz="1800" b="1" dirty="0">
+                <a:effectLst/>
+                <a:latin typeface="Times New Roman" panose="02020603050405020304" pitchFamily="18" charset="0"/>
+                <a:ea typeface="Times New Roman" panose="02020603050405020304" pitchFamily="18" charset="0"/>
+                <a:cs typeface="Latha" panose="020B0604020202020204" pitchFamily="34" charset="0"/>
+              </a:rPr>
+              <a:t>ion -</a:t>
+            </a:r>
+            <a:r>
+              <a:rPr lang="en-US" sz="1800" b="1" spc="-5" dirty="0">
+                <a:effectLst/>
+                <a:latin typeface="Times New Roman" panose="02020603050405020304" pitchFamily="18" charset="0"/>
+                <a:ea typeface="Times New Roman" panose="02020603050405020304" pitchFamily="18" charset="0"/>
+                <a:cs typeface="Latha" panose="020B0604020202020204" pitchFamily="34" charset="0"/>
+              </a:rPr>
+              <a:t> </a:t>
+            </a:r>
+            <a:r>
+              <a:rPr lang="en-US" sz="1800" dirty="0">
+                <a:effectLst/>
+                <a:latin typeface="Times New Roman" panose="02020603050405020304" pitchFamily="18" charset="0"/>
+                <a:ea typeface="Times New Roman" panose="02020603050405020304" pitchFamily="18" charset="0"/>
+                <a:cs typeface="Latha" panose="020B0604020202020204" pitchFamily="34" charset="0"/>
+              </a:rPr>
+              <a:t>1</a:t>
+            </a:r>
+            <a:r>
+              <a:rPr lang="en-US" sz="1800" spc="10" dirty="0">
+                <a:effectLst/>
+                <a:latin typeface="Times New Roman" panose="02020603050405020304" pitchFamily="18" charset="0"/>
+                <a:ea typeface="Times New Roman" panose="02020603050405020304" pitchFamily="18" charset="0"/>
+                <a:cs typeface="Latha" panose="020B0604020202020204" pitchFamily="34" charset="0"/>
+              </a:rPr>
+              <a:t>9</a:t>
+            </a:r>
+            <a:r>
+              <a:rPr lang="en-US" sz="1800" spc="-5" dirty="0">
+                <a:effectLst/>
+                <a:latin typeface="Times New Roman" panose="02020603050405020304" pitchFamily="18" charset="0"/>
+                <a:ea typeface="Times New Roman" panose="02020603050405020304" pitchFamily="18" charset="0"/>
+                <a:cs typeface="Latha" panose="020B0604020202020204" pitchFamily="34" charset="0"/>
+              </a:rPr>
+              <a:t>-</a:t>
+            </a:r>
+            <a:r>
+              <a:rPr lang="en-US" sz="1800" dirty="0">
+                <a:effectLst/>
+                <a:latin typeface="Times New Roman" panose="02020603050405020304" pitchFamily="18" charset="0"/>
+                <a:ea typeface="Times New Roman" panose="02020603050405020304" pitchFamily="18" charset="0"/>
+                <a:cs typeface="Latha" panose="020B0604020202020204" pitchFamily="34" charset="0"/>
+              </a:rPr>
+              <a:t>05</a:t>
+            </a:r>
+            <a:r>
+              <a:rPr lang="en-US" sz="1800" spc="-5" dirty="0">
+                <a:effectLst/>
+                <a:latin typeface="Times New Roman" panose="02020603050405020304" pitchFamily="18" charset="0"/>
+                <a:ea typeface="Times New Roman" panose="02020603050405020304" pitchFamily="18" charset="0"/>
+                <a:cs typeface="Latha" panose="020B0604020202020204" pitchFamily="34" charset="0"/>
+              </a:rPr>
+              <a:t>-</a:t>
+            </a:r>
+            <a:r>
+              <a:rPr lang="en-US" sz="1800" dirty="0">
+                <a:effectLst/>
+                <a:latin typeface="Times New Roman" panose="02020603050405020304" pitchFamily="18" charset="0"/>
+                <a:ea typeface="Times New Roman" panose="02020603050405020304" pitchFamily="18" charset="0"/>
+                <a:cs typeface="Latha" panose="020B0604020202020204" pitchFamily="34" charset="0"/>
+              </a:rPr>
+              <a:t>2021, 07:49:41</a:t>
+            </a:r>
+            <a:endParaRPr lang="en-IN" sz="1800" dirty="0">
+              <a:effectLst/>
+              <a:latin typeface="Calibri" panose="020F0502020204030204" pitchFamily="34" charset="0"/>
+              <a:ea typeface="Calibri" panose="020F0502020204030204" pitchFamily="34" charset="0"/>
+              <a:cs typeface="Latha" panose="020B0604020202020204" pitchFamily="34" charset="0"/>
+            </a:endParaRPr>
+          </a:p>
+          <a:p>
+            <a:pPr>
+              <a:lnSpc>
+                <a:spcPts val="650"/>
+              </a:lnSpc>
+              <a:spcBef>
+                <a:spcPts val="35"/>
+              </a:spcBef>
+            </a:pPr>
+            <a:r>
+              <a:rPr lang="en-US" sz="1800" dirty="0">
+                <a:effectLst/>
+                <a:latin typeface="Calibri" panose="020F0502020204030204" pitchFamily="34" charset="0"/>
+                <a:ea typeface="Calibri" panose="020F0502020204030204" pitchFamily="34" charset="0"/>
+                <a:cs typeface="Latha" panose="020B0604020202020204" pitchFamily="34" charset="0"/>
+              </a:rPr>
+              <a:t> </a:t>
+            </a:r>
+            <a:endParaRPr lang="en-IN" sz="1800" dirty="0">
+              <a:effectLst/>
+              <a:latin typeface="Calibri" panose="020F0502020204030204" pitchFamily="34" charset="0"/>
+              <a:ea typeface="Calibri" panose="020F0502020204030204" pitchFamily="34" charset="0"/>
+              <a:cs typeface="Latha" panose="020B0604020202020204" pitchFamily="34" charset="0"/>
+            </a:endParaRPr>
+          </a:p>
+          <a:p>
+            <a:pPr marL="75565"/>
+            <a:r>
+              <a:rPr lang="en-US" sz="1800" b="1" spc="-15" dirty="0">
+                <a:effectLst/>
+                <a:latin typeface="Times New Roman" panose="02020603050405020304" pitchFamily="18" charset="0"/>
+                <a:ea typeface="Times New Roman" panose="02020603050405020304" pitchFamily="18" charset="0"/>
+                <a:cs typeface="Latha" panose="020B0604020202020204" pitchFamily="34" charset="0"/>
+              </a:rPr>
+              <a:t>P</a:t>
+            </a:r>
+            <a:r>
+              <a:rPr lang="en-US" sz="1800" b="1" dirty="0">
+                <a:effectLst/>
+                <a:latin typeface="Times New Roman" panose="02020603050405020304" pitchFamily="18" charset="0"/>
+                <a:ea typeface="Times New Roman" panose="02020603050405020304" pitchFamily="18" charset="0"/>
+                <a:cs typeface="Latha" panose="020B0604020202020204" pitchFamily="34" charset="0"/>
+              </a:rPr>
+              <a:t>ublish</a:t>
+            </a:r>
+            <a:r>
+              <a:rPr lang="en-US" sz="1800" b="1" spc="-5" dirty="0">
+                <a:effectLst/>
+                <a:latin typeface="Times New Roman" panose="02020603050405020304" pitchFamily="18" charset="0"/>
+                <a:ea typeface="Times New Roman" panose="02020603050405020304" pitchFamily="18" charset="0"/>
+                <a:cs typeface="Latha" panose="020B0604020202020204" pitchFamily="34" charset="0"/>
+              </a:rPr>
+              <a:t>e</a:t>
+            </a:r>
+            <a:r>
+              <a:rPr lang="en-US" sz="1800" b="1" dirty="0">
+                <a:effectLst/>
+                <a:latin typeface="Times New Roman" panose="02020603050405020304" pitchFamily="18" charset="0"/>
+                <a:ea typeface="Times New Roman" panose="02020603050405020304" pitchFamily="18" charset="0"/>
+                <a:cs typeface="Latha" panose="020B0604020202020204" pitchFamily="34" charset="0"/>
+              </a:rPr>
+              <a:t>d </a:t>
+            </a:r>
+            <a:r>
+              <a:rPr lang="en-US" sz="1800" b="1" spc="-15" dirty="0">
+                <a:effectLst/>
+                <a:latin typeface="Times New Roman" panose="02020603050405020304" pitchFamily="18" charset="0"/>
+                <a:ea typeface="Times New Roman" panose="02020603050405020304" pitchFamily="18" charset="0"/>
+                <a:cs typeface="Latha" panose="020B0604020202020204" pitchFamily="34" charset="0"/>
+              </a:rPr>
+              <a:t>P</a:t>
+            </a:r>
+            <a:r>
+              <a:rPr lang="en-US" sz="1800" b="1" dirty="0">
+                <a:effectLst/>
+                <a:latin typeface="Times New Roman" panose="02020603050405020304" pitchFamily="18" charset="0"/>
+                <a:ea typeface="Times New Roman" panose="02020603050405020304" pitchFamily="18" charset="0"/>
+                <a:cs typeface="Latha" panose="020B0604020202020204" pitchFamily="34" charset="0"/>
+              </a:rPr>
+              <a:t>ap</a:t>
+            </a:r>
+            <a:r>
+              <a:rPr lang="en-US" sz="1800" b="1" spc="-5" dirty="0">
+                <a:effectLst/>
+                <a:latin typeface="Times New Roman" panose="02020603050405020304" pitchFamily="18" charset="0"/>
+                <a:ea typeface="Times New Roman" panose="02020603050405020304" pitchFamily="18" charset="0"/>
+                <a:cs typeface="Latha" panose="020B0604020202020204" pitchFamily="34" charset="0"/>
+              </a:rPr>
+              <a:t>e</a:t>
+            </a:r>
+            <a:r>
+              <a:rPr lang="en-US" sz="1800" b="1" dirty="0">
+                <a:effectLst/>
+                <a:latin typeface="Times New Roman" panose="02020603050405020304" pitchFamily="18" charset="0"/>
+                <a:ea typeface="Times New Roman" panose="02020603050405020304" pitchFamily="18" charset="0"/>
+                <a:cs typeface="Latha" panose="020B0604020202020204" pitchFamily="34" charset="0"/>
+              </a:rPr>
+              <a:t>r</a:t>
+            </a:r>
+            <a:r>
+              <a:rPr lang="en-US" sz="1800" b="1" spc="-5" dirty="0">
+                <a:effectLst/>
+                <a:latin typeface="Times New Roman" panose="02020603050405020304" pitchFamily="18" charset="0"/>
+                <a:ea typeface="Times New Roman" panose="02020603050405020304" pitchFamily="18" charset="0"/>
+                <a:cs typeface="Latha" panose="020B0604020202020204" pitchFamily="34" charset="0"/>
+              </a:rPr>
+              <a:t> UR</a:t>
+            </a:r>
+            <a:r>
+              <a:rPr lang="en-US" sz="1800" b="1" dirty="0">
+                <a:effectLst/>
+                <a:latin typeface="Times New Roman" panose="02020603050405020304" pitchFamily="18" charset="0"/>
+                <a:ea typeface="Times New Roman" panose="02020603050405020304" pitchFamily="18" charset="0"/>
+                <a:cs typeface="Latha" panose="020B0604020202020204" pitchFamily="34" charset="0"/>
+              </a:rPr>
+              <a:t>L -</a:t>
+            </a:r>
+            <a:r>
+              <a:rPr lang="en-US" sz="1800" b="1" spc="5" dirty="0">
+                <a:effectLst/>
+                <a:latin typeface="Times New Roman" panose="02020603050405020304" pitchFamily="18" charset="0"/>
+                <a:ea typeface="Times New Roman" panose="02020603050405020304" pitchFamily="18" charset="0"/>
+                <a:cs typeface="Latha" panose="020B0604020202020204" pitchFamily="34" charset="0"/>
+              </a:rPr>
+              <a:t> </a:t>
+            </a:r>
+            <a:r>
+              <a:rPr lang="en-US" sz="1800" u="none" strike="noStrike" dirty="0">
+                <a:solidFill>
+                  <a:srgbClr val="0000FF"/>
+                </a:solidFill>
+                <a:effectLst/>
+                <a:latin typeface="Times New Roman" panose="02020603050405020304" pitchFamily="18" charset="0"/>
+                <a:ea typeface="Times New Roman" panose="02020603050405020304" pitchFamily="18" charset="0"/>
+                <a:cs typeface="Latha" panose="020B0604020202020204" pitchFamily="34" charset="0"/>
+                <a:hlinkClick r:id="rId2"/>
+              </a:rPr>
+              <a:t>http://</a:t>
+            </a:r>
+            <a:r>
+              <a:rPr lang="en-US" sz="1800" u="none" strike="noStrike" spc="-5" dirty="0">
+                <a:solidFill>
+                  <a:srgbClr val="0000FF"/>
+                </a:solidFill>
+                <a:effectLst/>
+                <a:latin typeface="Times New Roman" panose="02020603050405020304" pitchFamily="18" charset="0"/>
+                <a:ea typeface="Times New Roman" panose="02020603050405020304" pitchFamily="18" charset="0"/>
+                <a:cs typeface="Latha" panose="020B0604020202020204" pitchFamily="34" charset="0"/>
+                <a:hlinkClick r:id="rId2"/>
+              </a:rPr>
+              <a:t>www</a:t>
+            </a:r>
+            <a:r>
+              <a:rPr lang="en-US" sz="1800" u="none" strike="noStrike" dirty="0">
+                <a:solidFill>
+                  <a:srgbClr val="0000FF"/>
+                </a:solidFill>
+                <a:effectLst/>
+                <a:latin typeface="Times New Roman" panose="02020603050405020304" pitchFamily="18" charset="0"/>
+                <a:ea typeface="Times New Roman" panose="02020603050405020304" pitchFamily="18" charset="0"/>
+                <a:cs typeface="Latha" panose="020B0604020202020204" pitchFamily="34" charset="0"/>
+                <a:hlinkClick r:id="rId2"/>
+              </a:rPr>
+              <a:t>.ij</a:t>
+            </a:r>
+            <a:r>
+              <a:rPr lang="en-US" sz="1800" u="none" strike="noStrike" spc="-5" dirty="0">
+                <a:solidFill>
+                  <a:srgbClr val="0000FF"/>
+                </a:solidFill>
+                <a:effectLst/>
+                <a:latin typeface="Times New Roman" panose="02020603050405020304" pitchFamily="18" charset="0"/>
+                <a:ea typeface="Times New Roman" panose="02020603050405020304" pitchFamily="18" charset="0"/>
+                <a:cs typeface="Latha" panose="020B0604020202020204" pitchFamily="34" charset="0"/>
+                <a:hlinkClick r:id="rId2"/>
+              </a:rPr>
+              <a:t>cr</a:t>
+            </a:r>
+            <a:r>
+              <a:rPr lang="en-US" sz="1800" u="none" strike="noStrike" dirty="0">
+                <a:solidFill>
+                  <a:srgbClr val="0000FF"/>
+                </a:solidFill>
+                <a:effectLst/>
+                <a:latin typeface="Times New Roman" panose="02020603050405020304" pitchFamily="18" charset="0"/>
+                <a:ea typeface="Times New Roman" panose="02020603050405020304" pitchFamily="18" charset="0"/>
+                <a:cs typeface="Latha" panose="020B0604020202020204" pitchFamily="34" charset="0"/>
+                <a:hlinkClick r:id="rId2"/>
+              </a:rPr>
+              <a:t>t.o</a:t>
+            </a:r>
+            <a:r>
+              <a:rPr lang="en-US" sz="1800" u="none" strike="noStrike" spc="-5" dirty="0">
+                <a:solidFill>
+                  <a:srgbClr val="0000FF"/>
+                </a:solidFill>
+                <a:effectLst/>
+                <a:latin typeface="Times New Roman" panose="02020603050405020304" pitchFamily="18" charset="0"/>
+                <a:ea typeface="Times New Roman" panose="02020603050405020304" pitchFamily="18" charset="0"/>
+                <a:cs typeface="Latha" panose="020B0604020202020204" pitchFamily="34" charset="0"/>
+                <a:hlinkClick r:id="rId2"/>
+              </a:rPr>
+              <a:t>r</a:t>
+            </a:r>
+            <a:r>
+              <a:rPr lang="en-US" sz="1800" u="none" strike="noStrike" spc="-15" dirty="0">
+                <a:solidFill>
+                  <a:srgbClr val="0000FF"/>
+                </a:solidFill>
+                <a:effectLst/>
+                <a:latin typeface="Times New Roman" panose="02020603050405020304" pitchFamily="18" charset="0"/>
+                <a:ea typeface="Times New Roman" panose="02020603050405020304" pitchFamily="18" charset="0"/>
+                <a:cs typeface="Latha" panose="020B0604020202020204" pitchFamily="34" charset="0"/>
+                <a:hlinkClick r:id="rId2"/>
+              </a:rPr>
+              <a:t>g</a:t>
+            </a:r>
+            <a:r>
+              <a:rPr lang="en-US" sz="1800" u="none" strike="noStrike" dirty="0">
+                <a:solidFill>
+                  <a:srgbClr val="0000FF"/>
+                </a:solidFill>
+                <a:effectLst/>
+                <a:latin typeface="Times New Roman" panose="02020603050405020304" pitchFamily="18" charset="0"/>
+                <a:ea typeface="Times New Roman" panose="02020603050405020304" pitchFamily="18" charset="0"/>
+                <a:cs typeface="Latha" panose="020B0604020202020204" pitchFamily="34" charset="0"/>
+                <a:hlinkClick r:id="rId2"/>
+              </a:rPr>
+              <a:t>/p</a:t>
+            </a:r>
+            <a:r>
+              <a:rPr lang="en-US" sz="1800" u="none" strike="noStrike" spc="-5" dirty="0">
+                <a:solidFill>
+                  <a:srgbClr val="0000FF"/>
+                </a:solidFill>
+                <a:effectLst/>
+                <a:latin typeface="Times New Roman" panose="02020603050405020304" pitchFamily="18" charset="0"/>
+                <a:ea typeface="Times New Roman" panose="02020603050405020304" pitchFamily="18" charset="0"/>
+                <a:cs typeface="Latha" panose="020B0604020202020204" pitchFamily="34" charset="0"/>
+                <a:hlinkClick r:id="rId2"/>
+              </a:rPr>
+              <a:t>a</a:t>
+            </a:r>
+            <a:r>
+              <a:rPr lang="en-US" sz="1800" u="none" strike="noStrike" spc="10" dirty="0">
+                <a:solidFill>
+                  <a:srgbClr val="0000FF"/>
+                </a:solidFill>
+                <a:effectLst/>
+                <a:latin typeface="Times New Roman" panose="02020603050405020304" pitchFamily="18" charset="0"/>
+                <a:ea typeface="Times New Roman" panose="02020603050405020304" pitchFamily="18" charset="0"/>
+                <a:cs typeface="Latha" panose="020B0604020202020204" pitchFamily="34" charset="0"/>
+                <a:hlinkClick r:id="rId2"/>
+              </a:rPr>
+              <a:t>p</a:t>
+            </a:r>
+            <a:r>
+              <a:rPr lang="en-US" sz="1800" u="none" strike="noStrike" spc="5" dirty="0">
+                <a:solidFill>
+                  <a:srgbClr val="0000FF"/>
+                </a:solidFill>
+                <a:effectLst/>
+                <a:latin typeface="Times New Roman" panose="02020603050405020304" pitchFamily="18" charset="0"/>
+                <a:ea typeface="Times New Roman" panose="02020603050405020304" pitchFamily="18" charset="0"/>
+                <a:cs typeface="Latha" panose="020B0604020202020204" pitchFamily="34" charset="0"/>
+                <a:hlinkClick r:id="rId2"/>
+              </a:rPr>
+              <a:t>e</a:t>
+            </a:r>
+            <a:r>
+              <a:rPr lang="en-US" sz="1800" u="none" strike="noStrike" spc="-5" dirty="0">
+                <a:solidFill>
+                  <a:srgbClr val="0000FF"/>
+                </a:solidFill>
+                <a:effectLst/>
+                <a:latin typeface="Times New Roman" panose="02020603050405020304" pitchFamily="18" charset="0"/>
+                <a:ea typeface="Times New Roman" panose="02020603050405020304" pitchFamily="18" charset="0"/>
+                <a:cs typeface="Latha" panose="020B0604020202020204" pitchFamily="34" charset="0"/>
+                <a:hlinkClick r:id="rId2"/>
+              </a:rPr>
+              <a:t>r</a:t>
+            </a:r>
+            <a:r>
+              <a:rPr lang="en-US" sz="1800" u="none" strike="noStrike" dirty="0">
+                <a:solidFill>
+                  <a:srgbClr val="0000FF"/>
+                </a:solidFill>
+                <a:effectLst/>
+                <a:latin typeface="Times New Roman" panose="02020603050405020304" pitchFamily="18" charset="0"/>
+                <a:ea typeface="Times New Roman" panose="02020603050405020304" pitchFamily="18" charset="0"/>
+                <a:cs typeface="Latha" panose="020B0604020202020204" pitchFamily="34" charset="0"/>
+                <a:hlinkClick r:id="rId2"/>
+              </a:rPr>
+              <a:t>s</a:t>
+            </a:r>
+            <a:r>
+              <a:rPr lang="en-US" sz="1800" u="none" strike="noStrike" spc="10" dirty="0">
+                <a:solidFill>
+                  <a:srgbClr val="0000FF"/>
+                </a:solidFill>
+                <a:effectLst/>
+                <a:latin typeface="Times New Roman" panose="02020603050405020304" pitchFamily="18" charset="0"/>
+                <a:ea typeface="Times New Roman" panose="02020603050405020304" pitchFamily="18" charset="0"/>
+                <a:cs typeface="Latha" panose="020B0604020202020204" pitchFamily="34" charset="0"/>
+                <a:hlinkClick r:id="rId2"/>
+              </a:rPr>
+              <a:t>/</a:t>
+            </a:r>
+            <a:r>
+              <a:rPr lang="en-US" sz="1800" u="none" strike="noStrike" spc="-30" dirty="0">
+                <a:solidFill>
+                  <a:srgbClr val="0000FF"/>
+                </a:solidFill>
+                <a:effectLst/>
+                <a:latin typeface="Times New Roman" panose="02020603050405020304" pitchFamily="18" charset="0"/>
+                <a:ea typeface="Times New Roman" panose="02020603050405020304" pitchFamily="18" charset="0"/>
+                <a:cs typeface="Latha" panose="020B0604020202020204" pitchFamily="34" charset="0"/>
+                <a:hlinkClick r:id="rId2"/>
+              </a:rPr>
+              <a:t>I</a:t>
+            </a:r>
+            <a:r>
+              <a:rPr lang="en-US" sz="1800" u="none" strike="noStrike" spc="10" dirty="0">
+                <a:solidFill>
+                  <a:srgbClr val="0000FF"/>
+                </a:solidFill>
+                <a:effectLst/>
+                <a:latin typeface="Times New Roman" panose="02020603050405020304" pitchFamily="18" charset="0"/>
+                <a:ea typeface="Times New Roman" panose="02020603050405020304" pitchFamily="18" charset="0"/>
+                <a:cs typeface="Latha" panose="020B0604020202020204" pitchFamily="34" charset="0"/>
+                <a:hlinkClick r:id="rId2"/>
+              </a:rPr>
+              <a:t>J</a:t>
+            </a:r>
+            <a:r>
+              <a:rPr lang="en-US" sz="1800" u="none" strike="noStrike" dirty="0">
+                <a:solidFill>
+                  <a:srgbClr val="0000FF"/>
+                </a:solidFill>
+                <a:effectLst/>
+                <a:latin typeface="Times New Roman" panose="02020603050405020304" pitchFamily="18" charset="0"/>
+                <a:ea typeface="Times New Roman" panose="02020603050405020304" pitchFamily="18" charset="0"/>
+                <a:cs typeface="Latha" panose="020B0604020202020204" pitchFamily="34" charset="0"/>
+                <a:hlinkClick r:id="rId2"/>
+              </a:rPr>
+              <a:t>CR</a:t>
+            </a:r>
+            <a:r>
+              <a:rPr lang="en-US" sz="1800" u="none" strike="noStrike" spc="-5" dirty="0">
+                <a:solidFill>
+                  <a:srgbClr val="0000FF"/>
+                </a:solidFill>
+                <a:effectLst/>
+                <a:latin typeface="Times New Roman" panose="02020603050405020304" pitchFamily="18" charset="0"/>
+                <a:ea typeface="Times New Roman" panose="02020603050405020304" pitchFamily="18" charset="0"/>
+                <a:cs typeface="Latha" panose="020B0604020202020204" pitchFamily="34" charset="0"/>
+                <a:hlinkClick r:id="rId2"/>
+              </a:rPr>
+              <a:t>T</a:t>
+            </a:r>
+            <a:r>
+              <a:rPr lang="en-US" sz="1800" u="none" strike="noStrike" dirty="0">
+                <a:solidFill>
+                  <a:srgbClr val="0000FF"/>
+                </a:solidFill>
+                <a:effectLst/>
+                <a:latin typeface="Times New Roman" panose="02020603050405020304" pitchFamily="18" charset="0"/>
+                <a:ea typeface="Times New Roman" panose="02020603050405020304" pitchFamily="18" charset="0"/>
+                <a:cs typeface="Latha" panose="020B0604020202020204" pitchFamily="34" charset="0"/>
+                <a:hlinkClick r:id="rId2"/>
+              </a:rPr>
+              <a:t>2105641.pdf</a:t>
+            </a:r>
+            <a:endParaRPr lang="en-IN" sz="1800" dirty="0">
+              <a:effectLst/>
+              <a:latin typeface="Calibri" panose="020F0502020204030204" pitchFamily="34" charset="0"/>
+              <a:ea typeface="Calibri" panose="020F0502020204030204" pitchFamily="34" charset="0"/>
+              <a:cs typeface="Latha" panose="020B0604020202020204" pitchFamily="34" charset="0"/>
+            </a:endParaRPr>
+          </a:p>
+          <a:p>
+            <a:endParaRPr lang="en-IN" dirty="0"/>
+          </a:p>
+        </p:txBody>
+      </p:sp>
+    </p:spTree>
+    <p:extLst>
+      <p:ext uri="{BB962C8B-B14F-4D97-AF65-F5344CB8AC3E}">
+        <p14:creationId xmlns:p14="http://schemas.microsoft.com/office/powerpoint/2010/main" xmlns="" val="182864404"/>
+      </p:ext>
+    </p:extLst>
+  </p:cSld>
+  <p:clrMapOvr>
+    <a:masterClrMapping/>
+  </p:clrMapOvr>
+</p:sld>
+</file>
+
+<file path=ppt/slides/slide27.xml><?xml version="1.0" encoding="utf-8"?>
+<p:sld xmlns:a="http://schemas.openxmlformats.org/drawingml/2006/main" xmlns:r="http://schemas.openxmlformats.org/officeDocument/2006/relationships" xmlns:p="http://schemas.openxmlformats.org/presentationml/2006/main">
+  <p:cSld>
+    <p:spTree>
+      <p:nvGrpSpPr>
+        <p:cNvPr id="1" name=""/>
+        <p:cNvGrpSpPr/>
+        <p:nvPr/>
+      </p:nvGrpSpPr>
+      <p:grpSpPr>
+        <a:xfrm>
+          <a:off x="0" y="0"/>
+          <a:ext cx="0" cy="0"/>
+          <a:chOff x="0" y="0"/>
+          <a:chExt cx="0" cy="0"/>
+        </a:xfrm>
+      </p:grpSpPr>
+      <p:pic>
+        <p:nvPicPr>
+          <p:cNvPr id="5" name="Content Placeholder 4">
+            <a:extLst>
+              <a:ext uri="{FF2B5EF4-FFF2-40B4-BE49-F238E27FC236}">
+                <a16:creationId xmlns:a16="http://schemas.microsoft.com/office/drawing/2014/main" xmlns="" id="{6EF8FAFB-B3A7-480A-B283-99B0D42E6806}"/>
+              </a:ext>
+            </a:extLst>
+          </p:cNvPr>
+          <p:cNvPicPr>
+            <a:picLocks noGrp="1" noChangeAspect="1"/>
+          </p:cNvPicPr>
+          <p:nvPr>
+            <p:ph idx="1"/>
+          </p:nvPr>
+        </p:nvPicPr>
+        <p:blipFill>
+          <a:blip r:embed="rId2"/>
+          <a:stretch>
+            <a:fillRect/>
+          </a:stretch>
+        </p:blipFill>
+        <p:spPr>
+          <a:xfrm>
+            <a:off x="1542804" y="870013"/>
+            <a:ext cx="10415247" cy="5041838"/>
+          </a:xfrm>
+        </p:spPr>
+      </p:pic>
+    </p:spTree>
+    <p:extLst>
+      <p:ext uri="{BB962C8B-B14F-4D97-AF65-F5344CB8AC3E}">
+        <p14:creationId xmlns:p14="http://schemas.microsoft.com/office/powerpoint/2010/main" xmlns="" val="3803026713"/>
+      </p:ext>
+    </p:extLst>
+  </p:cSld>
+  <p:clrMapOvr>
+    <a:masterClrMapping/>
+  </p:clrMapOvr>
+</p:sld>
+</file>
+
+<file path=ppt/slides/slide28.xml><?xml version="1.0" encoding="utf-8"?>
 <p:sld xmlns:a="http://schemas.openxmlformats.org/drawingml/2006/main" xmlns:r="http://schemas.openxmlformats.org/officeDocument/2006/relationships" xmlns:p="http://schemas.openxmlformats.org/presentationml/2006/main">
   <p:cSld>
     <p:spTree>
@@ -11689,7 +13193,7 @@
           <a:lstStyle/>
           <a:p>
             <a:r>
-              <a:rPr lang="en-IN" b="1" dirty="0" smtClean="0"/>
+              <a:rPr lang="en-IN" b="1" dirty="0"/>
               <a:t>REFERENCES</a:t>
             </a:r>
             <a:endParaRPr lang="en-GB" dirty="0"/>
@@ -11719,7 +13223,7 @@
           <a:lstStyle/>
           <a:p>
             <a:r>
-              <a:rPr lang="en-GB" sz="1600" dirty="0" smtClean="0">
+              <a:rPr lang="en-GB" sz="1600" dirty="0">
                 <a:solidFill>
                   <a:srgbClr val="000000"/>
                 </a:solidFill>
@@ -11730,7 +13234,7 @@
               <a:t>[1] Marco </a:t>
             </a:r>
             <a:r>
-              <a:rPr lang="en-GB" sz="1600" dirty="0" err="1" smtClean="0">
+              <a:rPr lang="en-GB" sz="1600" dirty="0" err="1">
                 <a:solidFill>
                   <a:srgbClr val="000000"/>
                 </a:solidFill>
@@ -11741,7 +13245,7 @@
               <a:t>Casini</a:t>
             </a:r>
             <a:r>
-              <a:rPr lang="en-GB" sz="1600" dirty="0" smtClean="0">
+              <a:rPr lang="en-GB" sz="1600" dirty="0">
                 <a:solidFill>
                   <a:srgbClr val="000000"/>
                 </a:solidFill>
@@ -11751,7 +13255,7 @@
               </a:rPr>
               <a:t>, “Internet of things for Energy efficiency of buildings,” International Scientific Journal Architecture and Engineering. – 2013 </a:t>
             </a:r>
-            <a:endParaRPr lang="en-IN" sz="1600" dirty="0" smtClean="0">
+            <a:endParaRPr lang="en-IN" sz="1600" dirty="0">
               <a:solidFill>
                 <a:srgbClr val="000000"/>
               </a:solidFill>
@@ -11765,7 +13269,7 @@
               <a:buNone/>
             </a:pPr>
             <a:r>
-              <a:rPr lang="en-GB" sz="1600" dirty="0" smtClean="0">
+              <a:rPr lang="en-GB" sz="1600" dirty="0">
                 <a:solidFill>
                   <a:srgbClr val="000000"/>
                 </a:solidFill>
@@ -11775,7 +13279,7 @@
               </a:rPr>
               <a:t> </a:t>
             </a:r>
-            <a:endParaRPr lang="en-IN" sz="1600" dirty="0" smtClean="0">
+            <a:endParaRPr lang="en-IN" sz="1600" dirty="0">
               <a:solidFill>
                 <a:srgbClr val="000000"/>
               </a:solidFill>
@@ -11786,7 +13290,7 @@
           </a:p>
           <a:p>
             <a:r>
-              <a:rPr lang="en-GB" sz="1600" dirty="0" smtClean="0">
+              <a:rPr lang="en-GB" sz="1600" dirty="0">
                 <a:solidFill>
                   <a:srgbClr val="000000"/>
                 </a:solidFill>
@@ -11797,7 +13301,7 @@
               <a:t>[2] </a:t>
             </a:r>
             <a:r>
-              <a:rPr lang="en-GB" sz="1600" dirty="0" err="1" smtClean="0">
+              <a:rPr lang="en-GB" sz="1600" dirty="0" err="1">
                 <a:solidFill>
                   <a:srgbClr val="000000"/>
                 </a:solidFill>
@@ -11808,7 +13312,7 @@
               <a:t>Shu</a:t>
             </a:r>
             <a:r>
-              <a:rPr lang="en-GB" sz="1600" dirty="0" smtClean="0">
+              <a:rPr lang="en-GB" sz="1600" dirty="0">
                 <a:solidFill>
                   <a:srgbClr val="000000"/>
                 </a:solidFill>
@@ -11819,7 +13323,7 @@
               <a:t>-ping Le, Hong </a:t>
             </a:r>
             <a:r>
-              <a:rPr lang="en-GB" sz="1600" dirty="0" err="1" smtClean="0">
+              <a:rPr lang="en-GB" sz="1600" dirty="0" err="1">
                 <a:solidFill>
                   <a:srgbClr val="000000"/>
                 </a:solidFill>
@@ -11830,7 +13334,7 @@
               <a:t>Zeng</a:t>
             </a:r>
             <a:r>
-              <a:rPr lang="en-GB" sz="1600" dirty="0" smtClean="0">
+              <a:rPr lang="en-GB" sz="1600" dirty="0">
                 <a:solidFill>
                   <a:srgbClr val="000000"/>
                 </a:solidFill>
@@ -11841,7 +13345,7 @@
               <a:t>, </a:t>
             </a:r>
             <a:r>
-              <a:rPr lang="en-GB" sz="1600" dirty="0" err="1" smtClean="0">
+              <a:rPr lang="en-GB" sz="1600" dirty="0" err="1">
                 <a:solidFill>
                   <a:srgbClr val="000000"/>
                 </a:solidFill>
@@ -11852,7 +13356,7 @@
               <a:t>Jian</a:t>
             </a:r>
             <a:r>
-              <a:rPr lang="en-GB" sz="1600" dirty="0" smtClean="0">
+              <a:rPr lang="en-GB" sz="1600" dirty="0">
                 <a:solidFill>
                   <a:srgbClr val="000000"/>
                 </a:solidFill>
@@ -11863,7 +13367,7 @@
               <a:t> </a:t>
             </a:r>
             <a:r>
-              <a:rPr lang="en-GB" sz="1600" dirty="0" err="1" smtClean="0">
+              <a:rPr lang="en-GB" sz="1600" dirty="0" err="1">
                 <a:solidFill>
                   <a:srgbClr val="000000"/>
                 </a:solidFill>
@@ -11874,7 +13378,7 @@
               <a:t>Qiu</a:t>
             </a:r>
             <a:r>
-              <a:rPr lang="en-GB" sz="1600" dirty="0" smtClean="0">
+              <a:rPr lang="en-GB" sz="1600" dirty="0">
                 <a:solidFill>
                   <a:srgbClr val="000000"/>
                 </a:solidFill>
@@ -11884,7 +13388,7 @@
               </a:rPr>
               <a:t>, Song Zhang “Design and Implementation of Wireless Power Monitoring System for Public Buildings” - 2013 (IEEE Paper) </a:t>
             </a:r>
-            <a:endParaRPr lang="en-IN" sz="1600" dirty="0" smtClean="0">
+            <a:endParaRPr lang="en-IN" sz="1600" dirty="0">
               <a:solidFill>
                 <a:srgbClr val="000000"/>
               </a:solidFill>
@@ -11898,14 +13402,14 @@
               <a:buNone/>
             </a:pPr>
             <a:r>
-              <a:rPr lang="en-US" sz="1600" dirty="0" smtClean="0">
+              <a:rPr lang="en-US" sz="1600" dirty="0">
                 <a:latin typeface="Arial" pitchFamily="34" charset="0"/>
                 <a:ea typeface="SimSun" panose="02010600030101010101" pitchFamily="2" charset="-122"/>
                 <a:cs typeface="Arial" pitchFamily="34" charset="0"/>
               </a:rPr>
               <a:t> </a:t>
             </a:r>
-            <a:endParaRPr lang="en-IN" sz="1600" dirty="0" smtClean="0">
+            <a:endParaRPr lang="en-IN" sz="1600" dirty="0">
               <a:latin typeface="Arial" pitchFamily="34" charset="0"/>
               <a:ea typeface="SimSun" panose="02010600030101010101" pitchFamily="2" charset="-122"/>
               <a:cs typeface="Arial" pitchFamily="34" charset="0"/>
@@ -11914,7 +13418,7 @@
           <a:p>
             <a:pPr algn="just"/>
             <a:r>
-              <a:rPr lang="en-US" sz="1600" dirty="0" smtClean="0">
+              <a:rPr lang="en-US" sz="1600" dirty="0">
                 <a:latin typeface="Arial" pitchFamily="34" charset="0"/>
                 <a:ea typeface="SimSun" panose="02010600030101010101" pitchFamily="2" charset="-122"/>
                 <a:cs typeface="Arial" pitchFamily="34" charset="0"/>
@@ -11922,7 +13426,7 @@
               <a:t> </a:t>
             </a:r>
             <a:r>
-              <a:rPr lang="en-US" sz="1600" dirty="0" smtClean="0">
+              <a:rPr lang="en-US" sz="1600" dirty="0">
                 <a:solidFill>
                   <a:schemeClr val="tx1"/>
                 </a:solidFill>
@@ -11933,7 +13437,7 @@
               <a:t>[3] S. Kumar and S. R. Lee, "Android-based smart home system with control via Bluetooth and internet connectivity," The 18th IEEE International Symposium on Consumer Electronics (ISCE 2014), </a:t>
             </a:r>
             <a:r>
-              <a:rPr lang="en-US" sz="1600" dirty="0" err="1" smtClean="0">
+              <a:rPr lang="en-US" sz="1600" dirty="0" err="1">
                 <a:solidFill>
                   <a:schemeClr val="tx1"/>
                 </a:solidFill>
@@ -11944,7 +13448,7 @@
               <a:t>Jeju</a:t>
             </a:r>
             <a:r>
-              <a:rPr lang="en-US" sz="1600" dirty="0" smtClean="0">
+              <a:rPr lang="en-US" sz="1600" dirty="0">
                 <a:solidFill>
                   <a:schemeClr val="tx1"/>
                 </a:solidFill>
@@ -11954,7 +13458,7 @@
               </a:rPr>
               <a:t> Island, 2014, pp. 1-2. </a:t>
             </a:r>
-            <a:endParaRPr lang="en-IN" sz="1600" dirty="0" smtClean="0">
+            <a:endParaRPr lang="en-IN" sz="1600" dirty="0">
               <a:solidFill>
                 <a:schemeClr val="tx1"/>
               </a:solidFill>
@@ -11968,14 +13472,14 @@
               <a:buNone/>
             </a:pPr>
             <a:r>
-              <a:rPr lang="en-US" sz="1600" dirty="0" smtClean="0">
+              <a:rPr lang="en-US" sz="1600" dirty="0">
                 <a:latin typeface="Arial" pitchFamily="34" charset="0"/>
                 <a:ea typeface="SimSun" panose="02010600030101010101" pitchFamily="2" charset="-122"/>
                 <a:cs typeface="Arial" pitchFamily="34" charset="0"/>
               </a:rPr>
               <a:t> </a:t>
             </a:r>
-            <a:endParaRPr lang="en-IN" sz="1600" dirty="0" smtClean="0">
+            <a:endParaRPr lang="en-IN" sz="1600" dirty="0">
               <a:latin typeface="Arial" pitchFamily="34" charset="0"/>
               <a:ea typeface="SimSun" panose="02010600030101010101" pitchFamily="2" charset="-122"/>
               <a:cs typeface="Arial" pitchFamily="34" charset="0"/>
@@ -11984,7 +13488,7 @@
           <a:p>
             <a:pPr algn="just"/>
             <a:r>
-              <a:rPr lang="en-US" sz="1600" dirty="0" smtClean="0">
+              <a:rPr lang="en-US" sz="1600" dirty="0">
                 <a:latin typeface="Arial" pitchFamily="34" charset="0"/>
                 <a:ea typeface="SimSun" panose="02010600030101010101" pitchFamily="2" charset="-122"/>
                 <a:cs typeface="Arial" pitchFamily="34" charset="0"/>
@@ -11992,7 +13496,7 @@
               <a:t>[</a:t>
             </a:r>
             <a:r>
-              <a:rPr lang="en-US" sz="1600" dirty="0" smtClean="0">
+              <a:rPr lang="en-US" sz="1600" dirty="0">
                 <a:solidFill>
                   <a:schemeClr val="tx1"/>
                 </a:solidFill>
@@ -12003,7 +13507,7 @@
               <a:t>4]</a:t>
             </a:r>
             <a:r>
-              <a:rPr lang="en-US" sz="1600" i="1" dirty="0" smtClean="0">
+              <a:rPr lang="en-US" sz="1600" i="1" dirty="0">
                 <a:solidFill>
                   <a:schemeClr val="tx1"/>
                 </a:solidFill>
@@ -12014,7 +13518,7 @@
               <a:t> </a:t>
             </a:r>
             <a:r>
-              <a:rPr lang="en-US" sz="1600" dirty="0" err="1" smtClean="0">
+              <a:rPr lang="en-US" sz="1600" dirty="0" err="1">
                 <a:solidFill>
                   <a:schemeClr val="tx1"/>
                 </a:solidFill>
@@ -12025,7 +13529,7 @@
               <a:t>Heiko</a:t>
             </a:r>
             <a:r>
-              <a:rPr lang="en-US" sz="1600" dirty="0" smtClean="0">
+              <a:rPr lang="en-US" sz="1600" dirty="0">
                 <a:solidFill>
                   <a:schemeClr val="tx1"/>
                 </a:solidFill>
@@ -12036,7 +13540,7 @@
               <a:t> </a:t>
             </a:r>
             <a:r>
-              <a:rPr lang="en-US" sz="1600" dirty="0" err="1" smtClean="0">
+              <a:rPr lang="en-US" sz="1600" dirty="0" err="1">
                 <a:solidFill>
                   <a:schemeClr val="tx1"/>
                 </a:solidFill>
@@ -12047,7 +13551,7 @@
               <a:t>Koziolek</a:t>
             </a:r>
             <a:r>
-              <a:rPr lang="en-US" sz="1600" dirty="0" smtClean="0">
+              <a:rPr lang="en-US" sz="1600" dirty="0">
                 <a:solidFill>
                   <a:schemeClr val="tx1"/>
                 </a:solidFill>
@@ -12058,7 +13562,7 @@
               <a:t>; Andreas Burger; Jens </a:t>
             </a:r>
             <a:r>
-              <a:rPr lang="en-US" sz="1600" dirty="0" err="1" smtClean="0">
+              <a:rPr lang="en-US" sz="1600" dirty="0" err="1">
                 <a:solidFill>
                   <a:schemeClr val="tx1"/>
                 </a:solidFill>
@@ -12069,7 +13573,7 @@
               <a:t>Doppelhamer</a:t>
             </a:r>
             <a:r>
-              <a:rPr lang="en-US" sz="1600" dirty="0" smtClean="0">
+              <a:rPr lang="en-US" sz="1600" dirty="0">
                 <a:solidFill>
                   <a:schemeClr val="tx1"/>
                 </a:solidFill>
@@ -12080,7 +13584,7 @@
               <a:t>, “Self-Commissioning Industrial </a:t>
             </a:r>
             <a:r>
-              <a:rPr lang="en-US" sz="1600" dirty="0" err="1" smtClean="0">
+              <a:rPr lang="en-US" sz="1600" dirty="0" err="1">
                 <a:solidFill>
                   <a:schemeClr val="tx1"/>
                 </a:solidFill>
@@ -12091,7 +13595,7 @@
               <a:t>IoT</a:t>
             </a:r>
             <a:r>
-              <a:rPr lang="en-US" sz="1600" dirty="0" smtClean="0">
+              <a:rPr lang="en-US" sz="1600" dirty="0">
                 <a:solidFill>
                   <a:schemeClr val="tx1"/>
                 </a:solidFill>
@@ -12131,7 +13635,7 @@
           <a:p>
             <a:pPr algn="just"/>
             <a:r>
-              <a:rPr lang="en-US" sz="1600" dirty="0" smtClean="0">
+              <a:rPr lang="en-US" sz="1600" dirty="0">
                 <a:solidFill>
                   <a:schemeClr val="tx1"/>
                 </a:solidFill>
@@ -12142,7 +13646,7 @@
               <a:t>[5] </a:t>
             </a:r>
             <a:r>
-              <a:rPr lang="en-US" sz="1600" dirty="0" err="1" smtClean="0">
+              <a:rPr lang="en-US" sz="1600" dirty="0" err="1">
                 <a:solidFill>
                   <a:schemeClr val="tx1"/>
                 </a:solidFill>
@@ -12153,7 +13657,7 @@
               <a:t>Satyendra</a:t>
             </a:r>
             <a:r>
-              <a:rPr lang="en-US" sz="1600" dirty="0" smtClean="0">
+              <a:rPr lang="en-US" sz="1600" dirty="0">
                 <a:solidFill>
                   <a:schemeClr val="tx1"/>
                 </a:solidFill>
@@ -12164,7 +13668,7 @@
               <a:t> </a:t>
             </a:r>
             <a:r>
-              <a:rPr lang="en-US" sz="1600" dirty="0" err="1" smtClean="0">
+              <a:rPr lang="en-US" sz="1600" dirty="0" err="1">
                 <a:solidFill>
                   <a:schemeClr val="tx1"/>
                 </a:solidFill>
@@ -12175,7 +13679,7 @@
               <a:t>K.Vishwakarma</a:t>
             </a:r>
             <a:r>
-              <a:rPr lang="en-US" sz="1600" dirty="0" smtClean="0">
+              <a:rPr lang="en-US" sz="1600" dirty="0">
                 <a:solidFill>
                   <a:schemeClr val="tx1"/>
                 </a:solidFill>
@@ -12186,7 +13690,7 @@
               <a:t>, </a:t>
             </a:r>
             <a:r>
-              <a:rPr lang="en-US" sz="1600" dirty="0" err="1" smtClean="0">
+              <a:rPr lang="en-US" sz="1600" dirty="0" err="1">
                 <a:solidFill>
                   <a:schemeClr val="tx1"/>
                 </a:solidFill>
@@ -12197,7 +13701,7 @@
               <a:t>Prashant</a:t>
             </a:r>
             <a:r>
-              <a:rPr lang="en-US" sz="1600" dirty="0" smtClean="0">
+              <a:rPr lang="en-US" sz="1600" dirty="0">
                 <a:solidFill>
                   <a:schemeClr val="tx1"/>
                 </a:solidFill>
@@ -12208,7 +13712,7 @@
               <a:t> </a:t>
             </a:r>
             <a:r>
-              <a:rPr lang="en-US" sz="1600" dirty="0" err="1" smtClean="0">
+              <a:rPr lang="en-US" sz="1600" dirty="0" err="1">
                 <a:solidFill>
                   <a:schemeClr val="tx1"/>
                 </a:solidFill>
@@ -12219,7 +13723,7 @@
               <a:t>Upadhyaya</a:t>
             </a:r>
             <a:r>
-              <a:rPr lang="en-US" sz="1600" dirty="0" smtClean="0">
+              <a:rPr lang="en-US" sz="1600" dirty="0">
                 <a:solidFill>
                   <a:schemeClr val="tx1"/>
                 </a:solidFill>
@@ -12230,7 +13734,7 @@
               <a:t>, </a:t>
             </a:r>
             <a:r>
-              <a:rPr lang="en-US" sz="1600" dirty="0" err="1" smtClean="0">
+              <a:rPr lang="en-US" sz="1600" dirty="0" err="1">
                 <a:solidFill>
                   <a:schemeClr val="tx1"/>
                 </a:solidFill>
@@ -12241,7 +13745,7 @@
               <a:t>Babita</a:t>
             </a:r>
             <a:r>
-              <a:rPr lang="en-US" sz="1600" dirty="0" smtClean="0">
+              <a:rPr lang="en-US" sz="1600" dirty="0">
                 <a:solidFill>
                   <a:schemeClr val="tx1"/>
                 </a:solidFill>
@@ -12252,7 +13756,7 @@
               <a:t> </a:t>
             </a:r>
             <a:r>
-              <a:rPr lang="en-US" sz="1600" dirty="0" err="1" smtClean="0">
+              <a:rPr lang="en-US" sz="1600" dirty="0" err="1">
                 <a:solidFill>
                   <a:schemeClr val="tx1"/>
                 </a:solidFill>
@@ -12263,7 +13767,7 @@
               <a:t>Kumari</a:t>
             </a:r>
             <a:r>
-              <a:rPr lang="en-US" sz="1600" dirty="0" smtClean="0">
+              <a:rPr lang="en-US" sz="1600" dirty="0">
                 <a:solidFill>
                   <a:schemeClr val="tx1"/>
                 </a:solidFill>
@@ -12274,7 +13778,7 @@
               <a:t> </a:t>
             </a:r>
             <a:r>
-              <a:rPr lang="en-US" sz="1600" dirty="0" err="1" smtClean="0">
+              <a:rPr lang="en-US" sz="1600" dirty="0" err="1">
                 <a:solidFill>
                   <a:schemeClr val="tx1"/>
                 </a:solidFill>
@@ -12285,7 +13789,7 @@
               <a:t>Arun</a:t>
             </a:r>
             <a:r>
-              <a:rPr lang="en-US" sz="1600" dirty="0" smtClean="0">
+              <a:rPr lang="en-US" sz="1600" dirty="0">
                 <a:solidFill>
                   <a:schemeClr val="tx1"/>
                 </a:solidFill>
@@ -12296,7 +13800,7 @@
               <a:t> Kumar </a:t>
             </a:r>
             <a:r>
-              <a:rPr lang="en-US" sz="1600" dirty="0" err="1" smtClean="0">
+              <a:rPr lang="en-US" sz="1600" dirty="0" err="1">
                 <a:solidFill>
                   <a:schemeClr val="tx1"/>
                 </a:solidFill>
@@ -12307,7 +13811,7 @@
               <a:t>Mishra</a:t>
             </a:r>
             <a:r>
-              <a:rPr lang="en-US" sz="1600" dirty="0" smtClean="0">
+              <a:rPr lang="en-US" sz="1600" dirty="0">
                 <a:solidFill>
                   <a:schemeClr val="tx1"/>
                 </a:solidFill>
@@ -12318,7 +13822,7 @@
               <a:t>,” Smart Energy Efficient Home Automation System Using </a:t>
             </a:r>
             <a:r>
-              <a:rPr lang="en-US" sz="1600" dirty="0" err="1" smtClean="0">
+              <a:rPr lang="en-US" sz="1600" dirty="0" err="1">
                 <a:solidFill>
                   <a:schemeClr val="tx1"/>
                 </a:solidFill>
@@ -12329,7 +13833,7 @@
               <a:t>IoT</a:t>
             </a:r>
             <a:r>
-              <a:rPr lang="en-US" sz="1600" dirty="0" smtClean="0">
+              <a:rPr lang="en-US" sz="1600" dirty="0">
                 <a:solidFill>
                   <a:schemeClr val="tx1"/>
                 </a:solidFill>
@@ -12342,7 +13846,7 @@
           </a:p>
           <a:p>
             <a:pPr algn="just"/>
-            <a:endParaRPr lang="en-IN" sz="1600" dirty="0" smtClean="0">
+            <a:endParaRPr lang="en-IN" sz="1600" dirty="0">
               <a:solidFill>
                 <a:schemeClr val="tx1"/>
               </a:solidFill>
@@ -12353,7 +13857,7 @@
           </a:p>
           <a:p>
             <a:r>
-              <a:rPr lang="en-US" sz="1600" dirty="0" smtClean="0">
+              <a:rPr lang="en-US" sz="1600" dirty="0">
                 <a:solidFill>
                   <a:schemeClr val="tx1"/>
                 </a:solidFill>
@@ -12364,7 +13868,7 @@
               <a:t>[6] S.L.S. Sri </a:t>
             </a:r>
             <a:r>
-              <a:rPr lang="en-US" sz="1600" dirty="0" err="1" smtClean="0">
+              <a:rPr lang="en-US" sz="1600" dirty="0" err="1">
                 <a:solidFill>
                   <a:schemeClr val="tx1"/>
                 </a:solidFill>
@@ -12375,7 +13879,7 @@
               <a:t>Harsha</a:t>
             </a:r>
             <a:r>
-              <a:rPr lang="en-US" sz="1600" dirty="0" smtClean="0">
+              <a:rPr lang="en-US" sz="1600" dirty="0">
                 <a:solidFill>
                   <a:schemeClr val="tx1"/>
                 </a:solidFill>
@@ -12386,7 +13890,7 @@
               <a:t>; S. </a:t>
             </a:r>
             <a:r>
-              <a:rPr lang="en-US" sz="1600" dirty="0" err="1" smtClean="0">
+              <a:rPr lang="en-US" sz="1600" dirty="0" err="1">
                 <a:solidFill>
                   <a:schemeClr val="tx1"/>
                 </a:solidFill>
@@ -12397,7 +13901,7 @@
               <a:t>Chakrapani</a:t>
             </a:r>
             <a:r>
-              <a:rPr lang="en-US" sz="1600" dirty="0" smtClean="0">
+              <a:rPr lang="en-US" sz="1600" dirty="0">
                 <a:solidFill>
                   <a:schemeClr val="tx1"/>
                 </a:solidFill>
@@ -12408,7 +13912,7 @@
               <a:t> Reddy; S. Prince Mary,</a:t>
             </a:r>
             <a:r>
-              <a:rPr lang="en-IN" sz="1600" dirty="0" smtClean="0">
+              <a:rPr lang="en-IN" sz="1600" dirty="0">
                 <a:solidFill>
                   <a:schemeClr val="tx1"/>
                 </a:solidFill>
@@ -12419,7 +13923,7 @@
               <a:t> </a:t>
             </a:r>
             <a:r>
-              <a:rPr lang="en-US" sz="1600" dirty="0" smtClean="0">
+              <a:rPr lang="en-US" sz="1600" dirty="0">
                 <a:solidFill>
                   <a:schemeClr val="tx1"/>
                 </a:solidFill>
@@ -12430,7 +13934,7 @@
               <a:t> “Enhanced Home Automation System using Internet of  Things”</a:t>
             </a:r>
             <a:r>
-              <a:rPr lang="en-IN" sz="1600" dirty="0" smtClean="0">
+              <a:rPr lang="en-IN" sz="1600" dirty="0">
                 <a:solidFill>
                   <a:schemeClr val="tx1"/>
                 </a:solidFill>
@@ -12441,7 +13945,7 @@
               <a:t>-</a:t>
             </a:r>
             <a:r>
-              <a:rPr lang="en-US" sz="1600" dirty="0" smtClean="0">
+              <a:rPr lang="en-US" sz="1600" dirty="0">
                 <a:solidFill>
                   <a:schemeClr val="tx1"/>
                 </a:solidFill>
@@ -12453,7 +13957,7 @@
             </a:r>
           </a:p>
           <a:p>
-            <a:endParaRPr lang="en-IN" sz="1600" dirty="0" smtClean="0">
+            <a:endParaRPr lang="en-IN" sz="1600" dirty="0">
               <a:solidFill>
                 <a:schemeClr val="tx1"/>
               </a:solidFill>
@@ -12465,7 +13969,7 @@
           <a:p>
             <a:pPr algn="just"/>
             <a:r>
-              <a:rPr lang="en-US" sz="1600" dirty="0" smtClean="0">
+              <a:rPr lang="en-US" sz="1600" dirty="0">
                 <a:solidFill>
                   <a:schemeClr val="tx1"/>
                 </a:solidFill>
@@ -12476,7 +13980,7 @@
               <a:t>[7] Harsh Kumar Singh; </a:t>
             </a:r>
             <a:r>
-              <a:rPr lang="en-US" sz="1600" dirty="0" err="1" smtClean="0">
+              <a:rPr lang="en-US" sz="1600" dirty="0" err="1">
                 <a:solidFill>
                   <a:schemeClr val="tx1"/>
                 </a:solidFill>
@@ -12487,7 +13991,7 @@
               <a:t>Saurabh</a:t>
             </a:r>
             <a:r>
-              <a:rPr lang="en-US" sz="1600" dirty="0" smtClean="0">
+              <a:rPr lang="en-US" sz="1600" dirty="0">
                 <a:solidFill>
                   <a:schemeClr val="tx1"/>
                 </a:solidFill>
@@ -12498,7 +14002,7 @@
               <a:t> </a:t>
             </a:r>
             <a:r>
-              <a:rPr lang="en-US" sz="1600" dirty="0" err="1" smtClean="0">
+              <a:rPr lang="en-US" sz="1600" dirty="0" err="1">
                 <a:solidFill>
                   <a:schemeClr val="tx1"/>
                 </a:solidFill>
@@ -12509,7 +14013,7 @@
               <a:t>Verma</a:t>
             </a:r>
             <a:r>
-              <a:rPr lang="en-US" sz="1600" dirty="0" smtClean="0">
+              <a:rPr lang="en-US" sz="1600" dirty="0">
                 <a:solidFill>
                   <a:schemeClr val="tx1"/>
                 </a:solidFill>
@@ -12520,7 +14024,7 @@
               <a:t>; </a:t>
             </a:r>
             <a:r>
-              <a:rPr lang="en-US" sz="1600" dirty="0" err="1" smtClean="0">
+              <a:rPr lang="en-US" sz="1600" dirty="0" err="1">
                 <a:solidFill>
                   <a:schemeClr val="tx1"/>
                 </a:solidFill>
@@ -12531,7 +14035,7 @@
               <a:t>Shashank</a:t>
             </a:r>
             <a:r>
-              <a:rPr lang="en-US" sz="1600" dirty="0" smtClean="0">
+              <a:rPr lang="en-US" sz="1600" dirty="0">
                 <a:solidFill>
                   <a:schemeClr val="tx1"/>
                 </a:solidFill>
@@ -12542,7 +14046,7 @@
               <a:t> Pal; </a:t>
             </a:r>
             <a:r>
-              <a:rPr lang="en-US" sz="1600" dirty="0" err="1" smtClean="0">
+              <a:rPr lang="en-US" sz="1600" dirty="0" err="1">
                 <a:solidFill>
                   <a:schemeClr val="tx1"/>
                 </a:solidFill>
@@ -12553,7 +14057,7 @@
               <a:t>KavitaPandey</a:t>
             </a:r>
             <a:r>
-              <a:rPr lang="en-US" sz="1600" dirty="0" smtClean="0">
+              <a:rPr lang="en-US" sz="1600" dirty="0">
                 <a:solidFill>
                   <a:schemeClr val="tx1"/>
                 </a:solidFill>
@@ -12564,7 +14068,7 @@
               <a:t>,” A step towards Home Automation using IOT”</a:t>
             </a:r>
             <a:r>
-              <a:rPr lang="en-IN" sz="1600" dirty="0" smtClean="0">
+              <a:rPr lang="en-IN" sz="1600" dirty="0">
                 <a:solidFill>
                   <a:schemeClr val="tx1"/>
                 </a:solidFill>
@@ -12575,7 +14079,7 @@
               <a:t> -</a:t>
             </a:r>
             <a:r>
-              <a:rPr lang="en-US" sz="1600" dirty="0" smtClean="0">
+              <a:rPr lang="en-US" sz="1600" dirty="0">
                 <a:solidFill>
                   <a:schemeClr val="tx1"/>
                 </a:solidFill>
@@ -12588,7 +14092,7 @@
           </a:p>
           <a:p>
             <a:pPr algn="just"/>
-            <a:endParaRPr lang="en-IN" sz="1600" dirty="0" smtClean="0">
+            <a:endParaRPr lang="en-IN" sz="1600" dirty="0">
               <a:solidFill>
                 <a:schemeClr val="tx1"/>
               </a:solidFill>
@@ -12600,7 +14104,7 @@
           <a:p>
             <a:pPr algn="just"/>
             <a:r>
-              <a:rPr lang="en-US" sz="1600" dirty="0" smtClean="0">
+              <a:rPr lang="en-US" sz="1600" dirty="0">
                 <a:solidFill>
                   <a:schemeClr val="tx1"/>
                 </a:solidFill>
@@ -12611,7 +14115,7 @@
               <a:t>[8] </a:t>
             </a:r>
             <a:r>
-              <a:rPr lang="en-US" sz="1600" dirty="0" err="1" smtClean="0">
+              <a:rPr lang="en-US" sz="1600" dirty="0" err="1">
                 <a:solidFill>
                   <a:schemeClr val="tx1"/>
                 </a:solidFill>
@@ -12622,7 +14126,7 @@
               <a:t>Majid</a:t>
             </a:r>
             <a:r>
-              <a:rPr lang="en-US" sz="1600" dirty="0" smtClean="0">
+              <a:rPr lang="en-US" sz="1600" dirty="0">
                 <a:solidFill>
                   <a:schemeClr val="tx1"/>
                 </a:solidFill>
@@ -12633,7 +14137,7 @@
               <a:t> Al-</a:t>
             </a:r>
             <a:r>
-              <a:rPr lang="en-US" sz="1600" dirty="0" err="1" smtClean="0">
+              <a:rPr lang="en-US" sz="1600" dirty="0" err="1">
                 <a:solidFill>
                   <a:schemeClr val="tx1"/>
                 </a:solidFill>
@@ -12644,7 +14148,7 @@
               <a:t>Kuwari</a:t>
             </a:r>
             <a:r>
-              <a:rPr lang="en-US" sz="1600" dirty="0" smtClean="0">
+              <a:rPr lang="en-US" sz="1600" dirty="0">
                 <a:solidFill>
                   <a:schemeClr val="tx1"/>
                 </a:solidFill>
@@ -12655,7 +14159,7 @@
               <a:t>, </a:t>
             </a:r>
             <a:r>
-              <a:rPr lang="en-US" sz="1600" dirty="0" err="1" smtClean="0">
+              <a:rPr lang="en-US" sz="1600" dirty="0" err="1">
                 <a:solidFill>
                   <a:schemeClr val="tx1"/>
                 </a:solidFill>
@@ -12666,7 +14170,7 @@
               <a:t>Abdulrhman</a:t>
             </a:r>
             <a:r>
-              <a:rPr lang="en-US" sz="1600" dirty="0" smtClean="0">
+              <a:rPr lang="en-US" sz="1600" dirty="0">
                 <a:solidFill>
                   <a:schemeClr val="tx1"/>
                 </a:solidFill>
@@ -12677,7 +14181,7 @@
               <a:t> Ramadan, </a:t>
             </a:r>
             <a:r>
-              <a:rPr lang="en-US" sz="1600" dirty="0" err="1" smtClean="0">
+              <a:rPr lang="en-US" sz="1600" dirty="0" err="1">
                 <a:solidFill>
                   <a:schemeClr val="tx1"/>
                 </a:solidFill>
@@ -12688,7 +14192,7 @@
               <a:t>Yousef</a:t>
             </a:r>
             <a:r>
-              <a:rPr lang="en-US" sz="1600" dirty="0" smtClean="0">
+              <a:rPr lang="en-US" sz="1600" dirty="0">
                 <a:solidFill>
                   <a:schemeClr val="tx1"/>
                 </a:solidFill>
@@ -12699,7 +14203,7 @@
               <a:t> </a:t>
             </a:r>
             <a:r>
-              <a:rPr lang="en-US" sz="1600" dirty="0" err="1" smtClean="0">
+              <a:rPr lang="en-US" sz="1600" dirty="0" err="1">
                 <a:solidFill>
                   <a:schemeClr val="tx1"/>
                 </a:solidFill>
@@ -12710,7 +14214,7 @@
               <a:t>Ismael</a:t>
             </a:r>
             <a:r>
-              <a:rPr lang="en-US" sz="1600" dirty="0" smtClean="0">
+              <a:rPr lang="en-US" sz="1600" dirty="0">
                 <a:solidFill>
                   <a:schemeClr val="tx1"/>
                 </a:solidFill>
@@ -12721,7 +14225,7 @@
               <a:t>, </a:t>
             </a:r>
             <a:r>
-              <a:rPr lang="en-US" sz="1600" dirty="0" err="1" smtClean="0">
+              <a:rPr lang="en-US" sz="1600" dirty="0" err="1">
                 <a:solidFill>
                   <a:schemeClr val="tx1"/>
                 </a:solidFill>
@@ -12732,7 +14236,7 @@
               <a:t>Laith</a:t>
             </a:r>
             <a:r>
-              <a:rPr lang="en-US" sz="1600" dirty="0" smtClean="0">
+              <a:rPr lang="en-US" sz="1600" dirty="0">
                 <a:solidFill>
                   <a:schemeClr val="tx1"/>
                 </a:solidFill>
@@ -12743,7 +14247,7 @@
               <a:t> Al-</a:t>
             </a:r>
             <a:r>
-              <a:rPr lang="en-US" sz="1600" dirty="0" err="1" smtClean="0">
+              <a:rPr lang="en-US" sz="1600" dirty="0" err="1">
                 <a:solidFill>
                   <a:schemeClr val="tx1"/>
                 </a:solidFill>
@@ -12754,7 +14258,7 @@
               <a:t>Sughair</a:t>
             </a:r>
             <a:r>
-              <a:rPr lang="en-US" sz="1600" dirty="0" smtClean="0">
+              <a:rPr lang="en-US" sz="1600" dirty="0">
                 <a:solidFill>
                   <a:schemeClr val="tx1"/>
                 </a:solidFill>
@@ -12765,7 +14269,7 @@
               <a:t>, Adel </a:t>
             </a:r>
             <a:r>
-              <a:rPr lang="en-US" sz="1600" dirty="0" err="1" smtClean="0">
+              <a:rPr lang="en-US" sz="1600" dirty="0" err="1">
                 <a:solidFill>
                   <a:schemeClr val="tx1"/>
                 </a:solidFill>
@@ -12776,7 +14280,7 @@
               <a:t>Gastli</a:t>
             </a:r>
             <a:r>
-              <a:rPr lang="en-US" sz="1600" dirty="0" smtClean="0">
+              <a:rPr lang="en-US" sz="1600" dirty="0">
                 <a:solidFill>
                   <a:schemeClr val="tx1"/>
                 </a:solidFill>
@@ -12787,7 +14291,7 @@
               <a:t>,”</a:t>
             </a:r>
             <a:r>
-              <a:rPr lang="en-US" sz="1600" kern="1800" dirty="0" smtClean="0">
+              <a:rPr lang="en-US" sz="1600" kern="1800" dirty="0">
                 <a:solidFill>
                   <a:schemeClr val="tx1"/>
                 </a:solidFill>
@@ -12798,7 +14302,7 @@
               <a:t> Smart-home automation using </a:t>
             </a:r>
             <a:r>
-              <a:rPr lang="en-US" sz="1600" kern="1800" dirty="0" err="1" smtClean="0">
+              <a:rPr lang="en-US" sz="1600" kern="1800" dirty="0" err="1">
                 <a:solidFill>
                   <a:schemeClr val="tx1"/>
                 </a:solidFill>
@@ -12809,7 +14313,7 @@
               <a:t>IoT</a:t>
             </a:r>
             <a:r>
-              <a:rPr lang="en-US" sz="1600" kern="1800" dirty="0" smtClean="0">
+              <a:rPr lang="en-US" sz="1600" kern="1800" dirty="0">
                 <a:solidFill>
                   <a:schemeClr val="tx1"/>
                 </a:solidFill>
@@ -12822,7 +14326,7 @@
           </a:p>
           <a:p>
             <a:pPr algn="just"/>
-            <a:endParaRPr lang="en-US" sz="1600" kern="1800" dirty="0" smtClean="0">
+            <a:endParaRPr lang="en-US" sz="1600" kern="1800" dirty="0">
               <a:solidFill>
                 <a:schemeClr val="tx1"/>
               </a:solidFill>
@@ -12834,7 +14338,7 @@
           <a:p>
             <a:pPr algn="just"/>
             <a:r>
-              <a:rPr lang="en-US" sz="1600" dirty="0" smtClean="0">
+              <a:rPr lang="en-US" sz="1600" dirty="0">
                 <a:solidFill>
                   <a:schemeClr val="tx1"/>
                 </a:solidFill>
@@ -12844,7 +14348,7 @@
               <a:t>[9] </a:t>
             </a:r>
             <a:r>
-              <a:rPr lang="en-US" sz="1600" dirty="0" err="1" smtClean="0">
+              <a:rPr lang="en-US" sz="1600" dirty="0" err="1">
                 <a:solidFill>
                   <a:schemeClr val="tx1"/>
                 </a:solidFill>
@@ -12854,7 +14358,7 @@
               <a:t>Sheela</a:t>
             </a:r>
             <a:r>
-              <a:rPr lang="en-US" sz="1600" dirty="0" smtClean="0">
+              <a:rPr lang="en-US" sz="1600" dirty="0">
                 <a:solidFill>
                   <a:schemeClr val="tx1"/>
                 </a:solidFill>
@@ -12864,7 +14368,7 @@
               <a:t>, L. J., R. </a:t>
             </a:r>
             <a:r>
-              <a:rPr lang="en-US" sz="1600" dirty="0" err="1" smtClean="0">
+              <a:rPr lang="en-US" sz="1600" dirty="0" err="1">
                 <a:solidFill>
                   <a:schemeClr val="tx1"/>
                 </a:solidFill>
@@ -12874,7 +14378,7 @@
               <a:t>Hemamalini</a:t>
             </a:r>
             <a:r>
-              <a:rPr lang="en-US" sz="1600" dirty="0" smtClean="0">
+              <a:rPr lang="en-US" sz="1600" dirty="0">
                 <a:solidFill>
                   <a:schemeClr val="tx1"/>
                 </a:solidFill>
@@ -12884,7 +14388,7 @@
               <a:t>, and M. </a:t>
             </a:r>
             <a:r>
-              <a:rPr lang="en-US" sz="1600" dirty="0" err="1" smtClean="0">
+              <a:rPr lang="en-US" sz="1600" dirty="0" err="1">
                 <a:solidFill>
                   <a:schemeClr val="tx1"/>
                 </a:solidFill>
@@ -12894,7 +14398,7 @@
               <a:t>Rejendran</a:t>
             </a:r>
             <a:r>
-              <a:rPr lang="en-US" sz="1600" dirty="0" smtClean="0">
+              <a:rPr lang="en-US" sz="1600" dirty="0">
                 <a:solidFill>
                   <a:schemeClr val="tx1"/>
                 </a:solidFill>
@@ -12903,7 +14407,7 @@
               </a:rPr>
               <a:t>. "Cell phone  the  primary  personal  mobile   computing devices." International Journal of Computer Trends and Technology 1.2 (2011): 87-90</a:t>
             </a:r>
-            <a:endParaRPr lang="en-GB" sz="1600" dirty="0" smtClean="0">
+            <a:endParaRPr lang="en-GB" sz="1600" dirty="0">
               <a:solidFill>
                 <a:schemeClr val="tx1"/>
               </a:solidFill>
@@ -12913,7 +14417,7 @@
           </a:p>
           <a:p>
             <a:pPr algn="just"/>
-            <a:endParaRPr lang="en-IN" sz="1600" dirty="0" smtClean="0">
+            <a:endParaRPr lang="en-IN" sz="1600" dirty="0">
               <a:solidFill>
                 <a:schemeClr val="tx1"/>
               </a:solidFill>
@@ -12927,7 +14431,7 @@
               <a:buNone/>
             </a:pPr>
             <a:r>
-              <a:rPr lang="en-US" sz="1600" dirty="0" smtClean="0">
+              <a:rPr lang="en-US" sz="1600" dirty="0">
                 <a:solidFill>
                   <a:schemeClr val="tx1"/>
                 </a:solidFill>
@@ -12937,7 +14441,7 @@
               </a:rPr>
               <a:t> </a:t>
             </a:r>
-            <a:endParaRPr lang="en-IN" sz="1600" dirty="0" smtClean="0">
+            <a:endParaRPr lang="en-IN" sz="1600" dirty="0">
               <a:solidFill>
                 <a:schemeClr val="tx1"/>
               </a:solidFill>
@@ -12947,7 +14451,7 @@
             </a:endParaRPr>
           </a:p>
           <a:p>
-            <a:endParaRPr lang="en-IN" sz="1600" dirty="0" smtClean="0">
+            <a:endParaRPr lang="en-IN" sz="1600" dirty="0">
               <a:solidFill>
                 <a:schemeClr val="tx1"/>
               </a:solidFill>
@@ -12957,7 +14461,7 @@
           </a:p>
           <a:p>
             <a:pPr algn="just"/>
-            <a:endParaRPr lang="en-IN" sz="1600" dirty="0" smtClean="0">
+            <a:endParaRPr lang="en-IN" sz="1600" dirty="0">
               <a:solidFill>
                 <a:schemeClr val="tx1"/>
               </a:solidFill>
@@ -12970,7 +14474,7 @@
             <a:pPr marL="0" indent="0" algn="just">
               <a:buNone/>
             </a:pPr>
-            <a:endParaRPr lang="en-IN" sz="1600" dirty="0" smtClean="0">
+            <a:endParaRPr lang="en-IN" sz="1600" dirty="0">
               <a:solidFill>
                 <a:schemeClr val="tx1"/>
               </a:solidFill>
@@ -12980,7 +14484,7 @@
             </a:endParaRPr>
           </a:p>
           <a:p>
-            <a:endParaRPr lang="en-IN" sz="1600" dirty="0" smtClean="0">
+            <a:endParaRPr lang="en-IN" sz="1600" dirty="0">
               <a:solidFill>
                 <a:schemeClr val="tx1"/>
               </a:solidFill>
@@ -13000,24 +14504,17 @@
     </p:spTree>
     <p:extLst>
       <p:ext uri="{BB962C8B-B14F-4D97-AF65-F5344CB8AC3E}">
-        <p14:creationId xmlns="" xmlns:p14="http://schemas.microsoft.com/office/powerpoint/2010/main" val="1113786581"/>
+        <p14:creationId xmlns:p14="http://schemas.microsoft.com/office/powerpoint/2010/main" xmlns="" val="1113786581"/>
       </p:ext>
     </p:extLst>
   </p:cSld>
   <p:clrMapOvr>
     <a:masterClrMapping/>
   </p:clrMapOvr>
-  <p:timing>
-    <p:tnLst>
-      <p:par>
-        <p:cTn id="1" dur="indefinite" restart="never" nodeType="tmRoot"/>
-      </p:par>
-    </p:tnLst>
-  </p:timing>
 </p:sld>
 </file>
 
-<file path=ppt/slides/slide27.xml><?xml version="1.0" encoding="utf-8"?>
+<file path=ppt/slides/slide29.xml><?xml version="1.0" encoding="utf-8"?>
 <p:sld xmlns:a="http://schemas.openxmlformats.org/drawingml/2006/main" xmlns:r="http://schemas.openxmlformats.org/officeDocument/2006/relationships" xmlns:p="http://schemas.openxmlformats.org/presentationml/2006/main">
   <p:cSld>
     <p:spTree>
@@ -13062,13 +14559,6 @@
   <p:clrMapOvr>
     <a:masterClrMapping/>
   </p:clrMapOvr>
-  <p:timing>
-    <p:tnLst>
-      <p:par>
-        <p:cTn id="1" dur="indefinite" restart="never" nodeType="tmRoot"/>
-      </p:par>
-    </p:tnLst>
-  </p:timing>
 </p:sld>
 </file>
 
@@ -13144,14 +14634,14 @@
             <p:ph idx="1"/>
             <p:extLst>
               <p:ext uri="{D42A27DB-BD31-4B8C-83A1-F6EECF244321}">
-                <p14:modId xmlns="" xmlns:p14="http://schemas.microsoft.com/office/powerpoint/2010/main" val="224903816"/>
+                <p14:modId xmlns:p14="http://schemas.microsoft.com/office/powerpoint/2010/main" xmlns="" val="2199905215"/>
               </p:ext>
             </p:extLst>
           </p:nvPr>
         </p:nvGraphicFramePr>
         <p:xfrm>
           <a:off x="0" y="352434"/>
-          <a:ext cx="12192000" cy="6516452"/>
+          <a:ext cx="12192000" cy="6619168"/>
         </p:xfrm>
         <a:graphic>
           <a:graphicData uri="http://schemas.openxmlformats.org/drawingml/2006/table">
@@ -13163,40 +14653,40 @@
                 <a:gridCol w="1032933">
                   <a:extLst>
                     <a:ext uri="{9D8B030D-6E8A-4147-A177-3AD203B41FA5}">
-                      <a16:colId xmlns="" xmlns:a16="http://schemas.microsoft.com/office/drawing/2014/main" val="20000"/>
+                      <a16:colId xmlns:a16="http://schemas.microsoft.com/office/drawing/2014/main" xmlns="" val="20000"/>
                     </a:ext>
                   </a:extLst>
                 </a:gridCol>
                 <a:gridCol w="1547749">
                   <a:extLst>
                     <a:ext uri="{9D8B030D-6E8A-4147-A177-3AD203B41FA5}">
-                      <a16:colId xmlns="" xmlns:a16="http://schemas.microsoft.com/office/drawing/2014/main" val="20001"/>
+                      <a16:colId xmlns:a16="http://schemas.microsoft.com/office/drawing/2014/main" xmlns="" val="20001"/>
                     </a:ext>
                   </a:extLst>
                 </a:gridCol>
                 <a:gridCol w="1664747">
                   <a:extLst>
                     <a:ext uri="{9D8B030D-6E8A-4147-A177-3AD203B41FA5}">
-                      <a16:colId xmlns="" xmlns:a16="http://schemas.microsoft.com/office/drawing/2014/main" val="20002"/>
+                      <a16:colId xmlns:a16="http://schemas.microsoft.com/office/drawing/2014/main" xmlns="" val="20002"/>
                     </a:ext>
                   </a:extLst>
                 </a:gridCol>
                 <a:gridCol w="4401010">
                   <a:extLst>
                     <a:ext uri="{9D8B030D-6E8A-4147-A177-3AD203B41FA5}">
-                      <a16:colId xmlns="" xmlns:a16="http://schemas.microsoft.com/office/drawing/2014/main" val="20003"/>
+                      <a16:colId xmlns:a16="http://schemas.microsoft.com/office/drawing/2014/main" xmlns="" val="20003"/>
                     </a:ext>
                   </a:extLst>
                 </a:gridCol>
                 <a:gridCol w="3545561">
                   <a:extLst>
                     <a:ext uri="{9D8B030D-6E8A-4147-A177-3AD203B41FA5}">
-                      <a16:colId xmlns="" xmlns:a16="http://schemas.microsoft.com/office/drawing/2014/main" val="20004"/>
+                      <a16:colId xmlns:a16="http://schemas.microsoft.com/office/drawing/2014/main" xmlns="" val="20004"/>
                     </a:ext>
                   </a:extLst>
                 </a:gridCol>
               </a:tblGrid>
-              <a:tr h="522339">
+              <a:tr h="516858">
                 <a:tc>
                   <a:txBody>
                     <a:bodyPr/>
@@ -13349,11 +14839,11 @@
                 </a:tc>
                 <a:extLst>
                   <a:ext uri="{0D108BD9-81ED-4DB2-BD59-A6C34878D82A}">
-                    <a16:rowId xmlns="" xmlns:a16="http://schemas.microsoft.com/office/drawing/2014/main" val="10000"/>
+                    <a16:rowId xmlns:a16="http://schemas.microsoft.com/office/drawing/2014/main" xmlns="" val="10000"/>
                   </a:ext>
                 </a:extLst>
               </a:tr>
-              <a:tr h="1324141">
+              <a:tr h="1154817">
                 <a:tc>
                   <a:txBody>
                     <a:bodyPr/>
@@ -13375,7 +14865,32 @@
                         </a:rPr>
                         <a:t>2019</a:t>
                       </a:r>
-                      <a:endParaRPr lang="en-GB" sz="1000" dirty="0">
+                    </a:p>
+                    <a:p>
+                      <a:pPr>
+                        <a:lnSpc>
+                          <a:spcPct val="150000"/>
+                        </a:lnSpc>
+                        <a:spcAft>
+                          <a:spcPts val="1000"/>
+                        </a:spcAft>
+                      </a:pPr>
+                      <a:r>
+                        <a:rPr lang="en-US" sz="1000" dirty="0">
+                          <a:solidFill>
+                            <a:srgbClr val="FF0000"/>
+                          </a:solidFill>
+                          <a:latin typeface="Arial" pitchFamily="34" charset="0"/>
+                          <a:ea typeface="Calibri"/>
+                          <a:cs typeface="Arial" pitchFamily="34" charset="0"/>
+                          <a:hlinkClick r:id="rId2"/>
+                        </a:rPr>
+                        <a:t>https://ieeexplore.ieee.org/document/8777607</a:t>
+                      </a:r>
+                      <a:endParaRPr lang="en-US" sz="1000" dirty="0">
+                        <a:solidFill>
+                          <a:srgbClr val="FF0000"/>
+                        </a:solidFill>
                         <a:latin typeface="Arial" pitchFamily="34" charset="0"/>
                         <a:ea typeface="Calibri"/>
                         <a:cs typeface="Arial" pitchFamily="34" charset="0"/>
@@ -13398,7 +14913,7 @@
                         </a:spcAft>
                       </a:pPr>
                       <a:r>
-                        <a:rPr lang="en-US" sz="1000" b="0" i="0" dirty="0" err="1">
+                        <a:rPr lang="en-US" sz="1000" b="0" i="0" dirty="0">
                           <a:solidFill>
                             <a:srgbClr val="000000"/>
                           </a:solidFill>
@@ -13406,7 +14921,18 @@
                           <a:ea typeface="Calibri"/>
                           <a:cs typeface="Arial" pitchFamily="34" charset="0"/>
                         </a:rPr>
-                        <a:t>Satyendra</a:t>
+                        <a:t>Satyendra K. Vishwakarma</a:t>
+                      </a:r>
+                      <a:r>
+                        <a:rPr lang="en-GB" sz="1000" b="0" i="0" dirty="0">
+                          <a:solidFill>
+                            <a:schemeClr val="dk1"/>
+                          </a:solidFill>
+                          <a:latin typeface="Arial" pitchFamily="34" charset="0"/>
+                          <a:ea typeface="Calibri"/>
+                          <a:cs typeface="Arial" pitchFamily="34" charset="0"/>
+                        </a:rPr>
+                        <a:t> ,</a:t>
                       </a:r>
                       <a:r>
                         <a:rPr lang="en-US" sz="1000" b="0" i="0" dirty="0">
@@ -13417,82 +14943,19 @@
                           <a:ea typeface="Calibri"/>
                           <a:cs typeface="Arial" pitchFamily="34" charset="0"/>
                         </a:rPr>
-                        <a:t> K. </a:t>
+                        <a:t>Prashant Upadhyaya</a:t>
                       </a:r>
                       <a:r>
-                        <a:rPr lang="en-US" sz="1000" b="0" i="0" dirty="0" err="1">
+                        <a:rPr lang="en-GB" sz="1000" b="0" i="0" dirty="0">
                           <a:solidFill>
-                            <a:srgbClr val="000000"/>
+                            <a:schemeClr val="dk1"/>
                           </a:solidFill>
                           <a:latin typeface="Arial" pitchFamily="34" charset="0"/>
                           <a:ea typeface="Calibri"/>
                           <a:cs typeface="Arial" pitchFamily="34" charset="0"/>
                         </a:rPr>
-                        <a:t>Vishwakarma</a:t>
+                        <a:t> ,</a:t>
                       </a:r>
-                      <a:endParaRPr lang="en-GB" sz="1000" dirty="0">
-                        <a:latin typeface="Arial" pitchFamily="34" charset="0"/>
-                        <a:ea typeface="Calibri"/>
-                        <a:cs typeface="Arial" pitchFamily="34" charset="0"/>
-                      </a:endParaRPr>
-                    </a:p>
-                    <a:p>
-                      <a:pPr>
-                        <a:lnSpc>
-                          <a:spcPct val="115000"/>
-                        </a:lnSpc>
-                        <a:spcAft>
-                          <a:spcPts val="1000"/>
-                        </a:spcAft>
-                      </a:pPr>
-                      <a:r>
-                        <a:rPr lang="en-US" sz="1000" b="0" i="0" dirty="0" err="1">
-                          <a:solidFill>
-                            <a:srgbClr val="000000"/>
-                          </a:solidFill>
-                          <a:latin typeface="Arial" pitchFamily="34" charset="0"/>
-                          <a:ea typeface="Calibri"/>
-                          <a:cs typeface="Arial" pitchFamily="34" charset="0"/>
-                        </a:rPr>
-                        <a:t>Prashant</a:t>
-                      </a:r>
-                      <a:r>
-                        <a:rPr lang="en-US" sz="1000" b="0" i="0" dirty="0">
-                          <a:solidFill>
-                            <a:srgbClr val="000000"/>
-                          </a:solidFill>
-                          <a:latin typeface="Arial" pitchFamily="34" charset="0"/>
-                          <a:ea typeface="Calibri"/>
-                          <a:cs typeface="Arial" pitchFamily="34" charset="0"/>
-                        </a:rPr>
-                        <a:t> </a:t>
-                      </a:r>
-                      <a:r>
-                        <a:rPr lang="en-US" sz="1000" b="0" i="0" dirty="0" err="1">
-                          <a:solidFill>
-                            <a:srgbClr val="000000"/>
-                          </a:solidFill>
-                          <a:latin typeface="Arial" pitchFamily="34" charset="0"/>
-                          <a:ea typeface="Calibri"/>
-                          <a:cs typeface="Arial" pitchFamily="34" charset="0"/>
-                        </a:rPr>
-                        <a:t>Upadhyaya</a:t>
-                      </a:r>
-                      <a:endParaRPr lang="en-GB" sz="1000" dirty="0">
-                        <a:latin typeface="Arial" pitchFamily="34" charset="0"/>
-                        <a:ea typeface="Calibri"/>
-                        <a:cs typeface="Arial" pitchFamily="34" charset="0"/>
-                      </a:endParaRPr>
-                    </a:p>
-                    <a:p>
-                      <a:pPr>
-                        <a:lnSpc>
-                          <a:spcPct val="115000"/>
-                        </a:lnSpc>
-                        <a:spcAft>
-                          <a:spcPts val="1000"/>
-                        </a:spcAft>
-                      </a:pPr>
                       <a:r>
                         <a:rPr lang="en-US" sz="1000" b="0" i="0" dirty="0" err="1">
                           <a:solidFill>
@@ -13513,44 +14976,18 @@
                           <a:ea typeface="Calibri"/>
                           <a:cs typeface="Arial" pitchFamily="34" charset="0"/>
                         </a:rPr>
-                        <a:t> </a:t>
+                        <a:t> Kumari</a:t>
                       </a:r>
                       <a:r>
-                        <a:rPr lang="en-US" sz="1000" b="0" i="0" dirty="0" err="1">
+                        <a:rPr lang="en-GB" sz="1000" b="0" i="0" dirty="0">
                           <a:solidFill>
-                            <a:srgbClr val="000000"/>
+                            <a:schemeClr val="dk1"/>
                           </a:solidFill>
                           <a:latin typeface="Arial" pitchFamily="34" charset="0"/>
                           <a:ea typeface="Calibri"/>
                           <a:cs typeface="Arial" pitchFamily="34" charset="0"/>
                         </a:rPr>
-                        <a:t>Kumari</a:t>
-                      </a:r>
-                      <a:endParaRPr lang="en-GB" sz="1000" dirty="0">
-                        <a:latin typeface="Arial" pitchFamily="34" charset="0"/>
-                        <a:ea typeface="Calibri"/>
-                        <a:cs typeface="Arial" pitchFamily="34" charset="0"/>
-                      </a:endParaRPr>
-                    </a:p>
-                    <a:p>
-                      <a:pPr>
-                        <a:lnSpc>
-                          <a:spcPct val="115000"/>
-                        </a:lnSpc>
-                        <a:spcAft>
-                          <a:spcPts val="1000"/>
-                        </a:spcAft>
-                      </a:pPr>
-                      <a:r>
-                        <a:rPr lang="en-US" sz="1000" b="0" i="0" dirty="0" err="1">
-                          <a:solidFill>
-                            <a:srgbClr val="000000"/>
-                          </a:solidFill>
-                          <a:latin typeface="Arial" pitchFamily="34" charset="0"/>
-                          <a:ea typeface="Calibri"/>
-                          <a:cs typeface="Arial" pitchFamily="34" charset="0"/>
-                        </a:rPr>
-                        <a:t>Arun</a:t>
+                        <a:t>,</a:t>
                       </a:r>
                       <a:r>
                         <a:rPr lang="en-US" sz="1000" b="0" i="0" dirty="0">
@@ -13561,18 +14998,7 @@
                           <a:ea typeface="Calibri"/>
                           <a:cs typeface="Arial" pitchFamily="34" charset="0"/>
                         </a:rPr>
-                        <a:t> Kumar </a:t>
-                      </a:r>
-                      <a:r>
-                        <a:rPr lang="en-US" sz="1000" b="0" i="0" dirty="0" err="1">
-                          <a:solidFill>
-                            <a:srgbClr val="000000"/>
-                          </a:solidFill>
-                          <a:latin typeface="Arial" pitchFamily="34" charset="0"/>
-                          <a:ea typeface="Calibri"/>
-                          <a:cs typeface="Arial" pitchFamily="34" charset="0"/>
-                        </a:rPr>
-                        <a:t>Mishra</a:t>
+                        <a:t>Arun Kumar Mishra</a:t>
                       </a:r>
                       <a:endParaRPr lang="en-GB" sz="1000" dirty="0">
                         <a:latin typeface="Arial" pitchFamily="34" charset="0"/>
@@ -13664,11 +15090,6 @@
                         </a:rPr>
                         <a:t>Thus, the proposed model is designed to provide better flexibility and making the system more robust.</a:t>
                       </a:r>
-                      <a:endParaRPr lang="en-GB" sz="1000" dirty="0">
-                        <a:latin typeface="Arial" pitchFamily="34" charset="0"/>
-                        <a:ea typeface="Calibri"/>
-                        <a:cs typeface="Arial" pitchFamily="34" charset="0"/>
-                      </a:endParaRPr>
                     </a:p>
                   </a:txBody>
                   <a:tcPr marL="68580" marR="68580" marT="0" marB="0"/>
@@ -13718,12 +15139,12 @@
                         <a:t>2. Instead of </a:t>
                       </a:r>
                       <a:r>
-                        <a:rPr lang="en-US" sz="1000" dirty="0" err="1">
+                        <a:rPr lang="en-US" sz="1000" dirty="0" err="1" smtClean="0">
                           <a:latin typeface="Arial" pitchFamily="34" charset="0"/>
                           <a:ea typeface="Calibri"/>
                           <a:cs typeface="Arial" pitchFamily="34" charset="0"/>
                         </a:rPr>
-                        <a:t>wifi</a:t>
+                        <a:t>wi-Fi</a:t>
                       </a:r>
                       <a:r>
                         <a:rPr lang="en-US" sz="1000" dirty="0">
@@ -13731,15 +15152,7 @@
                           <a:ea typeface="Calibri"/>
                           <a:cs typeface="Arial" pitchFamily="34" charset="0"/>
                         </a:rPr>
-                        <a:t>, Bluetooth technology is used which leads to limited device controlling </a:t>
-                      </a:r>
-                      <a:r>
-                        <a:rPr lang="en-US" sz="1000" dirty="0" smtClean="0">
-                          <a:latin typeface="Arial" pitchFamily="34" charset="0"/>
-                          <a:ea typeface="Calibri"/>
-                          <a:cs typeface="Arial" pitchFamily="34" charset="0"/>
-                        </a:rPr>
-                        <a:t>distance</a:t>
+                        <a:t>, Bluetooth technology is used which leads to limited device controlling distance</a:t>
                       </a:r>
                       <a:endParaRPr lang="en-GB" sz="1000" dirty="0">
                         <a:latin typeface="Arial" pitchFamily="34" charset="0"/>
@@ -13752,11 +15165,11 @@
                 </a:tc>
                 <a:extLst>
                   <a:ext uri="{0D108BD9-81ED-4DB2-BD59-A6C34878D82A}">
-                    <a16:rowId xmlns="" xmlns:a16="http://schemas.microsoft.com/office/drawing/2014/main" val="10001"/>
+                    <a16:rowId xmlns:a16="http://schemas.microsoft.com/office/drawing/2014/main" xmlns="" val="10001"/>
                   </a:ext>
                 </a:extLst>
               </a:tr>
-              <a:tr h="870857">
+              <a:tr h="782780">
                 <a:tc>
                   <a:txBody>
                     <a:bodyPr/>
@@ -13769,6 +15182,26 @@
                         </a:rPr>
                         <a:t>2019</a:t>
                       </a:r>
+                    </a:p>
+                    <a:p>
+                      <a:endParaRPr lang="en-GB" sz="1000" b="0" u="none" dirty="0">
+                        <a:latin typeface="Arial" pitchFamily="34" charset="0"/>
+                        <a:cs typeface="Arial" pitchFamily="34" charset="0"/>
+                      </a:endParaRPr>
+                    </a:p>
+                    <a:p>
+                      <a:r>
+                        <a:rPr lang="en-GB" sz="1000" b="0" u="none" dirty="0">
+                          <a:latin typeface="Arial" pitchFamily="34" charset="0"/>
+                          <a:cs typeface="Arial" pitchFamily="34" charset="0"/>
+                          <a:hlinkClick r:id="rId3"/>
+                        </a:rPr>
+                        <a:t>https://ieeexplore.ieee.org/document/8844945</a:t>
+                      </a:r>
+                      <a:endParaRPr lang="en-GB" sz="1000" b="0" u="none" dirty="0">
+                        <a:latin typeface="Arial" pitchFamily="34" charset="0"/>
+                        <a:cs typeface="Arial" pitchFamily="34" charset="0"/>
+                      </a:endParaRPr>
                     </a:p>
                   </a:txBody>
                   <a:tcPr/>
@@ -14019,27 +15452,8 @@
                           <a:ea typeface="+mn-ea"/>
                           <a:cs typeface="Arial" pitchFamily="34" charset="0"/>
                         </a:rPr>
-                        <a:t> (ESP8266) microcontroller along with Relays is used to control electrical switches remotely from the server which is built on Node.js</a:t>
+                        <a:t> (ESP8266) microcontroller along with Relays is used to control electrical switches remotely from the server which is built on Node.js.</a:t>
                       </a:r>
-                      <a:r>
-                        <a:rPr lang="en-US" sz="1000" b="0" u="none" kern="1200" dirty="0" smtClean="0">
-                          <a:solidFill>
-                            <a:schemeClr val="dk1"/>
-                          </a:solidFill>
-                          <a:latin typeface="Arial" pitchFamily="34" charset="0"/>
-                          <a:ea typeface="+mn-ea"/>
-                          <a:cs typeface="Arial" pitchFamily="34" charset="0"/>
-                        </a:rPr>
-                        <a:t>.</a:t>
-                      </a:r>
-                      <a:endParaRPr lang="en-US" sz="1000" b="0" u="none" kern="1200" dirty="0">
-                        <a:solidFill>
-                          <a:schemeClr val="dk1"/>
-                        </a:solidFill>
-                        <a:latin typeface="Arial" pitchFamily="34" charset="0"/>
-                        <a:ea typeface="+mn-ea"/>
-                        <a:cs typeface="Arial" pitchFamily="34" charset="0"/>
-                      </a:endParaRPr>
                     </a:p>
                     <a:p>
                       <a:pPr marL="0" marR="0" indent="0" algn="l" defTabSz="914400" rtl="0" eaLnBrk="1" fontAlgn="auto" latinLnBrk="0" hangingPunct="1">
@@ -14158,11 +15572,11 @@
                 </a:tc>
                 <a:extLst>
                   <a:ext uri="{0D108BD9-81ED-4DB2-BD59-A6C34878D82A}">
-                    <a16:rowId xmlns="" xmlns:a16="http://schemas.microsoft.com/office/drawing/2014/main" val="10002"/>
+                    <a16:rowId xmlns:a16="http://schemas.microsoft.com/office/drawing/2014/main" xmlns="" val="10002"/>
                   </a:ext>
                 </a:extLst>
               </a:tr>
-              <a:tr h="1159824">
+              <a:tr h="1147653">
                 <a:tc>
                   <a:txBody>
                     <a:bodyPr/>
@@ -14175,6 +15589,26 @@
                         </a:rPr>
                         <a:t>2019</a:t>
                       </a:r>
+                    </a:p>
+                    <a:p>
+                      <a:endParaRPr lang="en-GB" sz="1000" b="0" u="none" dirty="0">
+                        <a:latin typeface="Arial" pitchFamily="34" charset="0"/>
+                        <a:cs typeface="Arial" pitchFamily="34" charset="0"/>
+                      </a:endParaRPr>
+                    </a:p>
+                    <a:p>
+                      <a:r>
+                        <a:rPr lang="en-GB" sz="1000" b="0" u="none" dirty="0">
+                          <a:latin typeface="Arial" pitchFamily="34" charset="0"/>
+                          <a:cs typeface="Arial" pitchFamily="34" charset="0"/>
+                          <a:hlinkClick r:id="rId4"/>
+                        </a:rPr>
+                        <a:t>https://ieeexplore.ieee.org/document/8372548</a:t>
+                      </a:r>
+                      <a:endParaRPr lang="en-GB" sz="1000" b="0" u="none" dirty="0">
+                        <a:latin typeface="Arial" pitchFamily="34" charset="0"/>
+                        <a:cs typeface="Arial" pitchFamily="34" charset="0"/>
+                      </a:endParaRPr>
                     </a:p>
                   </a:txBody>
                   <a:tcPr/>
@@ -14474,20 +15908,9 @@
                           <a:ea typeface="+mn-ea"/>
                           <a:cs typeface="Arial" pitchFamily="34" charset="0"/>
                         </a:rPr>
-                        <a:t>The sensing of different variables inside the house is conducted using the NodeMCU-ESP8266 microcontroller </a:t>
+                        <a:t>The sensing of different variables inside the house is conducted using the NodeMCU-ESP8266 microcontroller board.</a:t>
                       </a:r>
-                      <a:r>
-                        <a:rPr lang="en-US" sz="1000" b="0" u="none" kern="1200" dirty="0" smtClean="0">
-                          <a:solidFill>
-                            <a:schemeClr val="dk1"/>
-                          </a:solidFill>
-                          <a:latin typeface="Arial" pitchFamily="34" charset="0"/>
-                          <a:ea typeface="+mn-ea"/>
-                          <a:cs typeface="Arial" pitchFamily="34" charset="0"/>
-                        </a:rPr>
-                        <a:t>board.</a:t>
-                      </a:r>
-                      <a:endParaRPr lang="en-GB" sz="1000" b="0" u="none" kern="1200" dirty="0" smtClean="0">
+                      <a:endParaRPr lang="en-GB" sz="1000" b="0" u="none" kern="1200" dirty="0">
                         <a:solidFill>
                           <a:schemeClr val="dk1"/>
                         </a:solidFill>
@@ -14502,7 +15925,7 @@
                         <a:buChar char="§"/>
                       </a:pPr>
                       <a:r>
-                        <a:rPr lang="en-US" sz="1000" b="0" u="none" kern="1200" dirty="0" err="1" smtClean="0">
+                        <a:rPr lang="en-US" sz="1000" b="0" u="none" kern="1200" dirty="0" err="1">
                           <a:solidFill>
                             <a:schemeClr val="dk1"/>
                           </a:solidFill>
@@ -14513,17 +15936,6 @@
                         <a:t>Realtime</a:t>
                       </a:r>
                       <a:r>
-                        <a:rPr lang="en-US" sz="1000" b="0" u="none" kern="1200" dirty="0" smtClean="0">
-                          <a:solidFill>
-                            <a:schemeClr val="dk1"/>
-                          </a:solidFill>
-                          <a:latin typeface="Arial" pitchFamily="34" charset="0"/>
-                          <a:ea typeface="+mn-ea"/>
-                          <a:cs typeface="Arial" pitchFamily="34" charset="0"/>
-                        </a:rPr>
-                        <a:t> </a:t>
-                      </a:r>
-                      <a:r>
                         <a:rPr lang="en-US" sz="1000" b="0" u="none" kern="1200" dirty="0">
                           <a:solidFill>
                             <a:schemeClr val="dk1"/>
@@ -14532,7 +15944,7 @@
                           <a:ea typeface="+mn-ea"/>
                           <a:cs typeface="Arial" pitchFamily="34" charset="0"/>
                         </a:rPr>
-                        <a:t>data sensing, processing and uploading/downloading to/from the </a:t>
+                        <a:t> data sensing, processing and uploading/downloading to/from the </a:t>
                       </a:r>
                       <a:r>
                         <a:rPr lang="en-US" sz="1000" b="0" u="none" kern="1200" dirty="0" err="1">
@@ -14579,27 +15991,8 @@
                           <a:ea typeface="+mn-ea"/>
                           <a:cs typeface="Arial" pitchFamily="34" charset="0"/>
                         </a:rPr>
-                        <a:t>A system can be set to monitor these parameters to help maintain them within an acceptable </a:t>
+                        <a:t>A system can be set to monitor these parameters to help maintain them within an acceptable range.</a:t>
                       </a:r>
-                      <a:r>
-                        <a:rPr lang="en-US" sz="1000" b="0" u="none" kern="1200" dirty="0" smtClean="0">
-                          <a:solidFill>
-                            <a:schemeClr val="dk1"/>
-                          </a:solidFill>
-                          <a:latin typeface="Arial" pitchFamily="34" charset="0"/>
-                          <a:ea typeface="+mn-ea"/>
-                          <a:cs typeface="Arial" pitchFamily="34" charset="0"/>
-                        </a:rPr>
-                        <a:t>range.</a:t>
-                      </a:r>
-                      <a:endParaRPr lang="en-US" sz="1000" b="0" u="none" kern="1200" dirty="0">
-                        <a:solidFill>
-                          <a:schemeClr val="dk1"/>
-                        </a:solidFill>
-                        <a:latin typeface="Arial" pitchFamily="34" charset="0"/>
-                        <a:ea typeface="+mn-ea"/>
-                        <a:cs typeface="Arial" pitchFamily="34" charset="0"/>
-                      </a:endParaRPr>
                     </a:p>
                   </a:txBody>
                   <a:tcPr/>
@@ -14650,15 +16043,7 @@
                           <a:ea typeface="Calibri"/>
                           <a:cs typeface="Arial" pitchFamily="34" charset="0"/>
                         </a:rPr>
-                        <a:t>No secured Authentication over controlling via </a:t>
-                      </a:r>
-                      <a:r>
-                        <a:rPr lang="en-US" sz="1000" b="0" u="none" dirty="0" smtClean="0">
-                          <a:latin typeface="Arial" pitchFamily="34" charset="0"/>
-                          <a:ea typeface="Calibri"/>
-                          <a:cs typeface="Arial" pitchFamily="34" charset="0"/>
-                        </a:rPr>
-                        <a:t>internet</a:t>
+                        <a:t>No secured Authentication over controlling via internet</a:t>
                       </a:r>
                       <a:endParaRPr lang="en-GB" sz="1000" b="0" u="none" dirty="0">
                         <a:latin typeface="Arial" pitchFamily="34" charset="0"/>
@@ -14671,11 +16056,11 @@
                 </a:tc>
                 <a:extLst>
                   <a:ext uri="{0D108BD9-81ED-4DB2-BD59-A6C34878D82A}">
-                    <a16:rowId xmlns="" xmlns:a16="http://schemas.microsoft.com/office/drawing/2014/main" val="10003"/>
+                    <a16:rowId xmlns:a16="http://schemas.microsoft.com/office/drawing/2014/main" xmlns="" val="10003"/>
                   </a:ext>
                 </a:extLst>
               </a:tr>
-              <a:tr h="1343891">
+              <a:tr h="1213636">
                 <a:tc>
                   <a:txBody>
                     <a:bodyPr/>
@@ -14698,6 +16083,45 @@
                         <a:t>2018</a:t>
                       </a:r>
                       <a:endParaRPr lang="en-GB" sz="1000" dirty="0">
+                        <a:latin typeface="Arial" pitchFamily="34" charset="0"/>
+                        <a:ea typeface="Calibri"/>
+                        <a:cs typeface="Arial" pitchFamily="34" charset="0"/>
+                      </a:endParaRPr>
+                    </a:p>
+                    <a:p>
+                      <a:pPr>
+                        <a:lnSpc>
+                          <a:spcPct val="150000"/>
+                        </a:lnSpc>
+                        <a:spcAft>
+                          <a:spcPts val="1000"/>
+                        </a:spcAft>
+                      </a:pPr>
+                      <a:r>
+                        <a:rPr lang="en-US" sz="1000" dirty="0">
+                          <a:latin typeface="Arial" pitchFamily="34" charset="0"/>
+                          <a:ea typeface="Calibri"/>
+                          <a:cs typeface="Arial" pitchFamily="34" charset="0"/>
+                          <a:hlinkClick r:id="rId5"/>
+                        </a:rPr>
+                        <a:t>https://ieeexplore.ieee.org/document/8417153</a:t>
+                      </a:r>
+                      <a:endParaRPr lang="en-US" sz="1000" dirty="0">
+                        <a:latin typeface="Arial" pitchFamily="34" charset="0"/>
+                        <a:ea typeface="Calibri"/>
+                        <a:cs typeface="Arial" pitchFamily="34" charset="0"/>
+                      </a:endParaRPr>
+                    </a:p>
+                    <a:p>
+                      <a:pPr>
+                        <a:lnSpc>
+                          <a:spcPct val="150000"/>
+                        </a:lnSpc>
+                        <a:spcAft>
+                          <a:spcPts val="1000"/>
+                        </a:spcAft>
+                      </a:pPr>
+                      <a:endParaRPr lang="en-US" sz="1000" dirty="0">
                         <a:latin typeface="Arial" pitchFamily="34" charset="0"/>
                         <a:ea typeface="Calibri"/>
                         <a:cs typeface="Arial" pitchFamily="34" charset="0"/>
@@ -14884,7 +16308,7 @@
                         </a:rPr>
                         <a:t> standards and can reduce industrial device commissioning times across vendor products to a few seconds. </a:t>
                       </a:r>
-                      <a:endParaRPr lang="en-GB" sz="1000" dirty="0" smtClean="0">
+                      <a:endParaRPr lang="en-GB" sz="1000" dirty="0">
                         <a:latin typeface="Arial" pitchFamily="34" charset="0"/>
                         <a:ea typeface="Calibri"/>
                         <a:cs typeface="Arial" pitchFamily="34" charset="0"/>
@@ -14902,20 +16326,12 @@
                         <a:buChar char="•"/>
                       </a:pPr>
                       <a:r>
-                        <a:rPr lang="en-US" sz="1000" dirty="0" smtClean="0">
-                          <a:latin typeface="Arial" pitchFamily="34" charset="0"/>
-                          <a:ea typeface="Calibri"/>
-                          <a:cs typeface="Arial" pitchFamily="34" charset="0"/>
-                        </a:rPr>
-                        <a:t>It </a:t>
-                      </a:r>
-                      <a:r>
                         <a:rPr lang="en-US" sz="1000" dirty="0">
                           <a:latin typeface="Arial" pitchFamily="34" charset="0"/>
                           <a:ea typeface="Calibri"/>
                           <a:cs typeface="Arial" pitchFamily="34" charset="0"/>
                         </a:rPr>
-                        <a:t>can handle more than 500 signals per millisecond during runtime, sufficient for most application scenarios.</a:t>
+                        <a:t>It can handle more than 500 signals per millisecond during runtime, sufficient for most application scenarios.</a:t>
                       </a:r>
                       <a:br>
                         <a:rPr lang="en-US" sz="1000" dirty="0">
@@ -14991,15 +16407,7 @@
                           <a:ea typeface="Calibri"/>
                           <a:cs typeface="Arial" pitchFamily="34" charset="0"/>
                         </a:rPr>
-                        <a:t>2.  Devices can be controlled using laptop only. No provision given for controlling devices via android </a:t>
-                      </a:r>
-                      <a:r>
-                        <a:rPr lang="en-US" sz="1000" dirty="0" smtClean="0">
-                          <a:latin typeface="Arial" pitchFamily="34" charset="0"/>
-                          <a:ea typeface="Calibri"/>
-                          <a:cs typeface="Arial" pitchFamily="34" charset="0"/>
-                        </a:rPr>
-                        <a:t>mobiles </a:t>
+                        <a:t>2.  Devices can be controlled using laptop only. No provision given for controlling devices via android mobiles </a:t>
                       </a:r>
                       <a:endParaRPr lang="en-GB" sz="1000" dirty="0">
                         <a:latin typeface="Arial" pitchFamily="34" charset="0"/>
@@ -15012,11 +16420,11 @@
                 </a:tc>
                 <a:extLst>
                   <a:ext uri="{0D108BD9-81ED-4DB2-BD59-A6C34878D82A}">
-                    <a16:rowId xmlns="" xmlns:a16="http://schemas.microsoft.com/office/drawing/2014/main" val="10004"/>
+                    <a16:rowId xmlns:a16="http://schemas.microsoft.com/office/drawing/2014/main" xmlns="" val="10004"/>
                   </a:ext>
                 </a:extLst>
               </a:tr>
-              <a:tr h="1295400">
+              <a:tr h="1354380">
                 <a:tc>
                   <a:txBody>
                     <a:bodyPr/>
@@ -15038,6 +16446,40 @@
                         </a:rPr>
                         <a:t>2017</a:t>
                       </a:r>
+                    </a:p>
+                    <a:p>
+                      <a:pPr>
+                        <a:lnSpc>
+                          <a:spcPct val="150000"/>
+                        </a:lnSpc>
+                        <a:spcAft>
+                          <a:spcPts val="1000"/>
+                        </a:spcAft>
+                      </a:pPr>
+                      <a:r>
+                        <a:rPr lang="en-GB" sz="1000" b="0" u="none" dirty="0">
+                          <a:latin typeface="Arial" pitchFamily="34" charset="0"/>
+                          <a:ea typeface="Calibri"/>
+                          <a:cs typeface="Arial" pitchFamily="34" charset="0"/>
+                          <a:hlinkClick r:id="rId6"/>
+                        </a:rPr>
+                        <a:t>https://ieeexplore.ieee.org/document/8058302</a:t>
+                      </a:r>
+                      <a:endParaRPr lang="en-GB" sz="1000" b="0" u="none" dirty="0">
+                        <a:latin typeface="Arial" pitchFamily="34" charset="0"/>
+                        <a:ea typeface="Calibri"/>
+                        <a:cs typeface="Arial" pitchFamily="34" charset="0"/>
+                      </a:endParaRPr>
+                    </a:p>
+                    <a:p>
+                      <a:pPr>
+                        <a:lnSpc>
+                          <a:spcPct val="150000"/>
+                        </a:lnSpc>
+                        <a:spcAft>
+                          <a:spcPts val="1000"/>
+                        </a:spcAft>
+                      </a:pPr>
                       <a:endParaRPr lang="en-GB" sz="1000" b="0" u="none" dirty="0">
                         <a:latin typeface="Arial" pitchFamily="34" charset="0"/>
                         <a:ea typeface="Calibri"/>
@@ -15263,15 +16705,7 @@
                           <a:ea typeface="Calibri"/>
                           <a:cs typeface="Arial" pitchFamily="34" charset="0"/>
                         </a:rPr>
-                        <a:t>2. Unable to export data’s to other devices for Report generation</a:t>
-                      </a:r>
-                      <a:r>
-                        <a:rPr lang="en-US" sz="1000" b="0" u="none" dirty="0" smtClean="0">
-                          <a:latin typeface="Arial" pitchFamily="34" charset="0"/>
-                          <a:ea typeface="Calibri"/>
-                          <a:cs typeface="Arial" pitchFamily="34" charset="0"/>
-                        </a:rPr>
-                        <a:t>.</a:t>
+                        <a:t>2. Unable to export data’s to other devices for Report generation.</a:t>
                       </a:r>
                       <a:endParaRPr lang="en-GB" sz="1000" b="0" u="none" dirty="0">
                         <a:latin typeface="Arial" pitchFamily="34" charset="0"/>
@@ -15282,6 +16716,11 @@
                   </a:txBody>
                   <a:tcPr marL="68580" marR="68580" marT="0" marB="0"/>
                 </a:tc>
+                <a:extLst>
+                  <a:ext uri="{0D108BD9-81ED-4DB2-BD59-A6C34878D82A}">
+                    <a16:rowId xmlns:a16="http://schemas.microsoft.com/office/drawing/2014/main" xmlns="" val="10005"/>
+                  </a:ext>
+                </a:extLst>
               </a:tr>
             </a:tbl>
           </a:graphicData>
@@ -15324,7 +16763,7 @@
           <p:cNvPr id="2" name="Title 1">
             <a:extLst>
               <a:ext uri="{FF2B5EF4-FFF2-40B4-BE49-F238E27FC236}">
-                <a16:creationId xmlns="" xmlns:a16="http://schemas.microsoft.com/office/drawing/2014/main" id="{2B4E91D0-930F-4C25-9D5B-9B9893CC0C44}"/>
+                <a16:creationId xmlns:a16="http://schemas.microsoft.com/office/drawing/2014/main" xmlns="" id="{2B4E91D0-930F-4C25-9D5B-9B9893CC0C44}"/>
               </a:ext>
             </a:extLst>
           </p:cNvPr>
@@ -15357,7 +16796,7 @@
           <p:cNvPr id="3" name="Content Placeholder 2">
             <a:extLst>
               <a:ext uri="{FF2B5EF4-FFF2-40B4-BE49-F238E27FC236}">
-                <a16:creationId xmlns="" xmlns:a16="http://schemas.microsoft.com/office/drawing/2014/main" id="{760537E2-1472-4705-BBA7-144B140FBC7E}"/>
+                <a16:creationId xmlns:a16="http://schemas.microsoft.com/office/drawing/2014/main" xmlns="" id="{760537E2-1472-4705-BBA7-144B140FBC7E}"/>
               </a:ext>
             </a:extLst>
           </p:cNvPr>
@@ -15378,11 +16817,6 @@
           <a:bodyPr/>
           <a:lstStyle/>
           <a:p>
-            <a:pPr>
-              <a:lnSpc>
-                <a:spcPct val="200000"/>
-              </a:lnSpc>
-            </a:pPr>
             <a:r>
               <a:rPr lang="en-US" sz="1800" b="0" u="none" dirty="0">
                 <a:latin typeface="Arial" pitchFamily="34" charset="0"/>
@@ -15404,11 +16838,6 @@
             </a:endParaRPr>
           </a:p>
           <a:p>
-            <a:pPr>
-              <a:lnSpc>
-                <a:spcPct val="200000"/>
-              </a:lnSpc>
-            </a:pPr>
             <a:r>
               <a:rPr lang="en-US" dirty="0">
                 <a:solidFill>
@@ -15439,11 +16868,6 @@
             </a:r>
           </a:p>
           <a:p>
-            <a:pPr>
-              <a:lnSpc>
-                <a:spcPct val="200000"/>
-              </a:lnSpc>
-            </a:pPr>
             <a:r>
               <a:rPr lang="en-US" sz="1800" dirty="0">
                 <a:solidFill>
@@ -15460,11 +16884,6 @@
             </a:r>
           </a:p>
           <a:p>
-            <a:pPr>
-              <a:lnSpc>
-                <a:spcPct val="200000"/>
-              </a:lnSpc>
-            </a:pPr>
             <a:r>
               <a:rPr lang="en-US" sz="1800" b="0" u="none" kern="1200" dirty="0">
                 <a:solidFill>
@@ -15481,11 +16900,6 @@
             </a:r>
           </a:p>
           <a:p>
-            <a:pPr>
-              <a:lnSpc>
-                <a:spcPct val="200000"/>
-              </a:lnSpc>
-            </a:pPr>
             <a:r>
               <a:rPr lang="en-US" sz="1800" b="0" u="none" dirty="0">
                 <a:latin typeface="Arial" pitchFamily="34" charset="0"/>
@@ -15548,7 +16962,7 @@
     </p:spTree>
     <p:extLst>
       <p:ext uri="{BB962C8B-B14F-4D97-AF65-F5344CB8AC3E}">
-        <p14:creationId xmlns="" xmlns:p14="http://schemas.microsoft.com/office/powerpoint/2010/main" val="983051713"/>
+        <p14:creationId xmlns:p14="http://schemas.microsoft.com/office/powerpoint/2010/main" xmlns="" val="983051713"/>
       </p:ext>
     </p:extLst>
   </p:cSld>
@@ -15605,10 +17019,9 @@
           <a:lstStyle/>
           <a:p>
             <a:r>
-              <a:rPr lang="en-US" sz="3800" b="1" dirty="0" smtClean="0"/>
+              <a:rPr lang="en-US" sz="3800" b="1" dirty="0"/>
               <a:t>TECHNOLOGY STACK </a:t>
             </a:r>
-            <a:endParaRPr lang="en-US" sz="3800" b="1" dirty="0"/>
           </a:p>
         </p:txBody>
       </p:sp>
@@ -15650,7 +17063,7 @@
           <p:cNvPr id="2" name="Rectangle 1">
             <a:extLst>
               <a:ext uri="{FF2B5EF4-FFF2-40B4-BE49-F238E27FC236}">
-                <a16:creationId xmlns="" xmlns:a16="http://schemas.microsoft.com/office/drawing/2014/main" id="{36A51396-7E58-4926-99AC-C6FAB4D15851}"/>
+                <a16:creationId xmlns:a16="http://schemas.microsoft.com/office/drawing/2014/main" xmlns="" id="{36A51396-7E58-4926-99AC-C6FAB4D15851}"/>
               </a:ext>
             </a:extLst>
           </p:cNvPr>
@@ -15704,7 +17117,7 @@
     </p:spTree>
     <p:extLst>
       <p:ext uri="{BB962C8B-B14F-4D97-AF65-F5344CB8AC3E}">
-        <p14:creationId xmlns="" xmlns:p14="http://schemas.microsoft.com/office/powerpoint/2010/main" val="3242922102"/>
+        <p14:creationId xmlns:p14="http://schemas.microsoft.com/office/powerpoint/2010/main" xmlns="" val="3242922102"/>
       </p:ext>
     </p:extLst>
   </p:cSld>
@@ -15785,8 +17198,8 @@
         </p:blipFill>
         <p:spPr>
           <a:xfrm>
-            <a:off x="4902200" y="571500"/>
-            <a:ext cx="5041900" cy="6286500"/>
+            <a:off x="2512381" y="754602"/>
+            <a:ext cx="8318376" cy="6103398"/>
           </a:xfrm>
         </p:spPr>
       </p:pic>
@@ -15890,12 +17303,8 @@
           <a:p>
             <a:pPr algn="l"/>
             <a:r>
-              <a:rPr lang="en-GB" b="1" dirty="0" smtClean="0"/>
-              <a:t>SYSTEM DESIGN-ER </a:t>
-            </a:r>
-            <a:r>
               <a:rPr lang="en-GB" b="1" dirty="0"/>
-              <a:t>DIAGRAM</a:t>
+              <a:t>SYSTEM DESIGN-ER DIAGRAM</a:t>
             </a:r>
           </a:p>
         </p:txBody>
@@ -15950,10 +17359,9 @@
           <a:lstStyle/>
           <a:p>
             <a:r>
-              <a:rPr lang="en-GB" dirty="0" smtClean="0"/>
+              <a:rPr lang="en-GB" dirty="0"/>
               <a:t>1</a:t>
             </a:r>
-            <a:endParaRPr lang="en-GB" dirty="0"/>
           </a:p>
         </p:txBody>
       </p:sp>
@@ -15983,10 +17391,9 @@
           <a:lstStyle/>
           <a:p>
             <a:r>
-              <a:rPr lang="en-GB" dirty="0" smtClean="0"/>
+              <a:rPr lang="en-GB" dirty="0"/>
               <a:t>1</a:t>
             </a:r>
-            <a:endParaRPr lang="en-GB" dirty="0"/>
           </a:p>
         </p:txBody>
       </p:sp>
@@ -16027,7 +17434,7 @@
           <p:cNvPr id="2" name="Title 1">
             <a:extLst>
               <a:ext uri="{FF2B5EF4-FFF2-40B4-BE49-F238E27FC236}">
-                <a16:creationId xmlns="" xmlns:a16="http://schemas.microsoft.com/office/drawing/2014/main" id="{EF695662-4AF4-4F6F-A1BA-CA9F4C4F62DF}"/>
+                <a16:creationId xmlns:a16="http://schemas.microsoft.com/office/drawing/2014/main" xmlns="" id="{EF695662-4AF4-4F6F-A1BA-CA9F4C4F62DF}"/>
               </a:ext>
             </a:extLst>
           </p:cNvPr>
@@ -16051,11 +17458,7 @@
             <a:pPr algn="l"/>
             <a:r>
               <a:rPr lang="en-US" b="1" dirty="0"/>
-              <a:t>USECASE </a:t>
-            </a:r>
-            <a:r>
-              <a:rPr lang="en-US" b="1" dirty="0" smtClean="0"/>
-              <a:t>DIAGRAM</a:t>
+              <a:t>USECASE DIAGRAM</a:t>
             </a:r>
             <a:endParaRPr lang="en-IN" b="1" dirty="0"/>
           </a:p>
@@ -16088,7 +17491,7 @@
     </p:spTree>
     <p:extLst>
       <p:ext uri="{BB962C8B-B14F-4D97-AF65-F5344CB8AC3E}">
-        <p14:creationId xmlns="" xmlns:p14="http://schemas.microsoft.com/office/powerpoint/2010/main" val="3340934766"/>
+        <p14:creationId xmlns:p14="http://schemas.microsoft.com/office/powerpoint/2010/main" xmlns="" val="3340934766"/>
       </p:ext>
     </p:extLst>
   </p:cSld>
@@ -16426,7 +17829,7 @@
   <a:extraClrSchemeLst/>
   <a:extLst>
     <a:ext uri="{05A4C25C-085E-4340-85A3-A5531E510DB2}">
-      <thm15:themeFamily xmlns="" xmlns:thm15="http://schemas.microsoft.com/office/thememl/2012/main" name="Wisp" id="{7CB32D59-10C0-40DD-B7BD-2E94284A981C}" vid="{24B1A44C-C006-48B2-A4D7-E5549B3D8CD4}"/>
+      <thm15:themeFamily xmlns:thm15="http://schemas.microsoft.com/office/thememl/2012/main" xmlns="" name="Wisp" id="{7CB32D59-10C0-40DD-B7BD-2E94284A981C}" vid="{24B1A44C-C006-48B2-A4D7-E5549B3D8CD4}"/>
     </a:ext>
   </a:extLst>
 </a:theme>
